--- a/FunBioinf-Tutorial-DSA2019-v1.pptx
+++ b/FunBioinf-Tutorial-DSA2019-v1.pptx
@@ -3,24 +3,25 @@
 <p:presentation xmlns:a="http://schemas.openxmlformats.org/drawingml/2006/main" xmlns:p="http://schemas.openxmlformats.org/presentationml/2006/main" xmlns:r="http://schemas.openxmlformats.org/officeDocument/2006/relationships" xmlns:p14="http://schemas.microsoft.com/office/powerpoint/2010/main" xmlns:p15="http://schemas.microsoft.com/office/powerpoint/2012/main" xmlns:mc="http://schemas.openxmlformats.org/markup-compatibility/2006">
   <p:sldMasterIdLst>
     <p:sldMasterId id="2147483648" r:id="rId2"/>
+    <p:sldMasterId id="2147483661" r:id="rId3"/>
   </p:sldMasterIdLst>
   <p:sldIdLst>
-    <p:sldId id="256" r:id="rId3"/>
-    <p:sldId id="257" r:id="rId4"/>
-    <p:sldId id="258" r:id="rId5"/>
-    <p:sldId id="259" r:id="rId6"/>
-    <p:sldId id="260" r:id="rId7"/>
-    <p:sldId id="261" r:id="rId8"/>
-    <p:sldId id="262" r:id="rId9"/>
-    <p:sldId id="263" r:id="rId10"/>
-    <p:sldId id="264" r:id="rId11"/>
-    <p:sldId id="265" r:id="rId12"/>
-    <p:sldId id="266" r:id="rId13"/>
-    <p:sldId id="267" r:id="rId14"/>
-    <p:sldId id="268" r:id="rId15"/>
-    <p:sldId id="269" r:id="rId16"/>
-    <p:sldId id="270" r:id="rId17"/>
-    <p:sldId id="271" r:id="rId18"/>
+    <p:sldId id="256" r:id="rId4"/>
+    <p:sldId id="257" r:id="rId5"/>
+    <p:sldId id="258" r:id="rId6"/>
+    <p:sldId id="259" r:id="rId7"/>
+    <p:sldId id="260" r:id="rId8"/>
+    <p:sldId id="261" r:id="rId9"/>
+    <p:sldId id="262" r:id="rId10"/>
+    <p:sldId id="263" r:id="rId11"/>
+    <p:sldId id="264" r:id="rId12"/>
+    <p:sldId id="265" r:id="rId13"/>
+    <p:sldId id="266" r:id="rId14"/>
+    <p:sldId id="267" r:id="rId15"/>
+    <p:sldId id="268" r:id="rId16"/>
+    <p:sldId id="269" r:id="rId17"/>
+    <p:sldId id="270" r:id="rId18"/>
+    <p:sldId id="271" r:id="rId19"/>
   </p:sldIdLst>
   <p:sldSz cx="10080625" cy="5670550"/>
   <p:notesSz cx="7559675" cy="10691812"/>
@@ -68,7 +69,7 @@
       </p:grpSpPr>
       <p:sp>
         <p:nvSpPr>
-          <p:cNvPr id="27" name="PlaceHolder 1"/>
+          <p:cNvPr id="24" name="PlaceHolder 1"/>
           <p:cNvSpPr>
             <a:spLocks noGrp="1"/>
           </p:cNvSpPr>
@@ -79,30 +80,25 @@
         <p:spPr>
           <a:xfrm>
             <a:off x="1620000" y="216000"/>
-            <a:ext cx="8100000" cy="936000"/>
-          </a:xfrm>
-          <a:prstGeom prst="rect">
-            <a:avLst/>
-          </a:prstGeom>
-        </p:spPr>
-        <p:txBody>
-          <a:bodyPr lIns="0" rIns="0" tIns="0" bIns="0" anchor="ctr">
-            <a:normAutofit/>
-          </a:bodyPr>
+            <a:ext cx="8099640" cy="935640"/>
+          </a:xfrm>
+          <a:prstGeom prst="rect">
+            <a:avLst/>
+          </a:prstGeom>
+        </p:spPr>
+        <p:txBody>
+          <a:bodyPr lIns="0" rIns="0" tIns="0" bIns="0" anchor="ctr"/>
           <a:p>
             <a:pPr algn="ctr"/>
-            <a:endParaRPr b="0" lang="en-US" sz="3300" spc="-1" strike="noStrike">
-              <a:solidFill>
-                <a:srgbClr val="050505"/>
-              </a:solidFill>
-              <a:latin typeface="Times New Roman"/>
-            </a:endParaRPr>
-          </a:p>
-        </p:txBody>
-      </p:sp>
-      <p:sp>
-        <p:nvSpPr>
-          <p:cNvPr id="28" name="PlaceHolder 2"/>
+            <a:endParaRPr b="0" lang="en-US" sz="4400" spc="-1" strike="noStrike">
+              <a:latin typeface="Arial"/>
+            </a:endParaRPr>
+          </a:p>
+        </p:txBody>
+      </p:sp>
+      <p:sp>
+        <p:nvSpPr>
+          <p:cNvPr id="25" name="PlaceHolder 2"/>
           <p:cNvSpPr>
             <a:spLocks noGrp="1"/>
           </p:cNvSpPr>
@@ -112,8 +108,8 @@
         </p:nvSpPr>
         <p:spPr>
           <a:xfrm>
-            <a:off x="1620000" y="1368000"/>
-            <a:ext cx="8100000" cy="1568160"/>
+            <a:off x="504000" y="1326600"/>
+            <a:ext cx="9072000" cy="1568520"/>
           </a:xfrm>
           <a:prstGeom prst="rect">
             <a:avLst/>
@@ -124,18 +120,15 @@
             <a:normAutofit/>
           </a:bodyPr>
           <a:p>
-            <a:endParaRPr b="0" lang="en-US" sz="2400" spc="-1" strike="noStrike">
-              <a:solidFill>
-                <a:srgbClr val="050505"/>
-              </a:solidFill>
-              <a:latin typeface="Arial"/>
-            </a:endParaRPr>
-          </a:p>
-        </p:txBody>
-      </p:sp>
-      <p:sp>
-        <p:nvSpPr>
-          <p:cNvPr id="29" name="PlaceHolder 3"/>
+            <a:endParaRPr b="0" lang="en-US" sz="3200" spc="-1" strike="noStrike">
+              <a:latin typeface="Arial"/>
+            </a:endParaRPr>
+          </a:p>
+        </p:txBody>
+      </p:sp>
+      <p:sp>
+        <p:nvSpPr>
+          <p:cNvPr id="26" name="PlaceHolder 3"/>
           <p:cNvSpPr>
             <a:spLocks noGrp="1"/>
           </p:cNvSpPr>
@@ -145,8 +138,8 @@
         </p:nvSpPr>
         <p:spPr>
           <a:xfrm>
-            <a:off x="1620000" y="3085560"/>
-            <a:ext cx="8100000" cy="1568160"/>
+            <a:off x="504000" y="3044520"/>
+            <a:ext cx="9072000" cy="1568520"/>
           </a:xfrm>
           <a:prstGeom prst="rect">
             <a:avLst/>
@@ -157,10 +150,7 @@
             <a:normAutofit/>
           </a:bodyPr>
           <a:p>
-            <a:endParaRPr b="0" lang="en-US" sz="2400" spc="-1" strike="noStrike">
-              <a:solidFill>
-                <a:srgbClr val="050505"/>
-              </a:solidFill>
+            <a:endParaRPr b="0" lang="en-US" sz="3200" spc="-1" strike="noStrike">
               <a:latin typeface="Arial"/>
             </a:endParaRPr>
           </a:p>
@@ -190,7 +180,7 @@
       </p:grpSpPr>
       <p:sp>
         <p:nvSpPr>
-          <p:cNvPr id="30" name="PlaceHolder 1"/>
+          <p:cNvPr id="27" name="PlaceHolder 1"/>
           <p:cNvSpPr>
             <a:spLocks noGrp="1"/>
           </p:cNvSpPr>
@@ -201,30 +191,25 @@
         <p:spPr>
           <a:xfrm>
             <a:off x="1620000" y="216000"/>
-            <a:ext cx="8100000" cy="936000"/>
-          </a:xfrm>
-          <a:prstGeom prst="rect">
-            <a:avLst/>
-          </a:prstGeom>
-        </p:spPr>
-        <p:txBody>
-          <a:bodyPr lIns="0" rIns="0" tIns="0" bIns="0" anchor="ctr">
-            <a:normAutofit/>
-          </a:bodyPr>
+            <a:ext cx="8099640" cy="935640"/>
+          </a:xfrm>
+          <a:prstGeom prst="rect">
+            <a:avLst/>
+          </a:prstGeom>
+        </p:spPr>
+        <p:txBody>
+          <a:bodyPr lIns="0" rIns="0" tIns="0" bIns="0" anchor="ctr"/>
           <a:p>
             <a:pPr algn="ctr"/>
-            <a:endParaRPr b="0" lang="en-US" sz="3300" spc="-1" strike="noStrike">
-              <a:solidFill>
-                <a:srgbClr val="050505"/>
-              </a:solidFill>
-              <a:latin typeface="Times New Roman"/>
-            </a:endParaRPr>
-          </a:p>
-        </p:txBody>
-      </p:sp>
-      <p:sp>
-        <p:nvSpPr>
-          <p:cNvPr id="31" name="PlaceHolder 2"/>
+            <a:endParaRPr b="0" lang="en-US" sz="4400" spc="-1" strike="noStrike">
+              <a:latin typeface="Arial"/>
+            </a:endParaRPr>
+          </a:p>
+        </p:txBody>
+      </p:sp>
+      <p:sp>
+        <p:nvSpPr>
+          <p:cNvPr id="28" name="PlaceHolder 2"/>
           <p:cNvSpPr>
             <a:spLocks noGrp="1"/>
           </p:cNvSpPr>
@@ -234,8 +219,8 @@
         </p:nvSpPr>
         <p:spPr>
           <a:xfrm>
-            <a:off x="1620000" y="1368000"/>
-            <a:ext cx="3952440" cy="1568160"/>
+            <a:off x="504000" y="1326600"/>
+            <a:ext cx="4426920" cy="1568520"/>
           </a:xfrm>
           <a:prstGeom prst="rect">
             <a:avLst/>
@@ -246,18 +231,15 @@
             <a:normAutofit/>
           </a:bodyPr>
           <a:p>
-            <a:endParaRPr b="0" lang="en-US" sz="2400" spc="-1" strike="noStrike">
-              <a:solidFill>
-                <a:srgbClr val="050505"/>
-              </a:solidFill>
-              <a:latin typeface="Arial"/>
-            </a:endParaRPr>
-          </a:p>
-        </p:txBody>
-      </p:sp>
-      <p:sp>
-        <p:nvSpPr>
-          <p:cNvPr id="32" name="PlaceHolder 3"/>
+            <a:endParaRPr b="0" lang="en-US" sz="3200" spc="-1" strike="noStrike">
+              <a:latin typeface="Arial"/>
+            </a:endParaRPr>
+          </a:p>
+        </p:txBody>
+      </p:sp>
+      <p:sp>
+        <p:nvSpPr>
+          <p:cNvPr id="29" name="PlaceHolder 3"/>
           <p:cNvSpPr>
             <a:spLocks noGrp="1"/>
           </p:cNvSpPr>
@@ -267,8 +249,8 @@
         </p:nvSpPr>
         <p:spPr>
           <a:xfrm>
-            <a:off x="5770440" y="1368000"/>
-            <a:ext cx="3952440" cy="1568160"/>
+            <a:off x="5152680" y="1326600"/>
+            <a:ext cx="4426920" cy="1568520"/>
           </a:xfrm>
           <a:prstGeom prst="rect">
             <a:avLst/>
@@ -279,18 +261,15 @@
             <a:normAutofit/>
           </a:bodyPr>
           <a:p>
-            <a:endParaRPr b="0" lang="en-US" sz="2400" spc="-1" strike="noStrike">
-              <a:solidFill>
-                <a:srgbClr val="050505"/>
-              </a:solidFill>
-              <a:latin typeface="Arial"/>
-            </a:endParaRPr>
-          </a:p>
-        </p:txBody>
-      </p:sp>
-      <p:sp>
-        <p:nvSpPr>
-          <p:cNvPr id="33" name="PlaceHolder 4"/>
+            <a:endParaRPr b="0" lang="en-US" sz="3200" spc="-1" strike="noStrike">
+              <a:latin typeface="Arial"/>
+            </a:endParaRPr>
+          </a:p>
+        </p:txBody>
+      </p:sp>
+      <p:sp>
+        <p:nvSpPr>
+          <p:cNvPr id="30" name="PlaceHolder 4"/>
           <p:cNvSpPr>
             <a:spLocks noGrp="1"/>
           </p:cNvSpPr>
@@ -300,8 +279,8 @@
         </p:nvSpPr>
         <p:spPr>
           <a:xfrm>
-            <a:off x="1620000" y="3085560"/>
-            <a:ext cx="3952440" cy="1568160"/>
+            <a:off x="504000" y="3044520"/>
+            <a:ext cx="4426920" cy="1568520"/>
           </a:xfrm>
           <a:prstGeom prst="rect">
             <a:avLst/>
@@ -312,18 +291,15 @@
             <a:normAutofit/>
           </a:bodyPr>
           <a:p>
-            <a:endParaRPr b="0" lang="en-US" sz="2400" spc="-1" strike="noStrike">
-              <a:solidFill>
-                <a:srgbClr val="050505"/>
-              </a:solidFill>
-              <a:latin typeface="Arial"/>
-            </a:endParaRPr>
-          </a:p>
-        </p:txBody>
-      </p:sp>
-      <p:sp>
-        <p:nvSpPr>
-          <p:cNvPr id="34" name="PlaceHolder 5"/>
+            <a:endParaRPr b="0" lang="en-US" sz="3200" spc="-1" strike="noStrike">
+              <a:latin typeface="Arial"/>
+            </a:endParaRPr>
+          </a:p>
+        </p:txBody>
+      </p:sp>
+      <p:sp>
+        <p:nvSpPr>
+          <p:cNvPr id="31" name="PlaceHolder 5"/>
           <p:cNvSpPr>
             <a:spLocks noGrp="1"/>
           </p:cNvSpPr>
@@ -333,8 +309,8 @@
         </p:nvSpPr>
         <p:spPr>
           <a:xfrm>
-            <a:off x="5770440" y="3085560"/>
-            <a:ext cx="3952440" cy="1568160"/>
+            <a:off x="5152680" y="3044520"/>
+            <a:ext cx="4426920" cy="1568520"/>
           </a:xfrm>
           <a:prstGeom prst="rect">
             <a:avLst/>
@@ -345,10 +321,7 @@
             <a:normAutofit/>
           </a:bodyPr>
           <a:p>
-            <a:endParaRPr b="0" lang="en-US" sz="2400" spc="-1" strike="noStrike">
-              <a:solidFill>
-                <a:srgbClr val="050505"/>
-              </a:solidFill>
+            <a:endParaRPr b="0" lang="en-US" sz="3200" spc="-1" strike="noStrike">
               <a:latin typeface="Arial"/>
             </a:endParaRPr>
           </a:p>
@@ -378,7 +351,7 @@
       </p:grpSpPr>
       <p:sp>
         <p:nvSpPr>
-          <p:cNvPr id="35" name="PlaceHolder 1"/>
+          <p:cNvPr id="32" name="PlaceHolder 1"/>
           <p:cNvSpPr>
             <a:spLocks noGrp="1"/>
           </p:cNvSpPr>
@@ -389,30 +362,25 @@
         <p:spPr>
           <a:xfrm>
             <a:off x="1620000" y="216000"/>
-            <a:ext cx="8100000" cy="936000"/>
-          </a:xfrm>
-          <a:prstGeom prst="rect">
-            <a:avLst/>
-          </a:prstGeom>
-        </p:spPr>
-        <p:txBody>
-          <a:bodyPr lIns="0" rIns="0" tIns="0" bIns="0" anchor="ctr">
-            <a:normAutofit/>
-          </a:bodyPr>
+            <a:ext cx="8099640" cy="935640"/>
+          </a:xfrm>
+          <a:prstGeom prst="rect">
+            <a:avLst/>
+          </a:prstGeom>
+        </p:spPr>
+        <p:txBody>
+          <a:bodyPr lIns="0" rIns="0" tIns="0" bIns="0" anchor="ctr"/>
           <a:p>
             <a:pPr algn="ctr"/>
-            <a:endParaRPr b="0" lang="en-US" sz="3300" spc="-1" strike="noStrike">
-              <a:solidFill>
-                <a:srgbClr val="050505"/>
-              </a:solidFill>
-              <a:latin typeface="Times New Roman"/>
-            </a:endParaRPr>
-          </a:p>
-        </p:txBody>
-      </p:sp>
-      <p:sp>
-        <p:nvSpPr>
-          <p:cNvPr id="36" name="PlaceHolder 2"/>
+            <a:endParaRPr b="0" lang="en-US" sz="4400" spc="-1" strike="noStrike">
+              <a:latin typeface="Arial"/>
+            </a:endParaRPr>
+          </a:p>
+        </p:txBody>
+      </p:sp>
+      <p:sp>
+        <p:nvSpPr>
+          <p:cNvPr id="33" name="PlaceHolder 2"/>
           <p:cNvSpPr>
             <a:spLocks noGrp="1"/>
           </p:cNvSpPr>
@@ -422,8 +390,8 @@
         </p:nvSpPr>
         <p:spPr>
           <a:xfrm>
-            <a:off x="1620000" y="1368000"/>
-            <a:ext cx="2607840" cy="1568160"/>
+            <a:off x="504000" y="1326600"/>
+            <a:ext cx="2921040" cy="1568520"/>
           </a:xfrm>
           <a:prstGeom prst="rect">
             <a:avLst/>
@@ -434,18 +402,15 @@
             <a:normAutofit/>
           </a:bodyPr>
           <a:p>
-            <a:endParaRPr b="0" lang="en-US" sz="2400" spc="-1" strike="noStrike">
-              <a:solidFill>
-                <a:srgbClr val="050505"/>
-              </a:solidFill>
-              <a:latin typeface="Arial"/>
-            </a:endParaRPr>
-          </a:p>
-        </p:txBody>
-      </p:sp>
-      <p:sp>
-        <p:nvSpPr>
-          <p:cNvPr id="37" name="PlaceHolder 3"/>
+            <a:endParaRPr b="0" lang="en-US" sz="3200" spc="-1" strike="noStrike">
+              <a:latin typeface="Arial"/>
+            </a:endParaRPr>
+          </a:p>
+        </p:txBody>
+      </p:sp>
+      <p:sp>
+        <p:nvSpPr>
+          <p:cNvPr id="34" name="PlaceHolder 3"/>
           <p:cNvSpPr>
             <a:spLocks noGrp="1"/>
           </p:cNvSpPr>
@@ -455,8 +420,8 @@
         </p:nvSpPr>
         <p:spPr>
           <a:xfrm>
-            <a:off x="4358520" y="1368000"/>
-            <a:ext cx="2607840" cy="1568160"/>
+            <a:off x="3571560" y="1326600"/>
+            <a:ext cx="2921040" cy="1568520"/>
           </a:xfrm>
           <a:prstGeom prst="rect">
             <a:avLst/>
@@ -467,18 +432,15 @@
             <a:normAutofit/>
           </a:bodyPr>
           <a:p>
-            <a:endParaRPr b="0" lang="en-US" sz="2400" spc="-1" strike="noStrike">
-              <a:solidFill>
-                <a:srgbClr val="050505"/>
-              </a:solidFill>
-              <a:latin typeface="Arial"/>
-            </a:endParaRPr>
-          </a:p>
-        </p:txBody>
-      </p:sp>
-      <p:sp>
-        <p:nvSpPr>
-          <p:cNvPr id="38" name="PlaceHolder 4"/>
+            <a:endParaRPr b="0" lang="en-US" sz="3200" spc="-1" strike="noStrike">
+              <a:latin typeface="Arial"/>
+            </a:endParaRPr>
+          </a:p>
+        </p:txBody>
+      </p:sp>
+      <p:sp>
+        <p:nvSpPr>
+          <p:cNvPr id="35" name="PlaceHolder 4"/>
           <p:cNvSpPr>
             <a:spLocks noGrp="1"/>
           </p:cNvSpPr>
@@ -488,8 +450,8 @@
         </p:nvSpPr>
         <p:spPr>
           <a:xfrm>
-            <a:off x="7097400" y="1368000"/>
-            <a:ext cx="2607840" cy="1568160"/>
+            <a:off x="6639120" y="1326600"/>
+            <a:ext cx="2921040" cy="1568520"/>
           </a:xfrm>
           <a:prstGeom prst="rect">
             <a:avLst/>
@@ -500,18 +462,15 @@
             <a:normAutofit/>
           </a:bodyPr>
           <a:p>
-            <a:endParaRPr b="0" lang="en-US" sz="2400" spc="-1" strike="noStrike">
-              <a:solidFill>
-                <a:srgbClr val="050505"/>
-              </a:solidFill>
-              <a:latin typeface="Arial"/>
-            </a:endParaRPr>
-          </a:p>
-        </p:txBody>
-      </p:sp>
-      <p:sp>
-        <p:nvSpPr>
-          <p:cNvPr id="39" name="PlaceHolder 5"/>
+            <a:endParaRPr b="0" lang="en-US" sz="3200" spc="-1" strike="noStrike">
+              <a:latin typeface="Arial"/>
+            </a:endParaRPr>
+          </a:p>
+        </p:txBody>
+      </p:sp>
+      <p:sp>
+        <p:nvSpPr>
+          <p:cNvPr id="36" name="PlaceHolder 5"/>
           <p:cNvSpPr>
             <a:spLocks noGrp="1"/>
           </p:cNvSpPr>
@@ -521,8 +480,8 @@
         </p:nvSpPr>
         <p:spPr>
           <a:xfrm>
-            <a:off x="1620000" y="3085560"/>
-            <a:ext cx="2607840" cy="1568160"/>
+            <a:off x="504000" y="3044520"/>
+            <a:ext cx="2921040" cy="1568520"/>
           </a:xfrm>
           <a:prstGeom prst="rect">
             <a:avLst/>
@@ -533,18 +492,15 @@
             <a:normAutofit/>
           </a:bodyPr>
           <a:p>
-            <a:endParaRPr b="0" lang="en-US" sz="2400" spc="-1" strike="noStrike">
-              <a:solidFill>
-                <a:srgbClr val="050505"/>
-              </a:solidFill>
-              <a:latin typeface="Arial"/>
-            </a:endParaRPr>
-          </a:p>
-        </p:txBody>
-      </p:sp>
-      <p:sp>
-        <p:nvSpPr>
-          <p:cNvPr id="40" name="PlaceHolder 6"/>
+            <a:endParaRPr b="0" lang="en-US" sz="3200" spc="-1" strike="noStrike">
+              <a:latin typeface="Arial"/>
+            </a:endParaRPr>
+          </a:p>
+        </p:txBody>
+      </p:sp>
+      <p:sp>
+        <p:nvSpPr>
+          <p:cNvPr id="37" name="PlaceHolder 6"/>
           <p:cNvSpPr>
             <a:spLocks noGrp="1"/>
           </p:cNvSpPr>
@@ -554,8 +510,8 @@
         </p:nvSpPr>
         <p:spPr>
           <a:xfrm>
-            <a:off x="4358520" y="3085560"/>
-            <a:ext cx="2607840" cy="1568160"/>
+            <a:off x="3571560" y="3044520"/>
+            <a:ext cx="2921040" cy="1568520"/>
           </a:xfrm>
           <a:prstGeom prst="rect">
             <a:avLst/>
@@ -566,18 +522,15 @@
             <a:normAutofit/>
           </a:bodyPr>
           <a:p>
-            <a:endParaRPr b="0" lang="en-US" sz="2400" spc="-1" strike="noStrike">
-              <a:solidFill>
-                <a:srgbClr val="050505"/>
-              </a:solidFill>
-              <a:latin typeface="Arial"/>
-            </a:endParaRPr>
-          </a:p>
-        </p:txBody>
-      </p:sp>
-      <p:sp>
-        <p:nvSpPr>
-          <p:cNvPr id="41" name="PlaceHolder 7"/>
+            <a:endParaRPr b="0" lang="en-US" sz="3200" spc="-1" strike="noStrike">
+              <a:latin typeface="Arial"/>
+            </a:endParaRPr>
+          </a:p>
+        </p:txBody>
+      </p:sp>
+      <p:sp>
+        <p:nvSpPr>
+          <p:cNvPr id="38" name="PlaceHolder 7"/>
           <p:cNvSpPr>
             <a:spLocks noGrp="1"/>
           </p:cNvSpPr>
@@ -587,8 +540,8 @@
         </p:nvSpPr>
         <p:spPr>
           <a:xfrm>
-            <a:off x="7097400" y="3085560"/>
-            <a:ext cx="2607840" cy="1568160"/>
+            <a:off x="6639120" y="3044520"/>
+            <a:ext cx="2921040" cy="1568520"/>
           </a:xfrm>
           <a:prstGeom prst="rect">
             <a:avLst/>
@@ -599,10 +552,544 @@
             <a:normAutofit/>
           </a:bodyPr>
           <a:p>
-            <a:endParaRPr b="0" lang="en-US" sz="2400" spc="-1" strike="noStrike">
-              <a:solidFill>
-                <a:srgbClr val="050505"/>
-              </a:solidFill>
+            <a:endParaRPr b="0" lang="en-US" sz="3200" spc="-1" strike="noStrike">
+              <a:latin typeface="Arial"/>
+            </a:endParaRPr>
+          </a:p>
+        </p:txBody>
+      </p:sp>
+    </p:spTree>
+  </p:cSld>
+</p:sldLayout>
+</file>
+
+<file path=ppt/slideLayouts/slideLayout13.xml><?xml version="1.0" encoding="utf-8"?>
+<p:sldLayout xmlns:a="http://schemas.openxmlformats.org/drawingml/2006/main" xmlns:p="http://schemas.openxmlformats.org/presentationml/2006/main" xmlns:r="http://schemas.openxmlformats.org/officeDocument/2006/relationships" xmlns:p14="http://schemas.microsoft.com/office/powerpoint/2010/main" xmlns:p15="http://schemas.microsoft.com/office/powerpoint/2012/main" xmlns:mc="http://schemas.openxmlformats.org/markup-compatibility/2006" type="blank" preserve="1">
+  <p:cSld name="Blank Slide">
+    <p:spTree>
+      <p:nvGrpSpPr>
+        <p:cNvPr id="1" name=""/>
+        <p:cNvGrpSpPr/>
+        <p:nvPr/>
+      </p:nvGrpSpPr>
+      <p:grpSpPr>
+        <a:xfrm>
+          <a:off x="0" y="0"/>
+          <a:ext cx="0" cy="0"/>
+          <a:chOff x="0" y="0"/>
+          <a:chExt cx="0" cy="0"/>
+        </a:xfrm>
+      </p:grpSpPr>
+    </p:spTree>
+  </p:cSld>
+</p:sldLayout>
+</file>
+
+<file path=ppt/slideLayouts/slideLayout14.xml><?xml version="1.0" encoding="utf-8"?>
+<p:sldLayout xmlns:a="http://schemas.openxmlformats.org/drawingml/2006/main" xmlns:p="http://schemas.openxmlformats.org/presentationml/2006/main" xmlns:r="http://schemas.openxmlformats.org/officeDocument/2006/relationships" xmlns:p14="http://schemas.microsoft.com/office/powerpoint/2010/main" xmlns:p15="http://schemas.microsoft.com/office/powerpoint/2012/main" xmlns:mc="http://schemas.openxmlformats.org/markup-compatibility/2006" type="tx" preserve="1">
+  <p:cSld name="Title Slide">
+    <p:spTree>
+      <p:nvGrpSpPr>
+        <p:cNvPr id="1" name=""/>
+        <p:cNvGrpSpPr/>
+        <p:nvPr/>
+      </p:nvGrpSpPr>
+      <p:grpSpPr>
+        <a:xfrm>
+          <a:off x="0" y="0"/>
+          <a:ext cx="0" cy="0"/>
+          <a:chOff x="0" y="0"/>
+          <a:chExt cx="0" cy="0"/>
+        </a:xfrm>
+      </p:grpSpPr>
+      <p:sp>
+        <p:nvSpPr>
+          <p:cNvPr id="42" name="PlaceHolder 1"/>
+          <p:cNvSpPr>
+            <a:spLocks noGrp="1"/>
+          </p:cNvSpPr>
+          <p:nvPr>
+            <p:ph type="title"/>
+          </p:nvPr>
+        </p:nvSpPr>
+        <p:spPr>
+          <a:xfrm>
+            <a:off x="1620000" y="216000"/>
+            <a:ext cx="8099640" cy="935640"/>
+          </a:xfrm>
+          <a:prstGeom prst="rect">
+            <a:avLst/>
+          </a:prstGeom>
+        </p:spPr>
+        <p:txBody>
+          <a:bodyPr lIns="0" rIns="0" tIns="0" bIns="0" anchor="ctr"/>
+          <a:p>
+            <a:pPr algn="ctr"/>
+            <a:endParaRPr b="0" lang="en-US" sz="4400" spc="-1" strike="noStrike">
+              <a:latin typeface="Arial"/>
+            </a:endParaRPr>
+          </a:p>
+        </p:txBody>
+      </p:sp>
+      <p:sp>
+        <p:nvSpPr>
+          <p:cNvPr id="43" name="PlaceHolder 2"/>
+          <p:cNvSpPr>
+            <a:spLocks noGrp="1"/>
+          </p:cNvSpPr>
+          <p:nvPr>
+            <p:ph type="subTitle"/>
+          </p:nvPr>
+        </p:nvSpPr>
+        <p:spPr>
+          <a:xfrm>
+            <a:off x="504000" y="1326600"/>
+            <a:ext cx="9072000" cy="3288600"/>
+          </a:xfrm>
+          <a:prstGeom prst="rect">
+            <a:avLst/>
+          </a:prstGeom>
+        </p:spPr>
+        <p:txBody>
+          <a:bodyPr lIns="0" rIns="0" tIns="0" bIns="0" anchor="ctr"/>
+          <a:p>
+            <a:pPr algn="ctr"/>
+            <a:endParaRPr b="0" lang="en-US" sz="3200" spc="-1" strike="noStrike">
+              <a:latin typeface="Arial"/>
+            </a:endParaRPr>
+          </a:p>
+        </p:txBody>
+      </p:sp>
+    </p:spTree>
+  </p:cSld>
+</p:sldLayout>
+</file>
+
+<file path=ppt/slideLayouts/slideLayout15.xml><?xml version="1.0" encoding="utf-8"?>
+<p:sldLayout xmlns:a="http://schemas.openxmlformats.org/drawingml/2006/main" xmlns:p="http://schemas.openxmlformats.org/presentationml/2006/main" xmlns:r="http://schemas.openxmlformats.org/officeDocument/2006/relationships" xmlns:p14="http://schemas.microsoft.com/office/powerpoint/2010/main" xmlns:p15="http://schemas.microsoft.com/office/powerpoint/2012/main" xmlns:mc="http://schemas.openxmlformats.org/markup-compatibility/2006" type="obj" preserve="1">
+  <p:cSld name="Title, Content">
+    <p:spTree>
+      <p:nvGrpSpPr>
+        <p:cNvPr id="1" name=""/>
+        <p:cNvGrpSpPr/>
+        <p:nvPr/>
+      </p:nvGrpSpPr>
+      <p:grpSpPr>
+        <a:xfrm>
+          <a:off x="0" y="0"/>
+          <a:ext cx="0" cy="0"/>
+          <a:chOff x="0" y="0"/>
+          <a:chExt cx="0" cy="0"/>
+        </a:xfrm>
+      </p:grpSpPr>
+      <p:sp>
+        <p:nvSpPr>
+          <p:cNvPr id="44" name="PlaceHolder 1"/>
+          <p:cNvSpPr>
+            <a:spLocks noGrp="1"/>
+          </p:cNvSpPr>
+          <p:nvPr>
+            <p:ph type="title"/>
+          </p:nvPr>
+        </p:nvSpPr>
+        <p:spPr>
+          <a:xfrm>
+            <a:off x="1620000" y="216000"/>
+            <a:ext cx="8099640" cy="935640"/>
+          </a:xfrm>
+          <a:prstGeom prst="rect">
+            <a:avLst/>
+          </a:prstGeom>
+        </p:spPr>
+        <p:txBody>
+          <a:bodyPr lIns="0" rIns="0" tIns="0" bIns="0" anchor="ctr"/>
+          <a:p>
+            <a:pPr algn="ctr"/>
+            <a:endParaRPr b="0" lang="en-US" sz="4400" spc="-1" strike="noStrike">
+              <a:latin typeface="Arial"/>
+            </a:endParaRPr>
+          </a:p>
+        </p:txBody>
+      </p:sp>
+      <p:sp>
+        <p:nvSpPr>
+          <p:cNvPr id="45" name="PlaceHolder 2"/>
+          <p:cNvSpPr>
+            <a:spLocks noGrp="1"/>
+          </p:cNvSpPr>
+          <p:nvPr>
+            <p:ph type="body"/>
+          </p:nvPr>
+        </p:nvSpPr>
+        <p:spPr>
+          <a:xfrm>
+            <a:off x="504000" y="1326600"/>
+            <a:ext cx="9072000" cy="3288600"/>
+          </a:xfrm>
+          <a:prstGeom prst="rect">
+            <a:avLst/>
+          </a:prstGeom>
+        </p:spPr>
+        <p:txBody>
+          <a:bodyPr lIns="0" rIns="0" tIns="0" bIns="0">
+            <a:normAutofit/>
+          </a:bodyPr>
+          <a:p>
+            <a:endParaRPr b="0" lang="en-US" sz="3200" spc="-1" strike="noStrike">
+              <a:latin typeface="Arial"/>
+            </a:endParaRPr>
+          </a:p>
+        </p:txBody>
+      </p:sp>
+    </p:spTree>
+  </p:cSld>
+</p:sldLayout>
+</file>
+
+<file path=ppt/slideLayouts/slideLayout16.xml><?xml version="1.0" encoding="utf-8"?>
+<p:sldLayout xmlns:a="http://schemas.openxmlformats.org/drawingml/2006/main" xmlns:p="http://schemas.openxmlformats.org/presentationml/2006/main" xmlns:r="http://schemas.openxmlformats.org/officeDocument/2006/relationships" xmlns:p14="http://schemas.microsoft.com/office/powerpoint/2010/main" xmlns:p15="http://schemas.microsoft.com/office/powerpoint/2012/main" xmlns:mc="http://schemas.openxmlformats.org/markup-compatibility/2006" type="twoObj" preserve="1">
+  <p:cSld name="Title, 2 Content">
+    <p:spTree>
+      <p:nvGrpSpPr>
+        <p:cNvPr id="1" name=""/>
+        <p:cNvGrpSpPr/>
+        <p:nvPr/>
+      </p:nvGrpSpPr>
+      <p:grpSpPr>
+        <a:xfrm>
+          <a:off x="0" y="0"/>
+          <a:ext cx="0" cy="0"/>
+          <a:chOff x="0" y="0"/>
+          <a:chExt cx="0" cy="0"/>
+        </a:xfrm>
+      </p:grpSpPr>
+      <p:sp>
+        <p:nvSpPr>
+          <p:cNvPr id="46" name="PlaceHolder 1"/>
+          <p:cNvSpPr>
+            <a:spLocks noGrp="1"/>
+          </p:cNvSpPr>
+          <p:nvPr>
+            <p:ph type="title"/>
+          </p:nvPr>
+        </p:nvSpPr>
+        <p:spPr>
+          <a:xfrm>
+            <a:off x="1620000" y="216000"/>
+            <a:ext cx="8099640" cy="935640"/>
+          </a:xfrm>
+          <a:prstGeom prst="rect">
+            <a:avLst/>
+          </a:prstGeom>
+        </p:spPr>
+        <p:txBody>
+          <a:bodyPr lIns="0" rIns="0" tIns="0" bIns="0" anchor="ctr"/>
+          <a:p>
+            <a:pPr algn="ctr"/>
+            <a:endParaRPr b="0" lang="en-US" sz="4400" spc="-1" strike="noStrike">
+              <a:latin typeface="Arial"/>
+            </a:endParaRPr>
+          </a:p>
+        </p:txBody>
+      </p:sp>
+      <p:sp>
+        <p:nvSpPr>
+          <p:cNvPr id="47" name="PlaceHolder 2"/>
+          <p:cNvSpPr>
+            <a:spLocks noGrp="1"/>
+          </p:cNvSpPr>
+          <p:nvPr>
+            <p:ph type="body"/>
+          </p:nvPr>
+        </p:nvSpPr>
+        <p:spPr>
+          <a:xfrm>
+            <a:off x="504000" y="1326600"/>
+            <a:ext cx="4426920" cy="3288600"/>
+          </a:xfrm>
+          <a:prstGeom prst="rect">
+            <a:avLst/>
+          </a:prstGeom>
+        </p:spPr>
+        <p:txBody>
+          <a:bodyPr lIns="0" rIns="0" tIns="0" bIns="0">
+            <a:normAutofit/>
+          </a:bodyPr>
+          <a:p>
+            <a:endParaRPr b="0" lang="en-US" sz="3200" spc="-1" strike="noStrike">
+              <a:latin typeface="Arial"/>
+            </a:endParaRPr>
+          </a:p>
+        </p:txBody>
+      </p:sp>
+      <p:sp>
+        <p:nvSpPr>
+          <p:cNvPr id="48" name="PlaceHolder 3"/>
+          <p:cNvSpPr>
+            <a:spLocks noGrp="1"/>
+          </p:cNvSpPr>
+          <p:nvPr>
+            <p:ph type="body"/>
+          </p:nvPr>
+        </p:nvSpPr>
+        <p:spPr>
+          <a:xfrm>
+            <a:off x="5152680" y="1326600"/>
+            <a:ext cx="4426920" cy="3288600"/>
+          </a:xfrm>
+          <a:prstGeom prst="rect">
+            <a:avLst/>
+          </a:prstGeom>
+        </p:spPr>
+        <p:txBody>
+          <a:bodyPr lIns="0" rIns="0" tIns="0" bIns="0">
+            <a:normAutofit/>
+          </a:bodyPr>
+          <a:p>
+            <a:endParaRPr b="0" lang="en-US" sz="3200" spc="-1" strike="noStrike">
+              <a:latin typeface="Arial"/>
+            </a:endParaRPr>
+          </a:p>
+        </p:txBody>
+      </p:sp>
+    </p:spTree>
+  </p:cSld>
+</p:sldLayout>
+</file>
+
+<file path=ppt/slideLayouts/slideLayout17.xml><?xml version="1.0" encoding="utf-8"?>
+<p:sldLayout xmlns:a="http://schemas.openxmlformats.org/drawingml/2006/main" xmlns:p="http://schemas.openxmlformats.org/presentationml/2006/main" xmlns:r="http://schemas.openxmlformats.org/officeDocument/2006/relationships" xmlns:p14="http://schemas.microsoft.com/office/powerpoint/2010/main" xmlns:p15="http://schemas.microsoft.com/office/powerpoint/2012/main" xmlns:mc="http://schemas.openxmlformats.org/markup-compatibility/2006" type="titleOnly" preserve="1">
+  <p:cSld name="Title Only">
+    <p:spTree>
+      <p:nvGrpSpPr>
+        <p:cNvPr id="1" name=""/>
+        <p:cNvGrpSpPr/>
+        <p:nvPr/>
+      </p:nvGrpSpPr>
+      <p:grpSpPr>
+        <a:xfrm>
+          <a:off x="0" y="0"/>
+          <a:ext cx="0" cy="0"/>
+          <a:chOff x="0" y="0"/>
+          <a:chExt cx="0" cy="0"/>
+        </a:xfrm>
+      </p:grpSpPr>
+      <p:sp>
+        <p:nvSpPr>
+          <p:cNvPr id="49" name="PlaceHolder 1"/>
+          <p:cNvSpPr>
+            <a:spLocks noGrp="1"/>
+          </p:cNvSpPr>
+          <p:nvPr>
+            <p:ph type="title"/>
+          </p:nvPr>
+        </p:nvSpPr>
+        <p:spPr>
+          <a:xfrm>
+            <a:off x="1620000" y="216000"/>
+            <a:ext cx="8099640" cy="935640"/>
+          </a:xfrm>
+          <a:prstGeom prst="rect">
+            <a:avLst/>
+          </a:prstGeom>
+        </p:spPr>
+        <p:txBody>
+          <a:bodyPr lIns="0" rIns="0" tIns="0" bIns="0" anchor="ctr"/>
+          <a:p>
+            <a:pPr algn="ctr"/>
+            <a:endParaRPr b="0" lang="en-US" sz="4400" spc="-1" strike="noStrike">
+              <a:latin typeface="Arial"/>
+            </a:endParaRPr>
+          </a:p>
+        </p:txBody>
+      </p:sp>
+    </p:spTree>
+  </p:cSld>
+</p:sldLayout>
+</file>
+
+<file path=ppt/slideLayouts/slideLayout18.xml><?xml version="1.0" encoding="utf-8"?>
+<p:sldLayout xmlns:a="http://schemas.openxmlformats.org/drawingml/2006/main" xmlns:p="http://schemas.openxmlformats.org/presentationml/2006/main" xmlns:r="http://schemas.openxmlformats.org/officeDocument/2006/relationships" xmlns:p14="http://schemas.microsoft.com/office/powerpoint/2010/main" xmlns:p15="http://schemas.microsoft.com/office/powerpoint/2012/main" xmlns:mc="http://schemas.openxmlformats.org/markup-compatibility/2006" type="objOnly" preserve="1">
+  <p:cSld name="Centered Text">
+    <p:spTree>
+      <p:nvGrpSpPr>
+        <p:cNvPr id="1" name=""/>
+        <p:cNvGrpSpPr/>
+        <p:nvPr/>
+      </p:nvGrpSpPr>
+      <p:grpSpPr>
+        <a:xfrm>
+          <a:off x="0" y="0"/>
+          <a:ext cx="0" cy="0"/>
+          <a:chOff x="0" y="0"/>
+          <a:chExt cx="0" cy="0"/>
+        </a:xfrm>
+      </p:grpSpPr>
+      <p:sp>
+        <p:nvSpPr>
+          <p:cNvPr id="50" name="PlaceHolder 1"/>
+          <p:cNvSpPr>
+            <a:spLocks noGrp="1"/>
+          </p:cNvSpPr>
+          <p:nvPr>
+            <p:ph type="subTitle"/>
+          </p:nvPr>
+        </p:nvSpPr>
+        <p:spPr>
+          <a:xfrm>
+            <a:off x="1620000" y="216000"/>
+            <a:ext cx="8099640" cy="4338360"/>
+          </a:xfrm>
+          <a:prstGeom prst="rect">
+            <a:avLst/>
+          </a:prstGeom>
+        </p:spPr>
+        <p:txBody>
+          <a:bodyPr lIns="0" rIns="0" tIns="0" bIns="0" anchor="ctr"/>
+          <a:p>
+            <a:pPr algn="ctr"/>
+            <a:endParaRPr b="0" lang="en-US" sz="3200" spc="-1" strike="noStrike">
+              <a:latin typeface="Arial"/>
+            </a:endParaRPr>
+          </a:p>
+        </p:txBody>
+      </p:sp>
+    </p:spTree>
+  </p:cSld>
+</p:sldLayout>
+</file>
+
+<file path=ppt/slideLayouts/slideLayout19.xml><?xml version="1.0" encoding="utf-8"?>
+<p:sldLayout xmlns:a="http://schemas.openxmlformats.org/drawingml/2006/main" xmlns:p="http://schemas.openxmlformats.org/presentationml/2006/main" xmlns:r="http://schemas.openxmlformats.org/officeDocument/2006/relationships" xmlns:p14="http://schemas.microsoft.com/office/powerpoint/2010/main" xmlns:p15="http://schemas.microsoft.com/office/powerpoint/2012/main" xmlns:mc="http://schemas.openxmlformats.org/markup-compatibility/2006" type="twoObjAndObj" preserve="1">
+  <p:cSld name="Title, 2 Content and Content">
+    <p:spTree>
+      <p:nvGrpSpPr>
+        <p:cNvPr id="1" name=""/>
+        <p:cNvGrpSpPr/>
+        <p:nvPr/>
+      </p:nvGrpSpPr>
+      <p:grpSpPr>
+        <a:xfrm>
+          <a:off x="0" y="0"/>
+          <a:ext cx="0" cy="0"/>
+          <a:chOff x="0" y="0"/>
+          <a:chExt cx="0" cy="0"/>
+        </a:xfrm>
+      </p:grpSpPr>
+      <p:sp>
+        <p:nvSpPr>
+          <p:cNvPr id="51" name="PlaceHolder 1"/>
+          <p:cNvSpPr>
+            <a:spLocks noGrp="1"/>
+          </p:cNvSpPr>
+          <p:nvPr>
+            <p:ph type="title"/>
+          </p:nvPr>
+        </p:nvSpPr>
+        <p:spPr>
+          <a:xfrm>
+            <a:off x="1620000" y="216000"/>
+            <a:ext cx="8099640" cy="935640"/>
+          </a:xfrm>
+          <a:prstGeom prst="rect">
+            <a:avLst/>
+          </a:prstGeom>
+        </p:spPr>
+        <p:txBody>
+          <a:bodyPr lIns="0" rIns="0" tIns="0" bIns="0" anchor="ctr"/>
+          <a:p>
+            <a:pPr algn="ctr"/>
+            <a:endParaRPr b="0" lang="en-US" sz="4400" spc="-1" strike="noStrike">
+              <a:latin typeface="Arial"/>
+            </a:endParaRPr>
+          </a:p>
+        </p:txBody>
+      </p:sp>
+      <p:sp>
+        <p:nvSpPr>
+          <p:cNvPr id="52" name="PlaceHolder 2"/>
+          <p:cNvSpPr>
+            <a:spLocks noGrp="1"/>
+          </p:cNvSpPr>
+          <p:nvPr>
+            <p:ph type="body"/>
+          </p:nvPr>
+        </p:nvSpPr>
+        <p:spPr>
+          <a:xfrm>
+            <a:off x="504000" y="1326600"/>
+            <a:ext cx="4426920" cy="1568520"/>
+          </a:xfrm>
+          <a:prstGeom prst="rect">
+            <a:avLst/>
+          </a:prstGeom>
+        </p:spPr>
+        <p:txBody>
+          <a:bodyPr lIns="0" rIns="0" tIns="0" bIns="0">
+            <a:normAutofit/>
+          </a:bodyPr>
+          <a:p>
+            <a:endParaRPr b="0" lang="en-US" sz="3200" spc="-1" strike="noStrike">
+              <a:latin typeface="Arial"/>
+            </a:endParaRPr>
+          </a:p>
+        </p:txBody>
+      </p:sp>
+      <p:sp>
+        <p:nvSpPr>
+          <p:cNvPr id="53" name="PlaceHolder 3"/>
+          <p:cNvSpPr>
+            <a:spLocks noGrp="1"/>
+          </p:cNvSpPr>
+          <p:nvPr>
+            <p:ph type="body"/>
+          </p:nvPr>
+        </p:nvSpPr>
+        <p:spPr>
+          <a:xfrm>
+            <a:off x="5152680" y="1326600"/>
+            <a:ext cx="4426920" cy="3288600"/>
+          </a:xfrm>
+          <a:prstGeom prst="rect">
+            <a:avLst/>
+          </a:prstGeom>
+        </p:spPr>
+        <p:txBody>
+          <a:bodyPr lIns="0" rIns="0" tIns="0" bIns="0">
+            <a:normAutofit/>
+          </a:bodyPr>
+          <a:p>
+            <a:endParaRPr b="0" lang="en-US" sz="3200" spc="-1" strike="noStrike">
+              <a:latin typeface="Arial"/>
+            </a:endParaRPr>
+          </a:p>
+        </p:txBody>
+      </p:sp>
+      <p:sp>
+        <p:nvSpPr>
+          <p:cNvPr id="54" name="PlaceHolder 4"/>
+          <p:cNvSpPr>
+            <a:spLocks noGrp="1"/>
+          </p:cNvSpPr>
+          <p:nvPr>
+            <p:ph type="body"/>
+          </p:nvPr>
+        </p:nvSpPr>
+        <p:spPr>
+          <a:xfrm>
+            <a:off x="504000" y="3044520"/>
+            <a:ext cx="4426920" cy="1568520"/>
+          </a:xfrm>
+          <a:prstGeom prst="rect">
+            <a:avLst/>
+          </a:prstGeom>
+        </p:spPr>
+        <p:txBody>
+          <a:bodyPr lIns="0" rIns="0" tIns="0" bIns="0">
+            <a:normAutofit/>
+          </a:bodyPr>
+          <a:p>
+            <a:endParaRPr b="0" lang="en-US" sz="3200" spc="-1" strike="noStrike">
               <a:latin typeface="Arial"/>
             </a:endParaRPr>
           </a:p>
@@ -632,7 +1119,7 @@
       </p:grpSpPr>
       <p:sp>
         <p:nvSpPr>
-          <p:cNvPr id="6" name="PlaceHolder 1"/>
+          <p:cNvPr id="3" name="PlaceHolder 1"/>
           <p:cNvSpPr>
             <a:spLocks noGrp="1"/>
           </p:cNvSpPr>
@@ -643,41 +1130,369 @@
         <p:spPr>
           <a:xfrm>
             <a:off x="1620000" y="216000"/>
-            <a:ext cx="8100000" cy="936000"/>
-          </a:xfrm>
-          <a:prstGeom prst="rect">
-            <a:avLst/>
-          </a:prstGeom>
-        </p:spPr>
-        <p:txBody>
-          <a:bodyPr lIns="0" rIns="0" tIns="0" bIns="0" anchor="ctr">
+            <a:ext cx="8099640" cy="935640"/>
+          </a:xfrm>
+          <a:prstGeom prst="rect">
+            <a:avLst/>
+          </a:prstGeom>
+        </p:spPr>
+        <p:txBody>
+          <a:bodyPr lIns="0" rIns="0" tIns="0" bIns="0" anchor="ctr"/>
+          <a:p>
+            <a:pPr algn="ctr"/>
+            <a:endParaRPr b="0" lang="en-US" sz="4400" spc="-1" strike="noStrike">
+              <a:latin typeface="Arial"/>
+            </a:endParaRPr>
+          </a:p>
+        </p:txBody>
+      </p:sp>
+      <p:sp>
+        <p:nvSpPr>
+          <p:cNvPr id="4" name="PlaceHolder 2"/>
+          <p:cNvSpPr>
+            <a:spLocks noGrp="1"/>
+          </p:cNvSpPr>
+          <p:nvPr>
+            <p:ph type="subTitle"/>
+          </p:nvPr>
+        </p:nvSpPr>
+        <p:spPr>
+          <a:xfrm>
+            <a:off x="504000" y="1326600"/>
+            <a:ext cx="9072000" cy="3288600"/>
+          </a:xfrm>
+          <a:prstGeom prst="rect">
+            <a:avLst/>
+          </a:prstGeom>
+        </p:spPr>
+        <p:txBody>
+          <a:bodyPr lIns="0" rIns="0" tIns="0" bIns="0" anchor="ctr"/>
+          <a:p>
+            <a:pPr algn="ctr"/>
+            <a:endParaRPr b="0" lang="en-US" sz="3200" spc="-1" strike="noStrike">
+              <a:latin typeface="Arial"/>
+            </a:endParaRPr>
+          </a:p>
+        </p:txBody>
+      </p:sp>
+    </p:spTree>
+  </p:cSld>
+</p:sldLayout>
+</file>
+
+<file path=ppt/slideLayouts/slideLayout20.xml><?xml version="1.0" encoding="utf-8"?>
+<p:sldLayout xmlns:a="http://schemas.openxmlformats.org/drawingml/2006/main" xmlns:p="http://schemas.openxmlformats.org/presentationml/2006/main" xmlns:r="http://schemas.openxmlformats.org/officeDocument/2006/relationships" xmlns:p14="http://schemas.microsoft.com/office/powerpoint/2010/main" xmlns:p15="http://schemas.microsoft.com/office/powerpoint/2012/main" xmlns:mc="http://schemas.openxmlformats.org/markup-compatibility/2006" type="objAndTwoObj" preserve="1">
+  <p:cSld name="Title Content and 2 Content">
+    <p:spTree>
+      <p:nvGrpSpPr>
+        <p:cNvPr id="1" name=""/>
+        <p:cNvGrpSpPr/>
+        <p:nvPr/>
+      </p:nvGrpSpPr>
+      <p:grpSpPr>
+        <a:xfrm>
+          <a:off x="0" y="0"/>
+          <a:ext cx="0" cy="0"/>
+          <a:chOff x="0" y="0"/>
+          <a:chExt cx="0" cy="0"/>
+        </a:xfrm>
+      </p:grpSpPr>
+      <p:sp>
+        <p:nvSpPr>
+          <p:cNvPr id="55" name="PlaceHolder 1"/>
+          <p:cNvSpPr>
+            <a:spLocks noGrp="1"/>
+          </p:cNvSpPr>
+          <p:nvPr>
+            <p:ph type="title"/>
+          </p:nvPr>
+        </p:nvSpPr>
+        <p:spPr>
+          <a:xfrm>
+            <a:off x="1620000" y="216000"/>
+            <a:ext cx="8099640" cy="935640"/>
+          </a:xfrm>
+          <a:prstGeom prst="rect">
+            <a:avLst/>
+          </a:prstGeom>
+        </p:spPr>
+        <p:txBody>
+          <a:bodyPr lIns="0" rIns="0" tIns="0" bIns="0" anchor="ctr"/>
+          <a:p>
+            <a:pPr algn="ctr"/>
+            <a:endParaRPr b="0" lang="en-US" sz="4400" spc="-1" strike="noStrike">
+              <a:latin typeface="Arial"/>
+            </a:endParaRPr>
+          </a:p>
+        </p:txBody>
+      </p:sp>
+      <p:sp>
+        <p:nvSpPr>
+          <p:cNvPr id="56" name="PlaceHolder 2"/>
+          <p:cNvSpPr>
+            <a:spLocks noGrp="1"/>
+          </p:cNvSpPr>
+          <p:nvPr>
+            <p:ph type="body"/>
+          </p:nvPr>
+        </p:nvSpPr>
+        <p:spPr>
+          <a:xfrm>
+            <a:off x="504000" y="1326600"/>
+            <a:ext cx="4426920" cy="3288600"/>
+          </a:xfrm>
+          <a:prstGeom prst="rect">
+            <a:avLst/>
+          </a:prstGeom>
+        </p:spPr>
+        <p:txBody>
+          <a:bodyPr lIns="0" rIns="0" tIns="0" bIns="0">
             <a:normAutofit/>
           </a:bodyPr>
           <a:p>
+            <a:endParaRPr b="0" lang="en-US" sz="3200" spc="-1" strike="noStrike">
+              <a:latin typeface="Arial"/>
+            </a:endParaRPr>
+          </a:p>
+        </p:txBody>
+      </p:sp>
+      <p:sp>
+        <p:nvSpPr>
+          <p:cNvPr id="57" name="PlaceHolder 3"/>
+          <p:cNvSpPr>
+            <a:spLocks noGrp="1"/>
+          </p:cNvSpPr>
+          <p:nvPr>
+            <p:ph type="body"/>
+          </p:nvPr>
+        </p:nvSpPr>
+        <p:spPr>
+          <a:xfrm>
+            <a:off x="5152680" y="1326600"/>
+            <a:ext cx="4426920" cy="1568520"/>
+          </a:xfrm>
+          <a:prstGeom prst="rect">
+            <a:avLst/>
+          </a:prstGeom>
+        </p:spPr>
+        <p:txBody>
+          <a:bodyPr lIns="0" rIns="0" tIns="0" bIns="0">
+            <a:normAutofit/>
+          </a:bodyPr>
+          <a:p>
+            <a:endParaRPr b="0" lang="en-US" sz="3200" spc="-1" strike="noStrike">
+              <a:latin typeface="Arial"/>
+            </a:endParaRPr>
+          </a:p>
+        </p:txBody>
+      </p:sp>
+      <p:sp>
+        <p:nvSpPr>
+          <p:cNvPr id="58" name="PlaceHolder 4"/>
+          <p:cNvSpPr>
+            <a:spLocks noGrp="1"/>
+          </p:cNvSpPr>
+          <p:nvPr>
+            <p:ph type="body"/>
+          </p:nvPr>
+        </p:nvSpPr>
+        <p:spPr>
+          <a:xfrm>
+            <a:off x="5152680" y="3044520"/>
+            <a:ext cx="4426920" cy="1568520"/>
+          </a:xfrm>
+          <a:prstGeom prst="rect">
+            <a:avLst/>
+          </a:prstGeom>
+        </p:spPr>
+        <p:txBody>
+          <a:bodyPr lIns="0" rIns="0" tIns="0" bIns="0">
+            <a:normAutofit/>
+          </a:bodyPr>
+          <a:p>
+            <a:endParaRPr b="0" lang="en-US" sz="3200" spc="-1" strike="noStrike">
+              <a:latin typeface="Arial"/>
+            </a:endParaRPr>
+          </a:p>
+        </p:txBody>
+      </p:sp>
+    </p:spTree>
+  </p:cSld>
+</p:sldLayout>
+</file>
+
+<file path=ppt/slideLayouts/slideLayout21.xml><?xml version="1.0" encoding="utf-8"?>
+<p:sldLayout xmlns:a="http://schemas.openxmlformats.org/drawingml/2006/main" xmlns:p="http://schemas.openxmlformats.org/presentationml/2006/main" xmlns:r="http://schemas.openxmlformats.org/officeDocument/2006/relationships" xmlns:p14="http://schemas.microsoft.com/office/powerpoint/2010/main" xmlns:p15="http://schemas.microsoft.com/office/powerpoint/2012/main" xmlns:mc="http://schemas.openxmlformats.org/markup-compatibility/2006" type="twoObjOverTx" preserve="1">
+  <p:cSld name="Title, 2 Content over Content">
+    <p:spTree>
+      <p:nvGrpSpPr>
+        <p:cNvPr id="1" name=""/>
+        <p:cNvGrpSpPr/>
+        <p:nvPr/>
+      </p:nvGrpSpPr>
+      <p:grpSpPr>
+        <a:xfrm>
+          <a:off x="0" y="0"/>
+          <a:ext cx="0" cy="0"/>
+          <a:chOff x="0" y="0"/>
+          <a:chExt cx="0" cy="0"/>
+        </a:xfrm>
+      </p:grpSpPr>
+      <p:sp>
+        <p:nvSpPr>
+          <p:cNvPr id="59" name="PlaceHolder 1"/>
+          <p:cNvSpPr>
+            <a:spLocks noGrp="1"/>
+          </p:cNvSpPr>
+          <p:nvPr>
+            <p:ph type="title"/>
+          </p:nvPr>
+        </p:nvSpPr>
+        <p:spPr>
+          <a:xfrm>
+            <a:off x="1620000" y="216000"/>
+            <a:ext cx="8099640" cy="935640"/>
+          </a:xfrm>
+          <a:prstGeom prst="rect">
+            <a:avLst/>
+          </a:prstGeom>
+        </p:spPr>
+        <p:txBody>
+          <a:bodyPr lIns="0" rIns="0" tIns="0" bIns="0" anchor="ctr"/>
+          <a:p>
             <a:pPr algn="ctr"/>
-            <a:endParaRPr b="0" lang="en-US" sz="3300" spc="-1" strike="noStrike">
-              <a:solidFill>
-                <a:srgbClr val="050505"/>
-              </a:solidFill>
-              <a:latin typeface="Times New Roman"/>
-            </a:endParaRPr>
-          </a:p>
-        </p:txBody>
-      </p:sp>
-      <p:sp>
-        <p:nvSpPr>
-          <p:cNvPr id="7" name="PlaceHolder 2"/>
-          <p:cNvSpPr>
-            <a:spLocks noGrp="1"/>
-          </p:cNvSpPr>
-          <p:nvPr>
-            <p:ph type="subTitle"/>
-          </p:nvPr>
-        </p:nvSpPr>
-        <p:spPr>
-          <a:xfrm>
-            <a:off x="1620000" y="1368000"/>
-            <a:ext cx="8100000" cy="3288240"/>
+            <a:endParaRPr b="0" lang="en-US" sz="4400" spc="-1" strike="noStrike">
+              <a:latin typeface="Arial"/>
+            </a:endParaRPr>
+          </a:p>
+        </p:txBody>
+      </p:sp>
+      <p:sp>
+        <p:nvSpPr>
+          <p:cNvPr id="60" name="PlaceHolder 2"/>
+          <p:cNvSpPr>
+            <a:spLocks noGrp="1"/>
+          </p:cNvSpPr>
+          <p:nvPr>
+            <p:ph type="body"/>
+          </p:nvPr>
+        </p:nvSpPr>
+        <p:spPr>
+          <a:xfrm>
+            <a:off x="504000" y="1326600"/>
+            <a:ext cx="4426920" cy="1568520"/>
+          </a:xfrm>
+          <a:prstGeom prst="rect">
+            <a:avLst/>
+          </a:prstGeom>
+        </p:spPr>
+        <p:txBody>
+          <a:bodyPr lIns="0" rIns="0" tIns="0" bIns="0">
+            <a:normAutofit/>
+          </a:bodyPr>
+          <a:p>
+            <a:endParaRPr b="0" lang="en-US" sz="3200" spc="-1" strike="noStrike">
+              <a:latin typeface="Arial"/>
+            </a:endParaRPr>
+          </a:p>
+        </p:txBody>
+      </p:sp>
+      <p:sp>
+        <p:nvSpPr>
+          <p:cNvPr id="61" name="PlaceHolder 3"/>
+          <p:cNvSpPr>
+            <a:spLocks noGrp="1"/>
+          </p:cNvSpPr>
+          <p:nvPr>
+            <p:ph type="body"/>
+          </p:nvPr>
+        </p:nvSpPr>
+        <p:spPr>
+          <a:xfrm>
+            <a:off x="5152680" y="1326600"/>
+            <a:ext cx="4426920" cy="1568520"/>
+          </a:xfrm>
+          <a:prstGeom prst="rect">
+            <a:avLst/>
+          </a:prstGeom>
+        </p:spPr>
+        <p:txBody>
+          <a:bodyPr lIns="0" rIns="0" tIns="0" bIns="0">
+            <a:normAutofit/>
+          </a:bodyPr>
+          <a:p>
+            <a:endParaRPr b="0" lang="en-US" sz="3200" spc="-1" strike="noStrike">
+              <a:latin typeface="Arial"/>
+            </a:endParaRPr>
+          </a:p>
+        </p:txBody>
+      </p:sp>
+      <p:sp>
+        <p:nvSpPr>
+          <p:cNvPr id="62" name="PlaceHolder 4"/>
+          <p:cNvSpPr>
+            <a:spLocks noGrp="1"/>
+          </p:cNvSpPr>
+          <p:nvPr>
+            <p:ph type="body"/>
+          </p:nvPr>
+        </p:nvSpPr>
+        <p:spPr>
+          <a:xfrm>
+            <a:off x="504000" y="3044520"/>
+            <a:ext cx="9072000" cy="1568520"/>
+          </a:xfrm>
+          <a:prstGeom prst="rect">
+            <a:avLst/>
+          </a:prstGeom>
+        </p:spPr>
+        <p:txBody>
+          <a:bodyPr lIns="0" rIns="0" tIns="0" bIns="0">
+            <a:normAutofit/>
+          </a:bodyPr>
+          <a:p>
+            <a:endParaRPr b="0" lang="en-US" sz="3200" spc="-1" strike="noStrike">
+              <a:latin typeface="Arial"/>
+            </a:endParaRPr>
+          </a:p>
+        </p:txBody>
+      </p:sp>
+    </p:spTree>
+  </p:cSld>
+</p:sldLayout>
+</file>
+
+<file path=ppt/slideLayouts/slideLayout22.xml><?xml version="1.0" encoding="utf-8"?>
+<p:sldLayout xmlns:a="http://schemas.openxmlformats.org/drawingml/2006/main" xmlns:p="http://schemas.openxmlformats.org/presentationml/2006/main" xmlns:r="http://schemas.openxmlformats.org/officeDocument/2006/relationships" xmlns:p14="http://schemas.microsoft.com/office/powerpoint/2010/main" xmlns:p15="http://schemas.microsoft.com/office/powerpoint/2012/main" xmlns:mc="http://schemas.openxmlformats.org/markup-compatibility/2006" type="objOverTx" preserve="1">
+  <p:cSld name="Title, Content over Content">
+    <p:spTree>
+      <p:nvGrpSpPr>
+        <p:cNvPr id="1" name=""/>
+        <p:cNvGrpSpPr/>
+        <p:nvPr/>
+      </p:nvGrpSpPr>
+      <p:grpSpPr>
+        <a:xfrm>
+          <a:off x="0" y="0"/>
+          <a:ext cx="0" cy="0"/>
+          <a:chOff x="0" y="0"/>
+          <a:chExt cx="0" cy="0"/>
+        </a:xfrm>
+      </p:grpSpPr>
+      <p:sp>
+        <p:nvSpPr>
+          <p:cNvPr id="63" name="PlaceHolder 1"/>
+          <p:cNvSpPr>
+            <a:spLocks noGrp="1"/>
+          </p:cNvSpPr>
+          <p:nvPr>
+            <p:ph type="title"/>
+          </p:nvPr>
+        </p:nvSpPr>
+        <p:spPr>
+          <a:xfrm>
+            <a:off x="1620000" y="216000"/>
+            <a:ext cx="8099640" cy="935640"/>
           </a:xfrm>
           <a:prstGeom prst="rect">
             <a:avLst/>
@@ -687,8 +1502,470 @@
           <a:bodyPr lIns="0" rIns="0" tIns="0" bIns="0" anchor="ctr"/>
           <a:p>
             <a:pPr algn="ctr"/>
+            <a:endParaRPr b="0" lang="en-US" sz="4400" spc="-1" strike="noStrike">
+              <a:latin typeface="Arial"/>
+            </a:endParaRPr>
+          </a:p>
+        </p:txBody>
+      </p:sp>
+      <p:sp>
+        <p:nvSpPr>
+          <p:cNvPr id="64" name="PlaceHolder 2"/>
+          <p:cNvSpPr>
+            <a:spLocks noGrp="1"/>
+          </p:cNvSpPr>
+          <p:nvPr>
+            <p:ph type="body"/>
+          </p:nvPr>
+        </p:nvSpPr>
+        <p:spPr>
+          <a:xfrm>
+            <a:off x="504000" y="1326600"/>
+            <a:ext cx="9072000" cy="1568520"/>
+          </a:xfrm>
+          <a:prstGeom prst="rect">
+            <a:avLst/>
+          </a:prstGeom>
+        </p:spPr>
+        <p:txBody>
+          <a:bodyPr lIns="0" rIns="0" tIns="0" bIns="0">
+            <a:normAutofit/>
+          </a:bodyPr>
+          <a:p>
             <a:endParaRPr b="0" lang="en-US" sz="3200" spc="-1" strike="noStrike">
-              <a:latin typeface="Times New Roman"/>
+              <a:latin typeface="Arial"/>
+            </a:endParaRPr>
+          </a:p>
+        </p:txBody>
+      </p:sp>
+      <p:sp>
+        <p:nvSpPr>
+          <p:cNvPr id="65" name="PlaceHolder 3"/>
+          <p:cNvSpPr>
+            <a:spLocks noGrp="1"/>
+          </p:cNvSpPr>
+          <p:nvPr>
+            <p:ph type="body"/>
+          </p:nvPr>
+        </p:nvSpPr>
+        <p:spPr>
+          <a:xfrm>
+            <a:off x="504000" y="3044520"/>
+            <a:ext cx="9072000" cy="1568520"/>
+          </a:xfrm>
+          <a:prstGeom prst="rect">
+            <a:avLst/>
+          </a:prstGeom>
+        </p:spPr>
+        <p:txBody>
+          <a:bodyPr lIns="0" rIns="0" tIns="0" bIns="0">
+            <a:normAutofit/>
+          </a:bodyPr>
+          <a:p>
+            <a:endParaRPr b="0" lang="en-US" sz="3200" spc="-1" strike="noStrike">
+              <a:latin typeface="Arial"/>
+            </a:endParaRPr>
+          </a:p>
+        </p:txBody>
+      </p:sp>
+    </p:spTree>
+  </p:cSld>
+</p:sldLayout>
+</file>
+
+<file path=ppt/slideLayouts/slideLayout23.xml><?xml version="1.0" encoding="utf-8"?>
+<p:sldLayout xmlns:a="http://schemas.openxmlformats.org/drawingml/2006/main" xmlns:p="http://schemas.openxmlformats.org/presentationml/2006/main" xmlns:r="http://schemas.openxmlformats.org/officeDocument/2006/relationships" xmlns:p14="http://schemas.microsoft.com/office/powerpoint/2010/main" xmlns:p15="http://schemas.microsoft.com/office/powerpoint/2012/main" xmlns:mc="http://schemas.openxmlformats.org/markup-compatibility/2006" type="fourObj" preserve="1">
+  <p:cSld name="Title, 4 Content">
+    <p:spTree>
+      <p:nvGrpSpPr>
+        <p:cNvPr id="1" name=""/>
+        <p:cNvGrpSpPr/>
+        <p:nvPr/>
+      </p:nvGrpSpPr>
+      <p:grpSpPr>
+        <a:xfrm>
+          <a:off x="0" y="0"/>
+          <a:ext cx="0" cy="0"/>
+          <a:chOff x="0" y="0"/>
+          <a:chExt cx="0" cy="0"/>
+        </a:xfrm>
+      </p:grpSpPr>
+      <p:sp>
+        <p:nvSpPr>
+          <p:cNvPr id="66" name="PlaceHolder 1"/>
+          <p:cNvSpPr>
+            <a:spLocks noGrp="1"/>
+          </p:cNvSpPr>
+          <p:nvPr>
+            <p:ph type="title"/>
+          </p:nvPr>
+        </p:nvSpPr>
+        <p:spPr>
+          <a:xfrm>
+            <a:off x="1620000" y="216000"/>
+            <a:ext cx="8099640" cy="935640"/>
+          </a:xfrm>
+          <a:prstGeom prst="rect">
+            <a:avLst/>
+          </a:prstGeom>
+        </p:spPr>
+        <p:txBody>
+          <a:bodyPr lIns="0" rIns="0" tIns="0" bIns="0" anchor="ctr"/>
+          <a:p>
+            <a:pPr algn="ctr"/>
+            <a:endParaRPr b="0" lang="en-US" sz="4400" spc="-1" strike="noStrike">
+              <a:latin typeface="Arial"/>
+            </a:endParaRPr>
+          </a:p>
+        </p:txBody>
+      </p:sp>
+      <p:sp>
+        <p:nvSpPr>
+          <p:cNvPr id="67" name="PlaceHolder 2"/>
+          <p:cNvSpPr>
+            <a:spLocks noGrp="1"/>
+          </p:cNvSpPr>
+          <p:nvPr>
+            <p:ph type="body"/>
+          </p:nvPr>
+        </p:nvSpPr>
+        <p:spPr>
+          <a:xfrm>
+            <a:off x="504000" y="1326600"/>
+            <a:ext cx="4426920" cy="1568520"/>
+          </a:xfrm>
+          <a:prstGeom prst="rect">
+            <a:avLst/>
+          </a:prstGeom>
+        </p:spPr>
+        <p:txBody>
+          <a:bodyPr lIns="0" rIns="0" tIns="0" bIns="0">
+            <a:normAutofit/>
+          </a:bodyPr>
+          <a:p>
+            <a:endParaRPr b="0" lang="en-US" sz="3200" spc="-1" strike="noStrike">
+              <a:latin typeface="Arial"/>
+            </a:endParaRPr>
+          </a:p>
+        </p:txBody>
+      </p:sp>
+      <p:sp>
+        <p:nvSpPr>
+          <p:cNvPr id="68" name="PlaceHolder 3"/>
+          <p:cNvSpPr>
+            <a:spLocks noGrp="1"/>
+          </p:cNvSpPr>
+          <p:nvPr>
+            <p:ph type="body"/>
+          </p:nvPr>
+        </p:nvSpPr>
+        <p:spPr>
+          <a:xfrm>
+            <a:off x="5152680" y="1326600"/>
+            <a:ext cx="4426920" cy="1568520"/>
+          </a:xfrm>
+          <a:prstGeom prst="rect">
+            <a:avLst/>
+          </a:prstGeom>
+        </p:spPr>
+        <p:txBody>
+          <a:bodyPr lIns="0" rIns="0" tIns="0" bIns="0">
+            <a:normAutofit/>
+          </a:bodyPr>
+          <a:p>
+            <a:endParaRPr b="0" lang="en-US" sz="3200" spc="-1" strike="noStrike">
+              <a:latin typeface="Arial"/>
+            </a:endParaRPr>
+          </a:p>
+        </p:txBody>
+      </p:sp>
+      <p:sp>
+        <p:nvSpPr>
+          <p:cNvPr id="69" name="PlaceHolder 4"/>
+          <p:cNvSpPr>
+            <a:spLocks noGrp="1"/>
+          </p:cNvSpPr>
+          <p:nvPr>
+            <p:ph type="body"/>
+          </p:nvPr>
+        </p:nvSpPr>
+        <p:spPr>
+          <a:xfrm>
+            <a:off x="504000" y="3044520"/>
+            <a:ext cx="4426920" cy="1568520"/>
+          </a:xfrm>
+          <a:prstGeom prst="rect">
+            <a:avLst/>
+          </a:prstGeom>
+        </p:spPr>
+        <p:txBody>
+          <a:bodyPr lIns="0" rIns="0" tIns="0" bIns="0">
+            <a:normAutofit/>
+          </a:bodyPr>
+          <a:p>
+            <a:endParaRPr b="0" lang="en-US" sz="3200" spc="-1" strike="noStrike">
+              <a:latin typeface="Arial"/>
+            </a:endParaRPr>
+          </a:p>
+        </p:txBody>
+      </p:sp>
+      <p:sp>
+        <p:nvSpPr>
+          <p:cNvPr id="70" name="PlaceHolder 5"/>
+          <p:cNvSpPr>
+            <a:spLocks noGrp="1"/>
+          </p:cNvSpPr>
+          <p:nvPr>
+            <p:ph type="body"/>
+          </p:nvPr>
+        </p:nvSpPr>
+        <p:spPr>
+          <a:xfrm>
+            <a:off x="5152680" y="3044520"/>
+            <a:ext cx="4426920" cy="1568520"/>
+          </a:xfrm>
+          <a:prstGeom prst="rect">
+            <a:avLst/>
+          </a:prstGeom>
+        </p:spPr>
+        <p:txBody>
+          <a:bodyPr lIns="0" rIns="0" tIns="0" bIns="0">
+            <a:normAutofit/>
+          </a:bodyPr>
+          <a:p>
+            <a:endParaRPr b="0" lang="en-US" sz="3200" spc="-1" strike="noStrike">
+              <a:latin typeface="Arial"/>
+            </a:endParaRPr>
+          </a:p>
+        </p:txBody>
+      </p:sp>
+    </p:spTree>
+  </p:cSld>
+</p:sldLayout>
+</file>
+
+<file path=ppt/slideLayouts/slideLayout24.xml><?xml version="1.0" encoding="utf-8"?>
+<p:sldLayout xmlns:a="http://schemas.openxmlformats.org/drawingml/2006/main" xmlns:p="http://schemas.openxmlformats.org/presentationml/2006/main" xmlns:r="http://schemas.openxmlformats.org/officeDocument/2006/relationships" xmlns:p14="http://schemas.microsoft.com/office/powerpoint/2010/main" xmlns:p15="http://schemas.microsoft.com/office/powerpoint/2012/main" xmlns:mc="http://schemas.openxmlformats.org/markup-compatibility/2006" type="blank" preserve="1">
+  <p:cSld name="Title, 6 Content">
+    <p:spTree>
+      <p:nvGrpSpPr>
+        <p:cNvPr id="1" name=""/>
+        <p:cNvGrpSpPr/>
+        <p:nvPr/>
+      </p:nvGrpSpPr>
+      <p:grpSpPr>
+        <a:xfrm>
+          <a:off x="0" y="0"/>
+          <a:ext cx="0" cy="0"/>
+          <a:chOff x="0" y="0"/>
+          <a:chExt cx="0" cy="0"/>
+        </a:xfrm>
+      </p:grpSpPr>
+      <p:sp>
+        <p:nvSpPr>
+          <p:cNvPr id="71" name="PlaceHolder 1"/>
+          <p:cNvSpPr>
+            <a:spLocks noGrp="1"/>
+          </p:cNvSpPr>
+          <p:nvPr>
+            <p:ph type="title"/>
+          </p:nvPr>
+        </p:nvSpPr>
+        <p:spPr>
+          <a:xfrm>
+            <a:off x="1620000" y="216000"/>
+            <a:ext cx="8099640" cy="935640"/>
+          </a:xfrm>
+          <a:prstGeom prst="rect">
+            <a:avLst/>
+          </a:prstGeom>
+        </p:spPr>
+        <p:txBody>
+          <a:bodyPr lIns="0" rIns="0" tIns="0" bIns="0" anchor="ctr"/>
+          <a:p>
+            <a:pPr algn="ctr"/>
+            <a:endParaRPr b="0" lang="en-US" sz="4400" spc="-1" strike="noStrike">
+              <a:latin typeface="Arial"/>
+            </a:endParaRPr>
+          </a:p>
+        </p:txBody>
+      </p:sp>
+      <p:sp>
+        <p:nvSpPr>
+          <p:cNvPr id="72" name="PlaceHolder 2"/>
+          <p:cNvSpPr>
+            <a:spLocks noGrp="1"/>
+          </p:cNvSpPr>
+          <p:nvPr>
+            <p:ph type="body"/>
+          </p:nvPr>
+        </p:nvSpPr>
+        <p:spPr>
+          <a:xfrm>
+            <a:off x="504000" y="1326600"/>
+            <a:ext cx="2921040" cy="1568520"/>
+          </a:xfrm>
+          <a:prstGeom prst="rect">
+            <a:avLst/>
+          </a:prstGeom>
+        </p:spPr>
+        <p:txBody>
+          <a:bodyPr lIns="0" rIns="0" tIns="0" bIns="0">
+            <a:normAutofit/>
+          </a:bodyPr>
+          <a:p>
+            <a:endParaRPr b="0" lang="en-US" sz="3200" spc="-1" strike="noStrike">
+              <a:latin typeface="Arial"/>
+            </a:endParaRPr>
+          </a:p>
+        </p:txBody>
+      </p:sp>
+      <p:sp>
+        <p:nvSpPr>
+          <p:cNvPr id="73" name="PlaceHolder 3"/>
+          <p:cNvSpPr>
+            <a:spLocks noGrp="1"/>
+          </p:cNvSpPr>
+          <p:nvPr>
+            <p:ph type="body"/>
+          </p:nvPr>
+        </p:nvSpPr>
+        <p:spPr>
+          <a:xfrm>
+            <a:off x="3571560" y="1326600"/>
+            <a:ext cx="2921040" cy="1568520"/>
+          </a:xfrm>
+          <a:prstGeom prst="rect">
+            <a:avLst/>
+          </a:prstGeom>
+        </p:spPr>
+        <p:txBody>
+          <a:bodyPr lIns="0" rIns="0" tIns="0" bIns="0">
+            <a:normAutofit/>
+          </a:bodyPr>
+          <a:p>
+            <a:endParaRPr b="0" lang="en-US" sz="3200" spc="-1" strike="noStrike">
+              <a:latin typeface="Arial"/>
+            </a:endParaRPr>
+          </a:p>
+        </p:txBody>
+      </p:sp>
+      <p:sp>
+        <p:nvSpPr>
+          <p:cNvPr id="74" name="PlaceHolder 4"/>
+          <p:cNvSpPr>
+            <a:spLocks noGrp="1"/>
+          </p:cNvSpPr>
+          <p:nvPr>
+            <p:ph type="body"/>
+          </p:nvPr>
+        </p:nvSpPr>
+        <p:spPr>
+          <a:xfrm>
+            <a:off x="6639120" y="1326600"/>
+            <a:ext cx="2921040" cy="1568520"/>
+          </a:xfrm>
+          <a:prstGeom prst="rect">
+            <a:avLst/>
+          </a:prstGeom>
+        </p:spPr>
+        <p:txBody>
+          <a:bodyPr lIns="0" rIns="0" tIns="0" bIns="0">
+            <a:normAutofit/>
+          </a:bodyPr>
+          <a:p>
+            <a:endParaRPr b="0" lang="en-US" sz="3200" spc="-1" strike="noStrike">
+              <a:latin typeface="Arial"/>
+            </a:endParaRPr>
+          </a:p>
+        </p:txBody>
+      </p:sp>
+      <p:sp>
+        <p:nvSpPr>
+          <p:cNvPr id="75" name="PlaceHolder 5"/>
+          <p:cNvSpPr>
+            <a:spLocks noGrp="1"/>
+          </p:cNvSpPr>
+          <p:nvPr>
+            <p:ph type="body"/>
+          </p:nvPr>
+        </p:nvSpPr>
+        <p:spPr>
+          <a:xfrm>
+            <a:off x="504000" y="3044520"/>
+            <a:ext cx="2921040" cy="1568520"/>
+          </a:xfrm>
+          <a:prstGeom prst="rect">
+            <a:avLst/>
+          </a:prstGeom>
+        </p:spPr>
+        <p:txBody>
+          <a:bodyPr lIns="0" rIns="0" tIns="0" bIns="0">
+            <a:normAutofit/>
+          </a:bodyPr>
+          <a:p>
+            <a:endParaRPr b="0" lang="en-US" sz="3200" spc="-1" strike="noStrike">
+              <a:latin typeface="Arial"/>
+            </a:endParaRPr>
+          </a:p>
+        </p:txBody>
+      </p:sp>
+      <p:sp>
+        <p:nvSpPr>
+          <p:cNvPr id="76" name="PlaceHolder 6"/>
+          <p:cNvSpPr>
+            <a:spLocks noGrp="1"/>
+          </p:cNvSpPr>
+          <p:nvPr>
+            <p:ph type="body"/>
+          </p:nvPr>
+        </p:nvSpPr>
+        <p:spPr>
+          <a:xfrm>
+            <a:off x="3571560" y="3044520"/>
+            <a:ext cx="2921040" cy="1568520"/>
+          </a:xfrm>
+          <a:prstGeom prst="rect">
+            <a:avLst/>
+          </a:prstGeom>
+        </p:spPr>
+        <p:txBody>
+          <a:bodyPr lIns="0" rIns="0" tIns="0" bIns="0">
+            <a:normAutofit/>
+          </a:bodyPr>
+          <a:p>
+            <a:endParaRPr b="0" lang="en-US" sz="3200" spc="-1" strike="noStrike">
+              <a:latin typeface="Arial"/>
+            </a:endParaRPr>
+          </a:p>
+        </p:txBody>
+      </p:sp>
+      <p:sp>
+        <p:nvSpPr>
+          <p:cNvPr id="77" name="PlaceHolder 7"/>
+          <p:cNvSpPr>
+            <a:spLocks noGrp="1"/>
+          </p:cNvSpPr>
+          <p:nvPr>
+            <p:ph type="body"/>
+          </p:nvPr>
+        </p:nvSpPr>
+        <p:spPr>
+          <a:xfrm>
+            <a:off x="6639120" y="3044520"/>
+            <a:ext cx="2921040" cy="1568520"/>
+          </a:xfrm>
+          <a:prstGeom prst="rect">
+            <a:avLst/>
+          </a:prstGeom>
+        </p:spPr>
+        <p:txBody>
+          <a:bodyPr lIns="0" rIns="0" tIns="0" bIns="0">
+            <a:normAutofit/>
+          </a:bodyPr>
+          <a:p>
+            <a:endParaRPr b="0" lang="en-US" sz="3200" spc="-1" strike="noStrike">
+              <a:latin typeface="Arial"/>
             </a:endParaRPr>
           </a:p>
         </p:txBody>
@@ -717,7 +1994,7 @@
       </p:grpSpPr>
       <p:sp>
         <p:nvSpPr>
-          <p:cNvPr id="8" name="PlaceHolder 1"/>
+          <p:cNvPr id="5" name="PlaceHolder 1"/>
           <p:cNvSpPr>
             <a:spLocks noGrp="1"/>
           </p:cNvSpPr>
@@ -728,30 +2005,25 @@
         <p:spPr>
           <a:xfrm>
             <a:off x="1620000" y="216000"/>
-            <a:ext cx="8100000" cy="936000"/>
-          </a:xfrm>
-          <a:prstGeom prst="rect">
-            <a:avLst/>
-          </a:prstGeom>
-        </p:spPr>
-        <p:txBody>
-          <a:bodyPr lIns="0" rIns="0" tIns="0" bIns="0" anchor="ctr">
-            <a:normAutofit/>
-          </a:bodyPr>
+            <a:ext cx="8099640" cy="935640"/>
+          </a:xfrm>
+          <a:prstGeom prst="rect">
+            <a:avLst/>
+          </a:prstGeom>
+        </p:spPr>
+        <p:txBody>
+          <a:bodyPr lIns="0" rIns="0" tIns="0" bIns="0" anchor="ctr"/>
           <a:p>
             <a:pPr algn="ctr"/>
-            <a:endParaRPr b="0" lang="en-US" sz="3300" spc="-1" strike="noStrike">
-              <a:solidFill>
-                <a:srgbClr val="050505"/>
-              </a:solidFill>
-              <a:latin typeface="Times New Roman"/>
-            </a:endParaRPr>
-          </a:p>
-        </p:txBody>
-      </p:sp>
-      <p:sp>
-        <p:nvSpPr>
-          <p:cNvPr id="9" name="PlaceHolder 2"/>
+            <a:endParaRPr b="0" lang="en-US" sz="4400" spc="-1" strike="noStrike">
+              <a:latin typeface="Arial"/>
+            </a:endParaRPr>
+          </a:p>
+        </p:txBody>
+      </p:sp>
+      <p:sp>
+        <p:nvSpPr>
+          <p:cNvPr id="6" name="PlaceHolder 2"/>
           <p:cNvSpPr>
             <a:spLocks noGrp="1"/>
           </p:cNvSpPr>
@@ -761,8 +2033,8 @@
         </p:nvSpPr>
         <p:spPr>
           <a:xfrm>
-            <a:off x="1620000" y="1368000"/>
-            <a:ext cx="8100000" cy="3288240"/>
+            <a:off x="504000" y="1326600"/>
+            <a:ext cx="9072000" cy="3288600"/>
           </a:xfrm>
           <a:prstGeom prst="rect">
             <a:avLst/>
@@ -773,10 +2045,7 @@
             <a:normAutofit/>
           </a:bodyPr>
           <a:p>
-            <a:endParaRPr b="0" lang="en-US" sz="2400" spc="-1" strike="noStrike">
-              <a:solidFill>
-                <a:srgbClr val="050505"/>
-              </a:solidFill>
+            <a:endParaRPr b="0" lang="en-US" sz="3200" spc="-1" strike="noStrike">
               <a:latin typeface="Arial"/>
             </a:endParaRPr>
           </a:p>
@@ -806,7 +2075,7 @@
       </p:grpSpPr>
       <p:sp>
         <p:nvSpPr>
-          <p:cNvPr id="10" name="PlaceHolder 1"/>
+          <p:cNvPr id="7" name="PlaceHolder 1"/>
           <p:cNvSpPr>
             <a:spLocks noGrp="1"/>
           </p:cNvSpPr>
@@ -817,30 +2086,25 @@
         <p:spPr>
           <a:xfrm>
             <a:off x="1620000" y="216000"/>
-            <a:ext cx="8100000" cy="936000"/>
-          </a:xfrm>
-          <a:prstGeom prst="rect">
-            <a:avLst/>
-          </a:prstGeom>
-        </p:spPr>
-        <p:txBody>
-          <a:bodyPr lIns="0" rIns="0" tIns="0" bIns="0" anchor="ctr">
-            <a:normAutofit/>
-          </a:bodyPr>
+            <a:ext cx="8099640" cy="935640"/>
+          </a:xfrm>
+          <a:prstGeom prst="rect">
+            <a:avLst/>
+          </a:prstGeom>
+        </p:spPr>
+        <p:txBody>
+          <a:bodyPr lIns="0" rIns="0" tIns="0" bIns="0" anchor="ctr"/>
           <a:p>
             <a:pPr algn="ctr"/>
-            <a:endParaRPr b="0" lang="en-US" sz="3300" spc="-1" strike="noStrike">
-              <a:solidFill>
-                <a:srgbClr val="050505"/>
-              </a:solidFill>
-              <a:latin typeface="Times New Roman"/>
-            </a:endParaRPr>
-          </a:p>
-        </p:txBody>
-      </p:sp>
-      <p:sp>
-        <p:nvSpPr>
-          <p:cNvPr id="11" name="PlaceHolder 2"/>
+            <a:endParaRPr b="0" lang="en-US" sz="4400" spc="-1" strike="noStrike">
+              <a:latin typeface="Arial"/>
+            </a:endParaRPr>
+          </a:p>
+        </p:txBody>
+      </p:sp>
+      <p:sp>
+        <p:nvSpPr>
+          <p:cNvPr id="8" name="PlaceHolder 2"/>
           <p:cNvSpPr>
             <a:spLocks noGrp="1"/>
           </p:cNvSpPr>
@@ -850,8 +2114,8 @@
         </p:nvSpPr>
         <p:spPr>
           <a:xfrm>
-            <a:off x="1620000" y="1368000"/>
-            <a:ext cx="3952440" cy="3288240"/>
+            <a:off x="504000" y="1326600"/>
+            <a:ext cx="4426920" cy="3288600"/>
           </a:xfrm>
           <a:prstGeom prst="rect">
             <a:avLst/>
@@ -862,18 +2126,15 @@
             <a:normAutofit/>
           </a:bodyPr>
           <a:p>
-            <a:endParaRPr b="0" lang="en-US" sz="2400" spc="-1" strike="noStrike">
-              <a:solidFill>
-                <a:srgbClr val="050505"/>
-              </a:solidFill>
-              <a:latin typeface="Arial"/>
-            </a:endParaRPr>
-          </a:p>
-        </p:txBody>
-      </p:sp>
-      <p:sp>
-        <p:nvSpPr>
-          <p:cNvPr id="12" name="PlaceHolder 3"/>
+            <a:endParaRPr b="0" lang="en-US" sz="3200" spc="-1" strike="noStrike">
+              <a:latin typeface="Arial"/>
+            </a:endParaRPr>
+          </a:p>
+        </p:txBody>
+      </p:sp>
+      <p:sp>
+        <p:nvSpPr>
+          <p:cNvPr id="9" name="PlaceHolder 3"/>
           <p:cNvSpPr>
             <a:spLocks noGrp="1"/>
           </p:cNvSpPr>
@@ -883,8 +2144,8 @@
         </p:nvSpPr>
         <p:spPr>
           <a:xfrm>
-            <a:off x="5770440" y="1368000"/>
-            <a:ext cx="3952440" cy="3288240"/>
+            <a:off x="5152680" y="1326600"/>
+            <a:ext cx="4426920" cy="3288600"/>
           </a:xfrm>
           <a:prstGeom prst="rect">
             <a:avLst/>
@@ -895,10 +2156,7 @@
             <a:normAutofit/>
           </a:bodyPr>
           <a:p>
-            <a:endParaRPr b="0" lang="en-US" sz="2400" spc="-1" strike="noStrike">
-              <a:solidFill>
-                <a:srgbClr val="050505"/>
-              </a:solidFill>
+            <a:endParaRPr b="0" lang="en-US" sz="3200" spc="-1" strike="noStrike">
               <a:latin typeface="Arial"/>
             </a:endParaRPr>
           </a:p>
@@ -928,7 +2186,7 @@
       </p:grpSpPr>
       <p:sp>
         <p:nvSpPr>
-          <p:cNvPr id="13" name="PlaceHolder 1"/>
+          <p:cNvPr id="10" name="PlaceHolder 1"/>
           <p:cNvSpPr>
             <a:spLocks noGrp="1"/>
           </p:cNvSpPr>
@@ -939,23 +2197,18 @@
         <p:spPr>
           <a:xfrm>
             <a:off x="1620000" y="216000"/>
-            <a:ext cx="8100000" cy="936000"/>
-          </a:xfrm>
-          <a:prstGeom prst="rect">
-            <a:avLst/>
-          </a:prstGeom>
-        </p:spPr>
-        <p:txBody>
-          <a:bodyPr lIns="0" rIns="0" tIns="0" bIns="0" anchor="ctr">
-            <a:normAutofit/>
-          </a:bodyPr>
+            <a:ext cx="8099640" cy="935640"/>
+          </a:xfrm>
+          <a:prstGeom prst="rect">
+            <a:avLst/>
+          </a:prstGeom>
+        </p:spPr>
+        <p:txBody>
+          <a:bodyPr lIns="0" rIns="0" tIns="0" bIns="0" anchor="ctr"/>
           <a:p>
             <a:pPr algn="ctr"/>
-            <a:endParaRPr b="0" lang="en-US" sz="3300" spc="-1" strike="noStrike">
-              <a:solidFill>
-                <a:srgbClr val="050505"/>
-              </a:solidFill>
-              <a:latin typeface="Times New Roman"/>
+            <a:endParaRPr b="0" lang="en-US" sz="4400" spc="-1" strike="noStrike">
+              <a:latin typeface="Arial"/>
             </a:endParaRPr>
           </a:p>
         </p:txBody>
@@ -984,7 +2237,7 @@
       </p:grpSpPr>
       <p:sp>
         <p:nvSpPr>
-          <p:cNvPr id="14" name="PlaceHolder 1"/>
+          <p:cNvPr id="11" name="PlaceHolder 1"/>
           <p:cNvSpPr>
             <a:spLocks noGrp="1"/>
           </p:cNvSpPr>
@@ -995,7 +2248,7 @@
         <p:spPr>
           <a:xfrm>
             <a:off x="1620000" y="216000"/>
-            <a:ext cx="8100000" cy="4340160"/>
+            <a:ext cx="8099640" cy="4338360"/>
           </a:xfrm>
           <a:prstGeom prst="rect">
             <a:avLst/>
@@ -1006,7 +2259,7 @@
           <a:p>
             <a:pPr algn="ctr"/>
             <a:endParaRPr b="0" lang="en-US" sz="3200" spc="-1" strike="noStrike">
-              <a:latin typeface="Times New Roman"/>
+              <a:latin typeface="Arial"/>
             </a:endParaRPr>
           </a:p>
         </p:txBody>
@@ -1035,7 +2288,7 @@
       </p:grpSpPr>
       <p:sp>
         <p:nvSpPr>
-          <p:cNvPr id="15" name="PlaceHolder 1"/>
+          <p:cNvPr id="12" name="PlaceHolder 1"/>
           <p:cNvSpPr>
             <a:spLocks noGrp="1"/>
           </p:cNvSpPr>
@@ -1046,30 +2299,25 @@
         <p:spPr>
           <a:xfrm>
             <a:off x="1620000" y="216000"/>
-            <a:ext cx="8100000" cy="936000"/>
-          </a:xfrm>
-          <a:prstGeom prst="rect">
-            <a:avLst/>
-          </a:prstGeom>
-        </p:spPr>
-        <p:txBody>
-          <a:bodyPr lIns="0" rIns="0" tIns="0" bIns="0" anchor="ctr">
-            <a:normAutofit/>
-          </a:bodyPr>
+            <a:ext cx="8099640" cy="935640"/>
+          </a:xfrm>
+          <a:prstGeom prst="rect">
+            <a:avLst/>
+          </a:prstGeom>
+        </p:spPr>
+        <p:txBody>
+          <a:bodyPr lIns="0" rIns="0" tIns="0" bIns="0" anchor="ctr"/>
           <a:p>
             <a:pPr algn="ctr"/>
-            <a:endParaRPr b="0" lang="en-US" sz="3300" spc="-1" strike="noStrike">
-              <a:solidFill>
-                <a:srgbClr val="050505"/>
-              </a:solidFill>
-              <a:latin typeface="Times New Roman"/>
-            </a:endParaRPr>
-          </a:p>
-        </p:txBody>
-      </p:sp>
-      <p:sp>
-        <p:nvSpPr>
-          <p:cNvPr id="16" name="PlaceHolder 2"/>
+            <a:endParaRPr b="0" lang="en-US" sz="4400" spc="-1" strike="noStrike">
+              <a:latin typeface="Arial"/>
+            </a:endParaRPr>
+          </a:p>
+        </p:txBody>
+      </p:sp>
+      <p:sp>
+        <p:nvSpPr>
+          <p:cNvPr id="13" name="PlaceHolder 2"/>
           <p:cNvSpPr>
             <a:spLocks noGrp="1"/>
           </p:cNvSpPr>
@@ -1079,8 +2327,8 @@
         </p:nvSpPr>
         <p:spPr>
           <a:xfrm>
-            <a:off x="1620000" y="1368000"/>
-            <a:ext cx="3952440" cy="1568160"/>
+            <a:off x="504000" y="1326600"/>
+            <a:ext cx="4426920" cy="1568520"/>
           </a:xfrm>
           <a:prstGeom prst="rect">
             <a:avLst/>
@@ -1091,18 +2339,15 @@
             <a:normAutofit/>
           </a:bodyPr>
           <a:p>
-            <a:endParaRPr b="0" lang="en-US" sz="2400" spc="-1" strike="noStrike">
-              <a:solidFill>
-                <a:srgbClr val="050505"/>
-              </a:solidFill>
-              <a:latin typeface="Arial"/>
-            </a:endParaRPr>
-          </a:p>
-        </p:txBody>
-      </p:sp>
-      <p:sp>
-        <p:nvSpPr>
-          <p:cNvPr id="17" name="PlaceHolder 3"/>
+            <a:endParaRPr b="0" lang="en-US" sz="3200" spc="-1" strike="noStrike">
+              <a:latin typeface="Arial"/>
+            </a:endParaRPr>
+          </a:p>
+        </p:txBody>
+      </p:sp>
+      <p:sp>
+        <p:nvSpPr>
+          <p:cNvPr id="14" name="PlaceHolder 3"/>
           <p:cNvSpPr>
             <a:spLocks noGrp="1"/>
           </p:cNvSpPr>
@@ -1112,8 +2357,8 @@
         </p:nvSpPr>
         <p:spPr>
           <a:xfrm>
-            <a:off x="5770440" y="1368000"/>
-            <a:ext cx="3952440" cy="3288240"/>
+            <a:off x="5152680" y="1326600"/>
+            <a:ext cx="4426920" cy="3288600"/>
           </a:xfrm>
           <a:prstGeom prst="rect">
             <a:avLst/>
@@ -1124,18 +2369,15 @@
             <a:normAutofit/>
           </a:bodyPr>
           <a:p>
-            <a:endParaRPr b="0" lang="en-US" sz="2400" spc="-1" strike="noStrike">
-              <a:solidFill>
-                <a:srgbClr val="050505"/>
-              </a:solidFill>
-              <a:latin typeface="Arial"/>
-            </a:endParaRPr>
-          </a:p>
-        </p:txBody>
-      </p:sp>
-      <p:sp>
-        <p:nvSpPr>
-          <p:cNvPr id="18" name="PlaceHolder 4"/>
+            <a:endParaRPr b="0" lang="en-US" sz="3200" spc="-1" strike="noStrike">
+              <a:latin typeface="Arial"/>
+            </a:endParaRPr>
+          </a:p>
+        </p:txBody>
+      </p:sp>
+      <p:sp>
+        <p:nvSpPr>
+          <p:cNvPr id="15" name="PlaceHolder 4"/>
           <p:cNvSpPr>
             <a:spLocks noGrp="1"/>
           </p:cNvSpPr>
@@ -1145,8 +2387,8 @@
         </p:nvSpPr>
         <p:spPr>
           <a:xfrm>
-            <a:off x="1620000" y="3085560"/>
-            <a:ext cx="3952440" cy="1568160"/>
+            <a:off x="504000" y="3044520"/>
+            <a:ext cx="4426920" cy="1568520"/>
           </a:xfrm>
           <a:prstGeom prst="rect">
             <a:avLst/>
@@ -1157,10 +2399,7 @@
             <a:normAutofit/>
           </a:bodyPr>
           <a:p>
-            <a:endParaRPr b="0" lang="en-US" sz="2400" spc="-1" strike="noStrike">
-              <a:solidFill>
-                <a:srgbClr val="050505"/>
-              </a:solidFill>
+            <a:endParaRPr b="0" lang="en-US" sz="3200" spc="-1" strike="noStrike">
               <a:latin typeface="Arial"/>
             </a:endParaRPr>
           </a:p>
@@ -1190,7 +2429,7 @@
       </p:grpSpPr>
       <p:sp>
         <p:nvSpPr>
-          <p:cNvPr id="19" name="PlaceHolder 1"/>
+          <p:cNvPr id="16" name="PlaceHolder 1"/>
           <p:cNvSpPr>
             <a:spLocks noGrp="1"/>
           </p:cNvSpPr>
@@ -1201,30 +2440,25 @@
         <p:spPr>
           <a:xfrm>
             <a:off x="1620000" y="216000"/>
-            <a:ext cx="8100000" cy="936000"/>
-          </a:xfrm>
-          <a:prstGeom prst="rect">
-            <a:avLst/>
-          </a:prstGeom>
-        </p:spPr>
-        <p:txBody>
-          <a:bodyPr lIns="0" rIns="0" tIns="0" bIns="0" anchor="ctr">
-            <a:normAutofit/>
-          </a:bodyPr>
+            <a:ext cx="8099640" cy="935640"/>
+          </a:xfrm>
+          <a:prstGeom prst="rect">
+            <a:avLst/>
+          </a:prstGeom>
+        </p:spPr>
+        <p:txBody>
+          <a:bodyPr lIns="0" rIns="0" tIns="0" bIns="0" anchor="ctr"/>
           <a:p>
             <a:pPr algn="ctr"/>
-            <a:endParaRPr b="0" lang="en-US" sz="3300" spc="-1" strike="noStrike">
-              <a:solidFill>
-                <a:srgbClr val="050505"/>
-              </a:solidFill>
-              <a:latin typeface="Times New Roman"/>
-            </a:endParaRPr>
-          </a:p>
-        </p:txBody>
-      </p:sp>
-      <p:sp>
-        <p:nvSpPr>
-          <p:cNvPr id="20" name="PlaceHolder 2"/>
+            <a:endParaRPr b="0" lang="en-US" sz="4400" spc="-1" strike="noStrike">
+              <a:latin typeface="Arial"/>
+            </a:endParaRPr>
+          </a:p>
+        </p:txBody>
+      </p:sp>
+      <p:sp>
+        <p:nvSpPr>
+          <p:cNvPr id="17" name="PlaceHolder 2"/>
           <p:cNvSpPr>
             <a:spLocks noGrp="1"/>
           </p:cNvSpPr>
@@ -1234,8 +2468,8 @@
         </p:nvSpPr>
         <p:spPr>
           <a:xfrm>
-            <a:off x="1620000" y="1368000"/>
-            <a:ext cx="3952440" cy="3288240"/>
+            <a:off x="504000" y="1326600"/>
+            <a:ext cx="4426920" cy="3288600"/>
           </a:xfrm>
           <a:prstGeom prst="rect">
             <a:avLst/>
@@ -1246,18 +2480,15 @@
             <a:normAutofit/>
           </a:bodyPr>
           <a:p>
-            <a:endParaRPr b="0" lang="en-US" sz="2400" spc="-1" strike="noStrike">
-              <a:solidFill>
-                <a:srgbClr val="050505"/>
-              </a:solidFill>
-              <a:latin typeface="Arial"/>
-            </a:endParaRPr>
-          </a:p>
-        </p:txBody>
-      </p:sp>
-      <p:sp>
-        <p:nvSpPr>
-          <p:cNvPr id="21" name="PlaceHolder 3"/>
+            <a:endParaRPr b="0" lang="en-US" sz="3200" spc="-1" strike="noStrike">
+              <a:latin typeface="Arial"/>
+            </a:endParaRPr>
+          </a:p>
+        </p:txBody>
+      </p:sp>
+      <p:sp>
+        <p:nvSpPr>
+          <p:cNvPr id="18" name="PlaceHolder 3"/>
           <p:cNvSpPr>
             <a:spLocks noGrp="1"/>
           </p:cNvSpPr>
@@ -1267,8 +2498,8 @@
         </p:nvSpPr>
         <p:spPr>
           <a:xfrm>
-            <a:off x="5770440" y="1368000"/>
-            <a:ext cx="3952440" cy="1568160"/>
+            <a:off x="5152680" y="1326600"/>
+            <a:ext cx="4426920" cy="1568520"/>
           </a:xfrm>
           <a:prstGeom prst="rect">
             <a:avLst/>
@@ -1279,18 +2510,15 @@
             <a:normAutofit/>
           </a:bodyPr>
           <a:p>
-            <a:endParaRPr b="0" lang="en-US" sz="2400" spc="-1" strike="noStrike">
-              <a:solidFill>
-                <a:srgbClr val="050505"/>
-              </a:solidFill>
-              <a:latin typeface="Arial"/>
-            </a:endParaRPr>
-          </a:p>
-        </p:txBody>
-      </p:sp>
-      <p:sp>
-        <p:nvSpPr>
-          <p:cNvPr id="22" name="PlaceHolder 4"/>
+            <a:endParaRPr b="0" lang="en-US" sz="3200" spc="-1" strike="noStrike">
+              <a:latin typeface="Arial"/>
+            </a:endParaRPr>
+          </a:p>
+        </p:txBody>
+      </p:sp>
+      <p:sp>
+        <p:nvSpPr>
+          <p:cNvPr id="19" name="PlaceHolder 4"/>
           <p:cNvSpPr>
             <a:spLocks noGrp="1"/>
           </p:cNvSpPr>
@@ -1300,8 +2528,8 @@
         </p:nvSpPr>
         <p:spPr>
           <a:xfrm>
-            <a:off x="5770440" y="3085560"/>
-            <a:ext cx="3952440" cy="1568160"/>
+            <a:off x="5152680" y="3044520"/>
+            <a:ext cx="4426920" cy="1568520"/>
           </a:xfrm>
           <a:prstGeom prst="rect">
             <a:avLst/>
@@ -1312,10 +2540,7 @@
             <a:normAutofit/>
           </a:bodyPr>
           <a:p>
-            <a:endParaRPr b="0" lang="en-US" sz="2400" spc="-1" strike="noStrike">
-              <a:solidFill>
-                <a:srgbClr val="050505"/>
-              </a:solidFill>
+            <a:endParaRPr b="0" lang="en-US" sz="3200" spc="-1" strike="noStrike">
               <a:latin typeface="Arial"/>
             </a:endParaRPr>
           </a:p>
@@ -1345,7 +2570,7 @@
       </p:grpSpPr>
       <p:sp>
         <p:nvSpPr>
-          <p:cNvPr id="23" name="PlaceHolder 1"/>
+          <p:cNvPr id="20" name="PlaceHolder 1"/>
           <p:cNvSpPr>
             <a:spLocks noGrp="1"/>
           </p:cNvSpPr>
@@ -1356,30 +2581,25 @@
         <p:spPr>
           <a:xfrm>
             <a:off x="1620000" y="216000"/>
-            <a:ext cx="8100000" cy="936000"/>
-          </a:xfrm>
-          <a:prstGeom prst="rect">
-            <a:avLst/>
-          </a:prstGeom>
-        </p:spPr>
-        <p:txBody>
-          <a:bodyPr lIns="0" rIns="0" tIns="0" bIns="0" anchor="ctr">
-            <a:normAutofit/>
-          </a:bodyPr>
+            <a:ext cx="8099640" cy="935640"/>
+          </a:xfrm>
+          <a:prstGeom prst="rect">
+            <a:avLst/>
+          </a:prstGeom>
+        </p:spPr>
+        <p:txBody>
+          <a:bodyPr lIns="0" rIns="0" tIns="0" bIns="0" anchor="ctr"/>
           <a:p>
             <a:pPr algn="ctr"/>
-            <a:endParaRPr b="0" lang="en-US" sz="3300" spc="-1" strike="noStrike">
-              <a:solidFill>
-                <a:srgbClr val="050505"/>
-              </a:solidFill>
-              <a:latin typeface="Times New Roman"/>
-            </a:endParaRPr>
-          </a:p>
-        </p:txBody>
-      </p:sp>
-      <p:sp>
-        <p:nvSpPr>
-          <p:cNvPr id="24" name="PlaceHolder 2"/>
+            <a:endParaRPr b="0" lang="en-US" sz="4400" spc="-1" strike="noStrike">
+              <a:latin typeface="Arial"/>
+            </a:endParaRPr>
+          </a:p>
+        </p:txBody>
+      </p:sp>
+      <p:sp>
+        <p:nvSpPr>
+          <p:cNvPr id="21" name="PlaceHolder 2"/>
           <p:cNvSpPr>
             <a:spLocks noGrp="1"/>
           </p:cNvSpPr>
@@ -1389,8 +2609,8 @@
         </p:nvSpPr>
         <p:spPr>
           <a:xfrm>
-            <a:off x="1620000" y="1368000"/>
-            <a:ext cx="3952440" cy="1568160"/>
+            <a:off x="504000" y="1326600"/>
+            <a:ext cx="4426920" cy="1568520"/>
           </a:xfrm>
           <a:prstGeom prst="rect">
             <a:avLst/>
@@ -1401,18 +2621,15 @@
             <a:normAutofit/>
           </a:bodyPr>
           <a:p>
-            <a:endParaRPr b="0" lang="en-US" sz="2400" spc="-1" strike="noStrike">
-              <a:solidFill>
-                <a:srgbClr val="050505"/>
-              </a:solidFill>
-              <a:latin typeface="Arial"/>
-            </a:endParaRPr>
-          </a:p>
-        </p:txBody>
-      </p:sp>
-      <p:sp>
-        <p:nvSpPr>
-          <p:cNvPr id="25" name="PlaceHolder 3"/>
+            <a:endParaRPr b="0" lang="en-US" sz="3200" spc="-1" strike="noStrike">
+              <a:latin typeface="Arial"/>
+            </a:endParaRPr>
+          </a:p>
+        </p:txBody>
+      </p:sp>
+      <p:sp>
+        <p:nvSpPr>
+          <p:cNvPr id="22" name="PlaceHolder 3"/>
           <p:cNvSpPr>
             <a:spLocks noGrp="1"/>
           </p:cNvSpPr>
@@ -1422,8 +2639,8 @@
         </p:nvSpPr>
         <p:spPr>
           <a:xfrm>
-            <a:off x="5770440" y="1368000"/>
-            <a:ext cx="3952440" cy="1568160"/>
+            <a:off x="5152680" y="1326600"/>
+            <a:ext cx="4426920" cy="1568520"/>
           </a:xfrm>
           <a:prstGeom prst="rect">
             <a:avLst/>
@@ -1434,18 +2651,15 @@
             <a:normAutofit/>
           </a:bodyPr>
           <a:p>
-            <a:endParaRPr b="0" lang="en-US" sz="2400" spc="-1" strike="noStrike">
-              <a:solidFill>
-                <a:srgbClr val="050505"/>
-              </a:solidFill>
-              <a:latin typeface="Arial"/>
-            </a:endParaRPr>
-          </a:p>
-        </p:txBody>
-      </p:sp>
-      <p:sp>
-        <p:nvSpPr>
-          <p:cNvPr id="26" name="PlaceHolder 4"/>
+            <a:endParaRPr b="0" lang="en-US" sz="3200" spc="-1" strike="noStrike">
+              <a:latin typeface="Arial"/>
+            </a:endParaRPr>
+          </a:p>
+        </p:txBody>
+      </p:sp>
+      <p:sp>
+        <p:nvSpPr>
+          <p:cNvPr id="23" name="PlaceHolder 4"/>
           <p:cNvSpPr>
             <a:spLocks noGrp="1"/>
           </p:cNvSpPr>
@@ -1455,8 +2669,8 @@
         </p:nvSpPr>
         <p:spPr>
           <a:xfrm>
-            <a:off x="1620000" y="3085560"/>
-            <a:ext cx="8100000" cy="1568160"/>
+            <a:off x="504000" y="3044520"/>
+            <a:ext cx="9072000" cy="1568520"/>
           </a:xfrm>
           <a:prstGeom prst="rect">
             <a:avLst/>
@@ -1467,10 +2681,7 @@
             <a:normAutofit/>
           </a:bodyPr>
           <a:p>
-            <a:endParaRPr b="0" lang="en-US" sz="2400" spc="-1" strike="noStrike">
-              <a:solidFill>
-                <a:srgbClr val="050505"/>
-              </a:solidFill>
+            <a:endParaRPr b="0" lang="en-US" sz="3200" spc="-1" strike="noStrike">
               <a:latin typeface="Arial"/>
             </a:endParaRPr>
           </a:p>
@@ -1511,7 +2722,7 @@
         <p:spPr>
           <a:xfrm>
             <a:off x="0" y="0"/>
-            <a:ext cx="10085760" cy="5670000"/>
+            <a:ext cx="10085400" cy="5669640"/>
           </a:xfrm>
           <a:prstGeom prst="rect">
             <a:avLst/>
@@ -1534,7 +2745,7 @@
         <p:spPr>
           <a:xfrm>
             <a:off x="1620000" y="216000"/>
-            <a:ext cx="8100000" cy="936000"/>
+            <a:ext cx="8099640" cy="935640"/>
           </a:xfrm>
           <a:prstGeom prst="rect">
             <a:avLst/>
@@ -1545,21 +2756,20 @@
             <a:normAutofit/>
           </a:bodyPr>
           <a:p>
-            <a:pPr algn="ctr"/>
-            <a:r>
-              <a:rPr b="0" lang="en-US" sz="3300" spc="-1" strike="noStrike">
-                <a:solidFill>
-                  <a:srgbClr val="050505"/>
-                </a:solidFill>
-                <a:latin typeface="Times New Roman"/>
-              </a:rPr>
-              <a:t>Click to edit the title text format</a:t>
-            </a:r>
-            <a:endParaRPr b="0" lang="en-US" sz="3300" spc="-1" strike="noStrike">
-              <a:solidFill>
-                <a:srgbClr val="050505"/>
-              </a:solidFill>
-              <a:latin typeface="Times New Roman"/>
+            <a:r>
+              <a:rPr b="0" lang="en-US" sz="1800" spc="-1" strike="noStrike">
+                <a:latin typeface="Arial"/>
+              </a:rPr>
+              <a:t>Click to edit the </a:t>
+            </a:r>
+            <a:r>
+              <a:rPr b="0" lang="en-US" sz="1800" spc="-1" strike="noStrike">
+                <a:latin typeface="Arial"/>
+              </a:rPr>
+              <a:t>title text format</a:t>
+            </a:r>
+            <a:endParaRPr b="0" lang="en-US" sz="1800" spc="-1" strike="noStrike">
+              <a:latin typeface="Arial"/>
             </a:endParaRPr>
           </a:p>
         </p:txBody>
@@ -1576,8 +2786,8 @@
         </p:nvSpPr>
         <p:spPr>
           <a:xfrm>
-            <a:off x="1620000" y="1368000"/>
-            <a:ext cx="8100000" cy="3288240"/>
+            <a:off x="504000" y="1326600"/>
+            <a:ext cx="9072000" cy="3288600"/>
           </a:xfrm>
           <a:prstGeom prst="rect">
             <a:avLst/>
@@ -1589,301 +2799,155 @@
           </a:bodyPr>
           <a:p>
             <a:pPr marL="432000" indent="-324000">
-              <a:spcAft>
-                <a:spcPts val="1060"/>
-              </a:spcAft>
+              <a:spcBef>
+                <a:spcPts val="1417"/>
+              </a:spcBef>
               <a:buClr>
-                <a:srgbClr val="0066ff"/>
+                <a:srgbClr val="000000"/>
               </a:buClr>
-              <a:buSzPct val="40000"/>
+              <a:buSzPct val="45000"/>
               <a:buFont typeface="Wingdings" charset="2"/>
               <a:buChar char=""/>
             </a:pPr>
             <a:r>
-              <a:rPr b="0" lang="en-US" sz="2400" spc="-1" strike="noStrike">
-                <a:solidFill>
-                  <a:srgbClr val="050505"/>
-                </a:solidFill>
+              <a:rPr b="0" lang="en-US" sz="3200" spc="-1" strike="noStrike">
                 <a:latin typeface="Arial"/>
               </a:rPr>
               <a:t>Click to edit the outline text format</a:t>
             </a:r>
-            <a:endParaRPr b="0" lang="en-US" sz="2400" spc="-1" strike="noStrike">
-              <a:solidFill>
-                <a:srgbClr val="050505"/>
-              </a:solidFill>
+            <a:endParaRPr b="0" lang="en-US" sz="3200" spc="-1" strike="noStrike">
               <a:latin typeface="Arial"/>
             </a:endParaRPr>
           </a:p>
           <a:p>
             <a:pPr lvl="1" marL="864000" indent="-324000">
-              <a:spcAft>
-                <a:spcPts val="848"/>
-              </a:spcAft>
+              <a:spcBef>
+                <a:spcPts val="1134"/>
+              </a:spcBef>
               <a:buClr>
-                <a:srgbClr val="0066ff"/>
+                <a:srgbClr val="000000"/>
               </a:buClr>
-              <a:buSzPct val="40000"/>
+              <a:buSzPct val="75000"/>
               <a:buFont typeface="Symbol" charset="2"/>
               <a:buChar char=""/>
             </a:pPr>
             <a:r>
-              <a:rPr b="0" lang="en-US" sz="2090" spc="-1" strike="noStrike">
-                <a:solidFill>
-                  <a:srgbClr val="050505"/>
-                </a:solidFill>
+              <a:rPr b="0" lang="en-US" sz="2800" spc="-1" strike="noStrike">
                 <a:latin typeface="Arial"/>
               </a:rPr>
               <a:t>Second Outline Level</a:t>
             </a:r>
-            <a:endParaRPr b="0" lang="en-US" sz="2090" spc="-1" strike="noStrike">
-              <a:solidFill>
-                <a:srgbClr val="050505"/>
-              </a:solidFill>
+            <a:endParaRPr b="0" lang="en-US" sz="2800" spc="-1" strike="noStrike">
               <a:latin typeface="Arial"/>
             </a:endParaRPr>
           </a:p>
           <a:p>
             <a:pPr lvl="2" marL="1296000" indent="-288000">
-              <a:spcAft>
-                <a:spcPts val="632"/>
-              </a:spcAft>
+              <a:spcBef>
+                <a:spcPts val="850"/>
+              </a:spcBef>
               <a:buClr>
-                <a:srgbClr val="0066ff"/>
+                <a:srgbClr val="000000"/>
               </a:buClr>
-              <a:buSzPct val="40000"/>
+              <a:buSzPct val="45000"/>
               <a:buFont typeface="Wingdings" charset="2"/>
               <a:buChar char=""/>
             </a:pPr>
             <a:r>
-              <a:rPr b="0" lang="en-US" sz="1800" spc="-1" strike="noStrike">
-                <a:solidFill>
-                  <a:srgbClr val="050505"/>
-                </a:solidFill>
+              <a:rPr b="0" lang="en-US" sz="2400" spc="-1" strike="noStrike">
                 <a:latin typeface="Arial"/>
               </a:rPr>
               <a:t>Third Outline Level</a:t>
             </a:r>
-            <a:endParaRPr b="0" lang="en-US" sz="1800" spc="-1" strike="noStrike">
-              <a:solidFill>
-                <a:srgbClr val="050505"/>
-              </a:solidFill>
+            <a:endParaRPr b="0" lang="en-US" sz="2400" spc="-1" strike="noStrike">
               <a:latin typeface="Arial"/>
             </a:endParaRPr>
           </a:p>
           <a:p>
             <a:pPr lvl="3" marL="1728000" indent="-216000">
-              <a:spcAft>
-                <a:spcPts val="422"/>
-              </a:spcAft>
+              <a:spcBef>
+                <a:spcPts val="567"/>
+              </a:spcBef>
               <a:buClr>
-                <a:srgbClr val="0066ff"/>
+                <a:srgbClr val="000000"/>
               </a:buClr>
-              <a:buSzPct val="40000"/>
+              <a:buSzPct val="75000"/>
               <a:buFont typeface="Symbol" charset="2"/>
               <a:buChar char=""/>
             </a:pPr>
             <a:r>
-              <a:rPr b="0" lang="en-US" sz="1500" spc="-1" strike="noStrike">
-                <a:solidFill>
-                  <a:srgbClr val="050505"/>
-                </a:solidFill>
+              <a:rPr b="0" lang="en-US" sz="2000" spc="-1" strike="noStrike">
                 <a:latin typeface="Arial"/>
               </a:rPr>
               <a:t>Fourth Outline Level</a:t>
             </a:r>
-            <a:endParaRPr b="0" lang="en-US" sz="1500" spc="-1" strike="noStrike">
-              <a:solidFill>
-                <a:srgbClr val="050505"/>
-              </a:solidFill>
+            <a:endParaRPr b="0" lang="en-US" sz="2000" spc="-1" strike="noStrike">
               <a:latin typeface="Arial"/>
             </a:endParaRPr>
           </a:p>
           <a:p>
             <a:pPr lvl="4" marL="2160000" indent="-216000">
-              <a:spcAft>
-                <a:spcPts val="210"/>
-              </a:spcAft>
+              <a:spcBef>
+                <a:spcPts val="283"/>
+              </a:spcBef>
               <a:buClr>
-                <a:srgbClr val="0066ff"/>
+                <a:srgbClr val="000000"/>
               </a:buClr>
-              <a:buSzPct val="40000"/>
+              <a:buSzPct val="45000"/>
               <a:buFont typeface="Wingdings" charset="2"/>
               <a:buChar char=""/>
             </a:pPr>
             <a:r>
-              <a:rPr b="0" lang="en-US" sz="1500" spc="-1" strike="noStrike">
-                <a:solidFill>
-                  <a:srgbClr val="050505"/>
-                </a:solidFill>
+              <a:rPr b="0" lang="en-US" sz="2000" spc="-1" strike="noStrike">
                 <a:latin typeface="Arial"/>
               </a:rPr>
               <a:t>Fifth Outline Level</a:t>
             </a:r>
-            <a:endParaRPr b="0" lang="en-US" sz="1500" spc="-1" strike="noStrike">
-              <a:solidFill>
-                <a:srgbClr val="050505"/>
-              </a:solidFill>
+            <a:endParaRPr b="0" lang="en-US" sz="2000" spc="-1" strike="noStrike">
               <a:latin typeface="Arial"/>
             </a:endParaRPr>
           </a:p>
           <a:p>
             <a:pPr lvl="5" marL="2592000" indent="-216000">
-              <a:spcAft>
-                <a:spcPts val="210"/>
-              </a:spcAft>
+              <a:spcBef>
+                <a:spcPts val="283"/>
+              </a:spcBef>
               <a:buClr>
-                <a:srgbClr val="0066ff"/>
+                <a:srgbClr val="000000"/>
               </a:buClr>
-              <a:buSzPct val="40000"/>
+              <a:buSzPct val="45000"/>
               <a:buFont typeface="Wingdings" charset="2"/>
               <a:buChar char=""/>
             </a:pPr>
             <a:r>
-              <a:rPr b="0" lang="en-US" sz="1500" spc="-1" strike="noStrike">
-                <a:solidFill>
-                  <a:srgbClr val="050505"/>
-                </a:solidFill>
+              <a:rPr b="0" lang="en-US" sz="2000" spc="-1" strike="noStrike">
                 <a:latin typeface="Arial"/>
               </a:rPr>
               <a:t>Sixth Outline Level</a:t>
             </a:r>
-            <a:endParaRPr b="0" lang="en-US" sz="1500" spc="-1" strike="noStrike">
-              <a:solidFill>
-                <a:srgbClr val="050505"/>
-              </a:solidFill>
+            <a:endParaRPr b="0" lang="en-US" sz="2000" spc="-1" strike="noStrike">
               <a:latin typeface="Arial"/>
             </a:endParaRPr>
           </a:p>
           <a:p>
             <a:pPr lvl="6" marL="3024000" indent="-216000">
-              <a:spcAft>
-                <a:spcPts val="210"/>
-              </a:spcAft>
+              <a:spcBef>
+                <a:spcPts val="283"/>
+              </a:spcBef>
               <a:buClr>
-                <a:srgbClr val="0066ff"/>
+                <a:srgbClr val="000000"/>
               </a:buClr>
-              <a:buSzPct val="40000"/>
+              <a:buSzPct val="45000"/>
               <a:buFont typeface="Wingdings" charset="2"/>
               <a:buChar char=""/>
             </a:pPr>
             <a:r>
-              <a:rPr b="0" lang="en-US" sz="1500" spc="-1" strike="noStrike">
-                <a:solidFill>
-                  <a:srgbClr val="050505"/>
-                </a:solidFill>
+              <a:rPr b="0" lang="en-US" sz="2000" spc="-1" strike="noStrike">
                 <a:latin typeface="Arial"/>
               </a:rPr>
               <a:t>Seventh Outline Level</a:t>
             </a:r>
-            <a:endParaRPr b="0" lang="en-US" sz="1500" spc="-1" strike="noStrike">
-              <a:solidFill>
-                <a:srgbClr val="050505"/>
-              </a:solidFill>
-              <a:latin typeface="Arial"/>
-            </a:endParaRPr>
-          </a:p>
-        </p:txBody>
-      </p:sp>
-      <p:sp>
-        <p:nvSpPr>
-          <p:cNvPr id="3" name="PlaceHolder 3"/>
-          <p:cNvSpPr>
-            <a:spLocks noGrp="1"/>
-          </p:cNvSpPr>
-          <p:nvPr>
-            <p:ph type="dt"/>
-          </p:nvPr>
-        </p:nvSpPr>
-        <p:spPr>
-          <a:xfrm>
-            <a:off x="1584000" y="5164920"/>
-            <a:ext cx="2348280" cy="390600"/>
-          </a:xfrm>
-          <a:prstGeom prst="rect">
-            <a:avLst/>
-          </a:prstGeom>
-        </p:spPr>
-        <p:txBody>
-          <a:bodyPr lIns="0" rIns="0" tIns="0" bIns="0"/>
-          <a:p>
-            <a:r>
-              <a:rPr b="0" lang="en-US" sz="1400" spc="-1" strike="noStrike">
-                <a:latin typeface="Arial"/>
-              </a:rPr>
-              <a:t>&lt;date/time&gt;</a:t>
-            </a:r>
-            <a:endParaRPr b="0" lang="en-US" sz="1400" spc="-1" strike="noStrike">
-              <a:latin typeface="Arial"/>
-            </a:endParaRPr>
-          </a:p>
-        </p:txBody>
-      </p:sp>
-      <p:sp>
-        <p:nvSpPr>
-          <p:cNvPr id="4" name="PlaceHolder 4"/>
-          <p:cNvSpPr>
-            <a:spLocks noGrp="1"/>
-          </p:cNvSpPr>
-          <p:nvPr>
-            <p:ph type="ftr"/>
-          </p:nvPr>
-        </p:nvSpPr>
-        <p:spPr>
-          <a:xfrm>
-            <a:off x="3987000" y="5164920"/>
-            <a:ext cx="3195000" cy="390600"/>
-          </a:xfrm>
-          <a:prstGeom prst="rect">
-            <a:avLst/>
-          </a:prstGeom>
-        </p:spPr>
-        <p:txBody>
-          <a:bodyPr lIns="0" rIns="0" tIns="0" bIns="0"/>
-          <a:p>
-            <a:pPr algn="r"/>
-            <a:r>
-              <a:rPr b="0" lang="en-US" sz="1400" spc="-1" strike="noStrike">
-                <a:latin typeface="Arial"/>
-              </a:rPr>
-              <a:t>&lt;footer&gt;</a:t>
-            </a:r>
-            <a:endParaRPr b="0" lang="en-US" sz="1400" spc="-1" strike="noStrike">
-              <a:latin typeface="Arial"/>
-            </a:endParaRPr>
-          </a:p>
-        </p:txBody>
-      </p:sp>
-      <p:sp>
-        <p:nvSpPr>
-          <p:cNvPr id="5" name="PlaceHolder 5"/>
-          <p:cNvSpPr>
-            <a:spLocks noGrp="1"/>
-          </p:cNvSpPr>
-          <p:nvPr>
-            <p:ph type="sldNum"/>
-          </p:nvPr>
-        </p:nvSpPr>
-        <p:spPr>
-          <a:xfrm>
-            <a:off x="7227000" y="5164920"/>
-            <a:ext cx="2348280" cy="390600"/>
-          </a:xfrm>
-          <a:prstGeom prst="rect">
-            <a:avLst/>
-          </a:prstGeom>
-        </p:spPr>
-        <p:txBody>
-          <a:bodyPr lIns="0" rIns="0" tIns="0" bIns="0"/>
-          <a:p>
-            <a:pPr algn="r"/>
-            <a:fld id="{6BC24F6D-A854-4F4D-8024-A1AAFC67CD85}" type="slidenum">
-              <a:rPr b="0" lang="en-US" sz="1400" spc="-1" strike="noStrike">
-                <a:latin typeface="Arial"/>
-              </a:rPr>
-              <a:t>&lt;number&gt;</a:t>
-            </a:fld>
-            <a:endParaRPr b="0" lang="en-US" sz="1400" spc="-1" strike="noStrike">
+            <a:endParaRPr b="0" lang="en-US" sz="2000" spc="-1" strike="noStrike">
               <a:latin typeface="Arial"/>
             </a:endParaRPr>
           </a:p>
@@ -1905,6 +2969,281 @@
     <p:sldLayoutId id="2147483658" r:id="rId12"/>
     <p:sldLayoutId id="2147483659" r:id="rId13"/>
     <p:sldLayoutId id="2147483660" r:id="rId14"/>
+  </p:sldLayoutIdLst>
+</p:sldMaster>
+</file>
+
+<file path=ppt/slideMasters/slideMaster2.xml><?xml version="1.0" encoding="utf-8"?>
+<p:sldMaster xmlns:a="http://schemas.openxmlformats.org/drawingml/2006/main" xmlns:p="http://schemas.openxmlformats.org/presentationml/2006/main" xmlns:r="http://schemas.openxmlformats.org/officeDocument/2006/relationships" xmlns:p14="http://schemas.microsoft.com/office/powerpoint/2010/main" xmlns:p15="http://schemas.microsoft.com/office/powerpoint/2012/main" xmlns:mc="http://schemas.openxmlformats.org/markup-compatibility/2006">
+  <p:cSld>
+    <p:spTree>
+      <p:nvGrpSpPr>
+        <p:cNvPr id="1" name=""/>
+        <p:cNvGrpSpPr/>
+        <p:nvPr/>
+      </p:nvGrpSpPr>
+      <p:grpSpPr>
+        <a:xfrm>
+          <a:off x="0" y="0"/>
+          <a:ext cx="0" cy="0"/>
+          <a:chOff x="0" y="0"/>
+          <a:chExt cx="0" cy="0"/>
+        </a:xfrm>
+      </p:grpSpPr>
+      <p:pic>
+        <p:nvPicPr>
+          <p:cNvPr id="39" name="" descr=""/>
+          <p:cNvPicPr/>
+          <p:nvPr/>
+        </p:nvPicPr>
+        <p:blipFill>
+          <a:blip r:embed="rId2"/>
+          <a:stretch/>
+        </p:blipFill>
+        <p:spPr>
+          <a:xfrm>
+            <a:off x="0" y="0"/>
+            <a:ext cx="10085400" cy="5669640"/>
+          </a:xfrm>
+          <a:prstGeom prst="rect">
+            <a:avLst/>
+          </a:prstGeom>
+          <a:ln>
+            <a:noFill/>
+          </a:ln>
+        </p:spPr>
+      </p:pic>
+      <p:sp>
+        <p:nvSpPr>
+          <p:cNvPr id="40" name="PlaceHolder 1"/>
+          <p:cNvSpPr>
+            <a:spLocks noGrp="1"/>
+          </p:cNvSpPr>
+          <p:nvPr>
+            <p:ph type="title"/>
+          </p:nvPr>
+        </p:nvSpPr>
+        <p:spPr>
+          <a:xfrm>
+            <a:off x="1620000" y="216000"/>
+            <a:ext cx="8099640" cy="935640"/>
+          </a:xfrm>
+          <a:prstGeom prst="rect">
+            <a:avLst/>
+          </a:prstGeom>
+        </p:spPr>
+        <p:txBody>
+          <a:bodyPr lIns="0" rIns="0" tIns="0" bIns="0" anchor="ctr">
+            <a:normAutofit/>
+          </a:bodyPr>
+          <a:p>
+            <a:r>
+              <a:rPr b="0" lang="en-US" sz="1800" spc="-1" strike="noStrike">
+                <a:latin typeface="Arial"/>
+              </a:rPr>
+              <a:t>Click to edit the title text format</a:t>
+            </a:r>
+            <a:endParaRPr b="0" lang="en-US" sz="1800" spc="-1" strike="noStrike">
+              <a:latin typeface="Arial"/>
+            </a:endParaRPr>
+          </a:p>
+        </p:txBody>
+      </p:sp>
+      <p:sp>
+        <p:nvSpPr>
+          <p:cNvPr id="41" name="PlaceHolder 2"/>
+          <p:cNvSpPr>
+            <a:spLocks noGrp="1"/>
+          </p:cNvSpPr>
+          <p:nvPr>
+            <p:ph type="body"/>
+          </p:nvPr>
+        </p:nvSpPr>
+        <p:spPr>
+          <a:xfrm>
+            <a:off x="1620000" y="1368000"/>
+            <a:ext cx="8099640" cy="3287880"/>
+          </a:xfrm>
+          <a:prstGeom prst="rect">
+            <a:avLst/>
+          </a:prstGeom>
+        </p:spPr>
+        <p:txBody>
+          <a:bodyPr lIns="0" rIns="0" tIns="0" bIns="0">
+            <a:normAutofit/>
+          </a:bodyPr>
+          <a:p>
+            <a:pPr marL="432000" indent="-324000">
+              <a:spcBef>
+                <a:spcPts val="1417"/>
+              </a:spcBef>
+              <a:buClr>
+                <a:srgbClr val="000000"/>
+              </a:buClr>
+              <a:buSzPct val="45000"/>
+              <a:buFont typeface="Wingdings" charset="2"/>
+              <a:buChar char=""/>
+            </a:pPr>
+            <a:r>
+              <a:rPr b="0" lang="en-US" sz="1800" spc="-1" strike="noStrike">
+                <a:latin typeface="Arial"/>
+              </a:rPr>
+              <a:t>Click to edit the outline text format</a:t>
+            </a:r>
+            <a:endParaRPr b="0" lang="en-US" sz="1800" spc="-1" strike="noStrike">
+              <a:latin typeface="Arial"/>
+            </a:endParaRPr>
+          </a:p>
+          <a:p>
+            <a:pPr lvl="1" marL="864000" indent="-324000">
+              <a:spcBef>
+                <a:spcPts val="1134"/>
+              </a:spcBef>
+              <a:buClr>
+                <a:srgbClr val="000000"/>
+              </a:buClr>
+              <a:buSzPct val="75000"/>
+              <a:buFont typeface="Symbol" charset="2"/>
+              <a:buChar char=""/>
+            </a:pPr>
+            <a:r>
+              <a:rPr b="0" lang="en-US" sz="1800" spc="-1" strike="noStrike">
+                <a:latin typeface="Arial"/>
+              </a:rPr>
+              <a:t>Second Outline Level</a:t>
+            </a:r>
+            <a:endParaRPr b="0" lang="en-US" sz="1800" spc="-1" strike="noStrike">
+              <a:latin typeface="Arial"/>
+            </a:endParaRPr>
+          </a:p>
+          <a:p>
+            <a:pPr lvl="2" marL="1296000" indent="-288000">
+              <a:spcBef>
+                <a:spcPts val="850"/>
+              </a:spcBef>
+              <a:buClr>
+                <a:srgbClr val="000000"/>
+              </a:buClr>
+              <a:buSzPct val="45000"/>
+              <a:buFont typeface="Wingdings" charset="2"/>
+              <a:buChar char=""/>
+            </a:pPr>
+            <a:r>
+              <a:rPr b="0" lang="en-US" sz="1800" spc="-1" strike="noStrike">
+                <a:latin typeface="Arial"/>
+              </a:rPr>
+              <a:t>Third Outline Level</a:t>
+            </a:r>
+            <a:endParaRPr b="0" lang="en-US" sz="1800" spc="-1" strike="noStrike">
+              <a:latin typeface="Arial"/>
+            </a:endParaRPr>
+          </a:p>
+          <a:p>
+            <a:pPr lvl="3" marL="1728000" indent="-216000">
+              <a:spcBef>
+                <a:spcPts val="567"/>
+              </a:spcBef>
+              <a:buClr>
+                <a:srgbClr val="000000"/>
+              </a:buClr>
+              <a:buSzPct val="75000"/>
+              <a:buFont typeface="Symbol" charset="2"/>
+              <a:buChar char=""/>
+            </a:pPr>
+            <a:r>
+              <a:rPr b="0" lang="en-US" sz="1800" spc="-1" strike="noStrike">
+                <a:latin typeface="Arial"/>
+              </a:rPr>
+              <a:t>Fourth Outline Level</a:t>
+            </a:r>
+            <a:endParaRPr b="0" lang="en-US" sz="1800" spc="-1" strike="noStrike">
+              <a:latin typeface="Arial"/>
+            </a:endParaRPr>
+          </a:p>
+          <a:p>
+            <a:pPr lvl="4" marL="2160000" indent="-216000">
+              <a:spcBef>
+                <a:spcPts val="283"/>
+              </a:spcBef>
+              <a:buClr>
+                <a:srgbClr val="000000"/>
+              </a:buClr>
+              <a:buSzPct val="45000"/>
+              <a:buFont typeface="Wingdings" charset="2"/>
+              <a:buChar char=""/>
+            </a:pPr>
+            <a:r>
+              <a:rPr b="0" lang="en-US" sz="1800" spc="-1" strike="noStrike">
+                <a:latin typeface="Arial"/>
+              </a:rPr>
+              <a:t>Fifth Outline Level</a:t>
+            </a:r>
+            <a:endParaRPr b="0" lang="en-US" sz="1800" spc="-1" strike="noStrike">
+              <a:latin typeface="Arial"/>
+            </a:endParaRPr>
+          </a:p>
+          <a:p>
+            <a:pPr lvl="5" marL="2592000" indent="-216000">
+              <a:spcBef>
+                <a:spcPts val="283"/>
+              </a:spcBef>
+              <a:buClr>
+                <a:srgbClr val="000000"/>
+              </a:buClr>
+              <a:buSzPct val="45000"/>
+              <a:buFont typeface="Wingdings" charset="2"/>
+              <a:buChar char=""/>
+            </a:pPr>
+            <a:r>
+              <a:rPr b="0" lang="en-US" sz="1800" spc="-1" strike="noStrike">
+                <a:latin typeface="Arial"/>
+              </a:rPr>
+              <a:t>Sixth Outline Level</a:t>
+            </a:r>
+            <a:endParaRPr b="0" lang="en-US" sz="1800" spc="-1" strike="noStrike">
+              <a:latin typeface="Arial"/>
+            </a:endParaRPr>
+          </a:p>
+          <a:p>
+            <a:pPr lvl="6" marL="3024000" indent="-216000">
+              <a:spcBef>
+                <a:spcPts val="283"/>
+              </a:spcBef>
+              <a:buClr>
+                <a:srgbClr val="000000"/>
+              </a:buClr>
+              <a:buSzPct val="45000"/>
+              <a:buFont typeface="Wingdings" charset="2"/>
+              <a:buChar char=""/>
+            </a:pPr>
+            <a:r>
+              <a:rPr b="0" lang="en-US" sz="1800" spc="-1" strike="noStrike">
+                <a:latin typeface="Arial"/>
+              </a:rPr>
+              <a:t>Seventh Outline Level</a:t>
+            </a:r>
+            <a:endParaRPr b="0" lang="en-US" sz="1800" spc="-1" strike="noStrike">
+              <a:latin typeface="Arial"/>
+            </a:endParaRPr>
+          </a:p>
+        </p:txBody>
+      </p:sp>
+    </p:spTree>
+  </p:cSld>
+  <p:clrMap bg1="lt1" bg2="lt2" tx1="dk1" tx2="dk2" accent1="accent1" accent2="accent2" accent3="accent3" accent4="accent4" accent5="accent5" accent6="accent6" hlink="hlink" folHlink="folHlink"/>
+  <p:sldLayoutIdLst>
+    <p:sldLayoutId id="2147483662" r:id="rId3"/>
+    <p:sldLayoutId id="2147483663" r:id="rId4"/>
+    <p:sldLayoutId id="2147483664" r:id="rId5"/>
+    <p:sldLayoutId id="2147483665" r:id="rId6"/>
+    <p:sldLayoutId id="2147483666" r:id="rId7"/>
+    <p:sldLayoutId id="2147483667" r:id="rId8"/>
+    <p:sldLayoutId id="2147483668" r:id="rId9"/>
+    <p:sldLayoutId id="2147483669" r:id="rId10"/>
+    <p:sldLayoutId id="2147483670" r:id="rId11"/>
+    <p:sldLayoutId id="2147483671" r:id="rId12"/>
+    <p:sldLayoutId id="2147483672" r:id="rId13"/>
+    <p:sldLayoutId id="2147483673" r:id="rId14"/>
   </p:sldLayoutIdLst>
 </p:sldMaster>
 </file>
@@ -1928,14 +3267,14 @@
       </p:grpSpPr>
       <p:sp>
         <p:nvSpPr>
-          <p:cNvPr id="42" name="TextShape 1"/>
-          <p:cNvSpPr txBox="1"/>
+          <p:cNvPr id="78" name="CustomShape 1"/>
+          <p:cNvSpPr/>
           <p:nvPr/>
         </p:nvSpPr>
         <p:spPr>
           <a:xfrm>
             <a:off x="1620000" y="1971000"/>
-            <a:ext cx="8100000" cy="954360"/>
+            <a:ext cx="8099640" cy="954000"/>
           </a:xfrm>
           <a:prstGeom prst="rect">
             <a:avLst/>
@@ -1945,12 +3284,22 @@
             <a:noFill/>
           </a:ln>
         </p:spPr>
+        <p:style>
+          <a:lnRef idx="0"/>
+          <a:fillRef idx="0"/>
+          <a:effectRef idx="0"/>
+          <a:fontRef idx="minor"/>
+        </p:style>
         <p:txBody>
           <a:bodyPr lIns="0" rIns="0" tIns="0" bIns="0" anchor="ctr">
             <a:normAutofit/>
           </a:bodyPr>
           <a:p>
-            <a:pPr algn="ctr"/>
+            <a:pPr algn="ctr">
+              <a:lnSpc>
+                <a:spcPct val="100000"/>
+              </a:lnSpc>
+            </a:pPr>
             <a:r>
               <a:rPr b="0" lang="en-US" sz="3400" spc="-1" strike="noStrike">
                 <a:solidFill>
@@ -1961,24 +3310,21 @@
               <a:t>RNA-Seq Analysis of Gene Expression: A Walk-Thru and Tutorial</a:t>
             </a:r>
             <a:endParaRPr b="0" lang="en-US" sz="3400" spc="-1" strike="noStrike">
-              <a:solidFill>
-                <a:srgbClr val="050505"/>
-              </a:solidFill>
-              <a:latin typeface="Times New Roman"/>
-            </a:endParaRPr>
-          </a:p>
-        </p:txBody>
-      </p:sp>
-      <p:sp>
-        <p:nvSpPr>
-          <p:cNvPr id="43" name="TextShape 2"/>
-          <p:cNvSpPr txBox="1"/>
+              <a:latin typeface="Arial"/>
+            </a:endParaRPr>
+          </a:p>
+        </p:txBody>
+      </p:sp>
+      <p:sp>
+        <p:nvSpPr>
+          <p:cNvPr id="79" name="CustomShape 2"/>
+          <p:cNvSpPr/>
           <p:nvPr/>
         </p:nvSpPr>
         <p:spPr>
           <a:xfrm>
             <a:off x="1620000" y="3108960"/>
-            <a:ext cx="8100000" cy="1547280"/>
+            <a:ext cx="8099640" cy="1546920"/>
           </a:xfrm>
           <a:prstGeom prst="rect">
             <a:avLst/>
@@ -1988,10 +3334,20 @@
             <a:noFill/>
           </a:ln>
         </p:spPr>
+        <p:style>
+          <a:lnRef idx="0"/>
+          <a:fillRef idx="0"/>
+          <a:effectRef idx="0"/>
+          <a:fontRef idx="minor"/>
+        </p:style>
         <p:txBody>
           <a:bodyPr lIns="0" rIns="0" tIns="0" bIns="0" anchor="ctr"/>
           <a:p>
-            <a:pPr algn="ctr"/>
+            <a:pPr algn="ctr">
+              <a:lnSpc>
+                <a:spcPct val="100000"/>
+              </a:lnSpc>
+            </a:pPr>
             <a:r>
               <a:rPr b="0" lang="en-US" sz="2400" spc="-1" strike="noStrike">
                 <a:latin typeface="Times New Roman"/>
@@ -1999,11 +3355,15 @@
               <a:t>Helen Nigussie, Michael Mayhew, Dina Machuve</a:t>
             </a:r>
             <a:endParaRPr b="0" lang="en-US" sz="2400" spc="-1" strike="noStrike">
-              <a:latin typeface="Times New Roman"/>
-            </a:endParaRPr>
-          </a:p>
-          <a:p>
-            <a:pPr algn="ctr"/>
+              <a:latin typeface="Arial"/>
+            </a:endParaRPr>
+          </a:p>
+          <a:p>
+            <a:pPr algn="ctr">
+              <a:lnSpc>
+                <a:spcPct val="100000"/>
+              </a:lnSpc>
+            </a:pPr>
             <a:r>
               <a:rPr b="0" lang="en-US" sz="2400" spc="-1" strike="noStrike">
                 <a:latin typeface="Times New Roman"/>
@@ -2011,11 +3371,15 @@
               <a:t>June 4, 2019 </a:t>
             </a:r>
             <a:endParaRPr b="0" lang="en-US" sz="2400" spc="-1" strike="noStrike">
-              <a:latin typeface="Times New Roman"/>
-            </a:endParaRPr>
-          </a:p>
-          <a:p>
-            <a:pPr algn="ctr"/>
+              <a:latin typeface="Arial"/>
+            </a:endParaRPr>
+          </a:p>
+          <a:p>
+            <a:pPr algn="ctr">
+              <a:lnSpc>
+                <a:spcPct val="100000"/>
+              </a:lnSpc>
+            </a:pPr>
             <a:r>
               <a:rPr b="0" lang="en-US" sz="2400" spc="-1" strike="noStrike">
                 <a:latin typeface="Times New Roman"/>
@@ -2023,11 +3387,15 @@
               <a:t>Data Science Africa 2019</a:t>
             </a:r>
             <a:endParaRPr b="0" lang="en-US" sz="2400" spc="-1" strike="noStrike">
-              <a:latin typeface="Times New Roman"/>
-            </a:endParaRPr>
-          </a:p>
-          <a:p>
-            <a:pPr algn="ctr"/>
+              <a:latin typeface="Arial"/>
+            </a:endParaRPr>
+          </a:p>
+          <a:p>
+            <a:pPr algn="ctr">
+              <a:lnSpc>
+                <a:spcPct val="100000"/>
+              </a:lnSpc>
+            </a:pPr>
             <a:r>
               <a:rPr b="0" lang="en-US" sz="2400" spc="-1" strike="noStrike">
                 <a:latin typeface="Times New Roman"/>
@@ -2035,13 +3403,40 @@
               <a:t>Addis Ababa, Ethiopia</a:t>
             </a:r>
             <a:endParaRPr b="0" lang="en-US" sz="2400" spc="-1" strike="noStrike">
-              <a:latin typeface="Times New Roman"/>
+              <a:latin typeface="Arial"/>
             </a:endParaRPr>
           </a:p>
         </p:txBody>
       </p:sp>
     </p:spTree>
   </p:cSld>
+  <p:timing>
+    <p:tnLst>
+      <p:par>
+        <p:cTn id="1" dur="indefinite" restart="never" nodeType="tmRoot">
+          <p:childTnLst>
+            <p:seq>
+              <p:cTn id="2" dur="indefinite" nodeType="mainSeq"/>
+              <p:prevCondLst>
+                <p:cond delay="0" evt="onPrev">
+                  <p:tgtEl>
+                    <p:sldTgt/>
+                  </p:tgtEl>
+                </p:cond>
+              </p:prevCondLst>
+              <p:nextCondLst>
+                <p:cond delay="0" evt="onNext">
+                  <p:tgtEl>
+                    <p:sldTgt/>
+                  </p:tgtEl>
+                </p:cond>
+              </p:nextCondLst>
+            </p:seq>
+          </p:childTnLst>
+        </p:cTn>
+      </p:par>
+    </p:tnLst>
+  </p:timing>
 </p:sld>
 </file>
 
@@ -2064,14 +3459,14 @@
       </p:grpSpPr>
       <p:sp>
         <p:nvSpPr>
-          <p:cNvPr id="68" name="TextShape 1"/>
-          <p:cNvSpPr txBox="1"/>
+          <p:cNvPr id="105" name="CustomShape 1"/>
+          <p:cNvSpPr/>
           <p:nvPr/>
         </p:nvSpPr>
         <p:spPr>
           <a:xfrm>
             <a:off x="1620000" y="216000"/>
-            <a:ext cx="8100000" cy="936000"/>
+            <a:ext cx="8099640" cy="935640"/>
           </a:xfrm>
           <a:prstGeom prst="rect">
             <a:avLst/>
@@ -2081,12 +3476,22 @@
             <a:noFill/>
           </a:ln>
         </p:spPr>
+        <p:style>
+          <a:lnRef idx="0"/>
+          <a:fillRef idx="0"/>
+          <a:effectRef idx="0"/>
+          <a:fontRef idx="minor"/>
+        </p:style>
         <p:txBody>
           <a:bodyPr lIns="0" rIns="0" tIns="0" bIns="0" anchor="ctr">
             <a:normAutofit/>
           </a:bodyPr>
           <a:p>
-            <a:pPr algn="ctr"/>
+            <a:pPr algn="ctr">
+              <a:lnSpc>
+                <a:spcPct val="100000"/>
+              </a:lnSpc>
+            </a:pPr>
             <a:r>
               <a:rPr b="0" lang="en-US" sz="3300" spc="-1" strike="noStrike">
                 <a:solidFill>
@@ -2094,36 +3499,24 @@
                 </a:solidFill>
                 <a:latin typeface="Times New Roman"/>
               </a:rPr>
-              <a:t>Important considerations when performing an </a:t>
-            </a:r>
-            <a:r>
-              <a:rPr b="0" lang="en-US" sz="3300" spc="-1" strike="noStrike">
-                <a:solidFill>
-                  <a:srgbClr val="050505"/>
-                </a:solidFill>
-                <a:latin typeface="Times New Roman"/>
-              </a:rPr>
-              <a:t>RNA-Seq analysis</a:t>
+              <a:t>Important considerations when performing an RNA-Seq analysis</a:t>
             </a:r>
             <a:endParaRPr b="0" lang="en-US" sz="3300" spc="-1" strike="noStrike">
-              <a:solidFill>
-                <a:srgbClr val="050505"/>
-              </a:solidFill>
-              <a:latin typeface="Times New Roman"/>
-            </a:endParaRPr>
-          </a:p>
-        </p:txBody>
-      </p:sp>
-      <p:sp>
-        <p:nvSpPr>
-          <p:cNvPr id="69" name="TextShape 2"/>
-          <p:cNvSpPr txBox="1"/>
+              <a:latin typeface="Arial"/>
+            </a:endParaRPr>
+          </a:p>
+        </p:txBody>
+      </p:sp>
+      <p:sp>
+        <p:nvSpPr>
+          <p:cNvPr id="106" name="CustomShape 2"/>
+          <p:cNvSpPr/>
           <p:nvPr/>
         </p:nvSpPr>
         <p:spPr>
           <a:xfrm>
             <a:off x="1620000" y="1368000"/>
-            <a:ext cx="3043440" cy="4026960"/>
+            <a:ext cx="3043080" cy="4026600"/>
           </a:xfrm>
           <a:prstGeom prst="rect">
             <a:avLst/>
@@ -2133,12 +3526,21 @@
             <a:noFill/>
           </a:ln>
         </p:spPr>
+        <p:style>
+          <a:lnRef idx="0"/>
+          <a:fillRef idx="0"/>
+          <a:effectRef idx="0"/>
+          <a:fontRef idx="minor"/>
+        </p:style>
         <p:txBody>
           <a:bodyPr lIns="0" rIns="0" tIns="0" bIns="0">
             <a:normAutofit/>
           </a:bodyPr>
           <a:p>
-            <a:pPr marL="432000" indent="-324000">
+            <a:pPr marL="432000" indent="-323640">
+              <a:lnSpc>
+                <a:spcPct val="100000"/>
+              </a:lnSpc>
               <a:spcAft>
                 <a:spcPts val="1060"/>
               </a:spcAft>
@@ -2159,14 +3561,27 @@
               <a:t>Should I consider all genes in my analysis? What about those with low or no expression across all conditions/platforms?</a:t>
             </a:r>
             <a:endParaRPr b="0" lang="en-US" sz="2000" spc="-1" strike="noStrike">
-              <a:solidFill>
-                <a:srgbClr val="050505"/>
-              </a:solidFill>
-              <a:latin typeface="Arial"/>
-            </a:endParaRPr>
-          </a:p>
-          <a:p>
-            <a:pPr marL="432000" indent="-324000">
+              <a:latin typeface="Arial"/>
+            </a:endParaRPr>
+          </a:p>
+          <a:p>
+            <a:pPr>
+              <a:lnSpc>
+                <a:spcPct val="100000"/>
+              </a:lnSpc>
+              <a:spcAft>
+                <a:spcPts val="1060"/>
+              </a:spcAft>
+            </a:pPr>
+            <a:endParaRPr b="0" lang="en-US" sz="2000" spc="-1" strike="noStrike">
+              <a:latin typeface="Arial"/>
+            </a:endParaRPr>
+          </a:p>
+          <a:p>
+            <a:pPr marL="432000" indent="-323640">
+              <a:lnSpc>
+                <a:spcPct val="100000"/>
+              </a:lnSpc>
               <a:spcAft>
                 <a:spcPts val="1060"/>
               </a:spcAft>
@@ -2177,25 +3592,6 @@
               <a:buFont typeface="Wingdings" charset="2"/>
               <a:buChar char=""/>
             </a:pPr>
-            <a:endParaRPr b="0" lang="en-US" sz="2000" spc="-1" strike="noStrike">
-              <a:solidFill>
-                <a:srgbClr val="050505"/>
-              </a:solidFill>
-              <a:latin typeface="Arial"/>
-            </a:endParaRPr>
-          </a:p>
-          <a:p>
-            <a:pPr marL="432000" indent="-324000">
-              <a:spcAft>
-                <a:spcPts val="1060"/>
-              </a:spcAft>
-              <a:buClr>
-                <a:srgbClr val="0066ff"/>
-              </a:buClr>
-              <a:buSzPct val="40000"/>
-              <a:buFont typeface="Wingdings" charset="2"/>
-              <a:buChar char=""/>
-            </a:pPr>
             <a:r>
               <a:rPr b="0" lang="en-US" sz="2000" spc="-1" strike="noStrike">
                 <a:solidFill>
@@ -2206,9 +3602,6 @@
               <a:t>Are the expression differences I’m seeing solely due to the condition? Or some other factor?</a:t>
             </a:r>
             <a:endParaRPr b="0" lang="en-US" sz="2000" spc="-1" strike="noStrike">
-              <a:solidFill>
-                <a:srgbClr val="050505"/>
-              </a:solidFill>
               <a:latin typeface="Arial"/>
             </a:endParaRPr>
           </a:p>
@@ -2216,7 +3609,7 @@
       </p:sp>
       <p:pic>
         <p:nvPicPr>
-          <p:cNvPr id="70" name="" descr=""/>
+          <p:cNvPr id="107" name="" descr=""/>
           <p:cNvPicPr/>
           <p:nvPr/>
         </p:nvPicPr>
@@ -2227,7 +3620,7 @@
         <p:spPr>
           <a:xfrm>
             <a:off x="4909320" y="1211040"/>
-            <a:ext cx="4199400" cy="4199400"/>
+            <a:ext cx="4199040" cy="4199040"/>
           </a:xfrm>
           <a:prstGeom prst="rect">
             <a:avLst/>
@@ -2242,10 +3635,10 @@
   <p:timing>
     <p:tnLst>
       <p:par>
-        <p:cTn id="31" dur="indefinite" restart="never" nodeType="tmRoot">
+        <p:cTn id="35" dur="indefinite" restart="never" nodeType="tmRoot">
           <p:childTnLst>
             <p:seq>
-              <p:cTn id="32" dur="indefinite" nodeType="mainSeq"/>
+              <p:cTn id="36" dur="indefinite" nodeType="mainSeq"/>
               <p:prevCondLst>
                 <p:cond delay="0" evt="onPrev">
                   <p:tgtEl>
@@ -2288,14 +3681,14 @@
       </p:grpSpPr>
       <p:sp>
         <p:nvSpPr>
-          <p:cNvPr id="71" name="TextShape 1"/>
-          <p:cNvSpPr txBox="1"/>
+          <p:cNvPr id="108" name="CustomShape 1"/>
+          <p:cNvSpPr/>
           <p:nvPr/>
         </p:nvSpPr>
         <p:spPr>
           <a:xfrm>
             <a:off x="1620000" y="0"/>
-            <a:ext cx="8100000" cy="936000"/>
+            <a:ext cx="8099640" cy="935640"/>
           </a:xfrm>
           <a:prstGeom prst="rect">
             <a:avLst/>
@@ -2305,12 +3698,22 @@
             <a:noFill/>
           </a:ln>
         </p:spPr>
+        <p:style>
+          <a:lnRef idx="0"/>
+          <a:fillRef idx="0"/>
+          <a:effectRef idx="0"/>
+          <a:fontRef idx="minor"/>
+        </p:style>
         <p:txBody>
           <a:bodyPr lIns="0" rIns="0" tIns="0" bIns="0" anchor="ctr">
             <a:normAutofit/>
           </a:bodyPr>
           <a:p>
-            <a:pPr algn="ctr"/>
+            <a:pPr algn="ctr">
+              <a:lnSpc>
+                <a:spcPct val="100000"/>
+              </a:lnSpc>
+            </a:pPr>
             <a:r>
               <a:rPr b="0" lang="en-US" sz="3300" spc="-1" strike="noStrike">
                 <a:solidFill>
@@ -2321,17 +3724,14 @@
               <a:t>What is the structure in my expression data?</a:t>
             </a:r>
             <a:endParaRPr b="0" lang="en-US" sz="3300" spc="-1" strike="noStrike">
-              <a:solidFill>
-                <a:srgbClr val="050505"/>
-              </a:solidFill>
-              <a:latin typeface="Times New Roman"/>
+              <a:latin typeface="Arial"/>
             </a:endParaRPr>
           </a:p>
         </p:txBody>
       </p:sp>
       <p:pic>
         <p:nvPicPr>
-          <p:cNvPr id="72" name="" descr=""/>
+          <p:cNvPr id="109" name="" descr=""/>
           <p:cNvPicPr/>
           <p:nvPr/>
         </p:nvPicPr>
@@ -2342,7 +3742,7 @@
         <p:spPr>
           <a:xfrm>
             <a:off x="1754640" y="1155960"/>
-            <a:ext cx="5972400" cy="4506480"/>
+            <a:ext cx="5972040" cy="4506120"/>
           </a:xfrm>
           <a:prstGeom prst="rect">
             <a:avLst/>
@@ -2354,14 +3754,14 @@
       </p:pic>
       <p:sp>
         <p:nvSpPr>
-          <p:cNvPr id="73" name="CustomShape 2"/>
+          <p:cNvPr id="110" name="CustomShape 2"/>
           <p:cNvSpPr/>
           <p:nvPr/>
         </p:nvSpPr>
         <p:spPr>
           <a:xfrm>
             <a:off x="2208240" y="1155960"/>
-            <a:ext cx="5446800" cy="581400"/>
+            <a:ext cx="5446440" cy="581040"/>
           </a:xfrm>
           <a:prstGeom prst="rect">
             <a:avLst/>
@@ -2382,14 +3782,14 @@
       </p:sp>
       <p:sp>
         <p:nvSpPr>
-          <p:cNvPr id="74" name="TextShape 3"/>
-          <p:cNvSpPr txBox="1"/>
+          <p:cNvPr id="111" name="CustomShape 3"/>
+          <p:cNvSpPr/>
           <p:nvPr/>
         </p:nvSpPr>
         <p:spPr>
           <a:xfrm rot="20448600">
-            <a:off x="2228040" y="1221480"/>
-            <a:ext cx="2194560" cy="274320"/>
+            <a:off x="2227680" y="1221480"/>
+            <a:ext cx="2194200" cy="273960"/>
           </a:xfrm>
           <a:prstGeom prst="rect">
             <a:avLst/>
@@ -2399,10 +3799,20 @@
             <a:noFill/>
           </a:ln>
         </p:spPr>
+        <p:style>
+          <a:lnRef idx="0"/>
+          <a:fillRef idx="0"/>
+          <a:effectRef idx="0"/>
+          <a:fontRef idx="minor"/>
+        </p:style>
         <p:txBody>
           <a:bodyPr lIns="90000" rIns="90000" tIns="45000" bIns="45000" anchor="ctr"/>
           <a:p>
-            <a:pPr algn="ctr"/>
+            <a:pPr algn="ctr">
+              <a:lnSpc>
+                <a:spcPct val="100000"/>
+              </a:lnSpc>
+            </a:pPr>
             <a:r>
               <a:rPr b="0" lang="en-US" sz="1100" spc="-1" strike="noStrike">
                 <a:latin typeface="Arial"/>
@@ -2417,14 +3827,14 @@
       </p:sp>
       <p:sp>
         <p:nvSpPr>
-          <p:cNvPr id="75" name="TextShape 4"/>
-          <p:cNvSpPr txBox="1"/>
+          <p:cNvPr id="112" name="CustomShape 4"/>
+          <p:cNvSpPr/>
           <p:nvPr/>
         </p:nvSpPr>
         <p:spPr>
           <a:xfrm rot="20448600">
-            <a:off x="2912040" y="1221480"/>
-            <a:ext cx="2194560" cy="274320"/>
+            <a:off x="2911680" y="1221480"/>
+            <a:ext cx="2194200" cy="273960"/>
           </a:xfrm>
           <a:prstGeom prst="rect">
             <a:avLst/>
@@ -2434,10 +3844,20 @@
             <a:noFill/>
           </a:ln>
         </p:spPr>
+        <p:style>
+          <a:lnRef idx="0"/>
+          <a:fillRef idx="0"/>
+          <a:effectRef idx="0"/>
+          <a:fontRef idx="minor"/>
+        </p:style>
         <p:txBody>
           <a:bodyPr lIns="90000" rIns="90000" tIns="45000" bIns="45000" anchor="ctr"/>
           <a:p>
-            <a:pPr algn="ctr"/>
+            <a:pPr algn="ctr">
+              <a:lnSpc>
+                <a:spcPct val="100000"/>
+              </a:lnSpc>
+            </a:pPr>
             <a:r>
               <a:rPr b="0" lang="en-US" sz="1100" spc="-1" strike="noStrike">
                 <a:latin typeface="Arial"/>
@@ -2452,14 +3872,14 @@
       </p:sp>
       <p:sp>
         <p:nvSpPr>
-          <p:cNvPr id="76" name="TextShape 5"/>
-          <p:cNvSpPr txBox="1"/>
+          <p:cNvPr id="113" name="CustomShape 5"/>
+          <p:cNvSpPr/>
           <p:nvPr/>
         </p:nvSpPr>
         <p:spPr>
           <a:xfrm rot="20448600">
-            <a:off x="3553920" y="1158480"/>
-            <a:ext cx="2413800" cy="401400"/>
+            <a:off x="3553560" y="1158480"/>
+            <a:ext cx="2413440" cy="401040"/>
           </a:xfrm>
           <a:prstGeom prst="rect">
             <a:avLst/>
@@ -2469,10 +3889,20 @@
             <a:noFill/>
           </a:ln>
         </p:spPr>
+        <p:style>
+          <a:lnRef idx="0"/>
+          <a:fillRef idx="0"/>
+          <a:effectRef idx="0"/>
+          <a:fontRef idx="minor"/>
+        </p:style>
         <p:txBody>
           <a:bodyPr lIns="90000" rIns="90000" tIns="45000" bIns="45000" anchor="ctr"/>
           <a:p>
-            <a:pPr algn="ctr"/>
+            <a:pPr algn="ctr">
+              <a:lnSpc>
+                <a:spcPct val="100000"/>
+              </a:lnSpc>
+            </a:pPr>
             <a:r>
               <a:rPr b="0" lang="en-US" sz="1100" spc="-1" strike="noStrike">
                 <a:latin typeface="Arial"/>
@@ -2487,14 +3917,14 @@
       </p:sp>
       <p:sp>
         <p:nvSpPr>
-          <p:cNvPr id="77" name="TextShape 6"/>
-          <p:cNvSpPr txBox="1"/>
+          <p:cNvPr id="114" name="CustomShape 6"/>
+          <p:cNvSpPr/>
           <p:nvPr/>
         </p:nvSpPr>
         <p:spPr>
           <a:xfrm rot="20448600">
             <a:off x="4204800" y="1137600"/>
-            <a:ext cx="2319840" cy="401400"/>
+            <a:ext cx="2319480" cy="401040"/>
           </a:xfrm>
           <a:prstGeom prst="rect">
             <a:avLst/>
@@ -2504,10 +3934,20 @@
             <a:noFill/>
           </a:ln>
         </p:spPr>
+        <p:style>
+          <a:lnRef idx="0"/>
+          <a:fillRef idx="0"/>
+          <a:effectRef idx="0"/>
+          <a:fontRef idx="minor"/>
+        </p:style>
         <p:txBody>
           <a:bodyPr lIns="90000" rIns="90000" tIns="45000" bIns="45000" anchor="ctr"/>
           <a:p>
-            <a:pPr algn="ctr"/>
+            <a:pPr algn="ctr">
+              <a:lnSpc>
+                <a:spcPct val="100000"/>
+              </a:lnSpc>
+            </a:pPr>
             <a:r>
               <a:rPr b="0" lang="en-US" sz="1100" spc="-1" strike="noStrike">
                 <a:latin typeface="Arial"/>
@@ -2522,14 +3962,14 @@
       </p:sp>
       <p:sp>
         <p:nvSpPr>
-          <p:cNvPr id="78" name="TextShape 7"/>
-          <p:cNvSpPr txBox="1"/>
+          <p:cNvPr id="115" name="CustomShape 7"/>
+          <p:cNvSpPr/>
           <p:nvPr/>
         </p:nvSpPr>
         <p:spPr>
           <a:xfrm rot="20448600">
-            <a:off x="4568400" y="1329840"/>
-            <a:ext cx="2194560" cy="274320"/>
+            <a:off x="4568040" y="1329840"/>
+            <a:ext cx="2194200" cy="273960"/>
           </a:xfrm>
           <a:prstGeom prst="rect">
             <a:avLst/>
@@ -2539,10 +3979,20 @@
             <a:noFill/>
           </a:ln>
         </p:spPr>
+        <p:style>
+          <a:lnRef idx="0"/>
+          <a:fillRef idx="0"/>
+          <a:effectRef idx="0"/>
+          <a:fontRef idx="minor"/>
+        </p:style>
         <p:txBody>
           <a:bodyPr lIns="90000" rIns="90000" tIns="45000" bIns="45000" anchor="ctr"/>
           <a:p>
-            <a:pPr algn="ctr"/>
+            <a:pPr algn="ctr">
+              <a:lnSpc>
+                <a:spcPct val="100000"/>
+              </a:lnSpc>
+            </a:pPr>
             <a:r>
               <a:rPr b="0" lang="en-US" sz="1100" spc="-1" strike="noStrike">
                 <a:latin typeface="Arial"/>
@@ -2557,14 +4007,14 @@
       </p:sp>
       <p:sp>
         <p:nvSpPr>
-          <p:cNvPr id="79" name="TextShape 8"/>
-          <p:cNvSpPr txBox="1"/>
+          <p:cNvPr id="116" name="CustomShape 8"/>
+          <p:cNvSpPr/>
           <p:nvPr/>
         </p:nvSpPr>
         <p:spPr>
           <a:xfrm rot="20448600">
-            <a:off x="5252400" y="1329840"/>
-            <a:ext cx="2194560" cy="274320"/>
+            <a:off x="5252040" y="1329840"/>
+            <a:ext cx="2194200" cy="273960"/>
           </a:xfrm>
           <a:prstGeom prst="rect">
             <a:avLst/>
@@ -2574,10 +4024,20 @@
             <a:noFill/>
           </a:ln>
         </p:spPr>
+        <p:style>
+          <a:lnRef idx="0"/>
+          <a:fillRef idx="0"/>
+          <a:effectRef idx="0"/>
+          <a:fontRef idx="minor"/>
+        </p:style>
         <p:txBody>
           <a:bodyPr lIns="90000" rIns="90000" tIns="45000" bIns="45000" anchor="ctr"/>
           <a:p>
-            <a:pPr algn="ctr"/>
+            <a:pPr algn="ctr">
+              <a:lnSpc>
+                <a:spcPct val="100000"/>
+              </a:lnSpc>
+            </a:pPr>
             <a:r>
               <a:rPr b="0" lang="en-US" sz="1100" spc="-1" strike="noStrike">
                 <a:latin typeface="Arial"/>
@@ -2592,14 +4052,14 @@
       </p:sp>
       <p:sp>
         <p:nvSpPr>
-          <p:cNvPr id="80" name="TextShape 9"/>
-          <p:cNvSpPr txBox="1"/>
+          <p:cNvPr id="117" name="CustomShape 9"/>
+          <p:cNvSpPr/>
           <p:nvPr/>
         </p:nvSpPr>
         <p:spPr>
           <a:xfrm rot="20448600">
-            <a:off x="5894280" y="1230840"/>
-            <a:ext cx="2413800" cy="401400"/>
+            <a:off x="5893920" y="1230840"/>
+            <a:ext cx="2413440" cy="401040"/>
           </a:xfrm>
           <a:prstGeom prst="rect">
             <a:avLst/>
@@ -2609,10 +4069,20 @@
             <a:noFill/>
           </a:ln>
         </p:spPr>
+        <p:style>
+          <a:lnRef idx="0"/>
+          <a:fillRef idx="0"/>
+          <a:effectRef idx="0"/>
+          <a:fontRef idx="minor"/>
+        </p:style>
         <p:txBody>
           <a:bodyPr lIns="90000" rIns="90000" tIns="45000" bIns="45000" anchor="ctr"/>
           <a:p>
-            <a:pPr algn="ctr"/>
+            <a:pPr algn="ctr">
+              <a:lnSpc>
+                <a:spcPct val="100000"/>
+              </a:lnSpc>
+            </a:pPr>
             <a:r>
               <a:rPr b="0" lang="en-US" sz="1100" spc="-1" strike="noStrike">
                 <a:latin typeface="Arial"/>
@@ -2627,14 +4097,14 @@
       </p:sp>
       <p:sp>
         <p:nvSpPr>
-          <p:cNvPr id="81" name="TextShape 10"/>
-          <p:cNvSpPr txBox="1"/>
+          <p:cNvPr id="118" name="CustomShape 10"/>
+          <p:cNvSpPr/>
           <p:nvPr/>
         </p:nvSpPr>
         <p:spPr>
           <a:xfrm rot="20448600">
             <a:off x="6545160" y="1245960"/>
-            <a:ext cx="2319840" cy="401400"/>
+            <a:ext cx="2319480" cy="401040"/>
           </a:xfrm>
           <a:prstGeom prst="rect">
             <a:avLst/>
@@ -2644,10 +4114,20 @@
             <a:noFill/>
           </a:ln>
         </p:spPr>
+        <p:style>
+          <a:lnRef idx="0"/>
+          <a:fillRef idx="0"/>
+          <a:effectRef idx="0"/>
+          <a:fontRef idx="minor"/>
+        </p:style>
         <p:txBody>
           <a:bodyPr lIns="90000" rIns="90000" tIns="45000" bIns="45000" anchor="ctr"/>
           <a:p>
-            <a:pPr algn="ctr"/>
+            <a:pPr algn="ctr">
+              <a:lnSpc>
+                <a:spcPct val="100000"/>
+              </a:lnSpc>
+            </a:pPr>
             <a:r>
               <a:rPr b="0" lang="en-US" sz="1100" spc="-1" strike="noStrike">
                 <a:latin typeface="Arial"/>
@@ -2665,10 +4145,10 @@
   <p:timing>
     <p:tnLst>
       <p:par>
-        <p:cTn id="33" dur="indefinite" restart="never" nodeType="tmRoot">
+        <p:cTn id="37" dur="indefinite" restart="never" nodeType="tmRoot">
           <p:childTnLst>
             <p:seq>
-              <p:cTn id="34" dur="indefinite" nodeType="mainSeq"/>
+              <p:cTn id="38" dur="indefinite" nodeType="mainSeq"/>
               <p:prevCondLst>
                 <p:cond delay="0" evt="onPrev">
                   <p:tgtEl>
@@ -2711,14 +4191,14 @@
       </p:grpSpPr>
       <p:sp>
         <p:nvSpPr>
-          <p:cNvPr id="82" name="TextShape 1"/>
-          <p:cNvSpPr txBox="1"/>
+          <p:cNvPr id="119" name="CustomShape 1"/>
+          <p:cNvSpPr/>
           <p:nvPr/>
         </p:nvSpPr>
         <p:spPr>
           <a:xfrm>
             <a:off x="1620000" y="216000"/>
-            <a:ext cx="8100000" cy="936000"/>
+            <a:ext cx="8099640" cy="935640"/>
           </a:xfrm>
           <a:prstGeom prst="rect">
             <a:avLst/>
@@ -2728,12 +4208,22 @@
             <a:noFill/>
           </a:ln>
         </p:spPr>
+        <p:style>
+          <a:lnRef idx="0"/>
+          <a:fillRef idx="0"/>
+          <a:effectRef idx="0"/>
+          <a:fontRef idx="minor"/>
+        </p:style>
         <p:txBody>
           <a:bodyPr lIns="0" rIns="0" tIns="0" bIns="0" anchor="ctr">
             <a:normAutofit/>
           </a:bodyPr>
           <a:p>
-            <a:pPr algn="ctr"/>
+            <a:pPr algn="ctr">
+              <a:lnSpc>
+                <a:spcPct val="100000"/>
+              </a:lnSpc>
+            </a:pPr>
             <a:r>
               <a:rPr b="0" lang="en-US" sz="3300" spc="-1" strike="noStrike">
                 <a:solidFill>
@@ -2741,45 +4231,24 @@
                 </a:solidFill>
                 <a:latin typeface="Times New Roman"/>
               </a:rPr>
-              <a:t>What genes show different </a:t>
-            </a:r>
-            <a:r>
-              <a:rPr b="0" lang="en-US" sz="3300" spc="-1" strike="noStrike">
-                <a:solidFill>
-                  <a:srgbClr val="050505"/>
-                </a:solidFill>
-                <a:latin typeface="Times New Roman"/>
-              </a:rPr>
-              <a:t>expression patterns in my </a:t>
-            </a:r>
-            <a:r>
-              <a:rPr b="0" lang="en-US" sz="3300" spc="-1" strike="noStrike">
-                <a:solidFill>
-                  <a:srgbClr val="050505"/>
-                </a:solidFill>
-                <a:latin typeface="Times New Roman"/>
-              </a:rPr>
-              <a:t>conditions of interest?</a:t>
+              <a:t>What genes show different expression patterns in my conditions of interest?</a:t>
             </a:r>
             <a:endParaRPr b="0" lang="en-US" sz="3300" spc="-1" strike="noStrike">
-              <a:solidFill>
-                <a:srgbClr val="050505"/>
-              </a:solidFill>
-              <a:latin typeface="Times New Roman"/>
-            </a:endParaRPr>
-          </a:p>
-        </p:txBody>
-      </p:sp>
-      <p:sp>
-        <p:nvSpPr>
-          <p:cNvPr id="83" name="TextShape 2"/>
-          <p:cNvSpPr txBox="1"/>
+              <a:latin typeface="Arial"/>
+            </a:endParaRPr>
+          </a:p>
+        </p:txBody>
+      </p:sp>
+      <p:sp>
+        <p:nvSpPr>
+          <p:cNvPr id="120" name="CustomShape 2"/>
+          <p:cNvSpPr/>
           <p:nvPr/>
         </p:nvSpPr>
         <p:spPr>
           <a:xfrm>
             <a:off x="1620000" y="1368000"/>
-            <a:ext cx="8100000" cy="3288240"/>
+            <a:ext cx="8099640" cy="3287880"/>
           </a:xfrm>
           <a:prstGeom prst="rect">
             <a:avLst/>
@@ -2789,29 +4258,22 @@
             <a:noFill/>
           </a:ln>
         </p:spPr>
-        <p:txBody>
-          <a:bodyPr lIns="0" rIns="0" tIns="0" bIns="0">
-            <a:normAutofit/>
-          </a:bodyPr>
-          <a:p>
-            <a:endParaRPr b="0" lang="en-US" sz="2400" spc="-1" strike="noStrike">
-              <a:solidFill>
-                <a:srgbClr val="050505"/>
-              </a:solidFill>
-              <a:latin typeface="Arial"/>
-            </a:endParaRPr>
-          </a:p>
-        </p:txBody>
+        <p:style>
+          <a:lnRef idx="0"/>
+          <a:fillRef idx="0"/>
+          <a:effectRef idx="0"/>
+          <a:fontRef idx="minor"/>
+        </p:style>
       </p:sp>
     </p:spTree>
   </p:cSld>
   <p:timing>
     <p:tnLst>
       <p:par>
-        <p:cTn id="35" dur="indefinite" restart="never" nodeType="tmRoot">
+        <p:cTn id="39" dur="indefinite" restart="never" nodeType="tmRoot">
           <p:childTnLst>
             <p:seq>
-              <p:cTn id="36" dur="indefinite" nodeType="mainSeq"/>
+              <p:cTn id="40" dur="indefinite" nodeType="mainSeq"/>
               <p:prevCondLst>
                 <p:cond delay="0" evt="onPrev">
                   <p:tgtEl>
@@ -2854,14 +4316,14 @@
       </p:grpSpPr>
       <p:sp>
         <p:nvSpPr>
-          <p:cNvPr id="84" name="TextShape 1"/>
-          <p:cNvSpPr txBox="1"/>
+          <p:cNvPr id="121" name="CustomShape 1"/>
+          <p:cNvSpPr/>
           <p:nvPr/>
         </p:nvSpPr>
         <p:spPr>
           <a:xfrm>
             <a:off x="1620000" y="-11160"/>
-            <a:ext cx="8100000" cy="1390320"/>
+            <a:ext cx="8099640" cy="1389960"/>
           </a:xfrm>
           <a:prstGeom prst="rect">
             <a:avLst/>
@@ -2871,12 +4333,22 @@
             <a:noFill/>
           </a:ln>
         </p:spPr>
+        <p:style>
+          <a:lnRef idx="0"/>
+          <a:fillRef idx="0"/>
+          <a:effectRef idx="0"/>
+          <a:fontRef idx="minor"/>
+        </p:style>
         <p:txBody>
           <a:bodyPr lIns="0" rIns="0" tIns="0" bIns="0" anchor="ctr">
             <a:normAutofit/>
           </a:bodyPr>
           <a:p>
-            <a:pPr algn="ctr"/>
+            <a:pPr algn="ctr">
+              <a:lnSpc>
+                <a:spcPct val="100000"/>
+              </a:lnSpc>
+            </a:pPr>
             <a:r>
               <a:rPr b="0" lang="en-US" sz="3300" spc="-1" strike="noStrike">
                 <a:solidFill>
@@ -2887,24 +4359,21 @@
               <a:t>Are differentially expressed genes enriched for any biological processes or pharmacological targets?</a:t>
             </a:r>
             <a:endParaRPr b="0" lang="en-US" sz="3300" spc="-1" strike="noStrike">
-              <a:solidFill>
-                <a:srgbClr val="050505"/>
-              </a:solidFill>
-              <a:latin typeface="Times New Roman"/>
-            </a:endParaRPr>
-          </a:p>
-        </p:txBody>
-      </p:sp>
-      <p:sp>
-        <p:nvSpPr>
-          <p:cNvPr id="85" name="TextShape 2"/>
-          <p:cNvSpPr txBox="1"/>
+              <a:latin typeface="Arial"/>
+            </a:endParaRPr>
+          </a:p>
+        </p:txBody>
+      </p:sp>
+      <p:sp>
+        <p:nvSpPr>
+          <p:cNvPr id="122" name="CustomShape 2"/>
+          <p:cNvSpPr/>
           <p:nvPr/>
         </p:nvSpPr>
         <p:spPr>
           <a:xfrm>
             <a:off x="1620000" y="1368000"/>
-            <a:ext cx="8100000" cy="3288240"/>
+            <a:ext cx="8099640" cy="3287880"/>
           </a:xfrm>
           <a:prstGeom prst="rect">
             <a:avLst/>
@@ -2914,29 +4383,22 @@
             <a:noFill/>
           </a:ln>
         </p:spPr>
-        <p:txBody>
-          <a:bodyPr lIns="0" rIns="0" tIns="0" bIns="0">
-            <a:normAutofit/>
-          </a:bodyPr>
-          <a:p>
-            <a:endParaRPr b="0" lang="en-US" sz="2400" spc="-1" strike="noStrike">
-              <a:solidFill>
-                <a:srgbClr val="050505"/>
-              </a:solidFill>
-              <a:latin typeface="Arial"/>
-            </a:endParaRPr>
-          </a:p>
-        </p:txBody>
+        <p:style>
+          <a:lnRef idx="0"/>
+          <a:fillRef idx="0"/>
+          <a:effectRef idx="0"/>
+          <a:fontRef idx="minor"/>
+        </p:style>
       </p:sp>
     </p:spTree>
   </p:cSld>
   <p:timing>
     <p:tnLst>
       <p:par>
-        <p:cTn id="37" dur="indefinite" restart="never" nodeType="tmRoot">
+        <p:cTn id="41" dur="indefinite" restart="never" nodeType="tmRoot">
           <p:childTnLst>
             <p:seq>
-              <p:cTn id="38" dur="indefinite" nodeType="mainSeq"/>
+              <p:cTn id="42" dur="indefinite" nodeType="mainSeq"/>
               <p:prevCondLst>
                 <p:cond delay="0" evt="onPrev">
                   <p:tgtEl>
@@ -2979,14 +4441,14 @@
       </p:grpSpPr>
       <p:sp>
         <p:nvSpPr>
-          <p:cNvPr id="86" name="TextShape 1"/>
-          <p:cNvSpPr txBox="1"/>
+          <p:cNvPr id="123" name="CustomShape 1"/>
+          <p:cNvSpPr/>
           <p:nvPr/>
         </p:nvSpPr>
         <p:spPr>
           <a:xfrm>
             <a:off x="1620000" y="-11160"/>
-            <a:ext cx="8100000" cy="1390320"/>
+            <a:ext cx="8099640" cy="1389960"/>
           </a:xfrm>
           <a:prstGeom prst="rect">
             <a:avLst/>
@@ -2996,12 +4458,22 @@
             <a:noFill/>
           </a:ln>
         </p:spPr>
+        <p:style>
+          <a:lnRef idx="0"/>
+          <a:fillRef idx="0"/>
+          <a:effectRef idx="0"/>
+          <a:fontRef idx="minor"/>
+        </p:style>
         <p:txBody>
           <a:bodyPr lIns="0" rIns="0" tIns="0" bIns="0" anchor="ctr">
             <a:normAutofit/>
           </a:bodyPr>
           <a:p>
-            <a:pPr algn="ctr"/>
+            <a:pPr algn="ctr">
+              <a:lnSpc>
+                <a:spcPct val="100000"/>
+              </a:lnSpc>
+            </a:pPr>
             <a:r>
               <a:rPr b="0" lang="en-US" sz="3300" spc="-1" strike="noStrike">
                 <a:solidFill>
@@ -3012,17 +4484,14 @@
               <a:t>An unsolicited advertisement</a:t>
             </a:r>
             <a:endParaRPr b="0" lang="en-US" sz="3300" spc="-1" strike="noStrike">
-              <a:solidFill>
-                <a:srgbClr val="050505"/>
-              </a:solidFill>
-              <a:latin typeface="Times New Roman"/>
+              <a:latin typeface="Arial"/>
             </a:endParaRPr>
           </a:p>
         </p:txBody>
       </p:sp>
       <p:pic>
         <p:nvPicPr>
-          <p:cNvPr id="87" name="" descr=""/>
+          <p:cNvPr id="124" name="" descr=""/>
           <p:cNvPicPr/>
           <p:nvPr/>
         </p:nvPicPr>
@@ -3033,7 +4502,7 @@
         <p:spPr>
           <a:xfrm>
             <a:off x="1684800" y="1503720"/>
-            <a:ext cx="8260920" cy="1272240"/>
+            <a:ext cx="8260560" cy="1271880"/>
           </a:xfrm>
           <a:prstGeom prst="rect">
             <a:avLst/>
@@ -3045,14 +4514,14 @@
       </p:pic>
       <p:sp>
         <p:nvSpPr>
-          <p:cNvPr id="88" name="TextShape 2"/>
-          <p:cNvSpPr txBox="1"/>
+          <p:cNvPr id="125" name="CustomShape 2"/>
+          <p:cNvSpPr/>
           <p:nvPr/>
         </p:nvSpPr>
         <p:spPr>
           <a:xfrm>
             <a:off x="1737360" y="2923200"/>
-            <a:ext cx="7132320" cy="1370160"/>
+            <a:ext cx="7131960" cy="1369800"/>
           </a:xfrm>
           <a:prstGeom prst="rect">
             <a:avLst/>
@@ -3062,9 +4531,20 @@
             <a:noFill/>
           </a:ln>
         </p:spPr>
+        <p:style>
+          <a:lnRef idx="0"/>
+          <a:fillRef idx="0"/>
+          <a:effectRef idx="0"/>
+          <a:fontRef idx="minor"/>
+        </p:style>
         <p:txBody>
           <a:bodyPr lIns="90000" rIns="90000" tIns="45000" bIns="45000"/>
           <a:p>
+            <a:pPr>
+              <a:lnSpc>
+                <a:spcPct val="100000"/>
+              </a:lnSpc>
+            </a:pPr>
             <a:r>
               <a:rPr b="0" lang="en-US" sz="1800" spc="-1" strike="noStrike">
                 <a:latin typeface="Arial"/>
@@ -3076,6 +4556,11 @@
             </a:endParaRPr>
           </a:p>
           <a:p>
+            <a:pPr>
+              <a:lnSpc>
+                <a:spcPct val="100000"/>
+              </a:lnSpc>
+            </a:pPr>
             <a:r>
               <a:rPr b="0" lang="en-US" sz="1800" spc="-1" strike="noStrike">
                 <a:latin typeface="Arial"/>
@@ -3087,19 +4572,37 @@
             </a:endParaRPr>
           </a:p>
           <a:p>
+            <a:pPr>
+              <a:lnSpc>
+                <a:spcPct val="100000"/>
+              </a:lnSpc>
+            </a:pPr>
             <a:endParaRPr b="0" lang="en-US" sz="1800" spc="-1" strike="noStrike">
               <a:latin typeface="Arial"/>
             </a:endParaRPr>
           </a:p>
           <a:p>
+            <a:pPr>
+              <a:lnSpc>
+                <a:spcPct val="100000"/>
+              </a:lnSpc>
+            </a:pPr>
             <a:endParaRPr b="0" lang="en-US" sz="1800" spc="-1" strike="noStrike">
               <a:latin typeface="Arial"/>
             </a:endParaRPr>
           </a:p>
           <a:p>
-            <a:pPr algn="ctr"/>
-            <a:r>
-              <a:rPr b="0" lang="en-US" sz="1800" spc="-1" strike="noStrike">
+            <a:pPr algn="ctr">
+              <a:lnSpc>
+                <a:spcPct val="100000"/>
+              </a:lnSpc>
+            </a:pPr>
+            <a:r>
+              <a:rPr b="0" lang="en-US" sz="1800" spc="-1" strike="noStrike" u="sng">
+                <a:solidFill>
+                  <a:srgbClr val="0000ff"/>
+                </a:solidFill>
+                <a:uFillTx/>
                 <a:latin typeface="Arial"/>
                 <a:hlinkClick r:id="rId2"/>
               </a:rPr>
@@ -3116,10 +4619,10 @@
   <p:timing>
     <p:tnLst>
       <p:par>
-        <p:cTn id="39" dur="indefinite" restart="never" nodeType="tmRoot">
+        <p:cTn id="43" dur="indefinite" restart="never" nodeType="tmRoot">
           <p:childTnLst>
             <p:seq>
-              <p:cTn id="40" dur="indefinite" nodeType="mainSeq"/>
+              <p:cTn id="44" dur="indefinite" nodeType="mainSeq"/>
               <p:prevCondLst>
                 <p:cond delay="0" evt="onPrev">
                   <p:tgtEl>
@@ -3162,14 +4665,14 @@
       </p:grpSpPr>
       <p:sp>
         <p:nvSpPr>
-          <p:cNvPr id="89" name="TextShape 1"/>
-          <p:cNvSpPr txBox="1"/>
+          <p:cNvPr id="126" name="CustomShape 1"/>
+          <p:cNvSpPr/>
           <p:nvPr/>
         </p:nvSpPr>
         <p:spPr>
           <a:xfrm>
             <a:off x="1620000" y="-10800"/>
-            <a:ext cx="8100000" cy="1390320"/>
+            <a:ext cx="8099640" cy="1389960"/>
           </a:xfrm>
           <a:prstGeom prst="rect">
             <a:avLst/>
@@ -3179,12 +4682,22 @@
             <a:noFill/>
           </a:ln>
         </p:spPr>
+        <p:style>
+          <a:lnRef idx="0"/>
+          <a:fillRef idx="0"/>
+          <a:effectRef idx="0"/>
+          <a:fontRef idx="minor"/>
+        </p:style>
         <p:txBody>
           <a:bodyPr lIns="0" rIns="0" tIns="0" bIns="0" anchor="ctr">
             <a:normAutofit/>
           </a:bodyPr>
           <a:p>
-            <a:pPr algn="ctr"/>
+            <a:pPr algn="ctr">
+              <a:lnSpc>
+                <a:spcPct val="100000"/>
+              </a:lnSpc>
+            </a:pPr>
             <a:r>
               <a:rPr b="0" lang="en-US" sz="3300" spc="-1" strike="noStrike">
                 <a:solidFill>
@@ -3195,24 +4708,21 @@
               <a:t>Additional resources</a:t>
             </a:r>
             <a:endParaRPr b="0" lang="en-US" sz="3300" spc="-1" strike="noStrike">
-              <a:solidFill>
-                <a:srgbClr val="050505"/>
-              </a:solidFill>
-              <a:latin typeface="Times New Roman"/>
-            </a:endParaRPr>
-          </a:p>
-        </p:txBody>
-      </p:sp>
-      <p:sp>
-        <p:nvSpPr>
-          <p:cNvPr id="90" name="TextShape 2"/>
-          <p:cNvSpPr txBox="1"/>
+              <a:latin typeface="Arial"/>
+            </a:endParaRPr>
+          </a:p>
+        </p:txBody>
+      </p:sp>
+      <p:sp>
+        <p:nvSpPr>
+          <p:cNvPr id="127" name="CustomShape 2"/>
+          <p:cNvSpPr/>
           <p:nvPr/>
         </p:nvSpPr>
         <p:spPr>
           <a:xfrm>
             <a:off x="1620000" y="1368000"/>
-            <a:ext cx="8100000" cy="3288240"/>
+            <a:ext cx="8099640" cy="3287880"/>
           </a:xfrm>
           <a:prstGeom prst="rect">
             <a:avLst/>
@@ -3222,12 +4732,21 @@
             <a:noFill/>
           </a:ln>
         </p:spPr>
+        <p:style>
+          <a:lnRef idx="0"/>
+          <a:fillRef idx="0"/>
+          <a:effectRef idx="0"/>
+          <a:fontRef idx="minor"/>
+        </p:style>
         <p:txBody>
           <a:bodyPr lIns="0" rIns="0" tIns="0" bIns="0">
             <a:normAutofit/>
           </a:bodyPr>
           <a:p>
-            <a:pPr marL="432000" indent="-324000">
+            <a:pPr marL="432000" indent="-323640">
+              <a:lnSpc>
+                <a:spcPct val="100000"/>
+              </a:lnSpc>
               <a:spcAft>
                 <a:spcPts val="1060"/>
               </a:spcAft>
@@ -3248,24 +4767,38 @@
               <a:t>Galaxy Community Hub’s RNA-Seq Introduction: </a:t>
             </a:r>
             <a:r>
-              <a:rPr b="0" lang="en-US" sz="1800" spc="-1" strike="noStrike">
+              <a:rPr b="0" lang="en-US" sz="1800" spc="-1" strike="noStrike" u="sng">
                 <a:solidFill>
-                  <a:srgbClr val="050505"/>
+                  <a:srgbClr val="0000ff"/>
                 </a:solidFill>
+                <a:uFillTx/>
                 <a:latin typeface="Arial"/>
                 <a:hlinkClick r:id="rId1"/>
               </a:rPr>
               <a:t>https://galaxyproject.org/tutorials/rb_rnaseq/</a:t>
             </a:r>
             <a:endParaRPr b="0" lang="en-US" sz="1800" spc="-1" strike="noStrike">
-              <a:solidFill>
-                <a:srgbClr val="050505"/>
-              </a:solidFill>
-              <a:latin typeface="Arial"/>
-            </a:endParaRPr>
-          </a:p>
-          <a:p>
-            <a:pPr marL="432000" indent="-324000">
+              <a:latin typeface="Arial"/>
+            </a:endParaRPr>
+          </a:p>
+          <a:p>
+            <a:pPr>
+              <a:lnSpc>
+                <a:spcPct val="100000"/>
+              </a:lnSpc>
+              <a:spcAft>
+                <a:spcPts val="1060"/>
+              </a:spcAft>
+            </a:pPr>
+            <a:endParaRPr b="0" lang="en-US" sz="1800" spc="-1" strike="noStrike">
+              <a:latin typeface="Arial"/>
+            </a:endParaRPr>
+          </a:p>
+          <a:p>
+            <a:pPr marL="432000" indent="-323640">
+              <a:lnSpc>
+                <a:spcPct val="100000"/>
+              </a:lnSpc>
               <a:spcAft>
                 <a:spcPts val="1060"/>
               </a:spcAft>
@@ -3276,15 +4809,48 @@
               <a:buFont typeface="Wingdings" charset="2"/>
               <a:buChar char=""/>
             </a:pPr>
+            <a:r>
+              <a:rPr b="0" lang="en-US" sz="2000" spc="-1" strike="noStrike">
+                <a:solidFill>
+                  <a:srgbClr val="050505"/>
+                </a:solidFill>
+                <a:latin typeface="Arial"/>
+              </a:rPr>
+              <a:t>Description of normalized RNA-Seq expression measures:</a:t>
+            </a:r>
+            <a:r>
+              <a:rPr b="0" lang="en-US" sz="1800" spc="-1" strike="noStrike" u="sng">
+                <a:solidFill>
+                  <a:srgbClr val="0000ff"/>
+                </a:solidFill>
+                <a:uFillTx/>
+                <a:latin typeface="Arial"/>
+                <a:hlinkClick r:id="rId2"/>
+              </a:rPr>
+              <a:t>https://statquest.org/2015/07/09/rpkm-fpkm-and-tpm-clearly-explained/</a:t>
+            </a:r>
             <a:endParaRPr b="0" lang="en-US" sz="1800" spc="-1" strike="noStrike">
-              <a:solidFill>
-                <a:srgbClr val="050505"/>
-              </a:solidFill>
-              <a:latin typeface="Arial"/>
-            </a:endParaRPr>
-          </a:p>
-          <a:p>
-            <a:pPr marL="432000" indent="-324000">
+              <a:latin typeface="Arial"/>
+            </a:endParaRPr>
+          </a:p>
+          <a:p>
+            <a:pPr>
+              <a:lnSpc>
+                <a:spcPct val="100000"/>
+              </a:lnSpc>
+              <a:spcAft>
+                <a:spcPts val="1060"/>
+              </a:spcAft>
+            </a:pPr>
+            <a:endParaRPr b="0" lang="en-US" sz="1800" spc="-1" strike="noStrike">
+              <a:latin typeface="Arial"/>
+            </a:endParaRPr>
+          </a:p>
+          <a:p>
+            <a:pPr marL="432000" indent="-323640">
+              <a:lnSpc>
+                <a:spcPct val="100000"/>
+              </a:lnSpc>
               <a:spcAft>
                 <a:spcPts val="1060"/>
               </a:spcAft>
@@ -3296,75 +4862,15 @@
               <a:buChar char=""/>
             </a:pPr>
             <a:r>
-              <a:rPr b="0" lang="en-US" sz="2000" spc="-1" strike="noStrike">
-                <a:solidFill>
-                  <a:srgbClr val="050505"/>
-                </a:solidFill>
-                <a:latin typeface="Arial"/>
-              </a:rPr>
-              <a:t>Description of normalized RNA-Seq expression measures:</a:t>
-            </a:r>
-            <a:r>
               <a:rPr b="0" lang="en-US" sz="1800" spc="-1" strike="noStrike">
                 <a:solidFill>
                   <a:srgbClr val="050505"/>
                 </a:solidFill>
                 <a:latin typeface="Arial"/>
-                <a:hlinkClick r:id="rId2"/>
-              </a:rPr>
-              <a:t>https://statquest.org/2015/07/09/rpkm-fpkm-and-tpm-clearly-explained/</a:t>
+              </a:rPr>
+              <a:t> </a:t>
             </a:r>
             <a:endParaRPr b="0" lang="en-US" sz="1800" spc="-1" strike="noStrike">
-              <a:solidFill>
-                <a:srgbClr val="050505"/>
-              </a:solidFill>
-              <a:latin typeface="Arial"/>
-            </a:endParaRPr>
-          </a:p>
-          <a:p>
-            <a:pPr marL="432000" indent="-324000">
-              <a:spcAft>
-                <a:spcPts val="1060"/>
-              </a:spcAft>
-              <a:buClr>
-                <a:srgbClr val="0066ff"/>
-              </a:buClr>
-              <a:buSzPct val="40000"/>
-              <a:buFont typeface="Wingdings" charset="2"/>
-              <a:buChar char=""/>
-            </a:pPr>
-            <a:endParaRPr b="0" lang="en-US" sz="1800" spc="-1" strike="noStrike">
-              <a:solidFill>
-                <a:srgbClr val="050505"/>
-              </a:solidFill>
-              <a:latin typeface="Arial"/>
-            </a:endParaRPr>
-          </a:p>
-          <a:p>
-            <a:pPr marL="432000" indent="-324000">
-              <a:spcAft>
-                <a:spcPts val="1060"/>
-              </a:spcAft>
-              <a:buClr>
-                <a:srgbClr val="0066ff"/>
-              </a:buClr>
-              <a:buSzPct val="40000"/>
-              <a:buFont typeface="Wingdings" charset="2"/>
-              <a:buChar char=""/>
-            </a:pPr>
-            <a:r>
-              <a:rPr b="0" lang="en-US" sz="1800" spc="-1" strike="noStrike">
-                <a:solidFill>
-                  <a:srgbClr val="050505"/>
-                </a:solidFill>
-                <a:latin typeface="Arial"/>
-              </a:rPr>
-              <a:t> </a:t>
-            </a:r>
-            <a:endParaRPr b="0" lang="en-US" sz="1800" spc="-1" strike="noStrike">
-              <a:solidFill>
-                <a:srgbClr val="050505"/>
-              </a:solidFill>
               <a:latin typeface="Arial"/>
             </a:endParaRPr>
           </a:p>
@@ -3375,10 +4881,10 @@
   <p:timing>
     <p:tnLst>
       <p:par>
-        <p:cTn id="41" dur="indefinite" restart="never" nodeType="tmRoot">
+        <p:cTn id="45" dur="indefinite" restart="never" nodeType="tmRoot">
           <p:childTnLst>
             <p:seq>
-              <p:cTn id="42" dur="indefinite" nodeType="mainSeq"/>
+              <p:cTn id="46" dur="indefinite" nodeType="mainSeq"/>
               <p:prevCondLst>
                 <p:cond delay="0" evt="onPrev">
                   <p:tgtEl>
@@ -3421,14 +4927,14 @@
       </p:grpSpPr>
       <p:sp>
         <p:nvSpPr>
-          <p:cNvPr id="91" name="TextShape 1"/>
-          <p:cNvSpPr txBox="1"/>
+          <p:cNvPr id="128" name="CustomShape 1"/>
+          <p:cNvSpPr/>
           <p:nvPr/>
         </p:nvSpPr>
         <p:spPr>
           <a:xfrm>
             <a:off x="1620000" y="1494360"/>
-            <a:ext cx="8100000" cy="1908360"/>
+            <a:ext cx="8099640" cy="1908000"/>
           </a:xfrm>
           <a:prstGeom prst="rect">
             <a:avLst/>
@@ -3438,12 +4944,22 @@
             <a:noFill/>
           </a:ln>
         </p:spPr>
+        <p:style>
+          <a:lnRef idx="0"/>
+          <a:fillRef idx="0"/>
+          <a:effectRef idx="0"/>
+          <a:fontRef idx="minor"/>
+        </p:style>
         <p:txBody>
           <a:bodyPr lIns="0" rIns="0" tIns="0" bIns="0" anchor="ctr">
             <a:normAutofit/>
           </a:bodyPr>
           <a:p>
-            <a:pPr algn="ctr"/>
+            <a:pPr algn="ctr">
+              <a:lnSpc>
+                <a:spcPct val="100000"/>
+              </a:lnSpc>
+            </a:pPr>
             <a:r>
               <a:rPr b="0" lang="en-US" sz="3400" spc="-1" strike="noStrike">
                 <a:solidFill>
@@ -3465,10 +4981,7 @@
               <a:t>Any questions?</a:t>
             </a:r>
             <a:endParaRPr b="0" lang="en-US" sz="3400" spc="-1" strike="noStrike">
-              <a:solidFill>
-                <a:srgbClr val="050505"/>
-              </a:solidFill>
-              <a:latin typeface="Times New Roman"/>
+              <a:latin typeface="Arial"/>
             </a:endParaRPr>
           </a:p>
         </p:txBody>
@@ -3478,10 +4991,10 @@
   <p:timing>
     <p:tnLst>
       <p:par>
-        <p:cTn id="43" dur="indefinite" restart="never" nodeType="tmRoot">
+        <p:cTn id="47" dur="indefinite" restart="never" nodeType="tmRoot">
           <p:childTnLst>
             <p:seq>
-              <p:cTn id="44" dur="indefinite" nodeType="mainSeq"/>
+              <p:cTn id="48" dur="indefinite" nodeType="mainSeq"/>
               <p:prevCondLst>
                 <p:cond delay="0" evt="onPrev">
                   <p:tgtEl>
@@ -3524,14 +5037,14 @@
       </p:grpSpPr>
       <p:sp>
         <p:nvSpPr>
-          <p:cNvPr id="44" name="TextShape 1"/>
-          <p:cNvSpPr txBox="1"/>
+          <p:cNvPr id="80" name="CustomShape 1"/>
+          <p:cNvSpPr/>
           <p:nvPr/>
         </p:nvSpPr>
         <p:spPr>
           <a:xfrm>
             <a:off x="1620000" y="216000"/>
-            <a:ext cx="8100000" cy="936000"/>
+            <a:ext cx="8099640" cy="935640"/>
           </a:xfrm>
           <a:prstGeom prst="rect">
             <a:avLst/>
@@ -3541,12 +5054,22 @@
             <a:noFill/>
           </a:ln>
         </p:spPr>
+        <p:style>
+          <a:lnRef idx="0"/>
+          <a:fillRef idx="0"/>
+          <a:effectRef idx="0"/>
+          <a:fontRef idx="minor"/>
+        </p:style>
         <p:txBody>
           <a:bodyPr lIns="0" rIns="0" tIns="0" bIns="0" anchor="ctr">
             <a:normAutofit/>
           </a:bodyPr>
           <a:p>
-            <a:pPr algn="ctr"/>
+            <a:pPr algn="ctr">
+              <a:lnSpc>
+                <a:spcPct val="100000"/>
+              </a:lnSpc>
+            </a:pPr>
             <a:r>
               <a:rPr b="0" lang="en-US" sz="3300" spc="-1" strike="noStrike">
                 <a:solidFill>
@@ -3557,24 +5080,21 @@
               <a:t>What is RNA-Seq analysis?</a:t>
             </a:r>
             <a:endParaRPr b="0" lang="en-US" sz="3300" spc="-1" strike="noStrike">
-              <a:solidFill>
-                <a:srgbClr val="050505"/>
-              </a:solidFill>
-              <a:latin typeface="Times New Roman"/>
-            </a:endParaRPr>
-          </a:p>
-        </p:txBody>
-      </p:sp>
-      <p:sp>
-        <p:nvSpPr>
-          <p:cNvPr id="45" name="TextShape 2"/>
-          <p:cNvSpPr txBox="1"/>
+              <a:latin typeface="Arial"/>
+            </a:endParaRPr>
+          </a:p>
+        </p:txBody>
+      </p:sp>
+      <p:sp>
+        <p:nvSpPr>
+          <p:cNvPr id="81" name="CustomShape 2"/>
+          <p:cNvSpPr/>
           <p:nvPr/>
         </p:nvSpPr>
         <p:spPr>
           <a:xfrm>
             <a:off x="1620000" y="1974960"/>
-            <a:ext cx="8100000" cy="3288240"/>
+            <a:ext cx="8099640" cy="3287880"/>
           </a:xfrm>
           <a:prstGeom prst="rect">
             <a:avLst/>
@@ -3584,12 +5104,21 @@
             <a:noFill/>
           </a:ln>
         </p:spPr>
+        <p:style>
+          <a:lnRef idx="0"/>
+          <a:fillRef idx="0"/>
+          <a:effectRef idx="0"/>
+          <a:fontRef idx="minor"/>
+        </p:style>
         <p:txBody>
           <a:bodyPr lIns="0" rIns="0" tIns="0" bIns="0">
             <a:normAutofit/>
           </a:bodyPr>
           <a:p>
-            <a:pPr marL="432000" indent="-324000" algn="ctr">
+            <a:pPr marL="432000" indent="-323640" algn="ctr">
+              <a:lnSpc>
+                <a:spcPct val="100000"/>
+              </a:lnSpc>
               <a:spcAft>
                 <a:spcPts val="1060"/>
               </a:spcAft>
@@ -3664,9 +5193,6 @@
               <a:t> from a collection of cells</a:t>
             </a:r>
             <a:endParaRPr b="0" lang="en-US" sz="2400" spc="-1" strike="noStrike">
-              <a:solidFill>
-                <a:srgbClr val="050505"/>
-              </a:solidFill>
               <a:latin typeface="Arial"/>
             </a:endParaRPr>
           </a:p>
@@ -3674,6 +5200,33 @@
       </p:sp>
     </p:spTree>
   </p:cSld>
+  <p:timing>
+    <p:tnLst>
+      <p:par>
+        <p:cTn id="3" dur="indefinite" restart="never" nodeType="tmRoot">
+          <p:childTnLst>
+            <p:seq>
+              <p:cTn id="4" dur="indefinite" nodeType="mainSeq"/>
+              <p:prevCondLst>
+                <p:cond delay="0" evt="onPrev">
+                  <p:tgtEl>
+                    <p:sldTgt/>
+                  </p:tgtEl>
+                </p:cond>
+              </p:prevCondLst>
+              <p:nextCondLst>
+                <p:cond delay="0" evt="onNext">
+                  <p:tgtEl>
+                    <p:sldTgt/>
+                  </p:tgtEl>
+                </p:cond>
+              </p:nextCondLst>
+            </p:seq>
+          </p:childTnLst>
+        </p:cTn>
+      </p:par>
+    </p:tnLst>
+  </p:timing>
 </p:sld>
 </file>
 
@@ -3696,14 +5249,14 @@
       </p:grpSpPr>
       <p:sp>
         <p:nvSpPr>
-          <p:cNvPr id="46" name="TextShape 1"/>
-          <p:cNvSpPr txBox="1"/>
+          <p:cNvPr id="82" name="CustomShape 1"/>
+          <p:cNvSpPr/>
           <p:nvPr/>
         </p:nvSpPr>
         <p:spPr>
           <a:xfrm>
             <a:off x="1620000" y="216000"/>
-            <a:ext cx="8100000" cy="936000"/>
+            <a:ext cx="8099640" cy="935640"/>
           </a:xfrm>
           <a:prstGeom prst="rect">
             <a:avLst/>
@@ -3713,12 +5266,22 @@
             <a:noFill/>
           </a:ln>
         </p:spPr>
+        <p:style>
+          <a:lnRef idx="0"/>
+          <a:fillRef idx="0"/>
+          <a:effectRef idx="0"/>
+          <a:fontRef idx="minor"/>
+        </p:style>
         <p:txBody>
           <a:bodyPr lIns="0" rIns="0" tIns="0" bIns="0" anchor="ctr">
             <a:normAutofit/>
           </a:bodyPr>
           <a:p>
-            <a:pPr algn="ctr"/>
+            <a:pPr algn="ctr">
+              <a:lnSpc>
+                <a:spcPct val="100000"/>
+              </a:lnSpc>
+            </a:pPr>
             <a:r>
               <a:rPr b="0" lang="en-US" sz="3300" spc="-1" strike="noStrike">
                 <a:solidFill>
@@ -3729,17 +5292,14 @@
               <a:t>What is RNA-Seq analysis?</a:t>
             </a:r>
             <a:endParaRPr b="0" lang="en-US" sz="3300" spc="-1" strike="noStrike">
-              <a:solidFill>
-                <a:srgbClr val="050505"/>
-              </a:solidFill>
-              <a:latin typeface="Times New Roman"/>
+              <a:latin typeface="Arial"/>
             </a:endParaRPr>
           </a:p>
         </p:txBody>
       </p:sp>
       <p:pic>
         <p:nvPicPr>
-          <p:cNvPr id="47" name="" descr=""/>
+          <p:cNvPr id="83" name="" descr=""/>
           <p:cNvPicPr/>
           <p:nvPr/>
         </p:nvPicPr>
@@ -3750,7 +5310,7 @@
         <p:spPr>
           <a:xfrm>
             <a:off x="2684880" y="943560"/>
-            <a:ext cx="5760720" cy="4537440"/>
+            <a:ext cx="5760360" cy="4537080"/>
           </a:xfrm>
           <a:prstGeom prst="rect">
             <a:avLst/>
@@ -3762,14 +5322,14 @@
       </p:pic>
       <p:sp>
         <p:nvSpPr>
-          <p:cNvPr id="48" name="TextShape 2"/>
-          <p:cNvSpPr txBox="1"/>
+          <p:cNvPr id="84" name="CustomShape 2"/>
+          <p:cNvSpPr/>
           <p:nvPr/>
         </p:nvSpPr>
         <p:spPr>
           <a:xfrm>
             <a:off x="2690640" y="5432760"/>
-            <a:ext cx="5394960" cy="327960"/>
+            <a:ext cx="5394600" cy="327600"/>
           </a:xfrm>
           <a:prstGeom prst="rect">
             <a:avLst/>
@@ -3779,9 +5339,20 @@
             <a:noFill/>
           </a:ln>
         </p:spPr>
+        <p:style>
+          <a:lnRef idx="0"/>
+          <a:fillRef idx="0"/>
+          <a:effectRef idx="0"/>
+          <a:fontRef idx="minor"/>
+        </p:style>
         <p:txBody>
           <a:bodyPr lIns="90000" rIns="90000" tIns="45000" bIns="45000"/>
           <a:p>
+            <a:pPr>
+              <a:lnSpc>
+                <a:spcPct val="100000"/>
+              </a:lnSpc>
+            </a:pPr>
             <a:r>
               <a:rPr b="0" lang="en-US" sz="1200" spc="-1" strike="noStrike">
                 <a:latin typeface="Arial"/>
@@ -3796,14 +5367,14 @@
       </p:sp>
       <p:sp>
         <p:nvSpPr>
-          <p:cNvPr id="49" name="CustomShape 3"/>
+          <p:cNvPr id="85" name="CustomShape 3"/>
           <p:cNvSpPr/>
           <p:nvPr/>
         </p:nvSpPr>
         <p:spPr>
           <a:xfrm>
             <a:off x="4572000" y="3657600"/>
-            <a:ext cx="1097280" cy="731520"/>
+            <a:ext cx="1096920" cy="731160"/>
           </a:xfrm>
           <a:prstGeom prst="ellipse">
             <a:avLst/>
@@ -3827,10 +5398,10 @@
   <p:timing>
     <p:tnLst>
       <p:par>
-        <p:cTn id="1" dur="indefinite" restart="never" nodeType="tmRoot">
+        <p:cTn id="5" dur="indefinite" restart="never" nodeType="tmRoot">
           <p:childTnLst>
             <p:seq>
-              <p:cTn id="2" dur="indefinite" nodeType="mainSeq"/>
+              <p:cTn id="6" dur="indefinite" nodeType="mainSeq"/>
               <p:prevCondLst>
                 <p:cond delay="0" evt="onPrev">
                   <p:tgtEl>
@@ -3873,14 +5444,14 @@
       </p:grpSpPr>
       <p:sp>
         <p:nvSpPr>
-          <p:cNvPr id="50" name="TextShape 1"/>
-          <p:cNvSpPr txBox="1"/>
+          <p:cNvPr id="86" name="CustomShape 1"/>
+          <p:cNvSpPr/>
           <p:nvPr/>
         </p:nvSpPr>
         <p:spPr>
           <a:xfrm>
             <a:off x="1620000" y="216000"/>
-            <a:ext cx="8100000" cy="936000"/>
+            <a:ext cx="8099640" cy="935640"/>
           </a:xfrm>
           <a:prstGeom prst="rect">
             <a:avLst/>
@@ -3890,12 +5461,22 @@
             <a:noFill/>
           </a:ln>
         </p:spPr>
+        <p:style>
+          <a:lnRef idx="0"/>
+          <a:fillRef idx="0"/>
+          <a:effectRef idx="0"/>
+          <a:fontRef idx="minor"/>
+        </p:style>
         <p:txBody>
           <a:bodyPr lIns="0" rIns="0" tIns="0" bIns="0" anchor="ctr">
             <a:normAutofit/>
           </a:bodyPr>
           <a:p>
-            <a:pPr algn="ctr"/>
+            <a:pPr algn="ctr">
+              <a:lnSpc>
+                <a:spcPct val="100000"/>
+              </a:lnSpc>
+            </a:pPr>
             <a:r>
               <a:rPr b="0" lang="en-US" sz="3300" spc="-1" strike="noStrike">
                 <a:solidFill>
@@ -3903,29 +5484,17 @@
                 </a:solidFill>
                 <a:latin typeface="Times New Roman"/>
               </a:rPr>
-              <a:t>What are the different stages of RNA-Seq </a:t>
-            </a:r>
-            <a:r>
-              <a:rPr b="0" lang="en-US" sz="3300" spc="-1" strike="noStrike">
-                <a:solidFill>
-                  <a:srgbClr val="050505"/>
-                </a:solidFill>
-                <a:latin typeface="Times New Roman"/>
-              </a:rPr>
-              <a:t>analysis?</a:t>
+              <a:t>What are the different stages of RNA-Seq analysis?</a:t>
             </a:r>
             <a:endParaRPr b="0" lang="en-US" sz="3300" spc="-1" strike="noStrike">
-              <a:solidFill>
-                <a:srgbClr val="050505"/>
-              </a:solidFill>
-              <a:latin typeface="Times New Roman"/>
+              <a:latin typeface="Arial"/>
             </a:endParaRPr>
           </a:p>
         </p:txBody>
       </p:sp>
       <p:pic>
         <p:nvPicPr>
-          <p:cNvPr id="51" name="" descr=""/>
+          <p:cNvPr id="87" name="" descr=""/>
           <p:cNvPicPr/>
           <p:nvPr/>
         </p:nvPicPr>
@@ -3936,7 +5505,7 @@
         <p:spPr>
           <a:xfrm>
             <a:off x="2283840" y="1275480"/>
-            <a:ext cx="5480280" cy="4119480"/>
+            <a:ext cx="5479920" cy="4119120"/>
           </a:xfrm>
           <a:prstGeom prst="rect">
             <a:avLst/>
@@ -3948,14 +5517,14 @@
       </p:pic>
       <p:sp>
         <p:nvSpPr>
-          <p:cNvPr id="52" name="CustomShape 2"/>
+          <p:cNvPr id="88" name="CustomShape 2"/>
           <p:cNvSpPr/>
           <p:nvPr/>
         </p:nvSpPr>
         <p:spPr>
           <a:xfrm>
             <a:off x="2377440" y="2001600"/>
-            <a:ext cx="1067040" cy="2387520"/>
+            <a:ext cx="1066680" cy="2387160"/>
           </a:xfrm>
           <a:prstGeom prst="rect">
             <a:avLst/>
@@ -3976,14 +5545,14 @@
       </p:sp>
       <p:sp>
         <p:nvSpPr>
-          <p:cNvPr id="53" name="CustomShape 3"/>
+          <p:cNvPr id="89" name="CustomShape 3"/>
           <p:cNvSpPr/>
           <p:nvPr/>
         </p:nvSpPr>
         <p:spPr>
           <a:xfrm>
             <a:off x="2560320" y="4923360"/>
-            <a:ext cx="920160" cy="365760"/>
+            <a:ext cx="919800" cy="365400"/>
           </a:xfrm>
           <a:prstGeom prst="rect">
             <a:avLst/>
@@ -4004,14 +5573,14 @@
       </p:sp>
       <p:sp>
         <p:nvSpPr>
-          <p:cNvPr id="54" name="TextShape 4"/>
-          <p:cNvSpPr txBox="1"/>
+          <p:cNvPr id="90" name="CustomShape 4"/>
+          <p:cNvSpPr/>
           <p:nvPr/>
         </p:nvSpPr>
         <p:spPr>
           <a:xfrm>
             <a:off x="3482640" y="5397120"/>
-            <a:ext cx="5394960" cy="327960"/>
+            <a:ext cx="5394600" cy="327600"/>
           </a:xfrm>
           <a:prstGeom prst="rect">
             <a:avLst/>
@@ -4021,9 +5590,20 @@
             <a:noFill/>
           </a:ln>
         </p:spPr>
+        <p:style>
+          <a:lnRef idx="0"/>
+          <a:fillRef idx="0"/>
+          <a:effectRef idx="0"/>
+          <a:fontRef idx="minor"/>
+        </p:style>
         <p:txBody>
           <a:bodyPr lIns="90000" rIns="90000" tIns="45000" bIns="45000"/>
           <a:p>
+            <a:pPr>
+              <a:lnSpc>
+                <a:spcPct val="100000"/>
+              </a:lnSpc>
+            </a:pPr>
             <a:r>
               <a:rPr b="0" lang="en-US" sz="1200" spc="-1" strike="noStrike">
                 <a:latin typeface="Arial"/>
@@ -4038,14 +5618,14 @@
       </p:sp>
       <p:sp>
         <p:nvSpPr>
-          <p:cNvPr id="55" name="TextShape 5"/>
-          <p:cNvSpPr txBox="1"/>
+          <p:cNvPr id="91" name="CustomShape 5"/>
+          <p:cNvSpPr/>
           <p:nvPr/>
         </p:nvSpPr>
         <p:spPr>
           <a:xfrm>
             <a:off x="1737360" y="2175120"/>
-            <a:ext cx="1828800" cy="431640"/>
+            <a:ext cx="1828440" cy="431280"/>
           </a:xfrm>
           <a:prstGeom prst="rect">
             <a:avLst/>
@@ -4055,10 +5635,20 @@
             <a:noFill/>
           </a:ln>
         </p:spPr>
+        <p:style>
+          <a:lnRef idx="0"/>
+          <a:fillRef idx="0"/>
+          <a:effectRef idx="0"/>
+          <a:fontRef idx="minor"/>
+        </p:style>
         <p:txBody>
           <a:bodyPr lIns="90000" rIns="90000" tIns="45000" bIns="45000"/>
           <a:p>
-            <a:pPr algn="ctr"/>
+            <a:pPr algn="ctr">
+              <a:lnSpc>
+                <a:spcPct val="100000"/>
+              </a:lnSpc>
+            </a:pPr>
             <a:r>
               <a:rPr b="1" lang="en-US" sz="1200" spc="-1" strike="noStrike">
                 <a:solidFill>
@@ -4076,14 +5666,14 @@
       </p:sp>
       <p:sp>
         <p:nvSpPr>
-          <p:cNvPr id="56" name="TextShape 6"/>
-          <p:cNvSpPr txBox="1"/>
+          <p:cNvPr id="92" name="CustomShape 6"/>
+          <p:cNvSpPr/>
           <p:nvPr/>
         </p:nvSpPr>
         <p:spPr>
           <a:xfrm>
             <a:off x="1737360" y="3039480"/>
-            <a:ext cx="1828800" cy="431640"/>
+            <a:ext cx="1828440" cy="431280"/>
           </a:xfrm>
           <a:prstGeom prst="rect">
             <a:avLst/>
@@ -4093,10 +5683,20 @@
             <a:noFill/>
           </a:ln>
         </p:spPr>
+        <p:style>
+          <a:lnRef idx="0"/>
+          <a:fillRef idx="0"/>
+          <a:effectRef idx="0"/>
+          <a:fontRef idx="minor"/>
+        </p:style>
         <p:txBody>
           <a:bodyPr lIns="90000" rIns="90000" tIns="45000" bIns="45000"/>
           <a:p>
-            <a:pPr algn="ctr"/>
+            <a:pPr algn="ctr">
+              <a:lnSpc>
+                <a:spcPct val="100000"/>
+              </a:lnSpc>
+            </a:pPr>
             <a:r>
               <a:rPr b="1" lang="en-US" sz="1200" spc="-1" strike="noStrike">
                 <a:solidFill>
@@ -4114,14 +5714,14 @@
       </p:sp>
       <p:sp>
         <p:nvSpPr>
-          <p:cNvPr id="57" name="TextShape 7"/>
-          <p:cNvSpPr txBox="1"/>
+          <p:cNvPr id="93" name="CustomShape 7"/>
+          <p:cNvSpPr/>
           <p:nvPr/>
         </p:nvSpPr>
         <p:spPr>
           <a:xfrm>
             <a:off x="1737360" y="3867840"/>
-            <a:ext cx="1828800" cy="602280"/>
+            <a:ext cx="1828440" cy="601920"/>
           </a:xfrm>
           <a:prstGeom prst="rect">
             <a:avLst/>
@@ -4131,10 +5731,20 @@
             <a:noFill/>
           </a:ln>
         </p:spPr>
+        <p:style>
+          <a:lnRef idx="0"/>
+          <a:fillRef idx="0"/>
+          <a:effectRef idx="0"/>
+          <a:fontRef idx="minor"/>
+        </p:style>
         <p:txBody>
           <a:bodyPr lIns="90000" rIns="90000" tIns="45000" bIns="45000"/>
           <a:p>
-            <a:pPr algn="ctr"/>
+            <a:pPr algn="ctr">
+              <a:lnSpc>
+                <a:spcPct val="100000"/>
+              </a:lnSpc>
+            </a:pPr>
             <a:r>
               <a:rPr b="1" lang="en-US" sz="1200" spc="-1" strike="noStrike">
                 <a:solidFill>
@@ -4152,14 +5762,14 @@
       </p:sp>
       <p:sp>
         <p:nvSpPr>
-          <p:cNvPr id="58" name="TextShape 8"/>
-          <p:cNvSpPr txBox="1"/>
+          <p:cNvPr id="94" name="CustomShape 8"/>
+          <p:cNvSpPr/>
           <p:nvPr/>
         </p:nvSpPr>
         <p:spPr>
           <a:xfrm>
             <a:off x="1737360" y="4804200"/>
-            <a:ext cx="1828800" cy="602280"/>
+            <a:ext cx="1828440" cy="601920"/>
           </a:xfrm>
           <a:prstGeom prst="rect">
             <a:avLst/>
@@ -4169,10 +5779,20 @@
             <a:noFill/>
           </a:ln>
         </p:spPr>
+        <p:style>
+          <a:lnRef idx="0"/>
+          <a:fillRef idx="0"/>
+          <a:effectRef idx="0"/>
+          <a:fontRef idx="minor"/>
+        </p:style>
         <p:txBody>
           <a:bodyPr lIns="90000" rIns="90000" tIns="45000" bIns="45000"/>
           <a:p>
-            <a:pPr algn="ctr"/>
+            <a:pPr algn="ctr">
+              <a:lnSpc>
+                <a:spcPct val="100000"/>
+              </a:lnSpc>
+            </a:pPr>
             <a:r>
               <a:rPr b="1" lang="en-US" sz="1200" spc="-1" strike="noStrike">
                 <a:solidFill>
@@ -4193,60 +5813,11 @@
   <p:timing>
     <p:tnLst>
       <p:par>
-        <p:cTn id="3" dur="indefinite" restart="never" nodeType="tmRoot">
+        <p:cTn id="7" dur="indefinite" restart="never" nodeType="tmRoot">
           <p:childTnLst>
             <p:seq>
-              <p:cTn id="4" dur="indefinite" nodeType="mainSeq">
+              <p:cTn id="8" dur="indefinite" nodeType="mainSeq">
                 <p:childTnLst>
-                  <p:par>
-                    <p:cTn id="5" fill="hold">
-                      <p:stCondLst>
-                        <p:cond delay="indefinite"/>
-                      </p:stCondLst>
-                      <p:childTnLst>
-                        <p:par>
-                          <p:cTn id="6" fill="hold">
-                            <p:stCondLst>
-                              <p:cond delay="0"/>
-                            </p:stCondLst>
-                            <p:childTnLst>
-                              <p:par>
-                                <p:cTn id="7" nodeType="clickEffect" fill="hold" presetClass="entr" presetID="1">
-                                  <p:stCondLst>
-                                    <p:cond delay="0"/>
-                                  </p:stCondLst>
-                                  <p:childTnLst>
-                                    <p:set>
-                                      <p:cBhvr>
-                                        <p:cTn id="8" dur="1" fill="hold">
-                                          <p:stCondLst>
-                                            <p:cond delay="0"/>
-                                          </p:stCondLst>
-                                        </p:cTn>
-                                        <p:tgtEl>
-                                          <p:spTgt spid="55">
-                                            <p:txEl>
-                                              <p:pRg st="0" end="0"/>
-                                            </p:txEl>
-                                          </p:spTgt>
-                                        </p:tgtEl>
-                                        <p:attrNameLst>
-                                          <p:attrName>style.visibility</p:attrName>
-                                        </p:attrNameLst>
-                                      </p:cBhvr>
-                                      <p:to>
-                                        <p:strVal val="visible"/>
-                                      </p:to>
-                                    </p:set>
-                                  </p:childTnLst>
-                                </p:cTn>
-                              </p:par>
-                            </p:childTnLst>
-                          </p:cTn>
-                        </p:par>
-                      </p:childTnLst>
-                    </p:cTn>
-                  </p:par>
                   <p:par>
                     <p:cTn id="9" fill="hold">
                       <p:stCondLst>
@@ -4273,7 +5844,7 @@
                                           </p:stCondLst>
                                         </p:cTn>
                                         <p:tgtEl>
-                                          <p:spTgt spid="56">
+                                          <p:spTgt spid="91">
                                             <p:txEl>
                                               <p:pRg st="0" end="0"/>
                                             </p:txEl>
@@ -4322,7 +5893,7 @@
                                           </p:stCondLst>
                                         </p:cTn>
                                         <p:tgtEl>
-                                          <p:spTgt spid="57">
+                                          <p:spTgt spid="92">
                                             <p:txEl>
                                               <p:pRg st="0" end="0"/>
                                             </p:txEl>
@@ -4371,7 +5942,56 @@
                                           </p:stCondLst>
                                         </p:cTn>
                                         <p:tgtEl>
-                                          <p:spTgt spid="58">
+                                          <p:spTgt spid="93">
+                                            <p:txEl>
+                                              <p:pRg st="0" end="0"/>
+                                            </p:txEl>
+                                          </p:spTgt>
+                                        </p:tgtEl>
+                                        <p:attrNameLst>
+                                          <p:attrName>style.visibility</p:attrName>
+                                        </p:attrNameLst>
+                                      </p:cBhvr>
+                                      <p:to>
+                                        <p:strVal val="visible"/>
+                                      </p:to>
+                                    </p:set>
+                                  </p:childTnLst>
+                                </p:cTn>
+                              </p:par>
+                            </p:childTnLst>
+                          </p:cTn>
+                        </p:par>
+                      </p:childTnLst>
+                    </p:cTn>
+                  </p:par>
+                  <p:par>
+                    <p:cTn id="21" fill="hold">
+                      <p:stCondLst>
+                        <p:cond delay="indefinite"/>
+                      </p:stCondLst>
+                      <p:childTnLst>
+                        <p:par>
+                          <p:cTn id="22" fill="hold">
+                            <p:stCondLst>
+                              <p:cond delay="0"/>
+                            </p:stCondLst>
+                            <p:childTnLst>
+                              <p:par>
+                                <p:cTn id="23" nodeType="clickEffect" fill="hold" presetClass="entr" presetID="1">
+                                  <p:stCondLst>
+                                    <p:cond delay="0"/>
+                                  </p:stCondLst>
+                                  <p:childTnLst>
+                                    <p:set>
+                                      <p:cBhvr>
+                                        <p:cTn id="24" dur="1" fill="hold">
+                                          <p:stCondLst>
+                                            <p:cond delay="0"/>
+                                          </p:stCondLst>
+                                        </p:cTn>
+                                        <p:tgtEl>
+                                          <p:spTgt spid="94">
                                             <p:txEl>
                                               <p:pRg st="0" end="0"/>
                                             </p:txEl>
@@ -4438,14 +6058,14 @@
       </p:grpSpPr>
       <p:sp>
         <p:nvSpPr>
-          <p:cNvPr id="59" name="TextShape 1"/>
-          <p:cNvSpPr txBox="1"/>
+          <p:cNvPr id="95" name="CustomShape 1"/>
+          <p:cNvSpPr/>
           <p:nvPr/>
         </p:nvSpPr>
         <p:spPr>
           <a:xfrm>
             <a:off x="1620000" y="216000"/>
-            <a:ext cx="8100000" cy="936000"/>
+            <a:ext cx="8099640" cy="935640"/>
           </a:xfrm>
           <a:prstGeom prst="rect">
             <a:avLst/>
@@ -4455,12 +6075,22 @@
             <a:noFill/>
           </a:ln>
         </p:spPr>
+        <p:style>
+          <a:lnRef idx="0"/>
+          <a:fillRef idx="0"/>
+          <a:effectRef idx="0"/>
+          <a:fontRef idx="minor"/>
+        </p:style>
         <p:txBody>
           <a:bodyPr lIns="0" rIns="0" tIns="0" bIns="0" anchor="ctr">
             <a:normAutofit/>
           </a:bodyPr>
           <a:p>
-            <a:pPr algn="ctr"/>
+            <a:pPr algn="ctr">
+              <a:lnSpc>
+                <a:spcPct val="100000"/>
+              </a:lnSpc>
+            </a:pPr>
             <a:r>
               <a:rPr b="0" lang="en-US" sz="3300" spc="-1" strike="noStrike">
                 <a:solidFill>
@@ -4471,17 +6101,14 @@
               <a:t>What are the different stages of RNA-Seq analysis?</a:t>
             </a:r>
             <a:endParaRPr b="0" lang="en-US" sz="3300" spc="-1" strike="noStrike">
-              <a:solidFill>
-                <a:srgbClr val="050505"/>
-              </a:solidFill>
-              <a:latin typeface="Times New Roman"/>
+              <a:latin typeface="Arial"/>
             </a:endParaRPr>
           </a:p>
         </p:txBody>
       </p:sp>
       <p:pic>
         <p:nvPicPr>
-          <p:cNvPr id="60" name="" descr=""/>
+          <p:cNvPr id="96" name="" descr=""/>
           <p:cNvPicPr/>
           <p:nvPr/>
         </p:nvPicPr>
@@ -4492,7 +6119,7 @@
         <p:spPr>
           <a:xfrm>
             <a:off x="3434760" y="1164960"/>
-            <a:ext cx="4229640" cy="4505040"/>
+            <a:ext cx="4229280" cy="4504680"/>
           </a:xfrm>
           <a:prstGeom prst="rect">
             <a:avLst/>
@@ -4507,10 +6134,10 @@
   <p:timing>
     <p:tnLst>
       <p:par>
-        <p:cTn id="21" dur="indefinite" restart="never" nodeType="tmRoot">
+        <p:cTn id="25" dur="indefinite" restart="never" nodeType="tmRoot">
           <p:childTnLst>
             <p:seq>
-              <p:cTn id="22" dur="indefinite" nodeType="mainSeq"/>
+              <p:cTn id="26" dur="indefinite" nodeType="mainSeq"/>
               <p:prevCondLst>
                 <p:cond delay="0" evt="onPrev">
                   <p:tgtEl>
@@ -4553,14 +6180,14 @@
       </p:grpSpPr>
       <p:sp>
         <p:nvSpPr>
-          <p:cNvPr id="61" name="TextShape 1"/>
-          <p:cNvSpPr txBox="1"/>
+          <p:cNvPr id="97" name="CustomShape 1"/>
+          <p:cNvSpPr/>
           <p:nvPr/>
         </p:nvSpPr>
         <p:spPr>
           <a:xfrm>
             <a:off x="1620000" y="216000"/>
-            <a:ext cx="8100000" cy="936000"/>
+            <a:ext cx="8099640" cy="935640"/>
           </a:xfrm>
           <a:prstGeom prst="rect">
             <a:avLst/>
@@ -4570,12 +6197,22 @@
             <a:noFill/>
           </a:ln>
         </p:spPr>
+        <p:style>
+          <a:lnRef idx="0"/>
+          <a:fillRef idx="0"/>
+          <a:effectRef idx="0"/>
+          <a:fontRef idx="minor"/>
+        </p:style>
         <p:txBody>
           <a:bodyPr lIns="0" rIns="0" tIns="0" bIns="0" anchor="ctr">
             <a:normAutofit/>
           </a:bodyPr>
           <a:p>
-            <a:pPr algn="ctr"/>
+            <a:pPr algn="ctr">
+              <a:lnSpc>
+                <a:spcPct val="100000"/>
+              </a:lnSpc>
+            </a:pPr>
             <a:r>
               <a:rPr b="0" lang="en-US" sz="3300" spc="-1" strike="noStrike">
                 <a:solidFill>
@@ -4586,10 +6223,7 @@
               <a:t>Stage 1: Processing and quality control of raw sequencing reads </a:t>
             </a:r>
             <a:endParaRPr b="0" lang="en-US" sz="3300" spc="-1" strike="noStrike">
-              <a:solidFill>
-                <a:srgbClr val="050505"/>
-              </a:solidFill>
-              <a:latin typeface="Times New Roman"/>
+              <a:latin typeface="Arial"/>
             </a:endParaRPr>
           </a:p>
         </p:txBody>
@@ -4599,10 +6233,10 @@
   <p:timing>
     <p:tnLst>
       <p:par>
-        <p:cTn id="23" dur="indefinite" restart="never" nodeType="tmRoot">
+        <p:cTn id="27" dur="indefinite" restart="never" nodeType="tmRoot">
           <p:childTnLst>
             <p:seq>
-              <p:cTn id="24" dur="indefinite" nodeType="mainSeq"/>
+              <p:cTn id="28" dur="indefinite" nodeType="mainSeq"/>
               <p:prevCondLst>
                 <p:cond delay="0" evt="onPrev">
                   <p:tgtEl>
@@ -4645,14 +6279,14 @@
       </p:grpSpPr>
       <p:sp>
         <p:nvSpPr>
-          <p:cNvPr id="62" name="TextShape 1"/>
-          <p:cNvSpPr txBox="1"/>
+          <p:cNvPr id="98" name="CustomShape 1"/>
+          <p:cNvSpPr/>
           <p:nvPr/>
         </p:nvSpPr>
         <p:spPr>
           <a:xfrm>
             <a:off x="1620000" y="216000"/>
-            <a:ext cx="8100000" cy="936000"/>
+            <a:ext cx="8099640" cy="935640"/>
           </a:xfrm>
           <a:prstGeom prst="rect">
             <a:avLst/>
@@ -4662,12 +6296,22 @@
             <a:noFill/>
           </a:ln>
         </p:spPr>
+        <p:style>
+          <a:lnRef idx="0"/>
+          <a:fillRef idx="0"/>
+          <a:effectRef idx="0"/>
+          <a:fontRef idx="minor"/>
+        </p:style>
         <p:txBody>
           <a:bodyPr lIns="0" rIns="0" tIns="0" bIns="0" anchor="ctr">
             <a:normAutofit/>
           </a:bodyPr>
           <a:p>
-            <a:pPr algn="ctr"/>
+            <a:pPr algn="ctr">
+              <a:lnSpc>
+                <a:spcPct val="100000"/>
+              </a:lnSpc>
+            </a:pPr>
             <a:r>
               <a:rPr b="0" lang="en-US" sz="3300" spc="-1" strike="noStrike">
                 <a:solidFill>
@@ -4678,24 +6322,21 @@
               <a:t>Stage 1: Processing and quality control of raw sequencing reads (cont’d) </a:t>
             </a:r>
             <a:endParaRPr b="0" lang="en-US" sz="3300" spc="-1" strike="noStrike">
-              <a:solidFill>
-                <a:srgbClr val="050505"/>
-              </a:solidFill>
-              <a:latin typeface="Times New Roman"/>
-            </a:endParaRPr>
-          </a:p>
-        </p:txBody>
-      </p:sp>
-      <p:sp>
-        <p:nvSpPr>
-          <p:cNvPr id="63" name="TextShape 2"/>
-          <p:cNvSpPr txBox="1"/>
+              <a:latin typeface="Arial"/>
+            </a:endParaRPr>
+          </a:p>
+        </p:txBody>
+      </p:sp>
+      <p:sp>
+        <p:nvSpPr>
+          <p:cNvPr id="99" name="CustomShape 2"/>
+          <p:cNvSpPr/>
           <p:nvPr/>
         </p:nvSpPr>
         <p:spPr>
           <a:xfrm>
             <a:off x="1620000" y="1368000"/>
-            <a:ext cx="8100000" cy="3288240"/>
+            <a:ext cx="8099640" cy="3287880"/>
           </a:xfrm>
           <a:prstGeom prst="rect">
             <a:avLst/>
@@ -4705,49 +6346,45 @@
             <a:noFill/>
           </a:ln>
         </p:spPr>
-        <p:txBody>
-          <a:bodyPr lIns="0" rIns="0" tIns="0" bIns="0">
-            <a:normAutofit/>
-          </a:bodyPr>
-          <a:p>
-            <a:pPr marL="432000" indent="-324000">
-              <a:spcAft>
-                <a:spcPts val="1060"/>
-              </a:spcAft>
-              <a:buClr>
-                <a:srgbClr val="0066ff"/>
-              </a:buClr>
-              <a:buSzPct val="40000"/>
-              <a:buFont typeface="Wingdings" charset="2"/>
-              <a:buChar char=""/>
-            </a:pPr>
-            <a:r>
-              <a:rPr b="0" lang="en-US" sz="2400" spc="-1" strike="noStrike">
-                <a:solidFill>
-                  <a:srgbClr val="050505"/>
-                </a:solidFill>
-                <a:latin typeface="Arial"/>
-              </a:rPr>
-              <a:t>Insert snapshot here of FastQC report​</a:t>
-            </a:r>
-            <a:endParaRPr b="0" lang="en-US" sz="2400" spc="-1" strike="noStrike">
-              <a:solidFill>
-                <a:srgbClr val="050505"/>
-              </a:solidFill>
-              <a:latin typeface="Arial"/>
-            </a:endParaRPr>
-          </a:p>
-        </p:txBody>
-      </p:sp>
+        <p:style>
+          <a:lnRef idx="0"/>
+          <a:fillRef idx="0"/>
+          <a:effectRef idx="0"/>
+          <a:fontRef idx="minor"/>
+        </p:style>
+      </p:sp>
+      <p:pic>
+        <p:nvPicPr>
+          <p:cNvPr id="100" name="" descr=""/>
+          <p:cNvPicPr/>
+          <p:nvPr/>
+        </p:nvPicPr>
+        <p:blipFill>
+          <a:blip r:embed="rId1"/>
+          <a:stretch/>
+        </p:blipFill>
+        <p:spPr>
+          <a:xfrm>
+            <a:off x="1828800" y="1280160"/>
+            <a:ext cx="8046720" cy="4386240"/>
+          </a:xfrm>
+          <a:prstGeom prst="rect">
+            <a:avLst/>
+          </a:prstGeom>
+          <a:ln>
+            <a:noFill/>
+          </a:ln>
+        </p:spPr>
+      </p:pic>
     </p:spTree>
   </p:cSld>
   <p:timing>
     <p:tnLst>
       <p:par>
-        <p:cTn id="25" dur="indefinite" restart="never" nodeType="tmRoot">
+        <p:cTn id="29" dur="indefinite" restart="never" nodeType="tmRoot">
           <p:childTnLst>
             <p:seq>
-              <p:cTn id="26" dur="indefinite" nodeType="mainSeq"/>
+              <p:cTn id="30" dur="indefinite" nodeType="mainSeq"/>
               <p:prevCondLst>
                 <p:cond delay="0" evt="onPrev">
                   <p:tgtEl>
@@ -4790,14 +6427,14 @@
       </p:grpSpPr>
       <p:sp>
         <p:nvSpPr>
-          <p:cNvPr id="64" name="TextShape 1"/>
-          <p:cNvSpPr txBox="1"/>
+          <p:cNvPr id="101" name="CustomShape 1"/>
+          <p:cNvSpPr/>
           <p:nvPr/>
         </p:nvSpPr>
         <p:spPr>
           <a:xfrm>
             <a:off x="1620000" y="216000"/>
-            <a:ext cx="8100000" cy="936000"/>
+            <a:ext cx="8099640" cy="935640"/>
           </a:xfrm>
           <a:prstGeom prst="rect">
             <a:avLst/>
@@ -4807,12 +6444,22 @@
             <a:noFill/>
           </a:ln>
         </p:spPr>
+        <p:style>
+          <a:lnRef idx="0"/>
+          <a:fillRef idx="0"/>
+          <a:effectRef idx="0"/>
+          <a:fontRef idx="minor"/>
+        </p:style>
         <p:txBody>
           <a:bodyPr lIns="0" rIns="0" tIns="0" bIns="0" anchor="ctr">
             <a:normAutofit/>
           </a:bodyPr>
           <a:p>
-            <a:pPr algn="ctr"/>
+            <a:pPr algn="ctr">
+              <a:lnSpc>
+                <a:spcPct val="100000"/>
+              </a:lnSpc>
+            </a:pPr>
             <a:r>
               <a:rPr b="0" lang="en-US" sz="3300" spc="-1" strike="noStrike">
                 <a:solidFill>
@@ -4823,17 +6470,14 @@
               <a:t>Stage 2: Mapping of sequencing reads to genome</a:t>
             </a:r>
             <a:endParaRPr b="0" lang="en-US" sz="3300" spc="-1" strike="noStrike">
-              <a:solidFill>
-                <a:srgbClr val="050505"/>
-              </a:solidFill>
-              <a:latin typeface="Times New Roman"/>
+              <a:latin typeface="Arial"/>
             </a:endParaRPr>
           </a:p>
         </p:txBody>
       </p:sp>
       <p:pic>
         <p:nvPicPr>
-          <p:cNvPr id="65" name="" descr=""/>
+          <p:cNvPr id="102" name="" descr=""/>
           <p:cNvPicPr/>
           <p:nvPr/>
         </p:nvPicPr>
@@ -4844,7 +6488,7 @@
         <p:spPr>
           <a:xfrm>
             <a:off x="3194640" y="1189440"/>
-            <a:ext cx="4846320" cy="4402080"/>
+            <a:ext cx="4845960" cy="4401720"/>
           </a:xfrm>
           <a:prstGeom prst="rect">
             <a:avLst/>
@@ -4859,10 +6503,10 @@
   <p:timing>
     <p:tnLst>
       <p:par>
-        <p:cTn id="27" dur="indefinite" restart="never" nodeType="tmRoot">
+        <p:cTn id="31" dur="indefinite" restart="never" nodeType="tmRoot">
           <p:childTnLst>
             <p:seq>
-              <p:cTn id="28" dur="indefinite" nodeType="mainSeq"/>
+              <p:cTn id="32" dur="indefinite" nodeType="mainSeq"/>
               <p:prevCondLst>
                 <p:cond delay="0" evt="onPrev">
                   <p:tgtEl>
@@ -4905,14 +6549,14 @@
       </p:grpSpPr>
       <p:sp>
         <p:nvSpPr>
-          <p:cNvPr id="66" name="TextShape 1"/>
-          <p:cNvSpPr txBox="1"/>
+          <p:cNvPr id="103" name="CustomShape 1"/>
+          <p:cNvSpPr/>
           <p:nvPr/>
         </p:nvSpPr>
         <p:spPr>
           <a:xfrm>
             <a:off x="1620000" y="216000"/>
-            <a:ext cx="8100000" cy="936000"/>
+            <a:ext cx="8099640" cy="935640"/>
           </a:xfrm>
           <a:prstGeom prst="rect">
             <a:avLst/>
@@ -4922,12 +6566,22 @@
             <a:noFill/>
           </a:ln>
         </p:spPr>
+        <p:style>
+          <a:lnRef idx="0"/>
+          <a:fillRef idx="0"/>
+          <a:effectRef idx="0"/>
+          <a:fontRef idx="minor"/>
+        </p:style>
         <p:txBody>
           <a:bodyPr lIns="0" rIns="0" tIns="0" bIns="0" anchor="ctr">
             <a:normAutofit/>
           </a:bodyPr>
           <a:p>
-            <a:pPr algn="ctr"/>
+            <a:pPr algn="ctr">
+              <a:lnSpc>
+                <a:spcPct val="100000"/>
+              </a:lnSpc>
+            </a:pPr>
             <a:r>
               <a:rPr b="0" lang="en-US" sz="3300" spc="-1" strike="noStrike">
                 <a:solidFill>
@@ -4938,24 +6592,21 @@
               <a:t>Stage 3: Assignment of reads to individual genes to attain expression measurements</a:t>
             </a:r>
             <a:endParaRPr b="0" lang="en-US" sz="3300" spc="-1" strike="noStrike">
-              <a:solidFill>
-                <a:srgbClr val="050505"/>
-              </a:solidFill>
-              <a:latin typeface="Times New Roman"/>
-            </a:endParaRPr>
-          </a:p>
-        </p:txBody>
-      </p:sp>
-      <p:sp>
-        <p:nvSpPr>
-          <p:cNvPr id="67" name="TextShape 2"/>
-          <p:cNvSpPr txBox="1"/>
+              <a:latin typeface="Arial"/>
+            </a:endParaRPr>
+          </a:p>
+        </p:txBody>
+      </p:sp>
+      <p:sp>
+        <p:nvSpPr>
+          <p:cNvPr id="104" name="CustomShape 2"/>
+          <p:cNvSpPr/>
           <p:nvPr/>
         </p:nvSpPr>
         <p:spPr>
           <a:xfrm>
             <a:off x="1620000" y="1368000"/>
-            <a:ext cx="8100000" cy="3288240"/>
+            <a:ext cx="8099640" cy="3287880"/>
           </a:xfrm>
           <a:prstGeom prst="rect">
             <a:avLst/>
@@ -4965,12 +6616,21 @@
             <a:noFill/>
           </a:ln>
         </p:spPr>
+        <p:style>
+          <a:lnRef idx="0"/>
+          <a:fillRef idx="0"/>
+          <a:effectRef idx="0"/>
+          <a:fontRef idx="minor"/>
+        </p:style>
         <p:txBody>
           <a:bodyPr lIns="0" rIns="0" tIns="0" bIns="0">
             <a:normAutofit/>
           </a:bodyPr>
           <a:p>
-            <a:pPr marL="432000" indent="-324000">
+            <a:pPr marL="432000" indent="-323640">
+              <a:lnSpc>
+                <a:spcPct val="100000"/>
+              </a:lnSpc>
               <a:spcAft>
                 <a:spcPts val="1060"/>
               </a:spcAft>
@@ -4991,14 +6651,27 @@
               <a:t>Sequencing reads are aligned (‘mapped’) to a reference genome in which locations of genes are known</a:t>
             </a:r>
             <a:endParaRPr b="0" lang="en-US" sz="2400" spc="-1" strike="noStrike">
-              <a:solidFill>
-                <a:srgbClr val="050505"/>
-              </a:solidFill>
-              <a:latin typeface="Arial"/>
-            </a:endParaRPr>
-          </a:p>
-          <a:p>
-            <a:pPr marL="432000" indent="-324000">
+              <a:latin typeface="Arial"/>
+            </a:endParaRPr>
+          </a:p>
+          <a:p>
+            <a:pPr>
+              <a:lnSpc>
+                <a:spcPct val="100000"/>
+              </a:lnSpc>
+              <a:spcAft>
+                <a:spcPts val="1060"/>
+              </a:spcAft>
+            </a:pPr>
+            <a:endParaRPr b="0" lang="en-US" sz="2400" spc="-1" strike="noStrike">
+              <a:latin typeface="Arial"/>
+            </a:endParaRPr>
+          </a:p>
+          <a:p>
+            <a:pPr marL="432000" indent="-323640">
+              <a:lnSpc>
+                <a:spcPct val="100000"/>
+              </a:lnSpc>
               <a:spcAft>
                 <a:spcPts val="1060"/>
               </a:spcAft>
@@ -5009,15 +6682,65 @@
               <a:buFont typeface="Wingdings" charset="2"/>
               <a:buChar char=""/>
             </a:pPr>
+            <a:r>
+              <a:rPr b="0" lang="en-US" sz="2400" spc="-1" strike="noStrike">
+                <a:solidFill>
+                  <a:srgbClr val="050505"/>
+                </a:solidFill>
+                <a:latin typeface="Arial"/>
+              </a:rPr>
+              <a:t>Algorithms (like featureCounts) assign the aligned reads to each gene</a:t>
+            </a:r>
             <a:endParaRPr b="0" lang="en-US" sz="2400" spc="-1" strike="noStrike">
-              <a:solidFill>
-                <a:srgbClr val="050505"/>
-              </a:solidFill>
-              <a:latin typeface="Arial"/>
-            </a:endParaRPr>
-          </a:p>
-          <a:p>
-            <a:pPr marL="432000" indent="-324000">
+              <a:latin typeface="Arial"/>
+            </a:endParaRPr>
+          </a:p>
+          <a:p>
+            <a:pPr lvl="1" marL="864000" indent="-323640">
+              <a:lnSpc>
+                <a:spcPct val="100000"/>
+              </a:lnSpc>
+              <a:spcAft>
+                <a:spcPts val="848"/>
+              </a:spcAft>
+              <a:buClr>
+                <a:srgbClr val="0066ff"/>
+              </a:buClr>
+              <a:buSzPct val="40000"/>
+              <a:buFont typeface="Symbol"/>
+              <a:buChar char=""/>
+            </a:pPr>
+            <a:r>
+              <a:rPr b="0" lang="en-US" sz="2090" spc="-1" strike="noStrike">
+                <a:solidFill>
+                  <a:srgbClr val="050505"/>
+                </a:solidFill>
+                <a:latin typeface="Arial"/>
+              </a:rPr>
+              <a:t>Results in ‘digital’ measures of expression – one unit of expression per mapped read</a:t>
+            </a:r>
+            <a:endParaRPr b="0" lang="en-US" sz="2090" spc="-1" strike="noStrike">
+              <a:latin typeface="Arial"/>
+            </a:endParaRPr>
+          </a:p>
+          <a:p>
+            <a:pPr>
+              <a:lnSpc>
+                <a:spcPct val="100000"/>
+              </a:lnSpc>
+              <a:spcAft>
+                <a:spcPts val="1060"/>
+              </a:spcAft>
+            </a:pPr>
+            <a:endParaRPr b="0" lang="en-US" sz="2090" spc="-1" strike="noStrike">
+              <a:latin typeface="Arial"/>
+            </a:endParaRPr>
+          </a:p>
+          <a:p>
+            <a:pPr marL="432000" indent="-323640">
+              <a:lnSpc>
+                <a:spcPct val="100000"/>
+              </a:lnSpc>
               <a:spcAft>
                 <a:spcPts val="1060"/>
               </a:spcAft>
@@ -5035,17 +6758,17 @@
                 </a:solidFill>
                 <a:latin typeface="Arial"/>
               </a:rPr>
-              <a:t>Algorithms (like featureCounts) assign the aligned reads to each gene</a:t>
+              <a:t>Counts are then normalized according to sequencing depth and/or gene length</a:t>
             </a:r>
             <a:endParaRPr b="0" lang="en-US" sz="2400" spc="-1" strike="noStrike">
-              <a:solidFill>
-                <a:srgbClr val="050505"/>
-              </a:solidFill>
-              <a:latin typeface="Arial"/>
-            </a:endParaRPr>
-          </a:p>
-          <a:p>
-            <a:pPr lvl="1" marL="864000" indent="-324000">
+              <a:latin typeface="Arial"/>
+            </a:endParaRPr>
+          </a:p>
+          <a:p>
+            <a:pPr lvl="1" marL="864000" indent="-323640">
+              <a:lnSpc>
+                <a:spcPct val="100000"/>
+              </a:lnSpc>
               <a:spcAft>
                 <a:spcPts val="848"/>
               </a:spcAft>
@@ -5053,7 +6776,7 @@
                 <a:srgbClr val="0066ff"/>
               </a:buClr>
               <a:buSzPct val="40000"/>
-              <a:buFont typeface="Symbol" charset="2"/>
+              <a:buFont typeface="Symbol"/>
               <a:buChar char=""/>
             </a:pPr>
             <a:r>
@@ -5063,92 +6786,17 @@
                 </a:solidFill>
                 <a:latin typeface="Arial"/>
               </a:rPr>
-              <a:t>Results in ‘digital’ measures of expression – one unit of expression per mapped read</a:t>
+              <a:t>Two common normalized expression measures are:</a:t>
             </a:r>
             <a:endParaRPr b="0" lang="en-US" sz="2090" spc="-1" strike="noStrike">
-              <a:solidFill>
-                <a:srgbClr val="050505"/>
-              </a:solidFill>
-              <a:latin typeface="Arial"/>
-            </a:endParaRPr>
-          </a:p>
-          <a:p>
-            <a:pPr marL="432000" indent="-324000">
-              <a:spcAft>
-                <a:spcPts val="1060"/>
-              </a:spcAft>
-              <a:buClr>
-                <a:srgbClr val="0066ff"/>
-              </a:buClr>
-              <a:buSzPct val="40000"/>
-              <a:buFont typeface="Wingdings" charset="2"/>
-              <a:buChar char=""/>
-            </a:pPr>
-            <a:endParaRPr b="0" lang="en-US" sz="2090" spc="-1" strike="noStrike">
-              <a:solidFill>
-                <a:srgbClr val="050505"/>
-              </a:solidFill>
-              <a:latin typeface="Arial"/>
-            </a:endParaRPr>
-          </a:p>
-          <a:p>
-            <a:pPr marL="432000" indent="-324000">
-              <a:spcAft>
-                <a:spcPts val="1060"/>
-              </a:spcAft>
-              <a:buClr>
-                <a:srgbClr val="0066ff"/>
-              </a:buClr>
-              <a:buSzPct val="40000"/>
-              <a:buFont typeface="Wingdings" charset="2"/>
-              <a:buChar char=""/>
-            </a:pPr>
-            <a:r>
-              <a:rPr b="0" lang="en-US" sz="2400" spc="-1" strike="noStrike">
-                <a:solidFill>
-                  <a:srgbClr val="050505"/>
-                </a:solidFill>
-                <a:latin typeface="Arial"/>
-              </a:rPr>
-              <a:t>Counts are then normalized according to sequencing depth and/or gene length</a:t>
-            </a:r>
-            <a:endParaRPr b="0" lang="en-US" sz="2400" spc="-1" strike="noStrike">
-              <a:solidFill>
-                <a:srgbClr val="050505"/>
-              </a:solidFill>
-              <a:latin typeface="Arial"/>
-            </a:endParaRPr>
-          </a:p>
-          <a:p>
-            <a:pPr lvl="1" marL="864000" indent="-324000">
-              <a:spcAft>
-                <a:spcPts val="848"/>
-              </a:spcAft>
-              <a:buClr>
-                <a:srgbClr val="0066ff"/>
-              </a:buClr>
-              <a:buSzPct val="40000"/>
-              <a:buFont typeface="Symbol" charset="2"/>
-              <a:buChar char=""/>
-            </a:pPr>
-            <a:r>
-              <a:rPr b="0" lang="en-US" sz="2090" spc="-1" strike="noStrike">
-                <a:solidFill>
-                  <a:srgbClr val="050505"/>
-                </a:solidFill>
-                <a:latin typeface="Arial"/>
-              </a:rPr>
-              <a:t>Two common normalized expression measures are:</a:t>
-            </a:r>
-            <a:endParaRPr b="0" lang="en-US" sz="2090" spc="-1" strike="noStrike">
-              <a:solidFill>
-                <a:srgbClr val="050505"/>
-              </a:solidFill>
-              <a:latin typeface="Arial"/>
-            </a:endParaRPr>
-          </a:p>
-          <a:p>
-            <a:pPr lvl="2" marL="1296000" indent="-288000">
+              <a:latin typeface="Arial"/>
+            </a:endParaRPr>
+          </a:p>
+          <a:p>
+            <a:pPr lvl="2" marL="1296000" indent="-287640">
+              <a:lnSpc>
+                <a:spcPct val="100000"/>
+              </a:lnSpc>
               <a:spcAft>
                 <a:spcPts val="632"/>
               </a:spcAft>
@@ -5226,14 +6874,14 @@
               <a:t>illion</a:t>
             </a:r>
             <a:endParaRPr b="0" lang="en-US" sz="1800" spc="-1" strike="noStrike">
-              <a:solidFill>
-                <a:srgbClr val="050505"/>
-              </a:solidFill>
-              <a:latin typeface="Arial"/>
-            </a:endParaRPr>
-          </a:p>
-          <a:p>
-            <a:pPr lvl="3" marL="1728000" indent="-216000">
+              <a:latin typeface="Arial"/>
+            </a:endParaRPr>
+          </a:p>
+          <a:p>
+            <a:pPr lvl="3" marL="1728000" indent="-215640">
+              <a:lnSpc>
+                <a:spcPct val="100000"/>
+              </a:lnSpc>
               <a:spcAft>
                 <a:spcPts val="422"/>
               </a:spcAft>
@@ -5241,7 +6889,7 @@
                 <a:srgbClr val="0066ff"/>
               </a:buClr>
               <a:buSzPct val="40000"/>
-              <a:buFont typeface="Symbol" charset="2"/>
+              <a:buFont typeface="Symbol"/>
               <a:buChar char=""/>
             </a:pPr>
             <a:r>
@@ -5254,14 +6902,14 @@
               <a:t>[(Read count)/(Gene length in kb)] / (</a:t>
             </a:r>
             <a:endParaRPr b="0" lang="en-US" sz="1500" spc="-1" strike="noStrike">
-              <a:solidFill>
-                <a:srgbClr val="050505"/>
-              </a:solidFill>
-              <a:latin typeface="Arial"/>
-            </a:endParaRPr>
-          </a:p>
-          <a:p>
-            <a:pPr lvl="2" marL="1296000" indent="-288000">
+              <a:latin typeface="Arial"/>
+            </a:endParaRPr>
+          </a:p>
+          <a:p>
+            <a:pPr lvl="2" marL="1296000" indent="-287640">
+              <a:lnSpc>
+                <a:spcPct val="100000"/>
+              </a:lnSpc>
               <a:spcAft>
                 <a:spcPts val="632"/>
               </a:spcAft>
@@ -5358,9 +7006,6 @@
               <a:t>illion</a:t>
             </a:r>
             <a:endParaRPr b="0" lang="en-US" sz="1800" spc="-1" strike="noStrike">
-              <a:solidFill>
-                <a:srgbClr val="050505"/>
-              </a:solidFill>
               <a:latin typeface="Arial"/>
             </a:endParaRPr>
           </a:p>
@@ -5371,10 +7016,10 @@
   <p:timing>
     <p:tnLst>
       <p:par>
-        <p:cTn id="29" dur="indefinite" restart="never" nodeType="tmRoot">
+        <p:cTn id="33" dur="indefinite" restart="never" nodeType="tmRoot">
           <p:childTnLst>
             <p:seq>
-              <p:cTn id="30" dur="indefinite" nodeType="mainSeq"/>
+              <p:cTn id="34" dur="indefinite" nodeType="mainSeq"/>
               <p:prevCondLst>
                 <p:cond delay="0" evt="onPrev">
                   <p:tgtEl>
@@ -5619,4 +7264,227 @@
     </a:fmtScheme>
   </a:themeElements>
 </a:theme>
+</file>
+
+<file path=ppt/theme/theme2.xml><?xml version="1.0" encoding="utf-8"?>
+<a:theme xmlns:a="http://schemas.openxmlformats.org/drawingml/2006/main" name="Office Theme">
+  <a:themeElements>
+    <a:clrScheme name="Office">
+      <a:dk1>
+        <a:sysClr val="windowText" lastClr="000000"/>
+      </a:dk1>
+      <a:lt1>
+        <a:sysClr val="window" lastClr="FFFFFF"/>
+      </a:lt1>
+      <a:dk2>
+        <a:srgbClr val="1f497d"/>
+      </a:dk2>
+      <a:lt2>
+        <a:srgbClr val="eeece1"/>
+      </a:lt2>
+      <a:accent1>
+        <a:srgbClr val="4f81bd"/>
+      </a:accent1>
+      <a:accent2>
+        <a:srgbClr val="c0504d"/>
+      </a:accent2>
+      <a:accent3>
+        <a:srgbClr val="9bbb59"/>
+      </a:accent3>
+      <a:accent4>
+        <a:srgbClr val="8064a2"/>
+      </a:accent4>
+      <a:accent5>
+        <a:srgbClr val="4bacc6"/>
+      </a:accent5>
+      <a:accent6>
+        <a:srgbClr val="f79646"/>
+      </a:accent6>
+      <a:hlink>
+        <a:srgbClr val="0000ff"/>
+      </a:hlink>
+      <a:folHlink>
+        <a:srgbClr val="800080"/>
+      </a:folHlink>
+    </a:clrScheme>
+    <a:fontScheme name="Office">
+      <a:majorFont>
+        <a:latin typeface="Arial"/>
+        <a:ea typeface="DejaVu Sans"/>
+        <a:cs typeface="DejaVu Sans"/>
+      </a:majorFont>
+      <a:minorFont>
+        <a:latin typeface="Arial"/>
+        <a:ea typeface="DejaVu Sans"/>
+        <a:cs typeface="DejaVu Sans"/>
+      </a:minorFont>
+    </a:fontScheme>
+    <a:fmtScheme name="Office">
+      <a:fillStyleLst>
+        <a:solidFill>
+          <a:schemeClr val="phClr"/>
+        </a:solidFill>
+        <a:gradFill rotWithShape="1">
+          <a:gsLst>
+            <a:gs pos="0">
+              <a:schemeClr val="phClr">
+                <a:tint val="50000"/>
+                <a:satMod val="300000"/>
+              </a:schemeClr>
+            </a:gs>
+            <a:gs pos="35000">
+              <a:schemeClr val="phClr">
+                <a:tint val="37000"/>
+                <a:satMod val="300000"/>
+              </a:schemeClr>
+            </a:gs>
+            <a:gs pos="100000">
+              <a:schemeClr val="phClr">
+                <a:tint val="15000"/>
+                <a:satMod val="350000"/>
+              </a:schemeClr>
+            </a:gs>
+          </a:gsLst>
+          <a:lin ang="16200000" scaled="1"/>
+        </a:gradFill>
+        <a:gradFill rotWithShape="1">
+          <a:gsLst>
+            <a:gs pos="0">
+              <a:schemeClr val="phClr">
+                <a:shade val="51000"/>
+                <a:satMod val="130000"/>
+              </a:schemeClr>
+            </a:gs>
+            <a:gs pos="80000">
+              <a:schemeClr val="phClr">
+                <a:shade val="93000"/>
+                <a:satMod val="130000"/>
+              </a:schemeClr>
+            </a:gs>
+            <a:gs pos="100000">
+              <a:schemeClr val="phClr">
+                <a:shade val="94000"/>
+                <a:satMod val="135000"/>
+              </a:schemeClr>
+            </a:gs>
+          </a:gsLst>
+          <a:lin ang="16200000" scaled="0"/>
+        </a:gradFill>
+      </a:fillStyleLst>
+      <a:lnStyleLst>
+        <a:ln w="9525" cap="flat" cmpd="sng" algn="ctr">
+          <a:solidFill>
+            <a:schemeClr val="phClr">
+              <a:shade val="95000"/>
+              <a:satMod val="105000"/>
+            </a:schemeClr>
+          </a:solidFill>
+          <a:prstDash val="solid"/>
+        </a:ln>
+        <a:ln w="25400" cap="flat" cmpd="sng" algn="ctr">
+          <a:solidFill>
+            <a:schemeClr val="phClr"/>
+          </a:solidFill>
+          <a:prstDash val="solid"/>
+        </a:ln>
+        <a:ln w="38100" cap="flat" cmpd="sng" algn="ctr">
+          <a:solidFill>
+            <a:schemeClr val="phClr"/>
+          </a:solidFill>
+          <a:prstDash val="solid"/>
+        </a:ln>
+      </a:lnStyleLst>
+      <a:effectStyleLst>
+        <a:effectStyle>
+          <a:effectLst>
+            <a:outerShdw blurRad="40000" dist="20000" dir="5400000" rotWithShape="0">
+              <a:srgbClr val="000000">
+                <a:alpha val="38000"/>
+              </a:srgbClr>
+            </a:outerShdw>
+          </a:effectLst>
+        </a:effectStyle>
+        <a:effectStyle>
+          <a:effectLst>
+            <a:outerShdw blurRad="40000" dist="23000" dir="5400000" rotWithShape="0">
+              <a:srgbClr val="000000">
+                <a:alpha val="35000"/>
+              </a:srgbClr>
+            </a:outerShdw>
+          </a:effectLst>
+        </a:effectStyle>
+        <a:effectStyle>
+          <a:effectLst>
+            <a:outerShdw blurRad="40000" dist="23000" dir="5400000" rotWithShape="0">
+              <a:srgbClr val="000000">
+                <a:alpha val="35000"/>
+              </a:srgbClr>
+            </a:outerShdw>
+          </a:effectLst>
+          <a:scene3d>
+            <a:camera prst="orthographicFront">
+              <a:rot lat="0" lon="0" rev="0"/>
+            </a:camera>
+            <a:lightRig rig="threePt" dir="t">
+              <a:rot lat="0" lon="0" rev="1200000"/>
+            </a:lightRig>
+          </a:scene3d>
+          <a:sp3d>
+            <a:bevelT w="63500" h="25400"/>
+          </a:sp3d>
+        </a:effectStyle>
+      </a:effectStyleLst>
+      <a:bgFillStyleLst>
+        <a:solidFill>
+          <a:schemeClr val="phClr"/>
+        </a:solidFill>
+        <a:gradFill rotWithShape="1">
+          <a:gsLst>
+            <a:gs pos="0">
+              <a:schemeClr val="phClr">
+                <a:tint val="40000"/>
+                <a:satMod val="350000"/>
+              </a:schemeClr>
+            </a:gs>
+            <a:gs pos="40000">
+              <a:schemeClr val="phClr">
+                <a:tint val="45000"/>
+                <a:shade val="99000"/>
+                <a:satMod val="350000"/>
+              </a:schemeClr>
+            </a:gs>
+            <a:gs pos="100000">
+              <a:schemeClr val="phClr">
+                <a:shade val="20000"/>
+                <a:satMod val="255000"/>
+              </a:schemeClr>
+            </a:gs>
+          </a:gsLst>
+          <a:path path="circle">
+            <a:fillToRect l="50000" t="-80000" r="50000" b="180000"/>
+          </a:path>
+        </a:gradFill>
+        <a:gradFill rotWithShape="1">
+          <a:gsLst>
+            <a:gs pos="0">
+              <a:schemeClr val="phClr">
+                <a:tint val="80000"/>
+                <a:satMod val="300000"/>
+              </a:schemeClr>
+            </a:gs>
+            <a:gs pos="100000">
+              <a:schemeClr val="phClr">
+                <a:shade val="30000"/>
+                <a:satMod val="200000"/>
+              </a:schemeClr>
+            </a:gs>
+          </a:gsLst>
+          <a:path path="circle">
+            <a:fillToRect l="50000" t="50000" r="50000" b="50000"/>
+          </a:path>
+        </a:gradFill>
+      </a:bgFillStyleLst>
+    </a:fmtScheme>
+  </a:themeElements>
+</a:theme>
 </file>
--- a/FunBioinf-Tutorial-DSA2019-v1.pptx
+++ b/FunBioinf-Tutorial-DSA2019-v1.pptx
@@ -3,27 +3,28 @@
 <p:presentation xmlns:a="http://schemas.openxmlformats.org/drawingml/2006/main" xmlns:p="http://schemas.openxmlformats.org/presentationml/2006/main" xmlns:r="http://schemas.openxmlformats.org/officeDocument/2006/relationships" xmlns:p14="http://schemas.microsoft.com/office/powerpoint/2010/main" xmlns:p15="http://schemas.microsoft.com/office/powerpoint/2012/main" xmlns:mc="http://schemas.openxmlformats.org/markup-compatibility/2006">
   <p:sldMasterIdLst>
     <p:sldMasterId id="2147483648" r:id="rId2"/>
+    <p:sldMasterId id="2147483661" r:id="rId3"/>
   </p:sldMasterIdLst>
   <p:sldIdLst>
-    <p:sldId id="256" r:id="rId3"/>
-    <p:sldId id="257" r:id="rId4"/>
-    <p:sldId id="258" r:id="rId5"/>
-    <p:sldId id="259" r:id="rId6"/>
-    <p:sldId id="260" r:id="rId7"/>
-    <p:sldId id="261" r:id="rId8"/>
-    <p:sldId id="262" r:id="rId9"/>
-    <p:sldId id="263" r:id="rId10"/>
-    <p:sldId id="264" r:id="rId11"/>
-    <p:sldId id="265" r:id="rId12"/>
-    <p:sldId id="266" r:id="rId13"/>
-    <p:sldId id="267" r:id="rId14"/>
-    <p:sldId id="268" r:id="rId15"/>
-    <p:sldId id="269" r:id="rId16"/>
-    <p:sldId id="270" r:id="rId17"/>
-    <p:sldId id="271" r:id="rId18"/>
+    <p:sldId id="256" r:id="rId4"/>
+    <p:sldId id="257" r:id="rId5"/>
+    <p:sldId id="258" r:id="rId6"/>
+    <p:sldId id="259" r:id="rId7"/>
+    <p:sldId id="260" r:id="rId8"/>
+    <p:sldId id="261" r:id="rId9"/>
+    <p:sldId id="262" r:id="rId10"/>
+    <p:sldId id="263" r:id="rId11"/>
+    <p:sldId id="264" r:id="rId12"/>
+    <p:sldId id="265" r:id="rId13"/>
+    <p:sldId id="266" r:id="rId14"/>
+    <p:sldId id="267" r:id="rId15"/>
+    <p:sldId id="268" r:id="rId16"/>
+    <p:sldId id="269" r:id="rId17"/>
+    <p:sldId id="270" r:id="rId18"/>
+    <p:sldId id="271" r:id="rId19"/>
   </p:sldIdLst>
   <p:sldSz cx="10080625" cy="5670550"/>
-  <p:notesSz cx="7559675" cy="10691812"/>
+  <p:notesSz cx="7772400" cy="10058400"/>
 </p:presentation>
 </file>
 
@@ -68,7 +69,7 @@
       </p:grpSpPr>
       <p:sp>
         <p:nvSpPr>
-          <p:cNvPr id="27" name="PlaceHolder 1"/>
+          <p:cNvPr id="24" name="PlaceHolder 1"/>
           <p:cNvSpPr>
             <a:spLocks noGrp="1"/>
           </p:cNvSpPr>
@@ -79,30 +80,25 @@
         <p:spPr>
           <a:xfrm>
             <a:off x="1620000" y="216000"/>
-            <a:ext cx="8100000" cy="936000"/>
-          </a:xfrm>
-          <a:prstGeom prst="rect">
-            <a:avLst/>
-          </a:prstGeom>
-        </p:spPr>
-        <p:txBody>
-          <a:bodyPr lIns="0" rIns="0" tIns="0" bIns="0" anchor="ctr">
-            <a:normAutofit/>
-          </a:bodyPr>
+            <a:ext cx="8099640" cy="935640"/>
+          </a:xfrm>
+          <a:prstGeom prst="rect">
+            <a:avLst/>
+          </a:prstGeom>
+        </p:spPr>
+        <p:txBody>
+          <a:bodyPr lIns="0" rIns="0" tIns="0" bIns="0" anchor="ctr"/>
           <a:p>
             <a:pPr algn="ctr"/>
-            <a:endParaRPr b="0" lang="en-US" sz="3300" spc="-1" strike="noStrike">
-              <a:solidFill>
-                <a:srgbClr val="050505"/>
-              </a:solidFill>
-              <a:latin typeface="Times New Roman"/>
-            </a:endParaRPr>
-          </a:p>
-        </p:txBody>
-      </p:sp>
-      <p:sp>
-        <p:nvSpPr>
-          <p:cNvPr id="28" name="PlaceHolder 2"/>
+            <a:endParaRPr b="0" lang="en-US" sz="4400" spc="-1" strike="noStrike">
+              <a:latin typeface="Arial"/>
+            </a:endParaRPr>
+          </a:p>
+        </p:txBody>
+      </p:sp>
+      <p:sp>
+        <p:nvSpPr>
+          <p:cNvPr id="25" name="PlaceHolder 2"/>
           <p:cNvSpPr>
             <a:spLocks noGrp="1"/>
           </p:cNvSpPr>
@@ -112,8 +108,8 @@
         </p:nvSpPr>
         <p:spPr>
           <a:xfrm>
-            <a:off x="1620000" y="1368000"/>
-            <a:ext cx="8100000" cy="1568160"/>
+            <a:off x="504000" y="1326600"/>
+            <a:ext cx="9072000" cy="1568520"/>
           </a:xfrm>
           <a:prstGeom prst="rect">
             <a:avLst/>
@@ -124,18 +120,15 @@
             <a:normAutofit/>
           </a:bodyPr>
           <a:p>
-            <a:endParaRPr b="0" lang="en-US" sz="2400" spc="-1" strike="noStrike">
-              <a:solidFill>
-                <a:srgbClr val="050505"/>
-              </a:solidFill>
-              <a:latin typeface="Arial"/>
-            </a:endParaRPr>
-          </a:p>
-        </p:txBody>
-      </p:sp>
-      <p:sp>
-        <p:nvSpPr>
-          <p:cNvPr id="29" name="PlaceHolder 3"/>
+            <a:endParaRPr b="0" lang="en-US" sz="3200" spc="-1" strike="noStrike">
+              <a:latin typeface="Arial"/>
+            </a:endParaRPr>
+          </a:p>
+        </p:txBody>
+      </p:sp>
+      <p:sp>
+        <p:nvSpPr>
+          <p:cNvPr id="26" name="PlaceHolder 3"/>
           <p:cNvSpPr>
             <a:spLocks noGrp="1"/>
           </p:cNvSpPr>
@@ -145,8 +138,8 @@
         </p:nvSpPr>
         <p:spPr>
           <a:xfrm>
-            <a:off x="1620000" y="3085560"/>
-            <a:ext cx="8100000" cy="1568160"/>
+            <a:off x="504000" y="3044520"/>
+            <a:ext cx="9072000" cy="1568520"/>
           </a:xfrm>
           <a:prstGeom prst="rect">
             <a:avLst/>
@@ -157,10 +150,7 @@
             <a:normAutofit/>
           </a:bodyPr>
           <a:p>
-            <a:endParaRPr b="0" lang="en-US" sz="2400" spc="-1" strike="noStrike">
-              <a:solidFill>
-                <a:srgbClr val="050505"/>
-              </a:solidFill>
+            <a:endParaRPr b="0" lang="en-US" sz="3200" spc="-1" strike="noStrike">
               <a:latin typeface="Arial"/>
             </a:endParaRPr>
           </a:p>
@@ -190,7 +180,7 @@
       </p:grpSpPr>
       <p:sp>
         <p:nvSpPr>
-          <p:cNvPr id="30" name="PlaceHolder 1"/>
+          <p:cNvPr id="27" name="PlaceHolder 1"/>
           <p:cNvSpPr>
             <a:spLocks noGrp="1"/>
           </p:cNvSpPr>
@@ -201,30 +191,25 @@
         <p:spPr>
           <a:xfrm>
             <a:off x="1620000" y="216000"/>
-            <a:ext cx="8100000" cy="936000"/>
-          </a:xfrm>
-          <a:prstGeom prst="rect">
-            <a:avLst/>
-          </a:prstGeom>
-        </p:spPr>
-        <p:txBody>
-          <a:bodyPr lIns="0" rIns="0" tIns="0" bIns="0" anchor="ctr">
-            <a:normAutofit/>
-          </a:bodyPr>
+            <a:ext cx="8099640" cy="935640"/>
+          </a:xfrm>
+          <a:prstGeom prst="rect">
+            <a:avLst/>
+          </a:prstGeom>
+        </p:spPr>
+        <p:txBody>
+          <a:bodyPr lIns="0" rIns="0" tIns="0" bIns="0" anchor="ctr"/>
           <a:p>
             <a:pPr algn="ctr"/>
-            <a:endParaRPr b="0" lang="en-US" sz="3300" spc="-1" strike="noStrike">
-              <a:solidFill>
-                <a:srgbClr val="050505"/>
-              </a:solidFill>
-              <a:latin typeface="Times New Roman"/>
-            </a:endParaRPr>
-          </a:p>
-        </p:txBody>
-      </p:sp>
-      <p:sp>
-        <p:nvSpPr>
-          <p:cNvPr id="31" name="PlaceHolder 2"/>
+            <a:endParaRPr b="0" lang="en-US" sz="4400" spc="-1" strike="noStrike">
+              <a:latin typeface="Arial"/>
+            </a:endParaRPr>
+          </a:p>
+        </p:txBody>
+      </p:sp>
+      <p:sp>
+        <p:nvSpPr>
+          <p:cNvPr id="28" name="PlaceHolder 2"/>
           <p:cNvSpPr>
             <a:spLocks noGrp="1"/>
           </p:cNvSpPr>
@@ -234,8 +219,8 @@
         </p:nvSpPr>
         <p:spPr>
           <a:xfrm>
-            <a:off x="1620000" y="1368000"/>
-            <a:ext cx="3952440" cy="1568160"/>
+            <a:off x="504000" y="1326600"/>
+            <a:ext cx="4426920" cy="1568520"/>
           </a:xfrm>
           <a:prstGeom prst="rect">
             <a:avLst/>
@@ -246,18 +231,15 @@
             <a:normAutofit/>
           </a:bodyPr>
           <a:p>
-            <a:endParaRPr b="0" lang="en-US" sz="2400" spc="-1" strike="noStrike">
-              <a:solidFill>
-                <a:srgbClr val="050505"/>
-              </a:solidFill>
-              <a:latin typeface="Arial"/>
-            </a:endParaRPr>
-          </a:p>
-        </p:txBody>
-      </p:sp>
-      <p:sp>
-        <p:nvSpPr>
-          <p:cNvPr id="32" name="PlaceHolder 3"/>
+            <a:endParaRPr b="0" lang="en-US" sz="3200" spc="-1" strike="noStrike">
+              <a:latin typeface="Arial"/>
+            </a:endParaRPr>
+          </a:p>
+        </p:txBody>
+      </p:sp>
+      <p:sp>
+        <p:nvSpPr>
+          <p:cNvPr id="29" name="PlaceHolder 3"/>
           <p:cNvSpPr>
             <a:spLocks noGrp="1"/>
           </p:cNvSpPr>
@@ -267,8 +249,8 @@
         </p:nvSpPr>
         <p:spPr>
           <a:xfrm>
-            <a:off x="5770440" y="1368000"/>
-            <a:ext cx="3952440" cy="1568160"/>
+            <a:off x="5152680" y="1326600"/>
+            <a:ext cx="4426920" cy="1568520"/>
           </a:xfrm>
           <a:prstGeom prst="rect">
             <a:avLst/>
@@ -279,18 +261,15 @@
             <a:normAutofit/>
           </a:bodyPr>
           <a:p>
-            <a:endParaRPr b="0" lang="en-US" sz="2400" spc="-1" strike="noStrike">
-              <a:solidFill>
-                <a:srgbClr val="050505"/>
-              </a:solidFill>
-              <a:latin typeface="Arial"/>
-            </a:endParaRPr>
-          </a:p>
-        </p:txBody>
-      </p:sp>
-      <p:sp>
-        <p:nvSpPr>
-          <p:cNvPr id="33" name="PlaceHolder 4"/>
+            <a:endParaRPr b="0" lang="en-US" sz="3200" spc="-1" strike="noStrike">
+              <a:latin typeface="Arial"/>
+            </a:endParaRPr>
+          </a:p>
+        </p:txBody>
+      </p:sp>
+      <p:sp>
+        <p:nvSpPr>
+          <p:cNvPr id="30" name="PlaceHolder 4"/>
           <p:cNvSpPr>
             <a:spLocks noGrp="1"/>
           </p:cNvSpPr>
@@ -300,8 +279,8 @@
         </p:nvSpPr>
         <p:spPr>
           <a:xfrm>
-            <a:off x="1620000" y="3085560"/>
-            <a:ext cx="3952440" cy="1568160"/>
+            <a:off x="504000" y="3044520"/>
+            <a:ext cx="4426920" cy="1568520"/>
           </a:xfrm>
           <a:prstGeom prst="rect">
             <a:avLst/>
@@ -312,18 +291,15 @@
             <a:normAutofit/>
           </a:bodyPr>
           <a:p>
-            <a:endParaRPr b="0" lang="en-US" sz="2400" spc="-1" strike="noStrike">
-              <a:solidFill>
-                <a:srgbClr val="050505"/>
-              </a:solidFill>
-              <a:latin typeface="Arial"/>
-            </a:endParaRPr>
-          </a:p>
-        </p:txBody>
-      </p:sp>
-      <p:sp>
-        <p:nvSpPr>
-          <p:cNvPr id="34" name="PlaceHolder 5"/>
+            <a:endParaRPr b="0" lang="en-US" sz="3200" spc="-1" strike="noStrike">
+              <a:latin typeface="Arial"/>
+            </a:endParaRPr>
+          </a:p>
+        </p:txBody>
+      </p:sp>
+      <p:sp>
+        <p:nvSpPr>
+          <p:cNvPr id="31" name="PlaceHolder 5"/>
           <p:cNvSpPr>
             <a:spLocks noGrp="1"/>
           </p:cNvSpPr>
@@ -333,8 +309,8 @@
         </p:nvSpPr>
         <p:spPr>
           <a:xfrm>
-            <a:off x="5770440" y="3085560"/>
-            <a:ext cx="3952440" cy="1568160"/>
+            <a:off x="5152680" y="3044520"/>
+            <a:ext cx="4426920" cy="1568520"/>
           </a:xfrm>
           <a:prstGeom prst="rect">
             <a:avLst/>
@@ -345,10 +321,7 @@
             <a:normAutofit/>
           </a:bodyPr>
           <a:p>
-            <a:endParaRPr b="0" lang="en-US" sz="2400" spc="-1" strike="noStrike">
-              <a:solidFill>
-                <a:srgbClr val="050505"/>
-              </a:solidFill>
+            <a:endParaRPr b="0" lang="en-US" sz="3200" spc="-1" strike="noStrike">
               <a:latin typeface="Arial"/>
             </a:endParaRPr>
           </a:p>
@@ -378,7 +351,7 @@
       </p:grpSpPr>
       <p:sp>
         <p:nvSpPr>
-          <p:cNvPr id="35" name="PlaceHolder 1"/>
+          <p:cNvPr id="32" name="PlaceHolder 1"/>
           <p:cNvSpPr>
             <a:spLocks noGrp="1"/>
           </p:cNvSpPr>
@@ -389,30 +362,25 @@
         <p:spPr>
           <a:xfrm>
             <a:off x="1620000" y="216000"/>
-            <a:ext cx="8100000" cy="936000"/>
-          </a:xfrm>
-          <a:prstGeom prst="rect">
-            <a:avLst/>
-          </a:prstGeom>
-        </p:spPr>
-        <p:txBody>
-          <a:bodyPr lIns="0" rIns="0" tIns="0" bIns="0" anchor="ctr">
-            <a:normAutofit/>
-          </a:bodyPr>
+            <a:ext cx="8099640" cy="935640"/>
+          </a:xfrm>
+          <a:prstGeom prst="rect">
+            <a:avLst/>
+          </a:prstGeom>
+        </p:spPr>
+        <p:txBody>
+          <a:bodyPr lIns="0" rIns="0" tIns="0" bIns="0" anchor="ctr"/>
           <a:p>
             <a:pPr algn="ctr"/>
-            <a:endParaRPr b="0" lang="en-US" sz="3300" spc="-1" strike="noStrike">
-              <a:solidFill>
-                <a:srgbClr val="050505"/>
-              </a:solidFill>
-              <a:latin typeface="Times New Roman"/>
-            </a:endParaRPr>
-          </a:p>
-        </p:txBody>
-      </p:sp>
-      <p:sp>
-        <p:nvSpPr>
-          <p:cNvPr id="36" name="PlaceHolder 2"/>
+            <a:endParaRPr b="0" lang="en-US" sz="4400" spc="-1" strike="noStrike">
+              <a:latin typeface="Arial"/>
+            </a:endParaRPr>
+          </a:p>
+        </p:txBody>
+      </p:sp>
+      <p:sp>
+        <p:nvSpPr>
+          <p:cNvPr id="33" name="PlaceHolder 2"/>
           <p:cNvSpPr>
             <a:spLocks noGrp="1"/>
           </p:cNvSpPr>
@@ -422,8 +390,8 @@
         </p:nvSpPr>
         <p:spPr>
           <a:xfrm>
-            <a:off x="1620000" y="1368000"/>
-            <a:ext cx="2607840" cy="1568160"/>
+            <a:off x="504000" y="1326600"/>
+            <a:ext cx="2921040" cy="1568520"/>
           </a:xfrm>
           <a:prstGeom prst="rect">
             <a:avLst/>
@@ -434,18 +402,15 @@
             <a:normAutofit/>
           </a:bodyPr>
           <a:p>
-            <a:endParaRPr b="0" lang="en-US" sz="2400" spc="-1" strike="noStrike">
-              <a:solidFill>
-                <a:srgbClr val="050505"/>
-              </a:solidFill>
-              <a:latin typeface="Arial"/>
-            </a:endParaRPr>
-          </a:p>
-        </p:txBody>
-      </p:sp>
-      <p:sp>
-        <p:nvSpPr>
-          <p:cNvPr id="37" name="PlaceHolder 3"/>
+            <a:endParaRPr b="0" lang="en-US" sz="3200" spc="-1" strike="noStrike">
+              <a:latin typeface="Arial"/>
+            </a:endParaRPr>
+          </a:p>
+        </p:txBody>
+      </p:sp>
+      <p:sp>
+        <p:nvSpPr>
+          <p:cNvPr id="34" name="PlaceHolder 3"/>
           <p:cNvSpPr>
             <a:spLocks noGrp="1"/>
           </p:cNvSpPr>
@@ -455,8 +420,8 @@
         </p:nvSpPr>
         <p:spPr>
           <a:xfrm>
-            <a:off x="4358520" y="1368000"/>
-            <a:ext cx="2607840" cy="1568160"/>
+            <a:off x="3571560" y="1326600"/>
+            <a:ext cx="2921040" cy="1568520"/>
           </a:xfrm>
           <a:prstGeom prst="rect">
             <a:avLst/>
@@ -467,18 +432,15 @@
             <a:normAutofit/>
           </a:bodyPr>
           <a:p>
-            <a:endParaRPr b="0" lang="en-US" sz="2400" spc="-1" strike="noStrike">
-              <a:solidFill>
-                <a:srgbClr val="050505"/>
-              </a:solidFill>
-              <a:latin typeface="Arial"/>
-            </a:endParaRPr>
-          </a:p>
-        </p:txBody>
-      </p:sp>
-      <p:sp>
-        <p:nvSpPr>
-          <p:cNvPr id="38" name="PlaceHolder 4"/>
+            <a:endParaRPr b="0" lang="en-US" sz="3200" spc="-1" strike="noStrike">
+              <a:latin typeface="Arial"/>
+            </a:endParaRPr>
+          </a:p>
+        </p:txBody>
+      </p:sp>
+      <p:sp>
+        <p:nvSpPr>
+          <p:cNvPr id="35" name="PlaceHolder 4"/>
           <p:cNvSpPr>
             <a:spLocks noGrp="1"/>
           </p:cNvSpPr>
@@ -488,8 +450,8 @@
         </p:nvSpPr>
         <p:spPr>
           <a:xfrm>
-            <a:off x="7097400" y="1368000"/>
-            <a:ext cx="2607840" cy="1568160"/>
+            <a:off x="6639120" y="1326600"/>
+            <a:ext cx="2921040" cy="1568520"/>
           </a:xfrm>
           <a:prstGeom prst="rect">
             <a:avLst/>
@@ -500,18 +462,15 @@
             <a:normAutofit/>
           </a:bodyPr>
           <a:p>
-            <a:endParaRPr b="0" lang="en-US" sz="2400" spc="-1" strike="noStrike">
-              <a:solidFill>
-                <a:srgbClr val="050505"/>
-              </a:solidFill>
-              <a:latin typeface="Arial"/>
-            </a:endParaRPr>
-          </a:p>
-        </p:txBody>
-      </p:sp>
-      <p:sp>
-        <p:nvSpPr>
-          <p:cNvPr id="39" name="PlaceHolder 5"/>
+            <a:endParaRPr b="0" lang="en-US" sz="3200" spc="-1" strike="noStrike">
+              <a:latin typeface="Arial"/>
+            </a:endParaRPr>
+          </a:p>
+        </p:txBody>
+      </p:sp>
+      <p:sp>
+        <p:nvSpPr>
+          <p:cNvPr id="36" name="PlaceHolder 5"/>
           <p:cNvSpPr>
             <a:spLocks noGrp="1"/>
           </p:cNvSpPr>
@@ -521,8 +480,8 @@
         </p:nvSpPr>
         <p:spPr>
           <a:xfrm>
-            <a:off x="1620000" y="3085560"/>
-            <a:ext cx="2607840" cy="1568160"/>
+            <a:off x="504000" y="3044520"/>
+            <a:ext cx="2921040" cy="1568520"/>
           </a:xfrm>
           <a:prstGeom prst="rect">
             <a:avLst/>
@@ -533,18 +492,15 @@
             <a:normAutofit/>
           </a:bodyPr>
           <a:p>
-            <a:endParaRPr b="0" lang="en-US" sz="2400" spc="-1" strike="noStrike">
-              <a:solidFill>
-                <a:srgbClr val="050505"/>
-              </a:solidFill>
-              <a:latin typeface="Arial"/>
-            </a:endParaRPr>
-          </a:p>
-        </p:txBody>
-      </p:sp>
-      <p:sp>
-        <p:nvSpPr>
-          <p:cNvPr id="40" name="PlaceHolder 6"/>
+            <a:endParaRPr b="0" lang="en-US" sz="3200" spc="-1" strike="noStrike">
+              <a:latin typeface="Arial"/>
+            </a:endParaRPr>
+          </a:p>
+        </p:txBody>
+      </p:sp>
+      <p:sp>
+        <p:nvSpPr>
+          <p:cNvPr id="37" name="PlaceHolder 6"/>
           <p:cNvSpPr>
             <a:spLocks noGrp="1"/>
           </p:cNvSpPr>
@@ -554,8 +510,8 @@
         </p:nvSpPr>
         <p:spPr>
           <a:xfrm>
-            <a:off x="4358520" y="3085560"/>
-            <a:ext cx="2607840" cy="1568160"/>
+            <a:off x="3571560" y="3044520"/>
+            <a:ext cx="2921040" cy="1568520"/>
           </a:xfrm>
           <a:prstGeom prst="rect">
             <a:avLst/>
@@ -566,18 +522,15 @@
             <a:normAutofit/>
           </a:bodyPr>
           <a:p>
-            <a:endParaRPr b="0" lang="en-US" sz="2400" spc="-1" strike="noStrike">
-              <a:solidFill>
-                <a:srgbClr val="050505"/>
-              </a:solidFill>
-              <a:latin typeface="Arial"/>
-            </a:endParaRPr>
-          </a:p>
-        </p:txBody>
-      </p:sp>
-      <p:sp>
-        <p:nvSpPr>
-          <p:cNvPr id="41" name="PlaceHolder 7"/>
+            <a:endParaRPr b="0" lang="en-US" sz="3200" spc="-1" strike="noStrike">
+              <a:latin typeface="Arial"/>
+            </a:endParaRPr>
+          </a:p>
+        </p:txBody>
+      </p:sp>
+      <p:sp>
+        <p:nvSpPr>
+          <p:cNvPr id="38" name="PlaceHolder 7"/>
           <p:cNvSpPr>
             <a:spLocks noGrp="1"/>
           </p:cNvSpPr>
@@ -587,8 +540,8 @@
         </p:nvSpPr>
         <p:spPr>
           <a:xfrm>
-            <a:off x="7097400" y="3085560"/>
-            <a:ext cx="2607840" cy="1568160"/>
+            <a:off x="6639120" y="3044520"/>
+            <a:ext cx="2921040" cy="1568520"/>
           </a:xfrm>
           <a:prstGeom prst="rect">
             <a:avLst/>
@@ -599,10 +552,544 @@
             <a:normAutofit/>
           </a:bodyPr>
           <a:p>
-            <a:endParaRPr b="0" lang="en-US" sz="2400" spc="-1" strike="noStrike">
-              <a:solidFill>
-                <a:srgbClr val="050505"/>
-              </a:solidFill>
+            <a:endParaRPr b="0" lang="en-US" sz="3200" spc="-1" strike="noStrike">
+              <a:latin typeface="Arial"/>
+            </a:endParaRPr>
+          </a:p>
+        </p:txBody>
+      </p:sp>
+    </p:spTree>
+  </p:cSld>
+</p:sldLayout>
+</file>
+
+<file path=ppt/slideLayouts/slideLayout13.xml><?xml version="1.0" encoding="utf-8"?>
+<p:sldLayout xmlns:a="http://schemas.openxmlformats.org/drawingml/2006/main" xmlns:p="http://schemas.openxmlformats.org/presentationml/2006/main" xmlns:r="http://schemas.openxmlformats.org/officeDocument/2006/relationships" xmlns:p14="http://schemas.microsoft.com/office/powerpoint/2010/main" xmlns:p15="http://schemas.microsoft.com/office/powerpoint/2012/main" xmlns:mc="http://schemas.openxmlformats.org/markup-compatibility/2006" type="blank" preserve="1">
+  <p:cSld name="Blank Slide">
+    <p:spTree>
+      <p:nvGrpSpPr>
+        <p:cNvPr id="1" name=""/>
+        <p:cNvGrpSpPr/>
+        <p:nvPr/>
+      </p:nvGrpSpPr>
+      <p:grpSpPr>
+        <a:xfrm>
+          <a:off x="0" y="0"/>
+          <a:ext cx="0" cy="0"/>
+          <a:chOff x="0" y="0"/>
+          <a:chExt cx="0" cy="0"/>
+        </a:xfrm>
+      </p:grpSpPr>
+    </p:spTree>
+  </p:cSld>
+</p:sldLayout>
+</file>
+
+<file path=ppt/slideLayouts/slideLayout14.xml><?xml version="1.0" encoding="utf-8"?>
+<p:sldLayout xmlns:a="http://schemas.openxmlformats.org/drawingml/2006/main" xmlns:p="http://schemas.openxmlformats.org/presentationml/2006/main" xmlns:r="http://schemas.openxmlformats.org/officeDocument/2006/relationships" xmlns:p14="http://schemas.microsoft.com/office/powerpoint/2010/main" xmlns:p15="http://schemas.microsoft.com/office/powerpoint/2012/main" xmlns:mc="http://schemas.openxmlformats.org/markup-compatibility/2006" type="tx" preserve="1">
+  <p:cSld name="Title Slide">
+    <p:spTree>
+      <p:nvGrpSpPr>
+        <p:cNvPr id="1" name=""/>
+        <p:cNvGrpSpPr/>
+        <p:nvPr/>
+      </p:nvGrpSpPr>
+      <p:grpSpPr>
+        <a:xfrm>
+          <a:off x="0" y="0"/>
+          <a:ext cx="0" cy="0"/>
+          <a:chOff x="0" y="0"/>
+          <a:chExt cx="0" cy="0"/>
+        </a:xfrm>
+      </p:grpSpPr>
+      <p:sp>
+        <p:nvSpPr>
+          <p:cNvPr id="42" name="PlaceHolder 1"/>
+          <p:cNvSpPr>
+            <a:spLocks noGrp="1"/>
+          </p:cNvSpPr>
+          <p:nvPr>
+            <p:ph type="title"/>
+          </p:nvPr>
+        </p:nvSpPr>
+        <p:spPr>
+          <a:xfrm>
+            <a:off x="1620000" y="216000"/>
+            <a:ext cx="8099640" cy="935640"/>
+          </a:xfrm>
+          <a:prstGeom prst="rect">
+            <a:avLst/>
+          </a:prstGeom>
+        </p:spPr>
+        <p:txBody>
+          <a:bodyPr lIns="0" rIns="0" tIns="0" bIns="0" anchor="ctr"/>
+          <a:p>
+            <a:pPr algn="ctr"/>
+            <a:endParaRPr b="0" lang="en-US" sz="4400" spc="-1" strike="noStrike">
+              <a:latin typeface="Arial"/>
+            </a:endParaRPr>
+          </a:p>
+        </p:txBody>
+      </p:sp>
+      <p:sp>
+        <p:nvSpPr>
+          <p:cNvPr id="43" name="PlaceHolder 2"/>
+          <p:cNvSpPr>
+            <a:spLocks noGrp="1"/>
+          </p:cNvSpPr>
+          <p:nvPr>
+            <p:ph type="subTitle"/>
+          </p:nvPr>
+        </p:nvSpPr>
+        <p:spPr>
+          <a:xfrm>
+            <a:off x="504000" y="1326600"/>
+            <a:ext cx="9072000" cy="3288600"/>
+          </a:xfrm>
+          <a:prstGeom prst="rect">
+            <a:avLst/>
+          </a:prstGeom>
+        </p:spPr>
+        <p:txBody>
+          <a:bodyPr lIns="0" rIns="0" tIns="0" bIns="0" anchor="ctr"/>
+          <a:p>
+            <a:pPr algn="ctr"/>
+            <a:endParaRPr b="0" lang="en-US" sz="3200" spc="-1" strike="noStrike">
+              <a:latin typeface="Arial"/>
+            </a:endParaRPr>
+          </a:p>
+        </p:txBody>
+      </p:sp>
+    </p:spTree>
+  </p:cSld>
+</p:sldLayout>
+</file>
+
+<file path=ppt/slideLayouts/slideLayout15.xml><?xml version="1.0" encoding="utf-8"?>
+<p:sldLayout xmlns:a="http://schemas.openxmlformats.org/drawingml/2006/main" xmlns:p="http://schemas.openxmlformats.org/presentationml/2006/main" xmlns:r="http://schemas.openxmlformats.org/officeDocument/2006/relationships" xmlns:p14="http://schemas.microsoft.com/office/powerpoint/2010/main" xmlns:p15="http://schemas.microsoft.com/office/powerpoint/2012/main" xmlns:mc="http://schemas.openxmlformats.org/markup-compatibility/2006" type="obj" preserve="1">
+  <p:cSld name="Title, Content">
+    <p:spTree>
+      <p:nvGrpSpPr>
+        <p:cNvPr id="1" name=""/>
+        <p:cNvGrpSpPr/>
+        <p:nvPr/>
+      </p:nvGrpSpPr>
+      <p:grpSpPr>
+        <a:xfrm>
+          <a:off x="0" y="0"/>
+          <a:ext cx="0" cy="0"/>
+          <a:chOff x="0" y="0"/>
+          <a:chExt cx="0" cy="0"/>
+        </a:xfrm>
+      </p:grpSpPr>
+      <p:sp>
+        <p:nvSpPr>
+          <p:cNvPr id="44" name="PlaceHolder 1"/>
+          <p:cNvSpPr>
+            <a:spLocks noGrp="1"/>
+          </p:cNvSpPr>
+          <p:nvPr>
+            <p:ph type="title"/>
+          </p:nvPr>
+        </p:nvSpPr>
+        <p:spPr>
+          <a:xfrm>
+            <a:off x="1620000" y="216000"/>
+            <a:ext cx="8099640" cy="935640"/>
+          </a:xfrm>
+          <a:prstGeom prst="rect">
+            <a:avLst/>
+          </a:prstGeom>
+        </p:spPr>
+        <p:txBody>
+          <a:bodyPr lIns="0" rIns="0" tIns="0" bIns="0" anchor="ctr"/>
+          <a:p>
+            <a:pPr algn="ctr"/>
+            <a:endParaRPr b="0" lang="en-US" sz="4400" spc="-1" strike="noStrike">
+              <a:latin typeface="Arial"/>
+            </a:endParaRPr>
+          </a:p>
+        </p:txBody>
+      </p:sp>
+      <p:sp>
+        <p:nvSpPr>
+          <p:cNvPr id="45" name="PlaceHolder 2"/>
+          <p:cNvSpPr>
+            <a:spLocks noGrp="1"/>
+          </p:cNvSpPr>
+          <p:nvPr>
+            <p:ph type="body"/>
+          </p:nvPr>
+        </p:nvSpPr>
+        <p:spPr>
+          <a:xfrm>
+            <a:off x="504000" y="1326600"/>
+            <a:ext cx="9072000" cy="3288600"/>
+          </a:xfrm>
+          <a:prstGeom prst="rect">
+            <a:avLst/>
+          </a:prstGeom>
+        </p:spPr>
+        <p:txBody>
+          <a:bodyPr lIns="0" rIns="0" tIns="0" bIns="0">
+            <a:normAutofit/>
+          </a:bodyPr>
+          <a:p>
+            <a:endParaRPr b="0" lang="en-US" sz="3200" spc="-1" strike="noStrike">
+              <a:latin typeface="Arial"/>
+            </a:endParaRPr>
+          </a:p>
+        </p:txBody>
+      </p:sp>
+    </p:spTree>
+  </p:cSld>
+</p:sldLayout>
+</file>
+
+<file path=ppt/slideLayouts/slideLayout16.xml><?xml version="1.0" encoding="utf-8"?>
+<p:sldLayout xmlns:a="http://schemas.openxmlformats.org/drawingml/2006/main" xmlns:p="http://schemas.openxmlformats.org/presentationml/2006/main" xmlns:r="http://schemas.openxmlformats.org/officeDocument/2006/relationships" xmlns:p14="http://schemas.microsoft.com/office/powerpoint/2010/main" xmlns:p15="http://schemas.microsoft.com/office/powerpoint/2012/main" xmlns:mc="http://schemas.openxmlformats.org/markup-compatibility/2006" type="twoObj" preserve="1">
+  <p:cSld name="Title, 2 Content">
+    <p:spTree>
+      <p:nvGrpSpPr>
+        <p:cNvPr id="1" name=""/>
+        <p:cNvGrpSpPr/>
+        <p:nvPr/>
+      </p:nvGrpSpPr>
+      <p:grpSpPr>
+        <a:xfrm>
+          <a:off x="0" y="0"/>
+          <a:ext cx="0" cy="0"/>
+          <a:chOff x="0" y="0"/>
+          <a:chExt cx="0" cy="0"/>
+        </a:xfrm>
+      </p:grpSpPr>
+      <p:sp>
+        <p:nvSpPr>
+          <p:cNvPr id="46" name="PlaceHolder 1"/>
+          <p:cNvSpPr>
+            <a:spLocks noGrp="1"/>
+          </p:cNvSpPr>
+          <p:nvPr>
+            <p:ph type="title"/>
+          </p:nvPr>
+        </p:nvSpPr>
+        <p:spPr>
+          <a:xfrm>
+            <a:off x="1620000" y="216000"/>
+            <a:ext cx="8099640" cy="935640"/>
+          </a:xfrm>
+          <a:prstGeom prst="rect">
+            <a:avLst/>
+          </a:prstGeom>
+        </p:spPr>
+        <p:txBody>
+          <a:bodyPr lIns="0" rIns="0" tIns="0" bIns="0" anchor="ctr"/>
+          <a:p>
+            <a:pPr algn="ctr"/>
+            <a:endParaRPr b="0" lang="en-US" sz="4400" spc="-1" strike="noStrike">
+              <a:latin typeface="Arial"/>
+            </a:endParaRPr>
+          </a:p>
+        </p:txBody>
+      </p:sp>
+      <p:sp>
+        <p:nvSpPr>
+          <p:cNvPr id="47" name="PlaceHolder 2"/>
+          <p:cNvSpPr>
+            <a:spLocks noGrp="1"/>
+          </p:cNvSpPr>
+          <p:nvPr>
+            <p:ph type="body"/>
+          </p:nvPr>
+        </p:nvSpPr>
+        <p:spPr>
+          <a:xfrm>
+            <a:off x="504000" y="1326600"/>
+            <a:ext cx="4426920" cy="3288600"/>
+          </a:xfrm>
+          <a:prstGeom prst="rect">
+            <a:avLst/>
+          </a:prstGeom>
+        </p:spPr>
+        <p:txBody>
+          <a:bodyPr lIns="0" rIns="0" tIns="0" bIns="0">
+            <a:normAutofit/>
+          </a:bodyPr>
+          <a:p>
+            <a:endParaRPr b="0" lang="en-US" sz="3200" spc="-1" strike="noStrike">
+              <a:latin typeface="Arial"/>
+            </a:endParaRPr>
+          </a:p>
+        </p:txBody>
+      </p:sp>
+      <p:sp>
+        <p:nvSpPr>
+          <p:cNvPr id="48" name="PlaceHolder 3"/>
+          <p:cNvSpPr>
+            <a:spLocks noGrp="1"/>
+          </p:cNvSpPr>
+          <p:nvPr>
+            <p:ph type="body"/>
+          </p:nvPr>
+        </p:nvSpPr>
+        <p:spPr>
+          <a:xfrm>
+            <a:off x="5152680" y="1326600"/>
+            <a:ext cx="4426920" cy="3288600"/>
+          </a:xfrm>
+          <a:prstGeom prst="rect">
+            <a:avLst/>
+          </a:prstGeom>
+        </p:spPr>
+        <p:txBody>
+          <a:bodyPr lIns="0" rIns="0" tIns="0" bIns="0">
+            <a:normAutofit/>
+          </a:bodyPr>
+          <a:p>
+            <a:endParaRPr b="0" lang="en-US" sz="3200" spc="-1" strike="noStrike">
+              <a:latin typeface="Arial"/>
+            </a:endParaRPr>
+          </a:p>
+        </p:txBody>
+      </p:sp>
+    </p:spTree>
+  </p:cSld>
+</p:sldLayout>
+</file>
+
+<file path=ppt/slideLayouts/slideLayout17.xml><?xml version="1.0" encoding="utf-8"?>
+<p:sldLayout xmlns:a="http://schemas.openxmlformats.org/drawingml/2006/main" xmlns:p="http://schemas.openxmlformats.org/presentationml/2006/main" xmlns:r="http://schemas.openxmlformats.org/officeDocument/2006/relationships" xmlns:p14="http://schemas.microsoft.com/office/powerpoint/2010/main" xmlns:p15="http://schemas.microsoft.com/office/powerpoint/2012/main" xmlns:mc="http://schemas.openxmlformats.org/markup-compatibility/2006" type="titleOnly" preserve="1">
+  <p:cSld name="Title Only">
+    <p:spTree>
+      <p:nvGrpSpPr>
+        <p:cNvPr id="1" name=""/>
+        <p:cNvGrpSpPr/>
+        <p:nvPr/>
+      </p:nvGrpSpPr>
+      <p:grpSpPr>
+        <a:xfrm>
+          <a:off x="0" y="0"/>
+          <a:ext cx="0" cy="0"/>
+          <a:chOff x="0" y="0"/>
+          <a:chExt cx="0" cy="0"/>
+        </a:xfrm>
+      </p:grpSpPr>
+      <p:sp>
+        <p:nvSpPr>
+          <p:cNvPr id="49" name="PlaceHolder 1"/>
+          <p:cNvSpPr>
+            <a:spLocks noGrp="1"/>
+          </p:cNvSpPr>
+          <p:nvPr>
+            <p:ph type="title"/>
+          </p:nvPr>
+        </p:nvSpPr>
+        <p:spPr>
+          <a:xfrm>
+            <a:off x="1620000" y="216000"/>
+            <a:ext cx="8099640" cy="935640"/>
+          </a:xfrm>
+          <a:prstGeom prst="rect">
+            <a:avLst/>
+          </a:prstGeom>
+        </p:spPr>
+        <p:txBody>
+          <a:bodyPr lIns="0" rIns="0" tIns="0" bIns="0" anchor="ctr"/>
+          <a:p>
+            <a:pPr algn="ctr"/>
+            <a:endParaRPr b="0" lang="en-US" sz="4400" spc="-1" strike="noStrike">
+              <a:latin typeface="Arial"/>
+            </a:endParaRPr>
+          </a:p>
+        </p:txBody>
+      </p:sp>
+    </p:spTree>
+  </p:cSld>
+</p:sldLayout>
+</file>
+
+<file path=ppt/slideLayouts/slideLayout18.xml><?xml version="1.0" encoding="utf-8"?>
+<p:sldLayout xmlns:a="http://schemas.openxmlformats.org/drawingml/2006/main" xmlns:p="http://schemas.openxmlformats.org/presentationml/2006/main" xmlns:r="http://schemas.openxmlformats.org/officeDocument/2006/relationships" xmlns:p14="http://schemas.microsoft.com/office/powerpoint/2010/main" xmlns:p15="http://schemas.microsoft.com/office/powerpoint/2012/main" xmlns:mc="http://schemas.openxmlformats.org/markup-compatibility/2006" type="objOnly" preserve="1">
+  <p:cSld name="Centered Text">
+    <p:spTree>
+      <p:nvGrpSpPr>
+        <p:cNvPr id="1" name=""/>
+        <p:cNvGrpSpPr/>
+        <p:nvPr/>
+      </p:nvGrpSpPr>
+      <p:grpSpPr>
+        <a:xfrm>
+          <a:off x="0" y="0"/>
+          <a:ext cx="0" cy="0"/>
+          <a:chOff x="0" y="0"/>
+          <a:chExt cx="0" cy="0"/>
+        </a:xfrm>
+      </p:grpSpPr>
+      <p:sp>
+        <p:nvSpPr>
+          <p:cNvPr id="50" name="PlaceHolder 1"/>
+          <p:cNvSpPr>
+            <a:spLocks noGrp="1"/>
+          </p:cNvSpPr>
+          <p:nvPr>
+            <p:ph type="subTitle"/>
+          </p:nvPr>
+        </p:nvSpPr>
+        <p:spPr>
+          <a:xfrm>
+            <a:off x="1620000" y="216000"/>
+            <a:ext cx="8099640" cy="4338360"/>
+          </a:xfrm>
+          <a:prstGeom prst="rect">
+            <a:avLst/>
+          </a:prstGeom>
+        </p:spPr>
+        <p:txBody>
+          <a:bodyPr lIns="0" rIns="0" tIns="0" bIns="0" anchor="ctr"/>
+          <a:p>
+            <a:pPr algn="ctr"/>
+            <a:endParaRPr b="0" lang="en-US" sz="3200" spc="-1" strike="noStrike">
+              <a:latin typeface="Arial"/>
+            </a:endParaRPr>
+          </a:p>
+        </p:txBody>
+      </p:sp>
+    </p:spTree>
+  </p:cSld>
+</p:sldLayout>
+</file>
+
+<file path=ppt/slideLayouts/slideLayout19.xml><?xml version="1.0" encoding="utf-8"?>
+<p:sldLayout xmlns:a="http://schemas.openxmlformats.org/drawingml/2006/main" xmlns:p="http://schemas.openxmlformats.org/presentationml/2006/main" xmlns:r="http://schemas.openxmlformats.org/officeDocument/2006/relationships" xmlns:p14="http://schemas.microsoft.com/office/powerpoint/2010/main" xmlns:p15="http://schemas.microsoft.com/office/powerpoint/2012/main" xmlns:mc="http://schemas.openxmlformats.org/markup-compatibility/2006" type="twoObjAndObj" preserve="1">
+  <p:cSld name="Title, 2 Content and Content">
+    <p:spTree>
+      <p:nvGrpSpPr>
+        <p:cNvPr id="1" name=""/>
+        <p:cNvGrpSpPr/>
+        <p:nvPr/>
+      </p:nvGrpSpPr>
+      <p:grpSpPr>
+        <a:xfrm>
+          <a:off x="0" y="0"/>
+          <a:ext cx="0" cy="0"/>
+          <a:chOff x="0" y="0"/>
+          <a:chExt cx="0" cy="0"/>
+        </a:xfrm>
+      </p:grpSpPr>
+      <p:sp>
+        <p:nvSpPr>
+          <p:cNvPr id="51" name="PlaceHolder 1"/>
+          <p:cNvSpPr>
+            <a:spLocks noGrp="1"/>
+          </p:cNvSpPr>
+          <p:nvPr>
+            <p:ph type="title"/>
+          </p:nvPr>
+        </p:nvSpPr>
+        <p:spPr>
+          <a:xfrm>
+            <a:off x="1620000" y="216000"/>
+            <a:ext cx="8099640" cy="935640"/>
+          </a:xfrm>
+          <a:prstGeom prst="rect">
+            <a:avLst/>
+          </a:prstGeom>
+        </p:spPr>
+        <p:txBody>
+          <a:bodyPr lIns="0" rIns="0" tIns="0" bIns="0" anchor="ctr"/>
+          <a:p>
+            <a:pPr algn="ctr"/>
+            <a:endParaRPr b="0" lang="en-US" sz="4400" spc="-1" strike="noStrike">
+              <a:latin typeface="Arial"/>
+            </a:endParaRPr>
+          </a:p>
+        </p:txBody>
+      </p:sp>
+      <p:sp>
+        <p:nvSpPr>
+          <p:cNvPr id="52" name="PlaceHolder 2"/>
+          <p:cNvSpPr>
+            <a:spLocks noGrp="1"/>
+          </p:cNvSpPr>
+          <p:nvPr>
+            <p:ph type="body"/>
+          </p:nvPr>
+        </p:nvSpPr>
+        <p:spPr>
+          <a:xfrm>
+            <a:off x="504000" y="1326600"/>
+            <a:ext cx="4426920" cy="1568520"/>
+          </a:xfrm>
+          <a:prstGeom prst="rect">
+            <a:avLst/>
+          </a:prstGeom>
+        </p:spPr>
+        <p:txBody>
+          <a:bodyPr lIns="0" rIns="0" tIns="0" bIns="0">
+            <a:normAutofit/>
+          </a:bodyPr>
+          <a:p>
+            <a:endParaRPr b="0" lang="en-US" sz="3200" spc="-1" strike="noStrike">
+              <a:latin typeface="Arial"/>
+            </a:endParaRPr>
+          </a:p>
+        </p:txBody>
+      </p:sp>
+      <p:sp>
+        <p:nvSpPr>
+          <p:cNvPr id="53" name="PlaceHolder 3"/>
+          <p:cNvSpPr>
+            <a:spLocks noGrp="1"/>
+          </p:cNvSpPr>
+          <p:nvPr>
+            <p:ph type="body"/>
+          </p:nvPr>
+        </p:nvSpPr>
+        <p:spPr>
+          <a:xfrm>
+            <a:off x="5152680" y="1326600"/>
+            <a:ext cx="4426920" cy="3288600"/>
+          </a:xfrm>
+          <a:prstGeom prst="rect">
+            <a:avLst/>
+          </a:prstGeom>
+        </p:spPr>
+        <p:txBody>
+          <a:bodyPr lIns="0" rIns="0" tIns="0" bIns="0">
+            <a:normAutofit/>
+          </a:bodyPr>
+          <a:p>
+            <a:endParaRPr b="0" lang="en-US" sz="3200" spc="-1" strike="noStrike">
+              <a:latin typeface="Arial"/>
+            </a:endParaRPr>
+          </a:p>
+        </p:txBody>
+      </p:sp>
+      <p:sp>
+        <p:nvSpPr>
+          <p:cNvPr id="54" name="PlaceHolder 4"/>
+          <p:cNvSpPr>
+            <a:spLocks noGrp="1"/>
+          </p:cNvSpPr>
+          <p:nvPr>
+            <p:ph type="body"/>
+          </p:nvPr>
+        </p:nvSpPr>
+        <p:spPr>
+          <a:xfrm>
+            <a:off x="504000" y="3044520"/>
+            <a:ext cx="4426920" cy="1568520"/>
+          </a:xfrm>
+          <a:prstGeom prst="rect">
+            <a:avLst/>
+          </a:prstGeom>
+        </p:spPr>
+        <p:txBody>
+          <a:bodyPr lIns="0" rIns="0" tIns="0" bIns="0">
+            <a:normAutofit/>
+          </a:bodyPr>
+          <a:p>
+            <a:endParaRPr b="0" lang="en-US" sz="3200" spc="-1" strike="noStrike">
               <a:latin typeface="Arial"/>
             </a:endParaRPr>
           </a:p>
@@ -632,7 +1119,7 @@
       </p:grpSpPr>
       <p:sp>
         <p:nvSpPr>
-          <p:cNvPr id="6" name="PlaceHolder 1"/>
+          <p:cNvPr id="3" name="PlaceHolder 1"/>
           <p:cNvSpPr>
             <a:spLocks noGrp="1"/>
           </p:cNvSpPr>
@@ -643,30 +1130,25 @@
         <p:spPr>
           <a:xfrm>
             <a:off x="1620000" y="216000"/>
-            <a:ext cx="8100000" cy="936000"/>
-          </a:xfrm>
-          <a:prstGeom prst="rect">
-            <a:avLst/>
-          </a:prstGeom>
-        </p:spPr>
-        <p:txBody>
-          <a:bodyPr lIns="0" rIns="0" tIns="0" bIns="0" anchor="ctr">
-            <a:normAutofit/>
-          </a:bodyPr>
+            <a:ext cx="8099640" cy="935640"/>
+          </a:xfrm>
+          <a:prstGeom prst="rect">
+            <a:avLst/>
+          </a:prstGeom>
+        </p:spPr>
+        <p:txBody>
+          <a:bodyPr lIns="0" rIns="0" tIns="0" bIns="0" anchor="ctr"/>
           <a:p>
             <a:pPr algn="ctr"/>
-            <a:endParaRPr b="0" lang="en-US" sz="3300" spc="-1" strike="noStrike">
-              <a:solidFill>
-                <a:srgbClr val="050505"/>
-              </a:solidFill>
-              <a:latin typeface="Times New Roman"/>
-            </a:endParaRPr>
-          </a:p>
-        </p:txBody>
-      </p:sp>
-      <p:sp>
-        <p:nvSpPr>
-          <p:cNvPr id="7" name="PlaceHolder 2"/>
+            <a:endParaRPr b="0" lang="en-US" sz="4400" spc="-1" strike="noStrike">
+              <a:latin typeface="Arial"/>
+            </a:endParaRPr>
+          </a:p>
+        </p:txBody>
+      </p:sp>
+      <p:sp>
+        <p:nvSpPr>
+          <p:cNvPr id="4" name="PlaceHolder 2"/>
           <p:cNvSpPr>
             <a:spLocks noGrp="1"/>
           </p:cNvSpPr>
@@ -676,8 +1158,8 @@
         </p:nvSpPr>
         <p:spPr>
           <a:xfrm>
-            <a:off x="1620000" y="1368000"/>
-            <a:ext cx="8100000" cy="3288240"/>
+            <a:off x="504000" y="1326600"/>
+            <a:ext cx="9072000" cy="3288600"/>
           </a:xfrm>
           <a:prstGeom prst="rect">
             <a:avLst/>
@@ -688,7 +1170,802 @@
           <a:p>
             <a:pPr algn="ctr"/>
             <a:endParaRPr b="0" lang="en-US" sz="3200" spc="-1" strike="noStrike">
-              <a:latin typeface="Times New Roman"/>
+              <a:latin typeface="Arial"/>
+            </a:endParaRPr>
+          </a:p>
+        </p:txBody>
+      </p:sp>
+    </p:spTree>
+  </p:cSld>
+</p:sldLayout>
+</file>
+
+<file path=ppt/slideLayouts/slideLayout20.xml><?xml version="1.0" encoding="utf-8"?>
+<p:sldLayout xmlns:a="http://schemas.openxmlformats.org/drawingml/2006/main" xmlns:p="http://schemas.openxmlformats.org/presentationml/2006/main" xmlns:r="http://schemas.openxmlformats.org/officeDocument/2006/relationships" xmlns:p14="http://schemas.microsoft.com/office/powerpoint/2010/main" xmlns:p15="http://schemas.microsoft.com/office/powerpoint/2012/main" xmlns:mc="http://schemas.openxmlformats.org/markup-compatibility/2006" type="objAndTwoObj" preserve="1">
+  <p:cSld name="Title Content and 2 Content">
+    <p:spTree>
+      <p:nvGrpSpPr>
+        <p:cNvPr id="1" name=""/>
+        <p:cNvGrpSpPr/>
+        <p:nvPr/>
+      </p:nvGrpSpPr>
+      <p:grpSpPr>
+        <a:xfrm>
+          <a:off x="0" y="0"/>
+          <a:ext cx="0" cy="0"/>
+          <a:chOff x="0" y="0"/>
+          <a:chExt cx="0" cy="0"/>
+        </a:xfrm>
+      </p:grpSpPr>
+      <p:sp>
+        <p:nvSpPr>
+          <p:cNvPr id="55" name="PlaceHolder 1"/>
+          <p:cNvSpPr>
+            <a:spLocks noGrp="1"/>
+          </p:cNvSpPr>
+          <p:nvPr>
+            <p:ph type="title"/>
+          </p:nvPr>
+        </p:nvSpPr>
+        <p:spPr>
+          <a:xfrm>
+            <a:off x="1620000" y="216000"/>
+            <a:ext cx="8099640" cy="935640"/>
+          </a:xfrm>
+          <a:prstGeom prst="rect">
+            <a:avLst/>
+          </a:prstGeom>
+        </p:spPr>
+        <p:txBody>
+          <a:bodyPr lIns="0" rIns="0" tIns="0" bIns="0" anchor="ctr"/>
+          <a:p>
+            <a:pPr algn="ctr"/>
+            <a:endParaRPr b="0" lang="en-US" sz="4400" spc="-1" strike="noStrike">
+              <a:latin typeface="Arial"/>
+            </a:endParaRPr>
+          </a:p>
+        </p:txBody>
+      </p:sp>
+      <p:sp>
+        <p:nvSpPr>
+          <p:cNvPr id="56" name="PlaceHolder 2"/>
+          <p:cNvSpPr>
+            <a:spLocks noGrp="1"/>
+          </p:cNvSpPr>
+          <p:nvPr>
+            <p:ph type="body"/>
+          </p:nvPr>
+        </p:nvSpPr>
+        <p:spPr>
+          <a:xfrm>
+            <a:off x="504000" y="1326600"/>
+            <a:ext cx="4426920" cy="3288600"/>
+          </a:xfrm>
+          <a:prstGeom prst="rect">
+            <a:avLst/>
+          </a:prstGeom>
+        </p:spPr>
+        <p:txBody>
+          <a:bodyPr lIns="0" rIns="0" tIns="0" bIns="0">
+            <a:normAutofit/>
+          </a:bodyPr>
+          <a:p>
+            <a:endParaRPr b="0" lang="en-US" sz="3200" spc="-1" strike="noStrike">
+              <a:latin typeface="Arial"/>
+            </a:endParaRPr>
+          </a:p>
+        </p:txBody>
+      </p:sp>
+      <p:sp>
+        <p:nvSpPr>
+          <p:cNvPr id="57" name="PlaceHolder 3"/>
+          <p:cNvSpPr>
+            <a:spLocks noGrp="1"/>
+          </p:cNvSpPr>
+          <p:nvPr>
+            <p:ph type="body"/>
+          </p:nvPr>
+        </p:nvSpPr>
+        <p:spPr>
+          <a:xfrm>
+            <a:off x="5152680" y="1326600"/>
+            <a:ext cx="4426920" cy="1568520"/>
+          </a:xfrm>
+          <a:prstGeom prst="rect">
+            <a:avLst/>
+          </a:prstGeom>
+        </p:spPr>
+        <p:txBody>
+          <a:bodyPr lIns="0" rIns="0" tIns="0" bIns="0">
+            <a:normAutofit/>
+          </a:bodyPr>
+          <a:p>
+            <a:endParaRPr b="0" lang="en-US" sz="3200" spc="-1" strike="noStrike">
+              <a:latin typeface="Arial"/>
+            </a:endParaRPr>
+          </a:p>
+        </p:txBody>
+      </p:sp>
+      <p:sp>
+        <p:nvSpPr>
+          <p:cNvPr id="58" name="PlaceHolder 4"/>
+          <p:cNvSpPr>
+            <a:spLocks noGrp="1"/>
+          </p:cNvSpPr>
+          <p:nvPr>
+            <p:ph type="body"/>
+          </p:nvPr>
+        </p:nvSpPr>
+        <p:spPr>
+          <a:xfrm>
+            <a:off x="5152680" y="3044520"/>
+            <a:ext cx="4426920" cy="1568520"/>
+          </a:xfrm>
+          <a:prstGeom prst="rect">
+            <a:avLst/>
+          </a:prstGeom>
+        </p:spPr>
+        <p:txBody>
+          <a:bodyPr lIns="0" rIns="0" tIns="0" bIns="0">
+            <a:normAutofit/>
+          </a:bodyPr>
+          <a:p>
+            <a:endParaRPr b="0" lang="en-US" sz="3200" spc="-1" strike="noStrike">
+              <a:latin typeface="Arial"/>
+            </a:endParaRPr>
+          </a:p>
+        </p:txBody>
+      </p:sp>
+    </p:spTree>
+  </p:cSld>
+</p:sldLayout>
+</file>
+
+<file path=ppt/slideLayouts/slideLayout21.xml><?xml version="1.0" encoding="utf-8"?>
+<p:sldLayout xmlns:a="http://schemas.openxmlformats.org/drawingml/2006/main" xmlns:p="http://schemas.openxmlformats.org/presentationml/2006/main" xmlns:r="http://schemas.openxmlformats.org/officeDocument/2006/relationships" xmlns:p14="http://schemas.microsoft.com/office/powerpoint/2010/main" xmlns:p15="http://schemas.microsoft.com/office/powerpoint/2012/main" xmlns:mc="http://schemas.openxmlformats.org/markup-compatibility/2006" type="twoObjOverTx" preserve="1">
+  <p:cSld name="Title, 2 Content over Content">
+    <p:spTree>
+      <p:nvGrpSpPr>
+        <p:cNvPr id="1" name=""/>
+        <p:cNvGrpSpPr/>
+        <p:nvPr/>
+      </p:nvGrpSpPr>
+      <p:grpSpPr>
+        <a:xfrm>
+          <a:off x="0" y="0"/>
+          <a:ext cx="0" cy="0"/>
+          <a:chOff x="0" y="0"/>
+          <a:chExt cx="0" cy="0"/>
+        </a:xfrm>
+      </p:grpSpPr>
+      <p:sp>
+        <p:nvSpPr>
+          <p:cNvPr id="59" name="PlaceHolder 1"/>
+          <p:cNvSpPr>
+            <a:spLocks noGrp="1"/>
+          </p:cNvSpPr>
+          <p:nvPr>
+            <p:ph type="title"/>
+          </p:nvPr>
+        </p:nvSpPr>
+        <p:spPr>
+          <a:xfrm>
+            <a:off x="1620000" y="216000"/>
+            <a:ext cx="8099640" cy="935640"/>
+          </a:xfrm>
+          <a:prstGeom prst="rect">
+            <a:avLst/>
+          </a:prstGeom>
+        </p:spPr>
+        <p:txBody>
+          <a:bodyPr lIns="0" rIns="0" tIns="0" bIns="0" anchor="ctr"/>
+          <a:p>
+            <a:pPr algn="ctr"/>
+            <a:endParaRPr b="0" lang="en-US" sz="4400" spc="-1" strike="noStrike">
+              <a:latin typeface="Arial"/>
+            </a:endParaRPr>
+          </a:p>
+        </p:txBody>
+      </p:sp>
+      <p:sp>
+        <p:nvSpPr>
+          <p:cNvPr id="60" name="PlaceHolder 2"/>
+          <p:cNvSpPr>
+            <a:spLocks noGrp="1"/>
+          </p:cNvSpPr>
+          <p:nvPr>
+            <p:ph type="body"/>
+          </p:nvPr>
+        </p:nvSpPr>
+        <p:spPr>
+          <a:xfrm>
+            <a:off x="504000" y="1326600"/>
+            <a:ext cx="4426920" cy="1568520"/>
+          </a:xfrm>
+          <a:prstGeom prst="rect">
+            <a:avLst/>
+          </a:prstGeom>
+        </p:spPr>
+        <p:txBody>
+          <a:bodyPr lIns="0" rIns="0" tIns="0" bIns="0">
+            <a:normAutofit/>
+          </a:bodyPr>
+          <a:p>
+            <a:endParaRPr b="0" lang="en-US" sz="3200" spc="-1" strike="noStrike">
+              <a:latin typeface="Arial"/>
+            </a:endParaRPr>
+          </a:p>
+        </p:txBody>
+      </p:sp>
+      <p:sp>
+        <p:nvSpPr>
+          <p:cNvPr id="61" name="PlaceHolder 3"/>
+          <p:cNvSpPr>
+            <a:spLocks noGrp="1"/>
+          </p:cNvSpPr>
+          <p:nvPr>
+            <p:ph type="body"/>
+          </p:nvPr>
+        </p:nvSpPr>
+        <p:spPr>
+          <a:xfrm>
+            <a:off x="5152680" y="1326600"/>
+            <a:ext cx="4426920" cy="1568520"/>
+          </a:xfrm>
+          <a:prstGeom prst="rect">
+            <a:avLst/>
+          </a:prstGeom>
+        </p:spPr>
+        <p:txBody>
+          <a:bodyPr lIns="0" rIns="0" tIns="0" bIns="0">
+            <a:normAutofit/>
+          </a:bodyPr>
+          <a:p>
+            <a:endParaRPr b="0" lang="en-US" sz="3200" spc="-1" strike="noStrike">
+              <a:latin typeface="Arial"/>
+            </a:endParaRPr>
+          </a:p>
+        </p:txBody>
+      </p:sp>
+      <p:sp>
+        <p:nvSpPr>
+          <p:cNvPr id="62" name="PlaceHolder 4"/>
+          <p:cNvSpPr>
+            <a:spLocks noGrp="1"/>
+          </p:cNvSpPr>
+          <p:nvPr>
+            <p:ph type="body"/>
+          </p:nvPr>
+        </p:nvSpPr>
+        <p:spPr>
+          <a:xfrm>
+            <a:off x="504000" y="3044520"/>
+            <a:ext cx="9072000" cy="1568520"/>
+          </a:xfrm>
+          <a:prstGeom prst="rect">
+            <a:avLst/>
+          </a:prstGeom>
+        </p:spPr>
+        <p:txBody>
+          <a:bodyPr lIns="0" rIns="0" tIns="0" bIns="0">
+            <a:normAutofit/>
+          </a:bodyPr>
+          <a:p>
+            <a:endParaRPr b="0" lang="en-US" sz="3200" spc="-1" strike="noStrike">
+              <a:latin typeface="Arial"/>
+            </a:endParaRPr>
+          </a:p>
+        </p:txBody>
+      </p:sp>
+    </p:spTree>
+  </p:cSld>
+</p:sldLayout>
+</file>
+
+<file path=ppt/slideLayouts/slideLayout22.xml><?xml version="1.0" encoding="utf-8"?>
+<p:sldLayout xmlns:a="http://schemas.openxmlformats.org/drawingml/2006/main" xmlns:p="http://schemas.openxmlformats.org/presentationml/2006/main" xmlns:r="http://schemas.openxmlformats.org/officeDocument/2006/relationships" xmlns:p14="http://schemas.microsoft.com/office/powerpoint/2010/main" xmlns:p15="http://schemas.microsoft.com/office/powerpoint/2012/main" xmlns:mc="http://schemas.openxmlformats.org/markup-compatibility/2006" type="objOverTx" preserve="1">
+  <p:cSld name="Title, Content over Content">
+    <p:spTree>
+      <p:nvGrpSpPr>
+        <p:cNvPr id="1" name=""/>
+        <p:cNvGrpSpPr/>
+        <p:nvPr/>
+      </p:nvGrpSpPr>
+      <p:grpSpPr>
+        <a:xfrm>
+          <a:off x="0" y="0"/>
+          <a:ext cx="0" cy="0"/>
+          <a:chOff x="0" y="0"/>
+          <a:chExt cx="0" cy="0"/>
+        </a:xfrm>
+      </p:grpSpPr>
+      <p:sp>
+        <p:nvSpPr>
+          <p:cNvPr id="63" name="PlaceHolder 1"/>
+          <p:cNvSpPr>
+            <a:spLocks noGrp="1"/>
+          </p:cNvSpPr>
+          <p:nvPr>
+            <p:ph type="title"/>
+          </p:nvPr>
+        </p:nvSpPr>
+        <p:spPr>
+          <a:xfrm>
+            <a:off x="1620000" y="216000"/>
+            <a:ext cx="8099640" cy="935640"/>
+          </a:xfrm>
+          <a:prstGeom prst="rect">
+            <a:avLst/>
+          </a:prstGeom>
+        </p:spPr>
+        <p:txBody>
+          <a:bodyPr lIns="0" rIns="0" tIns="0" bIns="0" anchor="ctr"/>
+          <a:p>
+            <a:pPr algn="ctr"/>
+            <a:endParaRPr b="0" lang="en-US" sz="4400" spc="-1" strike="noStrike">
+              <a:latin typeface="Arial"/>
+            </a:endParaRPr>
+          </a:p>
+        </p:txBody>
+      </p:sp>
+      <p:sp>
+        <p:nvSpPr>
+          <p:cNvPr id="64" name="PlaceHolder 2"/>
+          <p:cNvSpPr>
+            <a:spLocks noGrp="1"/>
+          </p:cNvSpPr>
+          <p:nvPr>
+            <p:ph type="body"/>
+          </p:nvPr>
+        </p:nvSpPr>
+        <p:spPr>
+          <a:xfrm>
+            <a:off x="504000" y="1326600"/>
+            <a:ext cx="9072000" cy="1568520"/>
+          </a:xfrm>
+          <a:prstGeom prst="rect">
+            <a:avLst/>
+          </a:prstGeom>
+        </p:spPr>
+        <p:txBody>
+          <a:bodyPr lIns="0" rIns="0" tIns="0" bIns="0">
+            <a:normAutofit/>
+          </a:bodyPr>
+          <a:p>
+            <a:endParaRPr b="0" lang="en-US" sz="3200" spc="-1" strike="noStrike">
+              <a:latin typeface="Arial"/>
+            </a:endParaRPr>
+          </a:p>
+        </p:txBody>
+      </p:sp>
+      <p:sp>
+        <p:nvSpPr>
+          <p:cNvPr id="65" name="PlaceHolder 3"/>
+          <p:cNvSpPr>
+            <a:spLocks noGrp="1"/>
+          </p:cNvSpPr>
+          <p:nvPr>
+            <p:ph type="body"/>
+          </p:nvPr>
+        </p:nvSpPr>
+        <p:spPr>
+          <a:xfrm>
+            <a:off x="504000" y="3044520"/>
+            <a:ext cx="9072000" cy="1568520"/>
+          </a:xfrm>
+          <a:prstGeom prst="rect">
+            <a:avLst/>
+          </a:prstGeom>
+        </p:spPr>
+        <p:txBody>
+          <a:bodyPr lIns="0" rIns="0" tIns="0" bIns="0">
+            <a:normAutofit/>
+          </a:bodyPr>
+          <a:p>
+            <a:endParaRPr b="0" lang="en-US" sz="3200" spc="-1" strike="noStrike">
+              <a:latin typeface="Arial"/>
+            </a:endParaRPr>
+          </a:p>
+        </p:txBody>
+      </p:sp>
+    </p:spTree>
+  </p:cSld>
+</p:sldLayout>
+</file>
+
+<file path=ppt/slideLayouts/slideLayout23.xml><?xml version="1.0" encoding="utf-8"?>
+<p:sldLayout xmlns:a="http://schemas.openxmlformats.org/drawingml/2006/main" xmlns:p="http://schemas.openxmlformats.org/presentationml/2006/main" xmlns:r="http://schemas.openxmlformats.org/officeDocument/2006/relationships" xmlns:p14="http://schemas.microsoft.com/office/powerpoint/2010/main" xmlns:p15="http://schemas.microsoft.com/office/powerpoint/2012/main" xmlns:mc="http://schemas.openxmlformats.org/markup-compatibility/2006" type="fourObj" preserve="1">
+  <p:cSld name="Title, 4 Content">
+    <p:spTree>
+      <p:nvGrpSpPr>
+        <p:cNvPr id="1" name=""/>
+        <p:cNvGrpSpPr/>
+        <p:nvPr/>
+      </p:nvGrpSpPr>
+      <p:grpSpPr>
+        <a:xfrm>
+          <a:off x="0" y="0"/>
+          <a:ext cx="0" cy="0"/>
+          <a:chOff x="0" y="0"/>
+          <a:chExt cx="0" cy="0"/>
+        </a:xfrm>
+      </p:grpSpPr>
+      <p:sp>
+        <p:nvSpPr>
+          <p:cNvPr id="66" name="PlaceHolder 1"/>
+          <p:cNvSpPr>
+            <a:spLocks noGrp="1"/>
+          </p:cNvSpPr>
+          <p:nvPr>
+            <p:ph type="title"/>
+          </p:nvPr>
+        </p:nvSpPr>
+        <p:spPr>
+          <a:xfrm>
+            <a:off x="1620000" y="216000"/>
+            <a:ext cx="8099640" cy="935640"/>
+          </a:xfrm>
+          <a:prstGeom prst="rect">
+            <a:avLst/>
+          </a:prstGeom>
+        </p:spPr>
+        <p:txBody>
+          <a:bodyPr lIns="0" rIns="0" tIns="0" bIns="0" anchor="ctr"/>
+          <a:p>
+            <a:pPr algn="ctr"/>
+            <a:endParaRPr b="0" lang="en-US" sz="4400" spc="-1" strike="noStrike">
+              <a:latin typeface="Arial"/>
+            </a:endParaRPr>
+          </a:p>
+        </p:txBody>
+      </p:sp>
+      <p:sp>
+        <p:nvSpPr>
+          <p:cNvPr id="67" name="PlaceHolder 2"/>
+          <p:cNvSpPr>
+            <a:spLocks noGrp="1"/>
+          </p:cNvSpPr>
+          <p:nvPr>
+            <p:ph type="body"/>
+          </p:nvPr>
+        </p:nvSpPr>
+        <p:spPr>
+          <a:xfrm>
+            <a:off x="504000" y="1326600"/>
+            <a:ext cx="4426920" cy="1568520"/>
+          </a:xfrm>
+          <a:prstGeom prst="rect">
+            <a:avLst/>
+          </a:prstGeom>
+        </p:spPr>
+        <p:txBody>
+          <a:bodyPr lIns="0" rIns="0" tIns="0" bIns="0">
+            <a:normAutofit/>
+          </a:bodyPr>
+          <a:p>
+            <a:endParaRPr b="0" lang="en-US" sz="3200" spc="-1" strike="noStrike">
+              <a:latin typeface="Arial"/>
+            </a:endParaRPr>
+          </a:p>
+        </p:txBody>
+      </p:sp>
+      <p:sp>
+        <p:nvSpPr>
+          <p:cNvPr id="68" name="PlaceHolder 3"/>
+          <p:cNvSpPr>
+            <a:spLocks noGrp="1"/>
+          </p:cNvSpPr>
+          <p:nvPr>
+            <p:ph type="body"/>
+          </p:nvPr>
+        </p:nvSpPr>
+        <p:spPr>
+          <a:xfrm>
+            <a:off x="5152680" y="1326600"/>
+            <a:ext cx="4426920" cy="1568520"/>
+          </a:xfrm>
+          <a:prstGeom prst="rect">
+            <a:avLst/>
+          </a:prstGeom>
+        </p:spPr>
+        <p:txBody>
+          <a:bodyPr lIns="0" rIns="0" tIns="0" bIns="0">
+            <a:normAutofit/>
+          </a:bodyPr>
+          <a:p>
+            <a:endParaRPr b="0" lang="en-US" sz="3200" spc="-1" strike="noStrike">
+              <a:latin typeface="Arial"/>
+            </a:endParaRPr>
+          </a:p>
+        </p:txBody>
+      </p:sp>
+      <p:sp>
+        <p:nvSpPr>
+          <p:cNvPr id="69" name="PlaceHolder 4"/>
+          <p:cNvSpPr>
+            <a:spLocks noGrp="1"/>
+          </p:cNvSpPr>
+          <p:nvPr>
+            <p:ph type="body"/>
+          </p:nvPr>
+        </p:nvSpPr>
+        <p:spPr>
+          <a:xfrm>
+            <a:off x="504000" y="3044520"/>
+            <a:ext cx="4426920" cy="1568520"/>
+          </a:xfrm>
+          <a:prstGeom prst="rect">
+            <a:avLst/>
+          </a:prstGeom>
+        </p:spPr>
+        <p:txBody>
+          <a:bodyPr lIns="0" rIns="0" tIns="0" bIns="0">
+            <a:normAutofit/>
+          </a:bodyPr>
+          <a:p>
+            <a:endParaRPr b="0" lang="en-US" sz="3200" spc="-1" strike="noStrike">
+              <a:latin typeface="Arial"/>
+            </a:endParaRPr>
+          </a:p>
+        </p:txBody>
+      </p:sp>
+      <p:sp>
+        <p:nvSpPr>
+          <p:cNvPr id="70" name="PlaceHolder 5"/>
+          <p:cNvSpPr>
+            <a:spLocks noGrp="1"/>
+          </p:cNvSpPr>
+          <p:nvPr>
+            <p:ph type="body"/>
+          </p:nvPr>
+        </p:nvSpPr>
+        <p:spPr>
+          <a:xfrm>
+            <a:off x="5152680" y="3044520"/>
+            <a:ext cx="4426920" cy="1568520"/>
+          </a:xfrm>
+          <a:prstGeom prst="rect">
+            <a:avLst/>
+          </a:prstGeom>
+        </p:spPr>
+        <p:txBody>
+          <a:bodyPr lIns="0" rIns="0" tIns="0" bIns="0">
+            <a:normAutofit/>
+          </a:bodyPr>
+          <a:p>
+            <a:endParaRPr b="0" lang="en-US" sz="3200" spc="-1" strike="noStrike">
+              <a:latin typeface="Arial"/>
+            </a:endParaRPr>
+          </a:p>
+        </p:txBody>
+      </p:sp>
+    </p:spTree>
+  </p:cSld>
+</p:sldLayout>
+</file>
+
+<file path=ppt/slideLayouts/slideLayout24.xml><?xml version="1.0" encoding="utf-8"?>
+<p:sldLayout xmlns:a="http://schemas.openxmlformats.org/drawingml/2006/main" xmlns:p="http://schemas.openxmlformats.org/presentationml/2006/main" xmlns:r="http://schemas.openxmlformats.org/officeDocument/2006/relationships" xmlns:p14="http://schemas.microsoft.com/office/powerpoint/2010/main" xmlns:p15="http://schemas.microsoft.com/office/powerpoint/2012/main" xmlns:mc="http://schemas.openxmlformats.org/markup-compatibility/2006" type="blank" preserve="1">
+  <p:cSld name="Title, 6 Content">
+    <p:spTree>
+      <p:nvGrpSpPr>
+        <p:cNvPr id="1" name=""/>
+        <p:cNvGrpSpPr/>
+        <p:nvPr/>
+      </p:nvGrpSpPr>
+      <p:grpSpPr>
+        <a:xfrm>
+          <a:off x="0" y="0"/>
+          <a:ext cx="0" cy="0"/>
+          <a:chOff x="0" y="0"/>
+          <a:chExt cx="0" cy="0"/>
+        </a:xfrm>
+      </p:grpSpPr>
+      <p:sp>
+        <p:nvSpPr>
+          <p:cNvPr id="71" name="PlaceHolder 1"/>
+          <p:cNvSpPr>
+            <a:spLocks noGrp="1"/>
+          </p:cNvSpPr>
+          <p:nvPr>
+            <p:ph type="title"/>
+          </p:nvPr>
+        </p:nvSpPr>
+        <p:spPr>
+          <a:xfrm>
+            <a:off x="1620000" y="216000"/>
+            <a:ext cx="8099640" cy="935640"/>
+          </a:xfrm>
+          <a:prstGeom prst="rect">
+            <a:avLst/>
+          </a:prstGeom>
+        </p:spPr>
+        <p:txBody>
+          <a:bodyPr lIns="0" rIns="0" tIns="0" bIns="0" anchor="ctr"/>
+          <a:p>
+            <a:pPr algn="ctr"/>
+            <a:endParaRPr b="0" lang="en-US" sz="4400" spc="-1" strike="noStrike">
+              <a:latin typeface="Arial"/>
+            </a:endParaRPr>
+          </a:p>
+        </p:txBody>
+      </p:sp>
+      <p:sp>
+        <p:nvSpPr>
+          <p:cNvPr id="72" name="PlaceHolder 2"/>
+          <p:cNvSpPr>
+            <a:spLocks noGrp="1"/>
+          </p:cNvSpPr>
+          <p:nvPr>
+            <p:ph type="body"/>
+          </p:nvPr>
+        </p:nvSpPr>
+        <p:spPr>
+          <a:xfrm>
+            <a:off x="504000" y="1326600"/>
+            <a:ext cx="2921040" cy="1568520"/>
+          </a:xfrm>
+          <a:prstGeom prst="rect">
+            <a:avLst/>
+          </a:prstGeom>
+        </p:spPr>
+        <p:txBody>
+          <a:bodyPr lIns="0" rIns="0" tIns="0" bIns="0">
+            <a:normAutofit/>
+          </a:bodyPr>
+          <a:p>
+            <a:endParaRPr b="0" lang="en-US" sz="3200" spc="-1" strike="noStrike">
+              <a:latin typeface="Arial"/>
+            </a:endParaRPr>
+          </a:p>
+        </p:txBody>
+      </p:sp>
+      <p:sp>
+        <p:nvSpPr>
+          <p:cNvPr id="73" name="PlaceHolder 3"/>
+          <p:cNvSpPr>
+            <a:spLocks noGrp="1"/>
+          </p:cNvSpPr>
+          <p:nvPr>
+            <p:ph type="body"/>
+          </p:nvPr>
+        </p:nvSpPr>
+        <p:spPr>
+          <a:xfrm>
+            <a:off x="3571560" y="1326600"/>
+            <a:ext cx="2921040" cy="1568520"/>
+          </a:xfrm>
+          <a:prstGeom prst="rect">
+            <a:avLst/>
+          </a:prstGeom>
+        </p:spPr>
+        <p:txBody>
+          <a:bodyPr lIns="0" rIns="0" tIns="0" bIns="0">
+            <a:normAutofit/>
+          </a:bodyPr>
+          <a:p>
+            <a:endParaRPr b="0" lang="en-US" sz="3200" spc="-1" strike="noStrike">
+              <a:latin typeface="Arial"/>
+            </a:endParaRPr>
+          </a:p>
+        </p:txBody>
+      </p:sp>
+      <p:sp>
+        <p:nvSpPr>
+          <p:cNvPr id="74" name="PlaceHolder 4"/>
+          <p:cNvSpPr>
+            <a:spLocks noGrp="1"/>
+          </p:cNvSpPr>
+          <p:nvPr>
+            <p:ph type="body"/>
+          </p:nvPr>
+        </p:nvSpPr>
+        <p:spPr>
+          <a:xfrm>
+            <a:off x="6639120" y="1326600"/>
+            <a:ext cx="2921040" cy="1568520"/>
+          </a:xfrm>
+          <a:prstGeom prst="rect">
+            <a:avLst/>
+          </a:prstGeom>
+        </p:spPr>
+        <p:txBody>
+          <a:bodyPr lIns="0" rIns="0" tIns="0" bIns="0">
+            <a:normAutofit/>
+          </a:bodyPr>
+          <a:p>
+            <a:endParaRPr b="0" lang="en-US" sz="3200" spc="-1" strike="noStrike">
+              <a:latin typeface="Arial"/>
+            </a:endParaRPr>
+          </a:p>
+        </p:txBody>
+      </p:sp>
+      <p:sp>
+        <p:nvSpPr>
+          <p:cNvPr id="75" name="PlaceHolder 5"/>
+          <p:cNvSpPr>
+            <a:spLocks noGrp="1"/>
+          </p:cNvSpPr>
+          <p:nvPr>
+            <p:ph type="body"/>
+          </p:nvPr>
+        </p:nvSpPr>
+        <p:spPr>
+          <a:xfrm>
+            <a:off x="504000" y="3044520"/>
+            <a:ext cx="2921040" cy="1568520"/>
+          </a:xfrm>
+          <a:prstGeom prst="rect">
+            <a:avLst/>
+          </a:prstGeom>
+        </p:spPr>
+        <p:txBody>
+          <a:bodyPr lIns="0" rIns="0" tIns="0" bIns="0">
+            <a:normAutofit/>
+          </a:bodyPr>
+          <a:p>
+            <a:endParaRPr b="0" lang="en-US" sz="3200" spc="-1" strike="noStrike">
+              <a:latin typeface="Arial"/>
+            </a:endParaRPr>
+          </a:p>
+        </p:txBody>
+      </p:sp>
+      <p:sp>
+        <p:nvSpPr>
+          <p:cNvPr id="76" name="PlaceHolder 6"/>
+          <p:cNvSpPr>
+            <a:spLocks noGrp="1"/>
+          </p:cNvSpPr>
+          <p:nvPr>
+            <p:ph type="body"/>
+          </p:nvPr>
+        </p:nvSpPr>
+        <p:spPr>
+          <a:xfrm>
+            <a:off x="3571560" y="3044520"/>
+            <a:ext cx="2921040" cy="1568520"/>
+          </a:xfrm>
+          <a:prstGeom prst="rect">
+            <a:avLst/>
+          </a:prstGeom>
+        </p:spPr>
+        <p:txBody>
+          <a:bodyPr lIns="0" rIns="0" tIns="0" bIns="0">
+            <a:normAutofit/>
+          </a:bodyPr>
+          <a:p>
+            <a:endParaRPr b="0" lang="en-US" sz="3200" spc="-1" strike="noStrike">
+              <a:latin typeface="Arial"/>
+            </a:endParaRPr>
+          </a:p>
+        </p:txBody>
+      </p:sp>
+      <p:sp>
+        <p:nvSpPr>
+          <p:cNvPr id="77" name="PlaceHolder 7"/>
+          <p:cNvSpPr>
+            <a:spLocks noGrp="1"/>
+          </p:cNvSpPr>
+          <p:nvPr>
+            <p:ph type="body"/>
+          </p:nvPr>
+        </p:nvSpPr>
+        <p:spPr>
+          <a:xfrm>
+            <a:off x="6639120" y="3044520"/>
+            <a:ext cx="2921040" cy="1568520"/>
+          </a:xfrm>
+          <a:prstGeom prst="rect">
+            <a:avLst/>
+          </a:prstGeom>
+        </p:spPr>
+        <p:txBody>
+          <a:bodyPr lIns="0" rIns="0" tIns="0" bIns="0">
+            <a:normAutofit/>
+          </a:bodyPr>
+          <a:p>
+            <a:endParaRPr b="0" lang="en-US" sz="3200" spc="-1" strike="noStrike">
+              <a:latin typeface="Arial"/>
             </a:endParaRPr>
           </a:p>
         </p:txBody>
@@ -717,7 +1994,7 @@
       </p:grpSpPr>
       <p:sp>
         <p:nvSpPr>
-          <p:cNvPr id="8" name="PlaceHolder 1"/>
+          <p:cNvPr id="5" name="PlaceHolder 1"/>
           <p:cNvSpPr>
             <a:spLocks noGrp="1"/>
           </p:cNvSpPr>
@@ -728,30 +2005,25 @@
         <p:spPr>
           <a:xfrm>
             <a:off x="1620000" y="216000"/>
-            <a:ext cx="8100000" cy="936000"/>
-          </a:xfrm>
-          <a:prstGeom prst="rect">
-            <a:avLst/>
-          </a:prstGeom>
-        </p:spPr>
-        <p:txBody>
-          <a:bodyPr lIns="0" rIns="0" tIns="0" bIns="0" anchor="ctr">
-            <a:normAutofit/>
-          </a:bodyPr>
+            <a:ext cx="8099640" cy="935640"/>
+          </a:xfrm>
+          <a:prstGeom prst="rect">
+            <a:avLst/>
+          </a:prstGeom>
+        </p:spPr>
+        <p:txBody>
+          <a:bodyPr lIns="0" rIns="0" tIns="0" bIns="0" anchor="ctr"/>
           <a:p>
             <a:pPr algn="ctr"/>
-            <a:endParaRPr b="0" lang="en-US" sz="3300" spc="-1" strike="noStrike">
-              <a:solidFill>
-                <a:srgbClr val="050505"/>
-              </a:solidFill>
-              <a:latin typeface="Times New Roman"/>
-            </a:endParaRPr>
-          </a:p>
-        </p:txBody>
-      </p:sp>
-      <p:sp>
-        <p:nvSpPr>
-          <p:cNvPr id="9" name="PlaceHolder 2"/>
+            <a:endParaRPr b="0" lang="en-US" sz="4400" spc="-1" strike="noStrike">
+              <a:latin typeface="Arial"/>
+            </a:endParaRPr>
+          </a:p>
+        </p:txBody>
+      </p:sp>
+      <p:sp>
+        <p:nvSpPr>
+          <p:cNvPr id="6" name="PlaceHolder 2"/>
           <p:cNvSpPr>
             <a:spLocks noGrp="1"/>
           </p:cNvSpPr>
@@ -761,8 +2033,8 @@
         </p:nvSpPr>
         <p:spPr>
           <a:xfrm>
-            <a:off x="1620000" y="1368000"/>
-            <a:ext cx="8100000" cy="3288240"/>
+            <a:off x="504000" y="1326600"/>
+            <a:ext cx="9072000" cy="3288600"/>
           </a:xfrm>
           <a:prstGeom prst="rect">
             <a:avLst/>
@@ -773,10 +2045,7 @@
             <a:normAutofit/>
           </a:bodyPr>
           <a:p>
-            <a:endParaRPr b="0" lang="en-US" sz="2400" spc="-1" strike="noStrike">
-              <a:solidFill>
-                <a:srgbClr val="050505"/>
-              </a:solidFill>
+            <a:endParaRPr b="0" lang="en-US" sz="3200" spc="-1" strike="noStrike">
               <a:latin typeface="Arial"/>
             </a:endParaRPr>
           </a:p>
@@ -806,7 +2075,7 @@
       </p:grpSpPr>
       <p:sp>
         <p:nvSpPr>
-          <p:cNvPr id="10" name="PlaceHolder 1"/>
+          <p:cNvPr id="7" name="PlaceHolder 1"/>
           <p:cNvSpPr>
             <a:spLocks noGrp="1"/>
           </p:cNvSpPr>
@@ -817,30 +2086,25 @@
         <p:spPr>
           <a:xfrm>
             <a:off x="1620000" y="216000"/>
-            <a:ext cx="8100000" cy="936000"/>
-          </a:xfrm>
-          <a:prstGeom prst="rect">
-            <a:avLst/>
-          </a:prstGeom>
-        </p:spPr>
-        <p:txBody>
-          <a:bodyPr lIns="0" rIns="0" tIns="0" bIns="0" anchor="ctr">
-            <a:normAutofit/>
-          </a:bodyPr>
+            <a:ext cx="8099640" cy="935640"/>
+          </a:xfrm>
+          <a:prstGeom prst="rect">
+            <a:avLst/>
+          </a:prstGeom>
+        </p:spPr>
+        <p:txBody>
+          <a:bodyPr lIns="0" rIns="0" tIns="0" bIns="0" anchor="ctr"/>
           <a:p>
             <a:pPr algn="ctr"/>
-            <a:endParaRPr b="0" lang="en-US" sz="3300" spc="-1" strike="noStrike">
-              <a:solidFill>
-                <a:srgbClr val="050505"/>
-              </a:solidFill>
-              <a:latin typeface="Times New Roman"/>
-            </a:endParaRPr>
-          </a:p>
-        </p:txBody>
-      </p:sp>
-      <p:sp>
-        <p:nvSpPr>
-          <p:cNvPr id="11" name="PlaceHolder 2"/>
+            <a:endParaRPr b="0" lang="en-US" sz="4400" spc="-1" strike="noStrike">
+              <a:latin typeface="Arial"/>
+            </a:endParaRPr>
+          </a:p>
+        </p:txBody>
+      </p:sp>
+      <p:sp>
+        <p:nvSpPr>
+          <p:cNvPr id="8" name="PlaceHolder 2"/>
           <p:cNvSpPr>
             <a:spLocks noGrp="1"/>
           </p:cNvSpPr>
@@ -850,8 +2114,8 @@
         </p:nvSpPr>
         <p:spPr>
           <a:xfrm>
-            <a:off x="1620000" y="1368000"/>
-            <a:ext cx="3952440" cy="3288240"/>
+            <a:off x="504000" y="1326600"/>
+            <a:ext cx="4426920" cy="3288600"/>
           </a:xfrm>
           <a:prstGeom prst="rect">
             <a:avLst/>
@@ -862,18 +2126,15 @@
             <a:normAutofit/>
           </a:bodyPr>
           <a:p>
-            <a:endParaRPr b="0" lang="en-US" sz="2400" spc="-1" strike="noStrike">
-              <a:solidFill>
-                <a:srgbClr val="050505"/>
-              </a:solidFill>
-              <a:latin typeface="Arial"/>
-            </a:endParaRPr>
-          </a:p>
-        </p:txBody>
-      </p:sp>
-      <p:sp>
-        <p:nvSpPr>
-          <p:cNvPr id="12" name="PlaceHolder 3"/>
+            <a:endParaRPr b="0" lang="en-US" sz="3200" spc="-1" strike="noStrike">
+              <a:latin typeface="Arial"/>
+            </a:endParaRPr>
+          </a:p>
+        </p:txBody>
+      </p:sp>
+      <p:sp>
+        <p:nvSpPr>
+          <p:cNvPr id="9" name="PlaceHolder 3"/>
           <p:cNvSpPr>
             <a:spLocks noGrp="1"/>
           </p:cNvSpPr>
@@ -883,8 +2144,8 @@
         </p:nvSpPr>
         <p:spPr>
           <a:xfrm>
-            <a:off x="5770440" y="1368000"/>
-            <a:ext cx="3952440" cy="3288240"/>
+            <a:off x="5152680" y="1326600"/>
+            <a:ext cx="4426920" cy="3288600"/>
           </a:xfrm>
           <a:prstGeom prst="rect">
             <a:avLst/>
@@ -895,10 +2156,7 @@
             <a:normAutofit/>
           </a:bodyPr>
           <a:p>
-            <a:endParaRPr b="0" lang="en-US" sz="2400" spc="-1" strike="noStrike">
-              <a:solidFill>
-                <a:srgbClr val="050505"/>
-              </a:solidFill>
+            <a:endParaRPr b="0" lang="en-US" sz="3200" spc="-1" strike="noStrike">
               <a:latin typeface="Arial"/>
             </a:endParaRPr>
           </a:p>
@@ -928,7 +2186,7 @@
       </p:grpSpPr>
       <p:sp>
         <p:nvSpPr>
-          <p:cNvPr id="13" name="PlaceHolder 1"/>
+          <p:cNvPr id="10" name="PlaceHolder 1"/>
           <p:cNvSpPr>
             <a:spLocks noGrp="1"/>
           </p:cNvSpPr>
@@ -939,23 +2197,18 @@
         <p:spPr>
           <a:xfrm>
             <a:off x="1620000" y="216000"/>
-            <a:ext cx="8100000" cy="936000"/>
-          </a:xfrm>
-          <a:prstGeom prst="rect">
-            <a:avLst/>
-          </a:prstGeom>
-        </p:spPr>
-        <p:txBody>
-          <a:bodyPr lIns="0" rIns="0" tIns="0" bIns="0" anchor="ctr">
-            <a:normAutofit/>
-          </a:bodyPr>
+            <a:ext cx="8099640" cy="935640"/>
+          </a:xfrm>
+          <a:prstGeom prst="rect">
+            <a:avLst/>
+          </a:prstGeom>
+        </p:spPr>
+        <p:txBody>
+          <a:bodyPr lIns="0" rIns="0" tIns="0" bIns="0" anchor="ctr"/>
           <a:p>
             <a:pPr algn="ctr"/>
-            <a:endParaRPr b="0" lang="en-US" sz="3300" spc="-1" strike="noStrike">
-              <a:solidFill>
-                <a:srgbClr val="050505"/>
-              </a:solidFill>
-              <a:latin typeface="Times New Roman"/>
+            <a:endParaRPr b="0" lang="en-US" sz="4400" spc="-1" strike="noStrike">
+              <a:latin typeface="Arial"/>
             </a:endParaRPr>
           </a:p>
         </p:txBody>
@@ -984,7 +2237,7 @@
       </p:grpSpPr>
       <p:sp>
         <p:nvSpPr>
-          <p:cNvPr id="14" name="PlaceHolder 1"/>
+          <p:cNvPr id="11" name="PlaceHolder 1"/>
           <p:cNvSpPr>
             <a:spLocks noGrp="1"/>
           </p:cNvSpPr>
@@ -995,7 +2248,7 @@
         <p:spPr>
           <a:xfrm>
             <a:off x="1620000" y="216000"/>
-            <a:ext cx="8100000" cy="4340160"/>
+            <a:ext cx="8099640" cy="4338360"/>
           </a:xfrm>
           <a:prstGeom prst="rect">
             <a:avLst/>
@@ -1006,7 +2259,7 @@
           <a:p>
             <a:pPr algn="ctr"/>
             <a:endParaRPr b="0" lang="en-US" sz="3200" spc="-1" strike="noStrike">
-              <a:latin typeface="Times New Roman"/>
+              <a:latin typeface="Arial"/>
             </a:endParaRPr>
           </a:p>
         </p:txBody>
@@ -1035,7 +2288,7 @@
       </p:grpSpPr>
       <p:sp>
         <p:nvSpPr>
-          <p:cNvPr id="15" name="PlaceHolder 1"/>
+          <p:cNvPr id="12" name="PlaceHolder 1"/>
           <p:cNvSpPr>
             <a:spLocks noGrp="1"/>
           </p:cNvSpPr>
@@ -1046,30 +2299,25 @@
         <p:spPr>
           <a:xfrm>
             <a:off x="1620000" y="216000"/>
-            <a:ext cx="8100000" cy="936000"/>
-          </a:xfrm>
-          <a:prstGeom prst="rect">
-            <a:avLst/>
-          </a:prstGeom>
-        </p:spPr>
-        <p:txBody>
-          <a:bodyPr lIns="0" rIns="0" tIns="0" bIns="0" anchor="ctr">
-            <a:normAutofit/>
-          </a:bodyPr>
+            <a:ext cx="8099640" cy="935640"/>
+          </a:xfrm>
+          <a:prstGeom prst="rect">
+            <a:avLst/>
+          </a:prstGeom>
+        </p:spPr>
+        <p:txBody>
+          <a:bodyPr lIns="0" rIns="0" tIns="0" bIns="0" anchor="ctr"/>
           <a:p>
             <a:pPr algn="ctr"/>
-            <a:endParaRPr b="0" lang="en-US" sz="3300" spc="-1" strike="noStrike">
-              <a:solidFill>
-                <a:srgbClr val="050505"/>
-              </a:solidFill>
-              <a:latin typeface="Times New Roman"/>
-            </a:endParaRPr>
-          </a:p>
-        </p:txBody>
-      </p:sp>
-      <p:sp>
-        <p:nvSpPr>
-          <p:cNvPr id="16" name="PlaceHolder 2"/>
+            <a:endParaRPr b="0" lang="en-US" sz="4400" spc="-1" strike="noStrike">
+              <a:latin typeface="Arial"/>
+            </a:endParaRPr>
+          </a:p>
+        </p:txBody>
+      </p:sp>
+      <p:sp>
+        <p:nvSpPr>
+          <p:cNvPr id="13" name="PlaceHolder 2"/>
           <p:cNvSpPr>
             <a:spLocks noGrp="1"/>
           </p:cNvSpPr>
@@ -1079,8 +2327,8 @@
         </p:nvSpPr>
         <p:spPr>
           <a:xfrm>
-            <a:off x="1620000" y="1368000"/>
-            <a:ext cx="3952440" cy="1568160"/>
+            <a:off x="504000" y="1326600"/>
+            <a:ext cx="4426920" cy="1568520"/>
           </a:xfrm>
           <a:prstGeom prst="rect">
             <a:avLst/>
@@ -1091,18 +2339,15 @@
             <a:normAutofit/>
           </a:bodyPr>
           <a:p>
-            <a:endParaRPr b="0" lang="en-US" sz="2400" spc="-1" strike="noStrike">
-              <a:solidFill>
-                <a:srgbClr val="050505"/>
-              </a:solidFill>
-              <a:latin typeface="Arial"/>
-            </a:endParaRPr>
-          </a:p>
-        </p:txBody>
-      </p:sp>
-      <p:sp>
-        <p:nvSpPr>
-          <p:cNvPr id="17" name="PlaceHolder 3"/>
+            <a:endParaRPr b="0" lang="en-US" sz="3200" spc="-1" strike="noStrike">
+              <a:latin typeface="Arial"/>
+            </a:endParaRPr>
+          </a:p>
+        </p:txBody>
+      </p:sp>
+      <p:sp>
+        <p:nvSpPr>
+          <p:cNvPr id="14" name="PlaceHolder 3"/>
           <p:cNvSpPr>
             <a:spLocks noGrp="1"/>
           </p:cNvSpPr>
@@ -1112,8 +2357,8 @@
         </p:nvSpPr>
         <p:spPr>
           <a:xfrm>
-            <a:off x="5770440" y="1368000"/>
-            <a:ext cx="3952440" cy="3288240"/>
+            <a:off x="5152680" y="1326600"/>
+            <a:ext cx="4426920" cy="3288600"/>
           </a:xfrm>
           <a:prstGeom prst="rect">
             <a:avLst/>
@@ -1124,18 +2369,15 @@
             <a:normAutofit/>
           </a:bodyPr>
           <a:p>
-            <a:endParaRPr b="0" lang="en-US" sz="2400" spc="-1" strike="noStrike">
-              <a:solidFill>
-                <a:srgbClr val="050505"/>
-              </a:solidFill>
-              <a:latin typeface="Arial"/>
-            </a:endParaRPr>
-          </a:p>
-        </p:txBody>
-      </p:sp>
-      <p:sp>
-        <p:nvSpPr>
-          <p:cNvPr id="18" name="PlaceHolder 4"/>
+            <a:endParaRPr b="0" lang="en-US" sz="3200" spc="-1" strike="noStrike">
+              <a:latin typeface="Arial"/>
+            </a:endParaRPr>
+          </a:p>
+        </p:txBody>
+      </p:sp>
+      <p:sp>
+        <p:nvSpPr>
+          <p:cNvPr id="15" name="PlaceHolder 4"/>
           <p:cNvSpPr>
             <a:spLocks noGrp="1"/>
           </p:cNvSpPr>
@@ -1145,8 +2387,8 @@
         </p:nvSpPr>
         <p:spPr>
           <a:xfrm>
-            <a:off x="1620000" y="3085560"/>
-            <a:ext cx="3952440" cy="1568160"/>
+            <a:off x="504000" y="3044520"/>
+            <a:ext cx="4426920" cy="1568520"/>
           </a:xfrm>
           <a:prstGeom prst="rect">
             <a:avLst/>
@@ -1157,10 +2399,7 @@
             <a:normAutofit/>
           </a:bodyPr>
           <a:p>
-            <a:endParaRPr b="0" lang="en-US" sz="2400" spc="-1" strike="noStrike">
-              <a:solidFill>
-                <a:srgbClr val="050505"/>
-              </a:solidFill>
+            <a:endParaRPr b="0" lang="en-US" sz="3200" spc="-1" strike="noStrike">
               <a:latin typeface="Arial"/>
             </a:endParaRPr>
           </a:p>
@@ -1190,7 +2429,7 @@
       </p:grpSpPr>
       <p:sp>
         <p:nvSpPr>
-          <p:cNvPr id="19" name="PlaceHolder 1"/>
+          <p:cNvPr id="16" name="PlaceHolder 1"/>
           <p:cNvSpPr>
             <a:spLocks noGrp="1"/>
           </p:cNvSpPr>
@@ -1201,30 +2440,25 @@
         <p:spPr>
           <a:xfrm>
             <a:off x="1620000" y="216000"/>
-            <a:ext cx="8100000" cy="936000"/>
-          </a:xfrm>
-          <a:prstGeom prst="rect">
-            <a:avLst/>
-          </a:prstGeom>
-        </p:spPr>
-        <p:txBody>
-          <a:bodyPr lIns="0" rIns="0" tIns="0" bIns="0" anchor="ctr">
-            <a:normAutofit/>
-          </a:bodyPr>
+            <a:ext cx="8099640" cy="935640"/>
+          </a:xfrm>
+          <a:prstGeom prst="rect">
+            <a:avLst/>
+          </a:prstGeom>
+        </p:spPr>
+        <p:txBody>
+          <a:bodyPr lIns="0" rIns="0" tIns="0" bIns="0" anchor="ctr"/>
           <a:p>
             <a:pPr algn="ctr"/>
-            <a:endParaRPr b="0" lang="en-US" sz="3300" spc="-1" strike="noStrike">
-              <a:solidFill>
-                <a:srgbClr val="050505"/>
-              </a:solidFill>
-              <a:latin typeface="Times New Roman"/>
-            </a:endParaRPr>
-          </a:p>
-        </p:txBody>
-      </p:sp>
-      <p:sp>
-        <p:nvSpPr>
-          <p:cNvPr id="20" name="PlaceHolder 2"/>
+            <a:endParaRPr b="0" lang="en-US" sz="4400" spc="-1" strike="noStrike">
+              <a:latin typeface="Arial"/>
+            </a:endParaRPr>
+          </a:p>
+        </p:txBody>
+      </p:sp>
+      <p:sp>
+        <p:nvSpPr>
+          <p:cNvPr id="17" name="PlaceHolder 2"/>
           <p:cNvSpPr>
             <a:spLocks noGrp="1"/>
           </p:cNvSpPr>
@@ -1234,8 +2468,8 @@
         </p:nvSpPr>
         <p:spPr>
           <a:xfrm>
-            <a:off x="1620000" y="1368000"/>
-            <a:ext cx="3952440" cy="3288240"/>
+            <a:off x="504000" y="1326600"/>
+            <a:ext cx="4426920" cy="3288600"/>
           </a:xfrm>
           <a:prstGeom prst="rect">
             <a:avLst/>
@@ -1246,18 +2480,15 @@
             <a:normAutofit/>
           </a:bodyPr>
           <a:p>
-            <a:endParaRPr b="0" lang="en-US" sz="2400" spc="-1" strike="noStrike">
-              <a:solidFill>
-                <a:srgbClr val="050505"/>
-              </a:solidFill>
-              <a:latin typeface="Arial"/>
-            </a:endParaRPr>
-          </a:p>
-        </p:txBody>
-      </p:sp>
-      <p:sp>
-        <p:nvSpPr>
-          <p:cNvPr id="21" name="PlaceHolder 3"/>
+            <a:endParaRPr b="0" lang="en-US" sz="3200" spc="-1" strike="noStrike">
+              <a:latin typeface="Arial"/>
+            </a:endParaRPr>
+          </a:p>
+        </p:txBody>
+      </p:sp>
+      <p:sp>
+        <p:nvSpPr>
+          <p:cNvPr id="18" name="PlaceHolder 3"/>
           <p:cNvSpPr>
             <a:spLocks noGrp="1"/>
           </p:cNvSpPr>
@@ -1267,8 +2498,8 @@
         </p:nvSpPr>
         <p:spPr>
           <a:xfrm>
-            <a:off x="5770440" y="1368000"/>
-            <a:ext cx="3952440" cy="1568160"/>
+            <a:off x="5152680" y="1326600"/>
+            <a:ext cx="4426920" cy="1568520"/>
           </a:xfrm>
           <a:prstGeom prst="rect">
             <a:avLst/>
@@ -1279,18 +2510,15 @@
             <a:normAutofit/>
           </a:bodyPr>
           <a:p>
-            <a:endParaRPr b="0" lang="en-US" sz="2400" spc="-1" strike="noStrike">
-              <a:solidFill>
-                <a:srgbClr val="050505"/>
-              </a:solidFill>
-              <a:latin typeface="Arial"/>
-            </a:endParaRPr>
-          </a:p>
-        </p:txBody>
-      </p:sp>
-      <p:sp>
-        <p:nvSpPr>
-          <p:cNvPr id="22" name="PlaceHolder 4"/>
+            <a:endParaRPr b="0" lang="en-US" sz="3200" spc="-1" strike="noStrike">
+              <a:latin typeface="Arial"/>
+            </a:endParaRPr>
+          </a:p>
+        </p:txBody>
+      </p:sp>
+      <p:sp>
+        <p:nvSpPr>
+          <p:cNvPr id="19" name="PlaceHolder 4"/>
           <p:cNvSpPr>
             <a:spLocks noGrp="1"/>
           </p:cNvSpPr>
@@ -1300,8 +2528,8 @@
         </p:nvSpPr>
         <p:spPr>
           <a:xfrm>
-            <a:off x="5770440" y="3085560"/>
-            <a:ext cx="3952440" cy="1568160"/>
+            <a:off x="5152680" y="3044520"/>
+            <a:ext cx="4426920" cy="1568520"/>
           </a:xfrm>
           <a:prstGeom prst="rect">
             <a:avLst/>
@@ -1312,10 +2540,7 @@
             <a:normAutofit/>
           </a:bodyPr>
           <a:p>
-            <a:endParaRPr b="0" lang="en-US" sz="2400" spc="-1" strike="noStrike">
-              <a:solidFill>
-                <a:srgbClr val="050505"/>
-              </a:solidFill>
+            <a:endParaRPr b="0" lang="en-US" sz="3200" spc="-1" strike="noStrike">
               <a:latin typeface="Arial"/>
             </a:endParaRPr>
           </a:p>
@@ -1345,7 +2570,7 @@
       </p:grpSpPr>
       <p:sp>
         <p:nvSpPr>
-          <p:cNvPr id="23" name="PlaceHolder 1"/>
+          <p:cNvPr id="20" name="PlaceHolder 1"/>
           <p:cNvSpPr>
             <a:spLocks noGrp="1"/>
           </p:cNvSpPr>
@@ -1356,30 +2581,25 @@
         <p:spPr>
           <a:xfrm>
             <a:off x="1620000" y="216000"/>
-            <a:ext cx="8100000" cy="936000"/>
-          </a:xfrm>
-          <a:prstGeom prst="rect">
-            <a:avLst/>
-          </a:prstGeom>
-        </p:spPr>
-        <p:txBody>
-          <a:bodyPr lIns="0" rIns="0" tIns="0" bIns="0" anchor="ctr">
-            <a:normAutofit/>
-          </a:bodyPr>
+            <a:ext cx="8099640" cy="935640"/>
+          </a:xfrm>
+          <a:prstGeom prst="rect">
+            <a:avLst/>
+          </a:prstGeom>
+        </p:spPr>
+        <p:txBody>
+          <a:bodyPr lIns="0" rIns="0" tIns="0" bIns="0" anchor="ctr"/>
           <a:p>
             <a:pPr algn="ctr"/>
-            <a:endParaRPr b="0" lang="en-US" sz="3300" spc="-1" strike="noStrike">
-              <a:solidFill>
-                <a:srgbClr val="050505"/>
-              </a:solidFill>
-              <a:latin typeface="Times New Roman"/>
-            </a:endParaRPr>
-          </a:p>
-        </p:txBody>
-      </p:sp>
-      <p:sp>
-        <p:nvSpPr>
-          <p:cNvPr id="24" name="PlaceHolder 2"/>
+            <a:endParaRPr b="0" lang="en-US" sz="4400" spc="-1" strike="noStrike">
+              <a:latin typeface="Arial"/>
+            </a:endParaRPr>
+          </a:p>
+        </p:txBody>
+      </p:sp>
+      <p:sp>
+        <p:nvSpPr>
+          <p:cNvPr id="21" name="PlaceHolder 2"/>
           <p:cNvSpPr>
             <a:spLocks noGrp="1"/>
           </p:cNvSpPr>
@@ -1389,8 +2609,8 @@
         </p:nvSpPr>
         <p:spPr>
           <a:xfrm>
-            <a:off x="1620000" y="1368000"/>
-            <a:ext cx="3952440" cy="1568160"/>
+            <a:off x="504000" y="1326600"/>
+            <a:ext cx="4426920" cy="1568520"/>
           </a:xfrm>
           <a:prstGeom prst="rect">
             <a:avLst/>
@@ -1401,18 +2621,15 @@
             <a:normAutofit/>
           </a:bodyPr>
           <a:p>
-            <a:endParaRPr b="0" lang="en-US" sz="2400" spc="-1" strike="noStrike">
-              <a:solidFill>
-                <a:srgbClr val="050505"/>
-              </a:solidFill>
-              <a:latin typeface="Arial"/>
-            </a:endParaRPr>
-          </a:p>
-        </p:txBody>
-      </p:sp>
-      <p:sp>
-        <p:nvSpPr>
-          <p:cNvPr id="25" name="PlaceHolder 3"/>
+            <a:endParaRPr b="0" lang="en-US" sz="3200" spc="-1" strike="noStrike">
+              <a:latin typeface="Arial"/>
+            </a:endParaRPr>
+          </a:p>
+        </p:txBody>
+      </p:sp>
+      <p:sp>
+        <p:nvSpPr>
+          <p:cNvPr id="22" name="PlaceHolder 3"/>
           <p:cNvSpPr>
             <a:spLocks noGrp="1"/>
           </p:cNvSpPr>
@@ -1422,8 +2639,8 @@
         </p:nvSpPr>
         <p:spPr>
           <a:xfrm>
-            <a:off x="5770440" y="1368000"/>
-            <a:ext cx="3952440" cy="1568160"/>
+            <a:off x="5152680" y="1326600"/>
+            <a:ext cx="4426920" cy="1568520"/>
           </a:xfrm>
           <a:prstGeom prst="rect">
             <a:avLst/>
@@ -1434,18 +2651,15 @@
             <a:normAutofit/>
           </a:bodyPr>
           <a:p>
-            <a:endParaRPr b="0" lang="en-US" sz="2400" spc="-1" strike="noStrike">
-              <a:solidFill>
-                <a:srgbClr val="050505"/>
-              </a:solidFill>
-              <a:latin typeface="Arial"/>
-            </a:endParaRPr>
-          </a:p>
-        </p:txBody>
-      </p:sp>
-      <p:sp>
-        <p:nvSpPr>
-          <p:cNvPr id="26" name="PlaceHolder 4"/>
+            <a:endParaRPr b="0" lang="en-US" sz="3200" spc="-1" strike="noStrike">
+              <a:latin typeface="Arial"/>
+            </a:endParaRPr>
+          </a:p>
+        </p:txBody>
+      </p:sp>
+      <p:sp>
+        <p:nvSpPr>
+          <p:cNvPr id="23" name="PlaceHolder 4"/>
           <p:cNvSpPr>
             <a:spLocks noGrp="1"/>
           </p:cNvSpPr>
@@ -1455,8 +2669,8 @@
         </p:nvSpPr>
         <p:spPr>
           <a:xfrm>
-            <a:off x="1620000" y="3085560"/>
-            <a:ext cx="8100000" cy="1568160"/>
+            <a:off x="504000" y="3044520"/>
+            <a:ext cx="9072000" cy="1568520"/>
           </a:xfrm>
           <a:prstGeom prst="rect">
             <a:avLst/>
@@ -1467,10 +2681,7 @@
             <a:normAutofit/>
           </a:bodyPr>
           <a:p>
-            <a:endParaRPr b="0" lang="en-US" sz="2400" spc="-1" strike="noStrike">
-              <a:solidFill>
-                <a:srgbClr val="050505"/>
-              </a:solidFill>
+            <a:endParaRPr b="0" lang="en-US" sz="3200" spc="-1" strike="noStrike">
               <a:latin typeface="Arial"/>
             </a:endParaRPr>
           </a:p>
@@ -1511,7 +2722,7 @@
         <p:spPr>
           <a:xfrm>
             <a:off x="0" y="0"/>
-            <a:ext cx="10085760" cy="5670000"/>
+            <a:ext cx="10085400" cy="5669640"/>
           </a:xfrm>
           <a:prstGeom prst="rect">
             <a:avLst/>
@@ -1534,7 +2745,7 @@
         <p:spPr>
           <a:xfrm>
             <a:off x="1620000" y="216000"/>
-            <a:ext cx="8100000" cy="936000"/>
+            <a:ext cx="8099640" cy="935640"/>
           </a:xfrm>
           <a:prstGeom prst="rect">
             <a:avLst/>
@@ -1545,21 +2756,14 @@
             <a:normAutofit/>
           </a:bodyPr>
           <a:p>
-            <a:pPr algn="ctr"/>
-            <a:r>
-              <a:rPr b="0" lang="en-US" sz="3300" spc="-1" strike="noStrike">
-                <a:solidFill>
-                  <a:srgbClr val="050505"/>
-                </a:solidFill>
-                <a:latin typeface="Times New Roman"/>
+            <a:r>
+              <a:rPr b="0" lang="en-US" sz="1800" spc="-1" strike="noStrike">
+                <a:latin typeface="Arial"/>
               </a:rPr>
               <a:t>Click to edit the title text format</a:t>
             </a:r>
-            <a:endParaRPr b="0" lang="en-US" sz="3300" spc="-1" strike="noStrike">
-              <a:solidFill>
-                <a:srgbClr val="050505"/>
-              </a:solidFill>
-              <a:latin typeface="Times New Roman"/>
+            <a:endParaRPr b="0" lang="en-US" sz="1800" spc="-1" strike="noStrike">
+              <a:latin typeface="Arial"/>
             </a:endParaRPr>
           </a:p>
         </p:txBody>
@@ -1576,8 +2780,8 @@
         </p:nvSpPr>
         <p:spPr>
           <a:xfrm>
-            <a:off x="1620000" y="1368000"/>
-            <a:ext cx="8100000" cy="3288240"/>
+            <a:off x="504000" y="1326600"/>
+            <a:ext cx="9072000" cy="3288600"/>
           </a:xfrm>
           <a:prstGeom prst="rect">
             <a:avLst/>
@@ -1589,301 +2793,155 @@
           </a:bodyPr>
           <a:p>
             <a:pPr marL="432000" indent="-324000">
-              <a:spcAft>
-                <a:spcPts val="1060"/>
-              </a:spcAft>
+              <a:spcBef>
+                <a:spcPts val="1417"/>
+              </a:spcBef>
               <a:buClr>
-                <a:srgbClr val="0066ff"/>
+                <a:srgbClr val="000000"/>
               </a:buClr>
-              <a:buSzPct val="40000"/>
+              <a:buSzPct val="45000"/>
               <a:buFont typeface="Wingdings" charset="2"/>
               <a:buChar char=""/>
             </a:pPr>
             <a:r>
-              <a:rPr b="0" lang="en-US" sz="2400" spc="-1" strike="noStrike">
-                <a:solidFill>
-                  <a:srgbClr val="050505"/>
-                </a:solidFill>
+              <a:rPr b="0" lang="en-US" sz="3200" spc="-1" strike="noStrike">
                 <a:latin typeface="Arial"/>
               </a:rPr>
               <a:t>Click to edit the outline text format</a:t>
             </a:r>
-            <a:endParaRPr b="0" lang="en-US" sz="2400" spc="-1" strike="noStrike">
-              <a:solidFill>
-                <a:srgbClr val="050505"/>
-              </a:solidFill>
+            <a:endParaRPr b="0" lang="en-US" sz="3200" spc="-1" strike="noStrike">
               <a:latin typeface="Arial"/>
             </a:endParaRPr>
           </a:p>
           <a:p>
             <a:pPr lvl="1" marL="864000" indent="-324000">
-              <a:spcAft>
-                <a:spcPts val="848"/>
-              </a:spcAft>
+              <a:spcBef>
+                <a:spcPts val="1134"/>
+              </a:spcBef>
               <a:buClr>
-                <a:srgbClr val="0066ff"/>
+                <a:srgbClr val="000000"/>
               </a:buClr>
-              <a:buSzPct val="40000"/>
+              <a:buSzPct val="75000"/>
               <a:buFont typeface="Symbol" charset="2"/>
               <a:buChar char=""/>
             </a:pPr>
             <a:r>
-              <a:rPr b="0" lang="en-US" sz="2090" spc="-1" strike="noStrike">
-                <a:solidFill>
-                  <a:srgbClr val="050505"/>
-                </a:solidFill>
+              <a:rPr b="0" lang="en-US" sz="2800" spc="-1" strike="noStrike">
                 <a:latin typeface="Arial"/>
               </a:rPr>
               <a:t>Second Outline Level</a:t>
             </a:r>
-            <a:endParaRPr b="0" lang="en-US" sz="2090" spc="-1" strike="noStrike">
-              <a:solidFill>
-                <a:srgbClr val="050505"/>
-              </a:solidFill>
+            <a:endParaRPr b="0" lang="en-US" sz="2800" spc="-1" strike="noStrike">
               <a:latin typeface="Arial"/>
             </a:endParaRPr>
           </a:p>
           <a:p>
             <a:pPr lvl="2" marL="1296000" indent="-288000">
-              <a:spcAft>
-                <a:spcPts val="632"/>
-              </a:spcAft>
+              <a:spcBef>
+                <a:spcPts val="850"/>
+              </a:spcBef>
               <a:buClr>
-                <a:srgbClr val="0066ff"/>
+                <a:srgbClr val="000000"/>
               </a:buClr>
-              <a:buSzPct val="40000"/>
+              <a:buSzPct val="45000"/>
               <a:buFont typeface="Wingdings" charset="2"/>
               <a:buChar char=""/>
             </a:pPr>
             <a:r>
-              <a:rPr b="0" lang="en-US" sz="1800" spc="-1" strike="noStrike">
-                <a:solidFill>
-                  <a:srgbClr val="050505"/>
-                </a:solidFill>
+              <a:rPr b="0" lang="en-US" sz="2400" spc="-1" strike="noStrike">
                 <a:latin typeface="Arial"/>
               </a:rPr>
               <a:t>Third Outline Level</a:t>
             </a:r>
-            <a:endParaRPr b="0" lang="en-US" sz="1800" spc="-1" strike="noStrike">
-              <a:solidFill>
-                <a:srgbClr val="050505"/>
-              </a:solidFill>
+            <a:endParaRPr b="0" lang="en-US" sz="2400" spc="-1" strike="noStrike">
               <a:latin typeface="Arial"/>
             </a:endParaRPr>
           </a:p>
           <a:p>
             <a:pPr lvl="3" marL="1728000" indent="-216000">
-              <a:spcAft>
-                <a:spcPts val="422"/>
-              </a:spcAft>
+              <a:spcBef>
+                <a:spcPts val="567"/>
+              </a:spcBef>
               <a:buClr>
-                <a:srgbClr val="0066ff"/>
+                <a:srgbClr val="000000"/>
               </a:buClr>
-              <a:buSzPct val="40000"/>
+              <a:buSzPct val="75000"/>
               <a:buFont typeface="Symbol" charset="2"/>
               <a:buChar char=""/>
             </a:pPr>
             <a:r>
-              <a:rPr b="0" lang="en-US" sz="1500" spc="-1" strike="noStrike">
-                <a:solidFill>
-                  <a:srgbClr val="050505"/>
-                </a:solidFill>
+              <a:rPr b="0" lang="en-US" sz="2000" spc="-1" strike="noStrike">
                 <a:latin typeface="Arial"/>
               </a:rPr>
               <a:t>Fourth Outline Level</a:t>
             </a:r>
-            <a:endParaRPr b="0" lang="en-US" sz="1500" spc="-1" strike="noStrike">
-              <a:solidFill>
-                <a:srgbClr val="050505"/>
-              </a:solidFill>
+            <a:endParaRPr b="0" lang="en-US" sz="2000" spc="-1" strike="noStrike">
               <a:latin typeface="Arial"/>
             </a:endParaRPr>
           </a:p>
           <a:p>
             <a:pPr lvl="4" marL="2160000" indent="-216000">
-              <a:spcAft>
-                <a:spcPts val="210"/>
-              </a:spcAft>
+              <a:spcBef>
+                <a:spcPts val="283"/>
+              </a:spcBef>
               <a:buClr>
-                <a:srgbClr val="0066ff"/>
+                <a:srgbClr val="000000"/>
               </a:buClr>
-              <a:buSzPct val="40000"/>
+              <a:buSzPct val="45000"/>
               <a:buFont typeface="Wingdings" charset="2"/>
               <a:buChar char=""/>
             </a:pPr>
             <a:r>
-              <a:rPr b="0" lang="en-US" sz="1500" spc="-1" strike="noStrike">
-                <a:solidFill>
-                  <a:srgbClr val="050505"/>
-                </a:solidFill>
+              <a:rPr b="0" lang="en-US" sz="2000" spc="-1" strike="noStrike">
                 <a:latin typeface="Arial"/>
               </a:rPr>
               <a:t>Fifth Outline Level</a:t>
             </a:r>
-            <a:endParaRPr b="0" lang="en-US" sz="1500" spc="-1" strike="noStrike">
-              <a:solidFill>
-                <a:srgbClr val="050505"/>
-              </a:solidFill>
+            <a:endParaRPr b="0" lang="en-US" sz="2000" spc="-1" strike="noStrike">
               <a:latin typeface="Arial"/>
             </a:endParaRPr>
           </a:p>
           <a:p>
             <a:pPr lvl="5" marL="2592000" indent="-216000">
-              <a:spcAft>
-                <a:spcPts val="210"/>
-              </a:spcAft>
+              <a:spcBef>
+                <a:spcPts val="283"/>
+              </a:spcBef>
               <a:buClr>
-                <a:srgbClr val="0066ff"/>
+                <a:srgbClr val="000000"/>
               </a:buClr>
-              <a:buSzPct val="40000"/>
+              <a:buSzPct val="45000"/>
               <a:buFont typeface="Wingdings" charset="2"/>
               <a:buChar char=""/>
             </a:pPr>
             <a:r>
-              <a:rPr b="0" lang="en-US" sz="1500" spc="-1" strike="noStrike">
-                <a:solidFill>
-                  <a:srgbClr val="050505"/>
-                </a:solidFill>
+              <a:rPr b="0" lang="en-US" sz="2000" spc="-1" strike="noStrike">
                 <a:latin typeface="Arial"/>
               </a:rPr>
               <a:t>Sixth Outline Level</a:t>
             </a:r>
-            <a:endParaRPr b="0" lang="en-US" sz="1500" spc="-1" strike="noStrike">
-              <a:solidFill>
-                <a:srgbClr val="050505"/>
-              </a:solidFill>
+            <a:endParaRPr b="0" lang="en-US" sz="2000" spc="-1" strike="noStrike">
               <a:latin typeface="Arial"/>
             </a:endParaRPr>
           </a:p>
           <a:p>
             <a:pPr lvl="6" marL="3024000" indent="-216000">
-              <a:spcAft>
-                <a:spcPts val="210"/>
-              </a:spcAft>
+              <a:spcBef>
+                <a:spcPts val="283"/>
+              </a:spcBef>
               <a:buClr>
-                <a:srgbClr val="0066ff"/>
+                <a:srgbClr val="000000"/>
               </a:buClr>
-              <a:buSzPct val="40000"/>
+              <a:buSzPct val="45000"/>
               <a:buFont typeface="Wingdings" charset="2"/>
               <a:buChar char=""/>
             </a:pPr>
             <a:r>
-              <a:rPr b="0" lang="en-US" sz="1500" spc="-1" strike="noStrike">
-                <a:solidFill>
-                  <a:srgbClr val="050505"/>
-                </a:solidFill>
+              <a:rPr b="0" lang="en-US" sz="2000" spc="-1" strike="noStrike">
                 <a:latin typeface="Arial"/>
               </a:rPr>
               <a:t>Seventh Outline Level</a:t>
             </a:r>
-            <a:endParaRPr b="0" lang="en-US" sz="1500" spc="-1" strike="noStrike">
-              <a:solidFill>
-                <a:srgbClr val="050505"/>
-              </a:solidFill>
-              <a:latin typeface="Arial"/>
-            </a:endParaRPr>
-          </a:p>
-        </p:txBody>
-      </p:sp>
-      <p:sp>
-        <p:nvSpPr>
-          <p:cNvPr id="3" name="PlaceHolder 3"/>
-          <p:cNvSpPr>
-            <a:spLocks noGrp="1"/>
-          </p:cNvSpPr>
-          <p:nvPr>
-            <p:ph type="dt"/>
-          </p:nvPr>
-        </p:nvSpPr>
-        <p:spPr>
-          <a:xfrm>
-            <a:off x="1584000" y="5164920"/>
-            <a:ext cx="2348280" cy="390600"/>
-          </a:xfrm>
-          <a:prstGeom prst="rect">
-            <a:avLst/>
-          </a:prstGeom>
-        </p:spPr>
-        <p:txBody>
-          <a:bodyPr lIns="0" rIns="0" tIns="0" bIns="0"/>
-          <a:p>
-            <a:r>
-              <a:rPr b="0" lang="en-US" sz="1400" spc="-1" strike="noStrike">
-                <a:latin typeface="Arial"/>
-              </a:rPr>
-              <a:t>&lt;date/time&gt;</a:t>
-            </a:r>
-            <a:endParaRPr b="0" lang="en-US" sz="1400" spc="-1" strike="noStrike">
-              <a:latin typeface="Arial"/>
-            </a:endParaRPr>
-          </a:p>
-        </p:txBody>
-      </p:sp>
-      <p:sp>
-        <p:nvSpPr>
-          <p:cNvPr id="4" name="PlaceHolder 4"/>
-          <p:cNvSpPr>
-            <a:spLocks noGrp="1"/>
-          </p:cNvSpPr>
-          <p:nvPr>
-            <p:ph type="ftr"/>
-          </p:nvPr>
-        </p:nvSpPr>
-        <p:spPr>
-          <a:xfrm>
-            <a:off x="3987000" y="5164920"/>
-            <a:ext cx="3195000" cy="390600"/>
-          </a:xfrm>
-          <a:prstGeom prst="rect">
-            <a:avLst/>
-          </a:prstGeom>
-        </p:spPr>
-        <p:txBody>
-          <a:bodyPr lIns="0" rIns="0" tIns="0" bIns="0"/>
-          <a:p>
-            <a:pPr algn="r"/>
-            <a:r>
-              <a:rPr b="0" lang="en-US" sz="1400" spc="-1" strike="noStrike">
-                <a:latin typeface="Arial"/>
-              </a:rPr>
-              <a:t>&lt;footer&gt;</a:t>
-            </a:r>
-            <a:endParaRPr b="0" lang="en-US" sz="1400" spc="-1" strike="noStrike">
-              <a:latin typeface="Arial"/>
-            </a:endParaRPr>
-          </a:p>
-        </p:txBody>
-      </p:sp>
-      <p:sp>
-        <p:nvSpPr>
-          <p:cNvPr id="5" name="PlaceHolder 5"/>
-          <p:cNvSpPr>
-            <a:spLocks noGrp="1"/>
-          </p:cNvSpPr>
-          <p:nvPr>
-            <p:ph type="sldNum"/>
-          </p:nvPr>
-        </p:nvSpPr>
-        <p:spPr>
-          <a:xfrm>
-            <a:off x="7227000" y="5164920"/>
-            <a:ext cx="2348280" cy="390600"/>
-          </a:xfrm>
-          <a:prstGeom prst="rect">
-            <a:avLst/>
-          </a:prstGeom>
-        </p:spPr>
-        <p:txBody>
-          <a:bodyPr lIns="0" rIns="0" tIns="0" bIns="0"/>
-          <a:p>
-            <a:pPr algn="r"/>
-            <a:fld id="{6BC24F6D-A854-4F4D-8024-A1AAFC67CD85}" type="slidenum">
-              <a:rPr b="0" lang="en-US" sz="1400" spc="-1" strike="noStrike">
-                <a:latin typeface="Arial"/>
-              </a:rPr>
-              <a:t>&lt;number&gt;</a:t>
-            </a:fld>
-            <a:endParaRPr b="0" lang="en-US" sz="1400" spc="-1" strike="noStrike">
+            <a:endParaRPr b="0" lang="en-US" sz="2000" spc="-1" strike="noStrike">
               <a:latin typeface="Arial"/>
             </a:endParaRPr>
           </a:p>
@@ -1905,6 +2963,281 @@
     <p:sldLayoutId id="2147483658" r:id="rId12"/>
     <p:sldLayoutId id="2147483659" r:id="rId13"/>
     <p:sldLayoutId id="2147483660" r:id="rId14"/>
+  </p:sldLayoutIdLst>
+</p:sldMaster>
+</file>
+
+<file path=ppt/slideMasters/slideMaster2.xml><?xml version="1.0" encoding="utf-8"?>
+<p:sldMaster xmlns:a="http://schemas.openxmlformats.org/drawingml/2006/main" xmlns:p="http://schemas.openxmlformats.org/presentationml/2006/main" xmlns:r="http://schemas.openxmlformats.org/officeDocument/2006/relationships" xmlns:p14="http://schemas.microsoft.com/office/powerpoint/2010/main" xmlns:p15="http://schemas.microsoft.com/office/powerpoint/2012/main" xmlns:mc="http://schemas.openxmlformats.org/markup-compatibility/2006">
+  <p:cSld>
+    <p:spTree>
+      <p:nvGrpSpPr>
+        <p:cNvPr id="1" name=""/>
+        <p:cNvGrpSpPr/>
+        <p:nvPr/>
+      </p:nvGrpSpPr>
+      <p:grpSpPr>
+        <a:xfrm>
+          <a:off x="0" y="0"/>
+          <a:ext cx="0" cy="0"/>
+          <a:chOff x="0" y="0"/>
+          <a:chExt cx="0" cy="0"/>
+        </a:xfrm>
+      </p:grpSpPr>
+      <p:pic>
+        <p:nvPicPr>
+          <p:cNvPr id="39" name="" descr=""/>
+          <p:cNvPicPr/>
+          <p:nvPr/>
+        </p:nvPicPr>
+        <p:blipFill>
+          <a:blip r:embed="rId2"/>
+          <a:stretch/>
+        </p:blipFill>
+        <p:spPr>
+          <a:xfrm>
+            <a:off x="0" y="0"/>
+            <a:ext cx="10085400" cy="5669640"/>
+          </a:xfrm>
+          <a:prstGeom prst="rect">
+            <a:avLst/>
+          </a:prstGeom>
+          <a:ln>
+            <a:noFill/>
+          </a:ln>
+        </p:spPr>
+      </p:pic>
+      <p:sp>
+        <p:nvSpPr>
+          <p:cNvPr id="40" name="PlaceHolder 1"/>
+          <p:cNvSpPr>
+            <a:spLocks noGrp="1"/>
+          </p:cNvSpPr>
+          <p:nvPr>
+            <p:ph type="title"/>
+          </p:nvPr>
+        </p:nvSpPr>
+        <p:spPr>
+          <a:xfrm>
+            <a:off x="1620000" y="216000"/>
+            <a:ext cx="8099640" cy="935640"/>
+          </a:xfrm>
+          <a:prstGeom prst="rect">
+            <a:avLst/>
+          </a:prstGeom>
+        </p:spPr>
+        <p:txBody>
+          <a:bodyPr lIns="0" rIns="0" tIns="0" bIns="0" anchor="ctr">
+            <a:normAutofit/>
+          </a:bodyPr>
+          <a:p>
+            <a:r>
+              <a:rPr b="0" lang="en-US" sz="1800" spc="-1" strike="noStrike">
+                <a:latin typeface="Arial"/>
+              </a:rPr>
+              <a:t>Click to edit the title text format</a:t>
+            </a:r>
+            <a:endParaRPr b="0" lang="en-US" sz="1800" spc="-1" strike="noStrike">
+              <a:latin typeface="Arial"/>
+            </a:endParaRPr>
+          </a:p>
+        </p:txBody>
+      </p:sp>
+      <p:sp>
+        <p:nvSpPr>
+          <p:cNvPr id="41" name="PlaceHolder 2"/>
+          <p:cNvSpPr>
+            <a:spLocks noGrp="1"/>
+          </p:cNvSpPr>
+          <p:nvPr>
+            <p:ph type="body"/>
+          </p:nvPr>
+        </p:nvSpPr>
+        <p:spPr>
+          <a:xfrm>
+            <a:off x="1620000" y="1368000"/>
+            <a:ext cx="8099640" cy="3287880"/>
+          </a:xfrm>
+          <a:prstGeom prst="rect">
+            <a:avLst/>
+          </a:prstGeom>
+        </p:spPr>
+        <p:txBody>
+          <a:bodyPr lIns="0" rIns="0" tIns="0" bIns="0">
+            <a:normAutofit/>
+          </a:bodyPr>
+          <a:p>
+            <a:pPr marL="432000" indent="-324000">
+              <a:spcBef>
+                <a:spcPts val="1417"/>
+              </a:spcBef>
+              <a:buClr>
+                <a:srgbClr val="000000"/>
+              </a:buClr>
+              <a:buSzPct val="45000"/>
+              <a:buFont typeface="Wingdings" charset="2"/>
+              <a:buChar char=""/>
+            </a:pPr>
+            <a:r>
+              <a:rPr b="0" lang="en-US" sz="1800" spc="-1" strike="noStrike">
+                <a:latin typeface="Arial"/>
+              </a:rPr>
+              <a:t>Click to edit the outline text format</a:t>
+            </a:r>
+            <a:endParaRPr b="0" lang="en-US" sz="1800" spc="-1" strike="noStrike">
+              <a:latin typeface="Arial"/>
+            </a:endParaRPr>
+          </a:p>
+          <a:p>
+            <a:pPr lvl="1" marL="864000" indent="-324000">
+              <a:spcBef>
+                <a:spcPts val="1134"/>
+              </a:spcBef>
+              <a:buClr>
+                <a:srgbClr val="000000"/>
+              </a:buClr>
+              <a:buSzPct val="75000"/>
+              <a:buFont typeface="Symbol" charset="2"/>
+              <a:buChar char=""/>
+            </a:pPr>
+            <a:r>
+              <a:rPr b="0" lang="en-US" sz="1800" spc="-1" strike="noStrike">
+                <a:latin typeface="Arial"/>
+              </a:rPr>
+              <a:t>Second Outline Level</a:t>
+            </a:r>
+            <a:endParaRPr b="0" lang="en-US" sz="1800" spc="-1" strike="noStrike">
+              <a:latin typeface="Arial"/>
+            </a:endParaRPr>
+          </a:p>
+          <a:p>
+            <a:pPr lvl="2" marL="1296000" indent="-288000">
+              <a:spcBef>
+                <a:spcPts val="850"/>
+              </a:spcBef>
+              <a:buClr>
+                <a:srgbClr val="000000"/>
+              </a:buClr>
+              <a:buSzPct val="45000"/>
+              <a:buFont typeface="Wingdings" charset="2"/>
+              <a:buChar char=""/>
+            </a:pPr>
+            <a:r>
+              <a:rPr b="0" lang="en-US" sz="1800" spc="-1" strike="noStrike">
+                <a:latin typeface="Arial"/>
+              </a:rPr>
+              <a:t>Third Outline Level</a:t>
+            </a:r>
+            <a:endParaRPr b="0" lang="en-US" sz="1800" spc="-1" strike="noStrike">
+              <a:latin typeface="Arial"/>
+            </a:endParaRPr>
+          </a:p>
+          <a:p>
+            <a:pPr lvl="3" marL="1728000" indent="-216000">
+              <a:spcBef>
+                <a:spcPts val="567"/>
+              </a:spcBef>
+              <a:buClr>
+                <a:srgbClr val="000000"/>
+              </a:buClr>
+              <a:buSzPct val="75000"/>
+              <a:buFont typeface="Symbol" charset="2"/>
+              <a:buChar char=""/>
+            </a:pPr>
+            <a:r>
+              <a:rPr b="0" lang="en-US" sz="1800" spc="-1" strike="noStrike">
+                <a:latin typeface="Arial"/>
+              </a:rPr>
+              <a:t>Fourth Outline Level</a:t>
+            </a:r>
+            <a:endParaRPr b="0" lang="en-US" sz="1800" spc="-1" strike="noStrike">
+              <a:latin typeface="Arial"/>
+            </a:endParaRPr>
+          </a:p>
+          <a:p>
+            <a:pPr lvl="4" marL="2160000" indent="-216000">
+              <a:spcBef>
+                <a:spcPts val="283"/>
+              </a:spcBef>
+              <a:buClr>
+                <a:srgbClr val="000000"/>
+              </a:buClr>
+              <a:buSzPct val="45000"/>
+              <a:buFont typeface="Wingdings" charset="2"/>
+              <a:buChar char=""/>
+            </a:pPr>
+            <a:r>
+              <a:rPr b="0" lang="en-US" sz="1800" spc="-1" strike="noStrike">
+                <a:latin typeface="Arial"/>
+              </a:rPr>
+              <a:t>Fifth Outline Level</a:t>
+            </a:r>
+            <a:endParaRPr b="0" lang="en-US" sz="1800" spc="-1" strike="noStrike">
+              <a:latin typeface="Arial"/>
+            </a:endParaRPr>
+          </a:p>
+          <a:p>
+            <a:pPr lvl="5" marL="2592000" indent="-216000">
+              <a:spcBef>
+                <a:spcPts val="283"/>
+              </a:spcBef>
+              <a:buClr>
+                <a:srgbClr val="000000"/>
+              </a:buClr>
+              <a:buSzPct val="45000"/>
+              <a:buFont typeface="Wingdings" charset="2"/>
+              <a:buChar char=""/>
+            </a:pPr>
+            <a:r>
+              <a:rPr b="0" lang="en-US" sz="1800" spc="-1" strike="noStrike">
+                <a:latin typeface="Arial"/>
+              </a:rPr>
+              <a:t>Sixth Outline Level</a:t>
+            </a:r>
+            <a:endParaRPr b="0" lang="en-US" sz="1800" spc="-1" strike="noStrike">
+              <a:latin typeface="Arial"/>
+            </a:endParaRPr>
+          </a:p>
+          <a:p>
+            <a:pPr lvl="6" marL="3024000" indent="-216000">
+              <a:spcBef>
+                <a:spcPts val="283"/>
+              </a:spcBef>
+              <a:buClr>
+                <a:srgbClr val="000000"/>
+              </a:buClr>
+              <a:buSzPct val="45000"/>
+              <a:buFont typeface="Wingdings" charset="2"/>
+              <a:buChar char=""/>
+            </a:pPr>
+            <a:r>
+              <a:rPr b="0" lang="en-US" sz="1800" spc="-1" strike="noStrike">
+                <a:latin typeface="Arial"/>
+              </a:rPr>
+              <a:t>Seventh Outline Level</a:t>
+            </a:r>
+            <a:endParaRPr b="0" lang="en-US" sz="1800" spc="-1" strike="noStrike">
+              <a:latin typeface="Arial"/>
+            </a:endParaRPr>
+          </a:p>
+        </p:txBody>
+      </p:sp>
+    </p:spTree>
+  </p:cSld>
+  <p:clrMap bg1="lt1" bg2="lt2" tx1="dk1" tx2="dk2" accent1="accent1" accent2="accent2" accent3="accent3" accent4="accent4" accent5="accent5" accent6="accent6" hlink="hlink" folHlink="folHlink"/>
+  <p:sldLayoutIdLst>
+    <p:sldLayoutId id="2147483662" r:id="rId3"/>
+    <p:sldLayoutId id="2147483663" r:id="rId4"/>
+    <p:sldLayoutId id="2147483664" r:id="rId5"/>
+    <p:sldLayoutId id="2147483665" r:id="rId6"/>
+    <p:sldLayoutId id="2147483666" r:id="rId7"/>
+    <p:sldLayoutId id="2147483667" r:id="rId8"/>
+    <p:sldLayoutId id="2147483668" r:id="rId9"/>
+    <p:sldLayoutId id="2147483669" r:id="rId10"/>
+    <p:sldLayoutId id="2147483670" r:id="rId11"/>
+    <p:sldLayoutId id="2147483671" r:id="rId12"/>
+    <p:sldLayoutId id="2147483672" r:id="rId13"/>
+    <p:sldLayoutId id="2147483673" r:id="rId14"/>
   </p:sldLayoutIdLst>
 </p:sldMaster>
 </file>
@@ -1928,14 +3261,14 @@
       </p:grpSpPr>
       <p:sp>
         <p:nvSpPr>
-          <p:cNvPr id="42" name="TextShape 1"/>
-          <p:cNvSpPr txBox="1"/>
+          <p:cNvPr id="78" name="CustomShape 1"/>
+          <p:cNvSpPr/>
           <p:nvPr/>
         </p:nvSpPr>
         <p:spPr>
           <a:xfrm>
             <a:off x="1620000" y="1971000"/>
-            <a:ext cx="8100000" cy="954360"/>
+            <a:ext cx="8099640" cy="954000"/>
           </a:xfrm>
           <a:prstGeom prst="rect">
             <a:avLst/>
@@ -1945,12 +3278,22 @@
             <a:noFill/>
           </a:ln>
         </p:spPr>
+        <p:style>
+          <a:lnRef idx="0"/>
+          <a:fillRef idx="0"/>
+          <a:effectRef idx="0"/>
+          <a:fontRef idx="minor"/>
+        </p:style>
         <p:txBody>
           <a:bodyPr lIns="0" rIns="0" tIns="0" bIns="0" anchor="ctr">
             <a:normAutofit/>
           </a:bodyPr>
           <a:p>
-            <a:pPr algn="ctr"/>
+            <a:pPr algn="ctr">
+              <a:lnSpc>
+                <a:spcPct val="100000"/>
+              </a:lnSpc>
+            </a:pPr>
             <a:r>
               <a:rPr b="0" lang="en-US" sz="3400" spc="-1" strike="noStrike">
                 <a:solidFill>
@@ -1958,27 +3301,43 @@
                 </a:solidFill>
                 <a:latin typeface="Times New Roman"/>
               </a:rPr>
-              <a:t>RNA-Seq Analysis of Gene Expression: A Walk-Thru and Tutorial</a:t>
+              <a:t>RNA-Seq Analysis of Gene Expression: </a:t>
             </a:r>
             <a:endParaRPr b="0" lang="en-US" sz="3400" spc="-1" strike="noStrike">
-              <a:solidFill>
-                <a:srgbClr val="050505"/>
-              </a:solidFill>
-              <a:latin typeface="Times New Roman"/>
-            </a:endParaRPr>
-          </a:p>
-        </p:txBody>
-      </p:sp>
-      <p:sp>
-        <p:nvSpPr>
-          <p:cNvPr id="43" name="TextShape 2"/>
-          <p:cNvSpPr txBox="1"/>
+              <a:latin typeface="Arial"/>
+            </a:endParaRPr>
+          </a:p>
+          <a:p>
+            <a:pPr algn="ctr">
+              <a:lnSpc>
+                <a:spcPct val="100000"/>
+              </a:lnSpc>
+            </a:pPr>
+            <a:r>
+              <a:rPr b="0" lang="en-US" sz="3400" spc="-1" strike="noStrike">
+                <a:solidFill>
+                  <a:srgbClr val="050505"/>
+                </a:solidFill>
+                <a:latin typeface="Times New Roman"/>
+              </a:rPr>
+              <a:t>A Walk-Thru and Tutorial</a:t>
+            </a:r>
+            <a:endParaRPr b="0" lang="en-US" sz="3400" spc="-1" strike="noStrike">
+              <a:latin typeface="Arial"/>
+            </a:endParaRPr>
+          </a:p>
+        </p:txBody>
+      </p:sp>
+      <p:sp>
+        <p:nvSpPr>
+          <p:cNvPr id="79" name="CustomShape 2"/>
+          <p:cNvSpPr/>
           <p:nvPr/>
         </p:nvSpPr>
         <p:spPr>
           <a:xfrm>
             <a:off x="1620000" y="3108960"/>
-            <a:ext cx="8100000" cy="1547280"/>
+            <a:ext cx="8099640" cy="1546920"/>
           </a:xfrm>
           <a:prstGeom prst="rect">
             <a:avLst/>
@@ -1988,10 +3347,20 @@
             <a:noFill/>
           </a:ln>
         </p:spPr>
+        <p:style>
+          <a:lnRef idx="0"/>
+          <a:fillRef idx="0"/>
+          <a:effectRef idx="0"/>
+          <a:fontRef idx="minor"/>
+        </p:style>
         <p:txBody>
           <a:bodyPr lIns="0" rIns="0" tIns="0" bIns="0" anchor="ctr"/>
           <a:p>
-            <a:pPr algn="ctr"/>
+            <a:pPr algn="ctr">
+              <a:lnSpc>
+                <a:spcPct val="100000"/>
+              </a:lnSpc>
+            </a:pPr>
             <a:r>
               <a:rPr b="0" lang="en-US" sz="2400" spc="-1" strike="noStrike">
                 <a:latin typeface="Times New Roman"/>
@@ -1999,11 +3368,15 @@
               <a:t>Helen Nigussie, Michael Mayhew, Dina Machuve</a:t>
             </a:r>
             <a:endParaRPr b="0" lang="en-US" sz="2400" spc="-1" strike="noStrike">
-              <a:latin typeface="Times New Roman"/>
-            </a:endParaRPr>
-          </a:p>
-          <a:p>
-            <a:pPr algn="ctr"/>
+              <a:latin typeface="Arial"/>
+            </a:endParaRPr>
+          </a:p>
+          <a:p>
+            <a:pPr algn="ctr">
+              <a:lnSpc>
+                <a:spcPct val="100000"/>
+              </a:lnSpc>
+            </a:pPr>
             <a:r>
               <a:rPr b="0" lang="en-US" sz="2400" spc="-1" strike="noStrike">
                 <a:latin typeface="Times New Roman"/>
@@ -2011,11 +3384,15 @@
               <a:t>June 4, 2019 </a:t>
             </a:r>
             <a:endParaRPr b="0" lang="en-US" sz="2400" spc="-1" strike="noStrike">
-              <a:latin typeface="Times New Roman"/>
-            </a:endParaRPr>
-          </a:p>
-          <a:p>
-            <a:pPr algn="ctr"/>
+              <a:latin typeface="Arial"/>
+            </a:endParaRPr>
+          </a:p>
+          <a:p>
+            <a:pPr algn="ctr">
+              <a:lnSpc>
+                <a:spcPct val="100000"/>
+              </a:lnSpc>
+            </a:pPr>
             <a:r>
               <a:rPr b="0" lang="en-US" sz="2400" spc="-1" strike="noStrike">
                 <a:latin typeface="Times New Roman"/>
@@ -2023,25 +3400,56 @@
               <a:t>Data Science Africa 2019</a:t>
             </a:r>
             <a:endParaRPr b="0" lang="en-US" sz="2400" spc="-1" strike="noStrike">
-              <a:latin typeface="Times New Roman"/>
-            </a:endParaRPr>
-          </a:p>
-          <a:p>
-            <a:pPr algn="ctr"/>
+              <a:latin typeface="Arial"/>
+            </a:endParaRPr>
+          </a:p>
+          <a:p>
+            <a:pPr algn="ctr">
+              <a:lnSpc>
+                <a:spcPct val="100000"/>
+              </a:lnSpc>
+            </a:pPr>
             <a:r>
               <a:rPr b="0" lang="en-US" sz="2400" spc="-1" strike="noStrike">
                 <a:latin typeface="Times New Roman"/>
               </a:rPr>
-              <a:t>Addis Ababa, Ethiopia</a:t>
+              <a:t>Addis Ababa University, Ethiopia</a:t>
             </a:r>
             <a:endParaRPr b="0" lang="en-US" sz="2400" spc="-1" strike="noStrike">
-              <a:latin typeface="Times New Roman"/>
+              <a:latin typeface="Arial"/>
             </a:endParaRPr>
           </a:p>
         </p:txBody>
       </p:sp>
     </p:spTree>
   </p:cSld>
+  <p:timing>
+    <p:tnLst>
+      <p:par>
+        <p:cTn id="1" dur="indefinite" restart="never" nodeType="tmRoot">
+          <p:childTnLst>
+            <p:seq>
+              <p:cTn id="2" dur="indefinite" nodeType="mainSeq"/>
+              <p:prevCondLst>
+                <p:cond delay="0" evt="onPrev">
+                  <p:tgtEl>
+                    <p:sldTgt/>
+                  </p:tgtEl>
+                </p:cond>
+              </p:prevCondLst>
+              <p:nextCondLst>
+                <p:cond delay="0" evt="onNext">
+                  <p:tgtEl>
+                    <p:sldTgt/>
+                  </p:tgtEl>
+                </p:cond>
+              </p:nextCondLst>
+            </p:seq>
+          </p:childTnLst>
+        </p:cTn>
+      </p:par>
+    </p:tnLst>
+  </p:timing>
 </p:sld>
 </file>
 
@@ -2064,14 +3472,14 @@
       </p:grpSpPr>
       <p:sp>
         <p:nvSpPr>
-          <p:cNvPr id="68" name="TextShape 1"/>
-          <p:cNvSpPr txBox="1"/>
+          <p:cNvPr id="134" name="CustomShape 1"/>
+          <p:cNvSpPr/>
           <p:nvPr/>
         </p:nvSpPr>
         <p:spPr>
           <a:xfrm>
             <a:off x="1620000" y="216000"/>
-            <a:ext cx="8100000" cy="936000"/>
+            <a:ext cx="8099640" cy="935640"/>
           </a:xfrm>
           <a:prstGeom prst="rect">
             <a:avLst/>
@@ -2081,12 +3489,22 @@
             <a:noFill/>
           </a:ln>
         </p:spPr>
+        <p:style>
+          <a:lnRef idx="0"/>
+          <a:fillRef idx="0"/>
+          <a:effectRef idx="0"/>
+          <a:fontRef idx="minor"/>
+        </p:style>
         <p:txBody>
           <a:bodyPr lIns="0" rIns="0" tIns="0" bIns="0" anchor="ctr">
             <a:normAutofit/>
           </a:bodyPr>
           <a:p>
-            <a:pPr algn="ctr"/>
+            <a:pPr algn="ctr">
+              <a:lnSpc>
+                <a:spcPct val="100000"/>
+              </a:lnSpc>
+            </a:pPr>
             <a:r>
               <a:rPr b="0" lang="en-US" sz="3300" spc="-1" strike="noStrike">
                 <a:solidFill>
@@ -2094,36 +3512,24 @@
                 </a:solidFill>
                 <a:latin typeface="Times New Roman"/>
               </a:rPr>
-              <a:t>Important considerations when performing an </a:t>
-            </a:r>
-            <a:r>
-              <a:rPr b="0" lang="en-US" sz="3300" spc="-1" strike="noStrike">
-                <a:solidFill>
-                  <a:srgbClr val="050505"/>
-                </a:solidFill>
-                <a:latin typeface="Times New Roman"/>
-              </a:rPr>
-              <a:t>RNA-Seq analysis</a:t>
+              <a:t>Important considerations when performing an RNA-Seq analysis</a:t>
             </a:r>
             <a:endParaRPr b="0" lang="en-US" sz="3300" spc="-1" strike="noStrike">
-              <a:solidFill>
-                <a:srgbClr val="050505"/>
-              </a:solidFill>
-              <a:latin typeface="Times New Roman"/>
-            </a:endParaRPr>
-          </a:p>
-        </p:txBody>
-      </p:sp>
-      <p:sp>
-        <p:nvSpPr>
-          <p:cNvPr id="69" name="TextShape 2"/>
-          <p:cNvSpPr txBox="1"/>
+              <a:latin typeface="Arial"/>
+            </a:endParaRPr>
+          </a:p>
+        </p:txBody>
+      </p:sp>
+      <p:sp>
+        <p:nvSpPr>
+          <p:cNvPr id="135" name="CustomShape 2"/>
+          <p:cNvSpPr/>
           <p:nvPr/>
         </p:nvSpPr>
         <p:spPr>
           <a:xfrm>
             <a:off x="1620000" y="1368000"/>
-            <a:ext cx="3043440" cy="4026960"/>
+            <a:ext cx="3043080" cy="4026600"/>
           </a:xfrm>
           <a:prstGeom prst="rect">
             <a:avLst/>
@@ -2133,12 +3539,21 @@
             <a:noFill/>
           </a:ln>
         </p:spPr>
+        <p:style>
+          <a:lnRef idx="0"/>
+          <a:fillRef idx="0"/>
+          <a:effectRef idx="0"/>
+          <a:fontRef idx="minor"/>
+        </p:style>
         <p:txBody>
           <a:bodyPr lIns="0" rIns="0" tIns="0" bIns="0">
             <a:normAutofit/>
           </a:bodyPr>
           <a:p>
-            <a:pPr marL="432000" indent="-324000">
+            <a:pPr marL="432000" indent="-323640">
+              <a:lnSpc>
+                <a:spcPct val="100000"/>
+              </a:lnSpc>
               <a:spcAft>
                 <a:spcPts val="1060"/>
               </a:spcAft>
@@ -2159,14 +3574,27 @@
               <a:t>Should I consider all genes in my analysis? What about those with low or no expression across all conditions/platforms?</a:t>
             </a:r>
             <a:endParaRPr b="0" lang="en-US" sz="2000" spc="-1" strike="noStrike">
-              <a:solidFill>
-                <a:srgbClr val="050505"/>
-              </a:solidFill>
-              <a:latin typeface="Arial"/>
-            </a:endParaRPr>
-          </a:p>
-          <a:p>
-            <a:pPr marL="432000" indent="-324000">
+              <a:latin typeface="Arial"/>
+            </a:endParaRPr>
+          </a:p>
+          <a:p>
+            <a:pPr>
+              <a:lnSpc>
+                <a:spcPct val="100000"/>
+              </a:lnSpc>
+              <a:spcAft>
+                <a:spcPts val="1060"/>
+              </a:spcAft>
+            </a:pPr>
+            <a:endParaRPr b="0" lang="en-US" sz="2000" spc="-1" strike="noStrike">
+              <a:latin typeface="Arial"/>
+            </a:endParaRPr>
+          </a:p>
+          <a:p>
+            <a:pPr marL="432000" indent="-323640">
+              <a:lnSpc>
+                <a:spcPct val="100000"/>
+              </a:lnSpc>
               <a:spcAft>
                 <a:spcPts val="1060"/>
               </a:spcAft>
@@ -2177,38 +3605,16 @@
               <a:buFont typeface="Wingdings" charset="2"/>
               <a:buChar char=""/>
             </a:pPr>
+            <a:r>
+              <a:rPr b="0" lang="en-US" sz="2000" spc="-1" strike="noStrike">
+                <a:solidFill>
+                  <a:srgbClr val="050505"/>
+                </a:solidFill>
+                <a:latin typeface="Arial"/>
+              </a:rPr>
+              <a:t>Are the expression differences I’m seeing solely due to the condition? Or some other factor?</a:t>
+            </a:r>
             <a:endParaRPr b="0" lang="en-US" sz="2000" spc="-1" strike="noStrike">
-              <a:solidFill>
-                <a:srgbClr val="050505"/>
-              </a:solidFill>
-              <a:latin typeface="Arial"/>
-            </a:endParaRPr>
-          </a:p>
-          <a:p>
-            <a:pPr marL="432000" indent="-324000">
-              <a:spcAft>
-                <a:spcPts val="1060"/>
-              </a:spcAft>
-              <a:buClr>
-                <a:srgbClr val="0066ff"/>
-              </a:buClr>
-              <a:buSzPct val="40000"/>
-              <a:buFont typeface="Wingdings" charset="2"/>
-              <a:buChar char=""/>
-            </a:pPr>
-            <a:r>
-              <a:rPr b="0" lang="en-US" sz="2000" spc="-1" strike="noStrike">
-                <a:solidFill>
-                  <a:srgbClr val="050505"/>
-                </a:solidFill>
-                <a:latin typeface="Arial"/>
-              </a:rPr>
-              <a:t>Are the expression differences I’m seeing solely due to the condition? Or some other factor?</a:t>
-            </a:r>
-            <a:endParaRPr b="0" lang="en-US" sz="2000" spc="-1" strike="noStrike">
-              <a:solidFill>
-                <a:srgbClr val="050505"/>
-              </a:solidFill>
               <a:latin typeface="Arial"/>
             </a:endParaRPr>
           </a:p>
@@ -2216,7 +3622,7 @@
       </p:sp>
       <p:pic>
         <p:nvPicPr>
-          <p:cNvPr id="70" name="" descr=""/>
+          <p:cNvPr id="136" name="" descr=""/>
           <p:cNvPicPr/>
           <p:nvPr/>
         </p:nvPicPr>
@@ -2227,7 +3633,7 @@
         <p:spPr>
           <a:xfrm>
             <a:off x="4909320" y="1211040"/>
-            <a:ext cx="4199400" cy="4199400"/>
+            <a:ext cx="4199040" cy="4199040"/>
           </a:xfrm>
           <a:prstGeom prst="rect">
             <a:avLst/>
@@ -2242,10 +3648,10 @@
   <p:timing>
     <p:tnLst>
       <p:par>
-        <p:cTn id="31" dur="indefinite" restart="never" nodeType="tmRoot">
+        <p:cTn id="35" dur="indefinite" restart="never" nodeType="tmRoot">
           <p:childTnLst>
             <p:seq>
-              <p:cTn id="32" dur="indefinite" nodeType="mainSeq"/>
+              <p:cTn id="36" dur="indefinite" nodeType="mainSeq"/>
               <p:prevCondLst>
                 <p:cond delay="0" evt="onPrev">
                   <p:tgtEl>
@@ -2288,14 +3694,14 @@
       </p:grpSpPr>
       <p:sp>
         <p:nvSpPr>
-          <p:cNvPr id="71" name="TextShape 1"/>
-          <p:cNvSpPr txBox="1"/>
+          <p:cNvPr id="137" name="CustomShape 1"/>
+          <p:cNvSpPr/>
           <p:nvPr/>
         </p:nvSpPr>
         <p:spPr>
           <a:xfrm>
             <a:off x="1620000" y="0"/>
-            <a:ext cx="8100000" cy="936000"/>
+            <a:ext cx="8099640" cy="935640"/>
           </a:xfrm>
           <a:prstGeom prst="rect">
             <a:avLst/>
@@ -2305,12 +3711,22 @@
             <a:noFill/>
           </a:ln>
         </p:spPr>
+        <p:style>
+          <a:lnRef idx="0"/>
+          <a:fillRef idx="0"/>
+          <a:effectRef idx="0"/>
+          <a:fontRef idx="minor"/>
+        </p:style>
         <p:txBody>
           <a:bodyPr lIns="0" rIns="0" tIns="0" bIns="0" anchor="ctr">
             <a:normAutofit/>
           </a:bodyPr>
           <a:p>
-            <a:pPr algn="ctr"/>
+            <a:pPr algn="ctr">
+              <a:lnSpc>
+                <a:spcPct val="100000"/>
+              </a:lnSpc>
+            </a:pPr>
             <a:r>
               <a:rPr b="0" lang="en-US" sz="3300" spc="-1" strike="noStrike">
                 <a:solidFill>
@@ -2321,17 +3737,14 @@
               <a:t>What is the structure in my expression data?</a:t>
             </a:r>
             <a:endParaRPr b="0" lang="en-US" sz="3300" spc="-1" strike="noStrike">
-              <a:solidFill>
-                <a:srgbClr val="050505"/>
-              </a:solidFill>
-              <a:latin typeface="Times New Roman"/>
+              <a:latin typeface="Arial"/>
             </a:endParaRPr>
           </a:p>
         </p:txBody>
       </p:sp>
       <p:pic>
         <p:nvPicPr>
-          <p:cNvPr id="72" name="" descr=""/>
+          <p:cNvPr id="138" name="" descr=""/>
           <p:cNvPicPr/>
           <p:nvPr/>
         </p:nvPicPr>
@@ -2342,7 +3755,7 @@
         <p:spPr>
           <a:xfrm>
             <a:off x="1754640" y="1155960"/>
-            <a:ext cx="5972400" cy="4506480"/>
+            <a:ext cx="5972040" cy="4506120"/>
           </a:xfrm>
           <a:prstGeom prst="rect">
             <a:avLst/>
@@ -2354,14 +3767,14 @@
       </p:pic>
       <p:sp>
         <p:nvSpPr>
-          <p:cNvPr id="73" name="CustomShape 2"/>
+          <p:cNvPr id="139" name="CustomShape 2"/>
           <p:cNvSpPr/>
           <p:nvPr/>
         </p:nvSpPr>
         <p:spPr>
           <a:xfrm>
             <a:off x="2208240" y="1155960"/>
-            <a:ext cx="5446800" cy="581400"/>
+            <a:ext cx="5446440" cy="581040"/>
           </a:xfrm>
           <a:prstGeom prst="rect">
             <a:avLst/>
@@ -2382,14 +3795,14 @@
       </p:sp>
       <p:sp>
         <p:nvSpPr>
-          <p:cNvPr id="74" name="TextShape 3"/>
-          <p:cNvSpPr txBox="1"/>
+          <p:cNvPr id="140" name="CustomShape 3"/>
+          <p:cNvSpPr/>
           <p:nvPr/>
         </p:nvSpPr>
         <p:spPr>
           <a:xfrm rot="20448600">
-            <a:off x="2228040" y="1221480"/>
-            <a:ext cx="2194560" cy="274320"/>
+            <a:off x="2227680" y="1221480"/>
+            <a:ext cx="2194200" cy="273960"/>
           </a:xfrm>
           <a:prstGeom prst="rect">
             <a:avLst/>
@@ -2399,10 +3812,20 @@
             <a:noFill/>
           </a:ln>
         </p:spPr>
+        <p:style>
+          <a:lnRef idx="0"/>
+          <a:fillRef idx="0"/>
+          <a:effectRef idx="0"/>
+          <a:fontRef idx="minor"/>
+        </p:style>
         <p:txBody>
           <a:bodyPr lIns="90000" rIns="90000" tIns="45000" bIns="45000" anchor="ctr"/>
           <a:p>
-            <a:pPr algn="ctr"/>
+            <a:pPr algn="ctr">
+              <a:lnSpc>
+                <a:spcPct val="100000"/>
+              </a:lnSpc>
+            </a:pPr>
             <a:r>
               <a:rPr b="0" lang="en-US" sz="1100" spc="-1" strike="noStrike">
                 <a:latin typeface="Arial"/>
@@ -2417,14 +3840,14 @@
       </p:sp>
       <p:sp>
         <p:nvSpPr>
-          <p:cNvPr id="75" name="TextShape 4"/>
-          <p:cNvSpPr txBox="1"/>
+          <p:cNvPr id="141" name="CustomShape 4"/>
+          <p:cNvSpPr/>
           <p:nvPr/>
         </p:nvSpPr>
         <p:spPr>
           <a:xfrm rot="20448600">
-            <a:off x="2912040" y="1221480"/>
-            <a:ext cx="2194560" cy="274320"/>
+            <a:off x="2911680" y="1221480"/>
+            <a:ext cx="2194200" cy="273960"/>
           </a:xfrm>
           <a:prstGeom prst="rect">
             <a:avLst/>
@@ -2434,10 +3857,20 @@
             <a:noFill/>
           </a:ln>
         </p:spPr>
+        <p:style>
+          <a:lnRef idx="0"/>
+          <a:fillRef idx="0"/>
+          <a:effectRef idx="0"/>
+          <a:fontRef idx="minor"/>
+        </p:style>
         <p:txBody>
           <a:bodyPr lIns="90000" rIns="90000" tIns="45000" bIns="45000" anchor="ctr"/>
           <a:p>
-            <a:pPr algn="ctr"/>
+            <a:pPr algn="ctr">
+              <a:lnSpc>
+                <a:spcPct val="100000"/>
+              </a:lnSpc>
+            </a:pPr>
             <a:r>
               <a:rPr b="0" lang="en-US" sz="1100" spc="-1" strike="noStrike">
                 <a:latin typeface="Arial"/>
@@ -2452,14 +3885,14 @@
       </p:sp>
       <p:sp>
         <p:nvSpPr>
-          <p:cNvPr id="76" name="TextShape 5"/>
-          <p:cNvSpPr txBox="1"/>
+          <p:cNvPr id="142" name="CustomShape 5"/>
+          <p:cNvSpPr/>
           <p:nvPr/>
         </p:nvSpPr>
         <p:spPr>
           <a:xfrm rot="20448600">
-            <a:off x="3553920" y="1158480"/>
-            <a:ext cx="2413800" cy="401400"/>
+            <a:off x="3553560" y="1158480"/>
+            <a:ext cx="2413440" cy="401040"/>
           </a:xfrm>
           <a:prstGeom prst="rect">
             <a:avLst/>
@@ -2469,10 +3902,20 @@
             <a:noFill/>
           </a:ln>
         </p:spPr>
+        <p:style>
+          <a:lnRef idx="0"/>
+          <a:fillRef idx="0"/>
+          <a:effectRef idx="0"/>
+          <a:fontRef idx="minor"/>
+        </p:style>
         <p:txBody>
           <a:bodyPr lIns="90000" rIns="90000" tIns="45000" bIns="45000" anchor="ctr"/>
           <a:p>
-            <a:pPr algn="ctr"/>
+            <a:pPr algn="ctr">
+              <a:lnSpc>
+                <a:spcPct val="100000"/>
+              </a:lnSpc>
+            </a:pPr>
             <a:r>
               <a:rPr b="0" lang="en-US" sz="1100" spc="-1" strike="noStrike">
                 <a:latin typeface="Arial"/>
@@ -2487,14 +3930,14 @@
       </p:sp>
       <p:sp>
         <p:nvSpPr>
-          <p:cNvPr id="77" name="TextShape 6"/>
-          <p:cNvSpPr txBox="1"/>
+          <p:cNvPr id="143" name="CustomShape 6"/>
+          <p:cNvSpPr/>
           <p:nvPr/>
         </p:nvSpPr>
         <p:spPr>
           <a:xfrm rot="20448600">
             <a:off x="4204800" y="1137600"/>
-            <a:ext cx="2319840" cy="401400"/>
+            <a:ext cx="2319480" cy="401040"/>
           </a:xfrm>
           <a:prstGeom prst="rect">
             <a:avLst/>
@@ -2504,10 +3947,20 @@
             <a:noFill/>
           </a:ln>
         </p:spPr>
+        <p:style>
+          <a:lnRef idx="0"/>
+          <a:fillRef idx="0"/>
+          <a:effectRef idx="0"/>
+          <a:fontRef idx="minor"/>
+        </p:style>
         <p:txBody>
           <a:bodyPr lIns="90000" rIns="90000" tIns="45000" bIns="45000" anchor="ctr"/>
           <a:p>
-            <a:pPr algn="ctr"/>
+            <a:pPr algn="ctr">
+              <a:lnSpc>
+                <a:spcPct val="100000"/>
+              </a:lnSpc>
+            </a:pPr>
             <a:r>
               <a:rPr b="0" lang="en-US" sz="1100" spc="-1" strike="noStrike">
                 <a:latin typeface="Arial"/>
@@ -2522,14 +3975,14 @@
       </p:sp>
       <p:sp>
         <p:nvSpPr>
-          <p:cNvPr id="78" name="TextShape 7"/>
-          <p:cNvSpPr txBox="1"/>
+          <p:cNvPr id="144" name="CustomShape 7"/>
+          <p:cNvSpPr/>
           <p:nvPr/>
         </p:nvSpPr>
         <p:spPr>
           <a:xfrm rot="20448600">
-            <a:off x="4568400" y="1329840"/>
-            <a:ext cx="2194560" cy="274320"/>
+            <a:off x="4568040" y="1329840"/>
+            <a:ext cx="2194200" cy="273960"/>
           </a:xfrm>
           <a:prstGeom prst="rect">
             <a:avLst/>
@@ -2539,10 +3992,20 @@
             <a:noFill/>
           </a:ln>
         </p:spPr>
+        <p:style>
+          <a:lnRef idx="0"/>
+          <a:fillRef idx="0"/>
+          <a:effectRef idx="0"/>
+          <a:fontRef idx="minor"/>
+        </p:style>
         <p:txBody>
           <a:bodyPr lIns="90000" rIns="90000" tIns="45000" bIns="45000" anchor="ctr"/>
           <a:p>
-            <a:pPr algn="ctr"/>
+            <a:pPr algn="ctr">
+              <a:lnSpc>
+                <a:spcPct val="100000"/>
+              </a:lnSpc>
+            </a:pPr>
             <a:r>
               <a:rPr b="0" lang="en-US" sz="1100" spc="-1" strike="noStrike">
                 <a:latin typeface="Arial"/>
@@ -2557,14 +4020,14 @@
       </p:sp>
       <p:sp>
         <p:nvSpPr>
-          <p:cNvPr id="79" name="TextShape 8"/>
-          <p:cNvSpPr txBox="1"/>
+          <p:cNvPr id="145" name="CustomShape 8"/>
+          <p:cNvSpPr/>
           <p:nvPr/>
         </p:nvSpPr>
         <p:spPr>
           <a:xfrm rot="20448600">
-            <a:off x="5252400" y="1329840"/>
-            <a:ext cx="2194560" cy="274320"/>
+            <a:off x="5252040" y="1329840"/>
+            <a:ext cx="2194200" cy="273960"/>
           </a:xfrm>
           <a:prstGeom prst="rect">
             <a:avLst/>
@@ -2574,10 +4037,20 @@
             <a:noFill/>
           </a:ln>
         </p:spPr>
+        <p:style>
+          <a:lnRef idx="0"/>
+          <a:fillRef idx="0"/>
+          <a:effectRef idx="0"/>
+          <a:fontRef idx="minor"/>
+        </p:style>
         <p:txBody>
           <a:bodyPr lIns="90000" rIns="90000" tIns="45000" bIns="45000" anchor="ctr"/>
           <a:p>
-            <a:pPr algn="ctr"/>
+            <a:pPr algn="ctr">
+              <a:lnSpc>
+                <a:spcPct val="100000"/>
+              </a:lnSpc>
+            </a:pPr>
             <a:r>
               <a:rPr b="0" lang="en-US" sz="1100" spc="-1" strike="noStrike">
                 <a:latin typeface="Arial"/>
@@ -2592,14 +4065,14 @@
       </p:sp>
       <p:sp>
         <p:nvSpPr>
-          <p:cNvPr id="80" name="TextShape 9"/>
-          <p:cNvSpPr txBox="1"/>
+          <p:cNvPr id="146" name="CustomShape 9"/>
+          <p:cNvSpPr/>
           <p:nvPr/>
         </p:nvSpPr>
         <p:spPr>
           <a:xfrm rot="20448600">
-            <a:off x="5894280" y="1230840"/>
-            <a:ext cx="2413800" cy="401400"/>
+            <a:off x="5893920" y="1230840"/>
+            <a:ext cx="2413440" cy="401040"/>
           </a:xfrm>
           <a:prstGeom prst="rect">
             <a:avLst/>
@@ -2609,10 +4082,20 @@
             <a:noFill/>
           </a:ln>
         </p:spPr>
+        <p:style>
+          <a:lnRef idx="0"/>
+          <a:fillRef idx="0"/>
+          <a:effectRef idx="0"/>
+          <a:fontRef idx="minor"/>
+        </p:style>
         <p:txBody>
           <a:bodyPr lIns="90000" rIns="90000" tIns="45000" bIns="45000" anchor="ctr"/>
           <a:p>
-            <a:pPr algn="ctr"/>
+            <a:pPr algn="ctr">
+              <a:lnSpc>
+                <a:spcPct val="100000"/>
+              </a:lnSpc>
+            </a:pPr>
             <a:r>
               <a:rPr b="0" lang="en-US" sz="1100" spc="-1" strike="noStrike">
                 <a:latin typeface="Arial"/>
@@ -2627,14 +4110,14 @@
       </p:sp>
       <p:sp>
         <p:nvSpPr>
-          <p:cNvPr id="81" name="TextShape 10"/>
-          <p:cNvSpPr txBox="1"/>
+          <p:cNvPr id="147" name="CustomShape 10"/>
+          <p:cNvSpPr/>
           <p:nvPr/>
         </p:nvSpPr>
         <p:spPr>
           <a:xfrm rot="20448600">
             <a:off x="6545160" y="1245960"/>
-            <a:ext cx="2319840" cy="401400"/>
+            <a:ext cx="2319480" cy="401040"/>
           </a:xfrm>
           <a:prstGeom prst="rect">
             <a:avLst/>
@@ -2644,10 +4127,20 @@
             <a:noFill/>
           </a:ln>
         </p:spPr>
+        <p:style>
+          <a:lnRef idx="0"/>
+          <a:fillRef idx="0"/>
+          <a:effectRef idx="0"/>
+          <a:fontRef idx="minor"/>
+        </p:style>
         <p:txBody>
           <a:bodyPr lIns="90000" rIns="90000" tIns="45000" bIns="45000" anchor="ctr"/>
           <a:p>
-            <a:pPr algn="ctr"/>
+            <a:pPr algn="ctr">
+              <a:lnSpc>
+                <a:spcPct val="100000"/>
+              </a:lnSpc>
+            </a:pPr>
             <a:r>
               <a:rPr b="0" lang="en-US" sz="1100" spc="-1" strike="noStrike">
                 <a:latin typeface="Arial"/>
@@ -2659,16 +4152,168 @@
             </a:endParaRPr>
           </a:p>
         </p:txBody>
+      </p:sp>
+      <p:sp>
+        <p:nvSpPr>
+          <p:cNvPr id="148" name="CustomShape 11"/>
+          <p:cNvSpPr/>
+          <p:nvPr/>
+        </p:nvSpPr>
+        <p:spPr>
+          <a:xfrm>
+            <a:off x="2286000" y="1809000"/>
+            <a:ext cx="4846320" cy="1371960"/>
+          </a:xfrm>
+          <a:prstGeom prst="rect">
+            <a:avLst/>
+          </a:prstGeom>
+          <a:noFill/>
+          <a:ln w="36720">
+            <a:solidFill>
+              <a:srgbClr val="000000"/>
+            </a:solidFill>
+            <a:round/>
+          </a:ln>
+        </p:spPr>
+        <p:style>
+          <a:lnRef idx="0"/>
+          <a:fillRef idx="0"/>
+          <a:effectRef idx="0"/>
+          <a:fontRef idx="minor"/>
+        </p:style>
+      </p:sp>
+      <p:sp>
+        <p:nvSpPr>
+          <p:cNvPr id="149" name="TextShape 12"/>
+          <p:cNvSpPr txBox="1"/>
+          <p:nvPr/>
+        </p:nvSpPr>
+        <p:spPr>
+          <a:xfrm>
+            <a:off x="7680960" y="1737720"/>
+            <a:ext cx="1737360" cy="2649960"/>
+          </a:xfrm>
+          <a:prstGeom prst="rect">
+            <a:avLst/>
+          </a:prstGeom>
+          <a:noFill/>
+          <a:ln>
+            <a:noFill/>
+          </a:ln>
+        </p:spPr>
+        <p:txBody>
+          <a:bodyPr lIns="90000" rIns="90000" tIns="45000" bIns="45000"/>
+          <a:p>
+            <a:r>
+              <a:rPr b="0" lang="en-US" sz="1800" spc="-1" strike="noStrike">
+                <a:solidFill>
+                  <a:srgbClr val="000000"/>
+                </a:solidFill>
+                <a:latin typeface="Arial"/>
+              </a:rPr>
+              <a:t>Most genes cluster by condition.</a:t>
+            </a:r>
+            <a:endParaRPr b="0" lang="en-US" sz="1800" spc="-1" strike="noStrike">
+              <a:solidFill>
+                <a:srgbClr val="ce181e"/>
+              </a:solidFill>
+              <a:latin typeface="Arial"/>
+            </a:endParaRPr>
+          </a:p>
+          <a:p>
+            <a:endParaRPr b="0" lang="en-US" sz="1800" spc="-1" strike="noStrike">
+              <a:solidFill>
+                <a:srgbClr val="ce181e"/>
+              </a:solidFill>
+              <a:latin typeface="Arial"/>
+            </a:endParaRPr>
+          </a:p>
+          <a:p>
+            <a:r>
+              <a:rPr b="0" lang="en-US" sz="1800" spc="-1" strike="noStrike">
+                <a:solidFill>
+                  <a:srgbClr val="f58220"/>
+                </a:solidFill>
+                <a:latin typeface="Arial"/>
+              </a:rPr>
+              <a:t>However, some genes clearly show platform-specific effects.</a:t>
+            </a:r>
+            <a:endParaRPr b="0" lang="en-US" sz="1800" spc="-1" strike="noStrike">
+              <a:solidFill>
+                <a:srgbClr val="ce181e"/>
+              </a:solidFill>
+              <a:latin typeface="Arial"/>
+            </a:endParaRPr>
+          </a:p>
+        </p:txBody>
+      </p:sp>
+      <p:sp>
+        <p:nvSpPr>
+          <p:cNvPr id="150" name="CustomShape 13"/>
+          <p:cNvSpPr/>
+          <p:nvPr/>
+        </p:nvSpPr>
+        <p:spPr>
+          <a:xfrm>
+            <a:off x="2286000" y="4297680"/>
+            <a:ext cx="4846320" cy="1188720"/>
+          </a:xfrm>
+          <a:prstGeom prst="rect">
+            <a:avLst/>
+          </a:prstGeom>
+          <a:noFill/>
+          <a:ln w="36720">
+            <a:solidFill>
+              <a:srgbClr val="000000"/>
+            </a:solidFill>
+            <a:round/>
+          </a:ln>
+        </p:spPr>
+        <p:style>
+          <a:lnRef idx="0"/>
+          <a:fillRef idx="0"/>
+          <a:effectRef idx="0"/>
+          <a:fontRef idx="minor"/>
+        </p:style>
+      </p:sp>
+      <p:sp>
+        <p:nvSpPr>
+          <p:cNvPr id="151" name="CustomShape 14"/>
+          <p:cNvSpPr/>
+          <p:nvPr/>
+        </p:nvSpPr>
+        <p:spPr>
+          <a:xfrm>
+            <a:off x="2286000" y="3213000"/>
+            <a:ext cx="4846320" cy="1044000"/>
+          </a:xfrm>
+          <a:prstGeom prst="rect">
+            <a:avLst/>
+          </a:prstGeom>
+          <a:noFill/>
+          <a:ln w="36720">
+            <a:solidFill>
+              <a:srgbClr val="f58220"/>
+            </a:solidFill>
+            <a:round/>
+          </a:ln>
+        </p:spPr>
+        <p:style>
+          <a:lnRef idx="0"/>
+          <a:fillRef idx="0"/>
+          <a:effectRef idx="0"/>
+          <a:fontRef idx="minor"/>
+        </p:style>
       </p:sp>
     </p:spTree>
   </p:cSld>
   <p:timing>
     <p:tnLst>
       <p:par>
-        <p:cTn id="33" dur="indefinite" restart="never" nodeType="tmRoot">
+        <p:cTn id="37" dur="indefinite" restart="never" nodeType="tmRoot">
           <p:childTnLst>
             <p:seq>
-              <p:cTn id="34" dur="indefinite" nodeType="mainSeq"/>
+              <p:cTn id="38" dur="indefinite" nodeType="mainSeq"/>
               <p:prevCondLst>
                 <p:cond delay="0" evt="onPrev">
                   <p:tgtEl>
@@ -2711,14 +4356,14 @@
       </p:grpSpPr>
       <p:sp>
         <p:nvSpPr>
-          <p:cNvPr id="82" name="TextShape 1"/>
-          <p:cNvSpPr txBox="1"/>
+          <p:cNvPr id="152" name="CustomShape 1"/>
+          <p:cNvSpPr/>
           <p:nvPr/>
         </p:nvSpPr>
         <p:spPr>
           <a:xfrm>
             <a:off x="1620000" y="216000"/>
-            <a:ext cx="8100000" cy="936000"/>
+            <a:ext cx="8099640" cy="935640"/>
           </a:xfrm>
           <a:prstGeom prst="rect">
             <a:avLst/>
@@ -2728,12 +4373,22 @@
             <a:noFill/>
           </a:ln>
         </p:spPr>
+        <p:style>
+          <a:lnRef idx="0"/>
+          <a:fillRef idx="0"/>
+          <a:effectRef idx="0"/>
+          <a:fontRef idx="minor"/>
+        </p:style>
         <p:txBody>
           <a:bodyPr lIns="0" rIns="0" tIns="0" bIns="0" anchor="ctr">
             <a:normAutofit/>
           </a:bodyPr>
           <a:p>
-            <a:pPr algn="ctr"/>
+            <a:pPr algn="ctr">
+              <a:lnSpc>
+                <a:spcPct val="100000"/>
+              </a:lnSpc>
+            </a:pPr>
             <a:r>
               <a:rPr b="0" lang="en-US" sz="3300" spc="-1" strike="noStrike">
                 <a:solidFill>
@@ -2741,45 +4396,24 @@
                 </a:solidFill>
                 <a:latin typeface="Times New Roman"/>
               </a:rPr>
-              <a:t>What genes show different </a:t>
-            </a:r>
-            <a:r>
-              <a:rPr b="0" lang="en-US" sz="3300" spc="-1" strike="noStrike">
-                <a:solidFill>
-                  <a:srgbClr val="050505"/>
-                </a:solidFill>
-                <a:latin typeface="Times New Roman"/>
-              </a:rPr>
-              <a:t>expression patterns in my </a:t>
-            </a:r>
-            <a:r>
-              <a:rPr b="0" lang="en-US" sz="3300" spc="-1" strike="noStrike">
-                <a:solidFill>
-                  <a:srgbClr val="050505"/>
-                </a:solidFill>
-                <a:latin typeface="Times New Roman"/>
-              </a:rPr>
-              <a:t>conditions of interest?</a:t>
+              <a:t>What genes show different expression patterns in my conditions of interest?</a:t>
             </a:r>
             <a:endParaRPr b="0" lang="en-US" sz="3300" spc="-1" strike="noStrike">
-              <a:solidFill>
-                <a:srgbClr val="050505"/>
-              </a:solidFill>
-              <a:latin typeface="Times New Roman"/>
-            </a:endParaRPr>
-          </a:p>
-        </p:txBody>
-      </p:sp>
-      <p:sp>
-        <p:nvSpPr>
-          <p:cNvPr id="83" name="TextShape 2"/>
-          <p:cNvSpPr txBox="1"/>
+              <a:latin typeface="Arial"/>
+            </a:endParaRPr>
+          </a:p>
+        </p:txBody>
+      </p:sp>
+      <p:sp>
+        <p:nvSpPr>
+          <p:cNvPr id="153" name="CustomShape 2"/>
+          <p:cNvSpPr/>
           <p:nvPr/>
         </p:nvSpPr>
         <p:spPr>
           <a:xfrm>
             <a:off x="1620000" y="1368000"/>
-            <a:ext cx="8100000" cy="3288240"/>
+            <a:ext cx="8099640" cy="3287880"/>
           </a:xfrm>
           <a:prstGeom prst="rect">
             <a:avLst/>
@@ -2789,29 +4423,22 @@
             <a:noFill/>
           </a:ln>
         </p:spPr>
-        <p:txBody>
-          <a:bodyPr lIns="0" rIns="0" tIns="0" bIns="0">
-            <a:normAutofit/>
-          </a:bodyPr>
-          <a:p>
-            <a:endParaRPr b="0" lang="en-US" sz="2400" spc="-1" strike="noStrike">
-              <a:solidFill>
-                <a:srgbClr val="050505"/>
-              </a:solidFill>
-              <a:latin typeface="Arial"/>
-            </a:endParaRPr>
-          </a:p>
-        </p:txBody>
+        <p:style>
+          <a:lnRef idx="0"/>
+          <a:fillRef idx="0"/>
+          <a:effectRef idx="0"/>
+          <a:fontRef idx="minor"/>
+        </p:style>
       </p:sp>
     </p:spTree>
   </p:cSld>
   <p:timing>
     <p:tnLst>
       <p:par>
-        <p:cTn id="35" dur="indefinite" restart="never" nodeType="tmRoot">
+        <p:cTn id="39" dur="indefinite" restart="never" nodeType="tmRoot">
           <p:childTnLst>
             <p:seq>
-              <p:cTn id="36" dur="indefinite" nodeType="mainSeq"/>
+              <p:cTn id="40" dur="indefinite" nodeType="mainSeq"/>
               <p:prevCondLst>
                 <p:cond delay="0" evt="onPrev">
                   <p:tgtEl>
@@ -2854,14 +4481,14 @@
       </p:grpSpPr>
       <p:sp>
         <p:nvSpPr>
-          <p:cNvPr id="84" name="TextShape 1"/>
-          <p:cNvSpPr txBox="1"/>
+          <p:cNvPr id="154" name="CustomShape 1"/>
+          <p:cNvSpPr/>
           <p:nvPr/>
         </p:nvSpPr>
         <p:spPr>
           <a:xfrm>
             <a:off x="1620000" y="-11160"/>
-            <a:ext cx="8100000" cy="1390320"/>
+            <a:ext cx="8099640" cy="1389960"/>
           </a:xfrm>
           <a:prstGeom prst="rect">
             <a:avLst/>
@@ -2871,12 +4498,22 @@
             <a:noFill/>
           </a:ln>
         </p:spPr>
+        <p:style>
+          <a:lnRef idx="0"/>
+          <a:fillRef idx="0"/>
+          <a:effectRef idx="0"/>
+          <a:fontRef idx="minor"/>
+        </p:style>
         <p:txBody>
           <a:bodyPr lIns="0" rIns="0" tIns="0" bIns="0" anchor="ctr">
             <a:normAutofit/>
           </a:bodyPr>
           <a:p>
-            <a:pPr algn="ctr"/>
+            <a:pPr algn="ctr">
+              <a:lnSpc>
+                <a:spcPct val="100000"/>
+              </a:lnSpc>
+            </a:pPr>
             <a:r>
               <a:rPr b="0" lang="en-US" sz="3300" spc="-1" strike="noStrike">
                 <a:solidFill>
@@ -2887,24 +4524,21 @@
               <a:t>Are differentially expressed genes enriched for any biological processes or pharmacological targets?</a:t>
             </a:r>
             <a:endParaRPr b="0" lang="en-US" sz="3300" spc="-1" strike="noStrike">
-              <a:solidFill>
-                <a:srgbClr val="050505"/>
-              </a:solidFill>
-              <a:latin typeface="Times New Roman"/>
-            </a:endParaRPr>
-          </a:p>
-        </p:txBody>
-      </p:sp>
-      <p:sp>
-        <p:nvSpPr>
-          <p:cNvPr id="85" name="TextShape 2"/>
-          <p:cNvSpPr txBox="1"/>
+              <a:latin typeface="Arial"/>
+            </a:endParaRPr>
+          </a:p>
+        </p:txBody>
+      </p:sp>
+      <p:sp>
+        <p:nvSpPr>
+          <p:cNvPr id="155" name="CustomShape 2"/>
+          <p:cNvSpPr/>
           <p:nvPr/>
         </p:nvSpPr>
         <p:spPr>
           <a:xfrm>
             <a:off x="1620000" y="1368000"/>
-            <a:ext cx="8100000" cy="3288240"/>
+            <a:ext cx="8099640" cy="3287880"/>
           </a:xfrm>
           <a:prstGeom prst="rect">
             <a:avLst/>
@@ -2914,14 +4548,169 @@
             <a:noFill/>
           </a:ln>
         </p:spPr>
-        <p:txBody>
-          <a:bodyPr lIns="0" rIns="0" tIns="0" bIns="0">
-            <a:normAutofit/>
-          </a:bodyPr>
-          <a:p>
-            <a:endParaRPr b="0" lang="en-US" sz="2400" spc="-1" strike="noStrike">
+        <p:style>
+          <a:lnRef idx="0"/>
+          <a:fillRef idx="0"/>
+          <a:effectRef idx="0"/>
+          <a:fontRef idx="minor"/>
+        </p:style>
+      </p:sp>
+      <p:pic>
+        <p:nvPicPr>
+          <p:cNvPr id="156" name="" descr=""/>
+          <p:cNvPicPr/>
+          <p:nvPr/>
+        </p:nvPicPr>
+        <p:blipFill>
+          <a:blip r:embed="rId1"/>
+          <a:stretch/>
+        </p:blipFill>
+        <p:spPr>
+          <a:xfrm>
+            <a:off x="5852160" y="1839240"/>
+            <a:ext cx="4118760" cy="2216520"/>
+          </a:xfrm>
+          <a:prstGeom prst="rect">
+            <a:avLst/>
+          </a:prstGeom>
+          <a:ln>
+            <a:noFill/>
+          </a:ln>
+        </p:spPr>
+      </p:pic>
+      <p:pic>
+        <p:nvPicPr>
+          <p:cNvPr id="157" name="" descr=""/>
+          <p:cNvPicPr/>
+          <p:nvPr/>
+        </p:nvPicPr>
+        <p:blipFill>
+          <a:blip r:embed="rId2"/>
+          <a:stretch/>
+        </p:blipFill>
+        <p:spPr>
+          <a:xfrm>
+            <a:off x="1640880" y="1828800"/>
+            <a:ext cx="4158720" cy="2194560"/>
+          </a:xfrm>
+          <a:prstGeom prst="rect">
+            <a:avLst/>
+          </a:prstGeom>
+          <a:ln>
+            <a:noFill/>
+          </a:ln>
+        </p:spPr>
+      </p:pic>
+      <p:sp>
+        <p:nvSpPr>
+          <p:cNvPr id="158" name="TextShape 3"/>
+          <p:cNvSpPr txBox="1"/>
+          <p:nvPr/>
+        </p:nvSpPr>
+        <p:spPr>
+          <a:xfrm>
+            <a:off x="1645920" y="4114800"/>
+            <a:ext cx="4114800" cy="2649960"/>
+          </a:xfrm>
+          <a:prstGeom prst="rect">
+            <a:avLst/>
+          </a:prstGeom>
+          <a:noFill/>
+          <a:ln>
+            <a:noFill/>
+          </a:ln>
+        </p:spPr>
+        <p:txBody>
+          <a:bodyPr lIns="90000" rIns="90000" tIns="45000" bIns="45000"/>
+          <a:p>
+            <a:r>
+              <a:rPr b="0" lang="en-US" sz="1800" spc="-1" strike="noStrike">
+                <a:solidFill>
+                  <a:srgbClr val="ce181e"/>
+                </a:solidFill>
+                <a:latin typeface="Arial"/>
+              </a:rPr>
+              <a:t>Genes with </a:t>
+            </a:r>
+            <a:r>
+              <a:rPr b="1" i="1" lang="en-US" sz="1800" spc="-1" strike="noStrike">
+                <a:solidFill>
+                  <a:srgbClr val="ce181e"/>
+                </a:solidFill>
+                <a:latin typeface="Arial"/>
+              </a:rPr>
+              <a:t>low</a:t>
+            </a:r>
+            <a:r>
+              <a:rPr b="0" lang="en-US" sz="1800" spc="-1" strike="noStrike">
+                <a:solidFill>
+                  <a:srgbClr val="ce181e"/>
+                </a:solidFill>
+                <a:latin typeface="Arial"/>
+              </a:rPr>
+              <a:t> expression in Zika-infected samples are enriched for cell-cycle and DNA replication processes.</a:t>
+            </a:r>
+            <a:endParaRPr b="0" lang="en-US" sz="1800" spc="-1" strike="noStrike">
               <a:solidFill>
-                <a:srgbClr val="050505"/>
+                <a:srgbClr val="ce181e"/>
+              </a:solidFill>
+              <a:latin typeface="Arial"/>
+            </a:endParaRPr>
+          </a:p>
+        </p:txBody>
+      </p:sp>
+      <p:sp>
+        <p:nvSpPr>
+          <p:cNvPr id="159" name="TextShape 4"/>
+          <p:cNvSpPr txBox="1"/>
+          <p:nvPr/>
+        </p:nvSpPr>
+        <p:spPr>
+          <a:xfrm>
+            <a:off x="5893920" y="4115160"/>
+            <a:ext cx="4114800" cy="2649960"/>
+          </a:xfrm>
+          <a:prstGeom prst="rect">
+            <a:avLst/>
+          </a:prstGeom>
+          <a:noFill/>
+          <a:ln>
+            <a:noFill/>
+          </a:ln>
+        </p:spPr>
+        <p:txBody>
+          <a:bodyPr lIns="90000" rIns="90000" tIns="45000" bIns="45000"/>
+          <a:p>
+            <a:r>
+              <a:rPr b="0" lang="en-US" sz="1800" spc="-1" strike="noStrike">
+                <a:solidFill>
+                  <a:srgbClr val="ce181e"/>
+                </a:solidFill>
+                <a:latin typeface="Arial"/>
+              </a:rPr>
+              <a:t>Genes with </a:t>
+            </a:r>
+            <a:r>
+              <a:rPr b="1" i="1" lang="en-US" sz="1800" spc="-1" strike="noStrike">
+                <a:solidFill>
+                  <a:srgbClr val="ce181e"/>
+                </a:solidFill>
+                <a:latin typeface="Arial"/>
+              </a:rPr>
+              <a:t>high</a:t>
+            </a:r>
+            <a:r>
+              <a:rPr b="0" lang="en-US" sz="1800" spc="-1" strike="noStrike">
+                <a:solidFill>
+                  <a:srgbClr val="ce181e"/>
+                </a:solidFill>
+                <a:latin typeface="Arial"/>
+              </a:rPr>
+              <a:t> expression in Zika-infected samples are enriched for prenatal lethality phenotypes in mice.</a:t>
+            </a:r>
+            <a:endParaRPr b="0" lang="en-US" sz="1800" spc="-1" strike="noStrike">
+              <a:solidFill>
+                <a:srgbClr val="ce181e"/>
               </a:solidFill>
               <a:latin typeface="Arial"/>
             </a:endParaRPr>
@@ -2933,10 +4722,10 @@
   <p:timing>
     <p:tnLst>
       <p:par>
-        <p:cTn id="37" dur="indefinite" restart="never" nodeType="tmRoot">
+        <p:cTn id="41" dur="indefinite" restart="never" nodeType="tmRoot">
           <p:childTnLst>
             <p:seq>
-              <p:cTn id="38" dur="indefinite" nodeType="mainSeq"/>
+              <p:cTn id="42" dur="indefinite" nodeType="mainSeq"/>
               <p:prevCondLst>
                 <p:cond delay="0" evt="onPrev">
                   <p:tgtEl>
@@ -2979,14 +4768,14 @@
       </p:grpSpPr>
       <p:sp>
         <p:nvSpPr>
-          <p:cNvPr id="86" name="TextShape 1"/>
-          <p:cNvSpPr txBox="1"/>
+          <p:cNvPr id="160" name="CustomShape 1"/>
+          <p:cNvSpPr/>
           <p:nvPr/>
         </p:nvSpPr>
         <p:spPr>
           <a:xfrm>
             <a:off x="1620000" y="-11160"/>
-            <a:ext cx="8100000" cy="1390320"/>
+            <a:ext cx="8099640" cy="1389960"/>
           </a:xfrm>
           <a:prstGeom prst="rect">
             <a:avLst/>
@@ -2996,12 +4785,22 @@
             <a:noFill/>
           </a:ln>
         </p:spPr>
+        <p:style>
+          <a:lnRef idx="0"/>
+          <a:fillRef idx="0"/>
+          <a:effectRef idx="0"/>
+          <a:fontRef idx="minor"/>
+        </p:style>
         <p:txBody>
           <a:bodyPr lIns="0" rIns="0" tIns="0" bIns="0" anchor="ctr">
             <a:normAutofit/>
           </a:bodyPr>
           <a:p>
-            <a:pPr algn="ctr"/>
+            <a:pPr algn="ctr">
+              <a:lnSpc>
+                <a:spcPct val="100000"/>
+              </a:lnSpc>
+            </a:pPr>
             <a:r>
               <a:rPr b="0" lang="en-US" sz="3300" spc="-1" strike="noStrike">
                 <a:solidFill>
@@ -3012,17 +4811,14 @@
               <a:t>An unsolicited advertisement</a:t>
             </a:r>
             <a:endParaRPr b="0" lang="en-US" sz="3300" spc="-1" strike="noStrike">
-              <a:solidFill>
-                <a:srgbClr val="050505"/>
-              </a:solidFill>
-              <a:latin typeface="Times New Roman"/>
+              <a:latin typeface="Arial"/>
             </a:endParaRPr>
           </a:p>
         </p:txBody>
       </p:sp>
       <p:pic>
         <p:nvPicPr>
-          <p:cNvPr id="87" name="" descr=""/>
+          <p:cNvPr id="161" name="" descr=""/>
           <p:cNvPicPr/>
           <p:nvPr/>
         </p:nvPicPr>
@@ -3033,7 +4829,7 @@
         <p:spPr>
           <a:xfrm>
             <a:off x="1684800" y="1503720"/>
-            <a:ext cx="8260920" cy="1272240"/>
+            <a:ext cx="8260560" cy="1271880"/>
           </a:xfrm>
           <a:prstGeom prst="rect">
             <a:avLst/>
@@ -3045,14 +4841,14 @@
       </p:pic>
       <p:sp>
         <p:nvSpPr>
-          <p:cNvPr id="88" name="TextShape 2"/>
-          <p:cNvSpPr txBox="1"/>
+          <p:cNvPr id="162" name="CustomShape 2"/>
+          <p:cNvSpPr/>
           <p:nvPr/>
         </p:nvSpPr>
         <p:spPr>
           <a:xfrm>
             <a:off x="1737360" y="2923200"/>
-            <a:ext cx="7132320" cy="1370160"/>
+            <a:ext cx="7131960" cy="1369800"/>
           </a:xfrm>
           <a:prstGeom prst="rect">
             <a:avLst/>
@@ -3062,9 +4858,20 @@
             <a:noFill/>
           </a:ln>
         </p:spPr>
+        <p:style>
+          <a:lnRef idx="0"/>
+          <a:fillRef idx="0"/>
+          <a:effectRef idx="0"/>
+          <a:fontRef idx="minor"/>
+        </p:style>
         <p:txBody>
           <a:bodyPr lIns="90000" rIns="90000" tIns="45000" bIns="45000"/>
           <a:p>
+            <a:pPr>
+              <a:lnSpc>
+                <a:spcPct val="100000"/>
+              </a:lnSpc>
+            </a:pPr>
             <a:r>
               <a:rPr b="0" lang="en-US" sz="1800" spc="-1" strike="noStrike">
                 <a:latin typeface="Arial"/>
@@ -3076,6 +4883,11 @@
             </a:endParaRPr>
           </a:p>
           <a:p>
+            <a:pPr>
+              <a:lnSpc>
+                <a:spcPct val="100000"/>
+              </a:lnSpc>
+            </a:pPr>
             <a:r>
               <a:rPr b="0" lang="en-US" sz="1800" spc="-1" strike="noStrike">
                 <a:latin typeface="Arial"/>
@@ -3087,19 +4899,37 @@
             </a:endParaRPr>
           </a:p>
           <a:p>
+            <a:pPr>
+              <a:lnSpc>
+                <a:spcPct val="100000"/>
+              </a:lnSpc>
+            </a:pPr>
             <a:endParaRPr b="0" lang="en-US" sz="1800" spc="-1" strike="noStrike">
               <a:latin typeface="Arial"/>
             </a:endParaRPr>
           </a:p>
           <a:p>
+            <a:pPr>
+              <a:lnSpc>
+                <a:spcPct val="100000"/>
+              </a:lnSpc>
+            </a:pPr>
             <a:endParaRPr b="0" lang="en-US" sz="1800" spc="-1" strike="noStrike">
               <a:latin typeface="Arial"/>
             </a:endParaRPr>
           </a:p>
           <a:p>
-            <a:pPr algn="ctr"/>
-            <a:r>
-              <a:rPr b="0" lang="en-US" sz="1800" spc="-1" strike="noStrike">
+            <a:pPr algn="ctr">
+              <a:lnSpc>
+                <a:spcPct val="100000"/>
+              </a:lnSpc>
+            </a:pPr>
+            <a:r>
+              <a:rPr b="0" lang="en-US" sz="1800" spc="-1" strike="noStrike" u="sng">
+                <a:solidFill>
+                  <a:srgbClr val="0000ff"/>
+                </a:solidFill>
+                <a:uFillTx/>
                 <a:latin typeface="Arial"/>
                 <a:hlinkClick r:id="rId2"/>
               </a:rPr>
@@ -3116,10 +4946,10 @@
   <p:timing>
     <p:tnLst>
       <p:par>
-        <p:cTn id="39" dur="indefinite" restart="never" nodeType="tmRoot">
+        <p:cTn id="43" dur="indefinite" restart="never" nodeType="tmRoot">
           <p:childTnLst>
             <p:seq>
-              <p:cTn id="40" dur="indefinite" nodeType="mainSeq"/>
+              <p:cTn id="44" dur="indefinite" nodeType="mainSeq"/>
               <p:prevCondLst>
                 <p:cond delay="0" evt="onPrev">
                   <p:tgtEl>
@@ -3162,14 +4992,14 @@
       </p:grpSpPr>
       <p:sp>
         <p:nvSpPr>
-          <p:cNvPr id="89" name="TextShape 1"/>
-          <p:cNvSpPr txBox="1"/>
+          <p:cNvPr id="163" name="CustomShape 1"/>
+          <p:cNvSpPr/>
           <p:nvPr/>
         </p:nvSpPr>
         <p:spPr>
           <a:xfrm>
             <a:off x="1620000" y="-10800"/>
-            <a:ext cx="8100000" cy="1390320"/>
+            <a:ext cx="8099640" cy="1389960"/>
           </a:xfrm>
           <a:prstGeom prst="rect">
             <a:avLst/>
@@ -3179,12 +5009,22 @@
             <a:noFill/>
           </a:ln>
         </p:spPr>
+        <p:style>
+          <a:lnRef idx="0"/>
+          <a:fillRef idx="0"/>
+          <a:effectRef idx="0"/>
+          <a:fontRef idx="minor"/>
+        </p:style>
         <p:txBody>
           <a:bodyPr lIns="0" rIns="0" tIns="0" bIns="0" anchor="ctr">
             <a:normAutofit/>
           </a:bodyPr>
           <a:p>
-            <a:pPr algn="ctr"/>
+            <a:pPr algn="ctr">
+              <a:lnSpc>
+                <a:spcPct val="100000"/>
+              </a:lnSpc>
+            </a:pPr>
             <a:r>
               <a:rPr b="0" lang="en-US" sz="3300" spc="-1" strike="noStrike">
                 <a:solidFill>
@@ -3195,24 +5035,21 @@
               <a:t>Additional resources</a:t>
             </a:r>
             <a:endParaRPr b="0" lang="en-US" sz="3300" spc="-1" strike="noStrike">
-              <a:solidFill>
-                <a:srgbClr val="050505"/>
-              </a:solidFill>
-              <a:latin typeface="Times New Roman"/>
-            </a:endParaRPr>
-          </a:p>
-        </p:txBody>
-      </p:sp>
-      <p:sp>
-        <p:nvSpPr>
-          <p:cNvPr id="90" name="TextShape 2"/>
-          <p:cNvSpPr txBox="1"/>
+              <a:latin typeface="Arial"/>
+            </a:endParaRPr>
+          </a:p>
+        </p:txBody>
+      </p:sp>
+      <p:sp>
+        <p:nvSpPr>
+          <p:cNvPr id="164" name="CustomShape 2"/>
+          <p:cNvSpPr/>
           <p:nvPr/>
         </p:nvSpPr>
         <p:spPr>
           <a:xfrm>
             <a:off x="1620000" y="1368000"/>
-            <a:ext cx="8100000" cy="3288240"/>
+            <a:ext cx="8099640" cy="3287880"/>
           </a:xfrm>
           <a:prstGeom prst="rect">
             <a:avLst/>
@@ -3222,12 +5059,21 @@
             <a:noFill/>
           </a:ln>
         </p:spPr>
+        <p:style>
+          <a:lnRef idx="0"/>
+          <a:fillRef idx="0"/>
+          <a:effectRef idx="0"/>
+          <a:fontRef idx="minor"/>
+        </p:style>
         <p:txBody>
           <a:bodyPr lIns="0" rIns="0" tIns="0" bIns="0">
             <a:normAutofit/>
           </a:bodyPr>
           <a:p>
-            <a:pPr marL="432000" indent="-324000">
+            <a:pPr marL="432000" indent="-323640">
+              <a:lnSpc>
+                <a:spcPct val="100000"/>
+              </a:lnSpc>
               <a:spcAft>
                 <a:spcPts val="1060"/>
               </a:spcAft>
@@ -3248,24 +5094,38 @@
               <a:t>Galaxy Community Hub’s RNA-Seq Introduction: </a:t>
             </a:r>
             <a:r>
-              <a:rPr b="0" lang="en-US" sz="1800" spc="-1" strike="noStrike">
-                <a:solidFill>
-                  <a:srgbClr val="050505"/>
-                </a:solidFill>
+              <a:rPr b="0" lang="en-US" sz="1800" spc="-1" strike="noStrike" u="sng">
+                <a:solidFill>
+                  <a:srgbClr val="0000ff"/>
+                </a:solidFill>
+                <a:uFillTx/>
                 <a:latin typeface="Arial"/>
                 <a:hlinkClick r:id="rId1"/>
               </a:rPr>
               <a:t>https://galaxyproject.org/tutorials/rb_rnaseq/</a:t>
             </a:r>
             <a:endParaRPr b="0" lang="en-US" sz="1800" spc="-1" strike="noStrike">
-              <a:solidFill>
-                <a:srgbClr val="050505"/>
-              </a:solidFill>
-              <a:latin typeface="Arial"/>
-            </a:endParaRPr>
-          </a:p>
-          <a:p>
-            <a:pPr marL="432000" indent="-324000">
+              <a:latin typeface="Arial"/>
+            </a:endParaRPr>
+          </a:p>
+          <a:p>
+            <a:pPr>
+              <a:lnSpc>
+                <a:spcPct val="100000"/>
+              </a:lnSpc>
+              <a:spcAft>
+                <a:spcPts val="1060"/>
+              </a:spcAft>
+            </a:pPr>
+            <a:endParaRPr b="0" lang="en-US" sz="1800" spc="-1" strike="noStrike">
+              <a:latin typeface="Arial"/>
+            </a:endParaRPr>
+          </a:p>
+          <a:p>
+            <a:pPr marL="432000" indent="-323640">
+              <a:lnSpc>
+                <a:spcPct val="100000"/>
+              </a:lnSpc>
               <a:spcAft>
                 <a:spcPts val="1060"/>
               </a:spcAft>
@@ -3276,15 +5136,34 @@
               <a:buFont typeface="Wingdings" charset="2"/>
               <a:buChar char=""/>
             </a:pPr>
-            <a:endParaRPr b="0" lang="en-US" sz="1800" spc="-1" strike="noStrike">
-              <a:solidFill>
-                <a:srgbClr val="050505"/>
-              </a:solidFill>
-              <a:latin typeface="Arial"/>
-            </a:endParaRPr>
-          </a:p>
-          <a:p>
-            <a:pPr marL="432000" indent="-324000">
+            <a:r>
+              <a:rPr b="0" lang="en-US" sz="2000" spc="-1" strike="noStrike">
+                <a:solidFill>
+                  <a:srgbClr val="050505"/>
+                </a:solidFill>
+                <a:latin typeface="Arial"/>
+              </a:rPr>
+              <a:t>FastQC Tutorial &amp; FAQ: </a:t>
+            </a:r>
+            <a:r>
+              <a:rPr b="0" lang="en-US" sz="2000" spc="-1" strike="noStrike">
+                <a:solidFill>
+                  <a:srgbClr val="050505"/>
+                </a:solidFill>
+                <a:latin typeface="Arial"/>
+                <a:hlinkClick r:id="rId2"/>
+              </a:rPr>
+              <a:t>https://rtsf.natsci.msu.edu/genomics/tech-notes/fastqc-tutorial-and-faq/</a:t>
+            </a:r>
+            <a:endParaRPr b="0" lang="en-US" sz="2000" spc="-1" strike="noStrike">
+              <a:latin typeface="Arial"/>
+            </a:endParaRPr>
+          </a:p>
+          <a:p>
+            <a:pPr marL="432000" indent="-323640">
+              <a:lnSpc>
+                <a:spcPct val="100000"/>
+              </a:lnSpc>
               <a:spcAft>
                 <a:spcPts val="1060"/>
               </a:spcAft>
@@ -3295,34 +5174,15 @@
               <a:buFont typeface="Wingdings" charset="2"/>
               <a:buChar char=""/>
             </a:pPr>
-            <a:r>
-              <a:rPr b="0" lang="en-US" sz="2000" spc="-1" strike="noStrike">
-                <a:solidFill>
-                  <a:srgbClr val="050505"/>
-                </a:solidFill>
-                <a:latin typeface="Arial"/>
-              </a:rPr>
-              <a:t>Description of normalized RNA-Seq expression measures:</a:t>
-            </a:r>
-            <a:r>
-              <a:rPr b="0" lang="en-US" sz="1800" spc="-1" strike="noStrike">
-                <a:solidFill>
-                  <a:srgbClr val="050505"/>
-                </a:solidFill>
-                <a:latin typeface="Arial"/>
-                <a:hlinkClick r:id="rId2"/>
-              </a:rPr>
-              <a:t>https://statquest.org/2015/07/09/rpkm-fpkm-and-tpm-clearly-explained/</a:t>
-            </a:r>
-            <a:endParaRPr b="0" lang="en-US" sz="1800" spc="-1" strike="noStrike">
-              <a:solidFill>
-                <a:srgbClr val="050505"/>
-              </a:solidFill>
-              <a:latin typeface="Arial"/>
-            </a:endParaRPr>
-          </a:p>
-          <a:p>
-            <a:pPr marL="432000" indent="-324000">
+            <a:endParaRPr b="0" lang="en-US" sz="2000" spc="-1" strike="noStrike">
+              <a:latin typeface="Arial"/>
+            </a:endParaRPr>
+          </a:p>
+          <a:p>
+            <a:pPr marL="432000" indent="-323640">
+              <a:lnSpc>
+                <a:spcPct val="100000"/>
+              </a:lnSpc>
               <a:spcAft>
                 <a:spcPts val="1060"/>
               </a:spcAft>
@@ -3333,15 +5193,48 @@
               <a:buFont typeface="Wingdings" charset="2"/>
               <a:buChar char=""/>
             </a:pPr>
+            <a:r>
+              <a:rPr b="0" lang="en-US" sz="2000" spc="-1" strike="noStrike">
+                <a:solidFill>
+                  <a:srgbClr val="050505"/>
+                </a:solidFill>
+                <a:latin typeface="Arial"/>
+              </a:rPr>
+              <a:t>Description of normalized RNA-Seq expression measures:</a:t>
+            </a:r>
+            <a:r>
+              <a:rPr b="0" lang="en-US" sz="1800" spc="-1" strike="noStrike" u="sng">
+                <a:solidFill>
+                  <a:srgbClr val="0000ff"/>
+                </a:solidFill>
+                <a:uFillTx/>
+                <a:latin typeface="Arial"/>
+                <a:hlinkClick r:id="rId3"/>
+              </a:rPr>
+              <a:t>https://statquest.org/2015/07/09/rpkm-fpkm-and-tpm-clearly-explained/</a:t>
+            </a:r>
             <a:endParaRPr b="0" lang="en-US" sz="1800" spc="-1" strike="noStrike">
-              <a:solidFill>
-                <a:srgbClr val="050505"/>
-              </a:solidFill>
-              <a:latin typeface="Arial"/>
-            </a:endParaRPr>
-          </a:p>
-          <a:p>
-            <a:pPr marL="432000" indent="-324000">
+              <a:latin typeface="Arial"/>
+            </a:endParaRPr>
+          </a:p>
+          <a:p>
+            <a:pPr>
+              <a:lnSpc>
+                <a:spcPct val="100000"/>
+              </a:lnSpc>
+              <a:spcAft>
+                <a:spcPts val="1060"/>
+              </a:spcAft>
+            </a:pPr>
+            <a:endParaRPr b="0" lang="en-US" sz="1800" spc="-1" strike="noStrike">
+              <a:latin typeface="Arial"/>
+            </a:endParaRPr>
+          </a:p>
+          <a:p>
+            <a:pPr marL="432000" indent="-323640">
+              <a:lnSpc>
+                <a:spcPct val="100000"/>
+              </a:lnSpc>
               <a:spcAft>
                 <a:spcPts val="1060"/>
               </a:spcAft>
@@ -3362,9 +5255,6 @@
               <a:t> </a:t>
             </a:r>
             <a:endParaRPr b="0" lang="en-US" sz="1800" spc="-1" strike="noStrike">
-              <a:solidFill>
-                <a:srgbClr val="050505"/>
-              </a:solidFill>
               <a:latin typeface="Arial"/>
             </a:endParaRPr>
           </a:p>
@@ -3375,10 +5265,10 @@
   <p:timing>
     <p:tnLst>
       <p:par>
-        <p:cTn id="41" dur="indefinite" restart="never" nodeType="tmRoot">
+        <p:cTn id="45" dur="indefinite" restart="never" nodeType="tmRoot">
           <p:childTnLst>
             <p:seq>
-              <p:cTn id="42" dur="indefinite" nodeType="mainSeq"/>
+              <p:cTn id="46" dur="indefinite" nodeType="mainSeq"/>
               <p:prevCondLst>
                 <p:cond delay="0" evt="onPrev">
                   <p:tgtEl>
@@ -3421,14 +5311,14 @@
       </p:grpSpPr>
       <p:sp>
         <p:nvSpPr>
-          <p:cNvPr id="91" name="TextShape 1"/>
-          <p:cNvSpPr txBox="1"/>
+          <p:cNvPr id="165" name="CustomShape 1"/>
+          <p:cNvSpPr/>
           <p:nvPr/>
         </p:nvSpPr>
         <p:spPr>
           <a:xfrm>
             <a:off x="1620000" y="1494360"/>
-            <a:ext cx="8100000" cy="1908360"/>
+            <a:ext cx="8099640" cy="1908000"/>
           </a:xfrm>
           <a:prstGeom prst="rect">
             <a:avLst/>
@@ -3438,12 +5328,22 @@
             <a:noFill/>
           </a:ln>
         </p:spPr>
+        <p:style>
+          <a:lnRef idx="0"/>
+          <a:fillRef idx="0"/>
+          <a:effectRef idx="0"/>
+          <a:fontRef idx="minor"/>
+        </p:style>
         <p:txBody>
           <a:bodyPr lIns="0" rIns="0" tIns="0" bIns="0" anchor="ctr">
             <a:normAutofit/>
           </a:bodyPr>
           <a:p>
-            <a:pPr algn="ctr"/>
+            <a:pPr algn="ctr">
+              <a:lnSpc>
+                <a:spcPct val="100000"/>
+              </a:lnSpc>
+            </a:pPr>
             <a:r>
               <a:rPr b="0" lang="en-US" sz="3400" spc="-1" strike="noStrike">
                 <a:solidFill>
@@ -3465,10 +5365,7 @@
               <a:t>Any questions?</a:t>
             </a:r>
             <a:endParaRPr b="0" lang="en-US" sz="3400" spc="-1" strike="noStrike">
-              <a:solidFill>
-                <a:srgbClr val="050505"/>
-              </a:solidFill>
-              <a:latin typeface="Times New Roman"/>
+              <a:latin typeface="Arial"/>
             </a:endParaRPr>
           </a:p>
         </p:txBody>
@@ -3478,10 +5375,10 @@
   <p:timing>
     <p:tnLst>
       <p:par>
-        <p:cTn id="43" dur="indefinite" restart="never" nodeType="tmRoot">
+        <p:cTn id="47" dur="indefinite" restart="never" nodeType="tmRoot">
           <p:childTnLst>
             <p:seq>
-              <p:cTn id="44" dur="indefinite" nodeType="mainSeq"/>
+              <p:cTn id="48" dur="indefinite" nodeType="mainSeq"/>
               <p:prevCondLst>
                 <p:cond delay="0" evt="onPrev">
                   <p:tgtEl>
@@ -3524,14 +5421,14 @@
       </p:grpSpPr>
       <p:sp>
         <p:nvSpPr>
-          <p:cNvPr id="44" name="TextShape 1"/>
-          <p:cNvSpPr txBox="1"/>
+          <p:cNvPr id="80" name="CustomShape 1"/>
+          <p:cNvSpPr/>
           <p:nvPr/>
         </p:nvSpPr>
         <p:spPr>
           <a:xfrm>
             <a:off x="1620000" y="216000"/>
-            <a:ext cx="8100000" cy="936000"/>
+            <a:ext cx="8099640" cy="935640"/>
           </a:xfrm>
           <a:prstGeom prst="rect">
             <a:avLst/>
@@ -3541,12 +5438,22 @@
             <a:noFill/>
           </a:ln>
         </p:spPr>
+        <p:style>
+          <a:lnRef idx="0"/>
+          <a:fillRef idx="0"/>
+          <a:effectRef idx="0"/>
+          <a:fontRef idx="minor"/>
+        </p:style>
         <p:txBody>
           <a:bodyPr lIns="0" rIns="0" tIns="0" bIns="0" anchor="ctr">
             <a:normAutofit/>
           </a:bodyPr>
           <a:p>
-            <a:pPr algn="ctr"/>
+            <a:pPr algn="ctr">
+              <a:lnSpc>
+                <a:spcPct val="100000"/>
+              </a:lnSpc>
+            </a:pPr>
             <a:r>
               <a:rPr b="0" lang="en-US" sz="3300" spc="-1" strike="noStrike">
                 <a:solidFill>
@@ -3557,24 +5464,21 @@
               <a:t>What is RNA-Seq analysis?</a:t>
             </a:r>
             <a:endParaRPr b="0" lang="en-US" sz="3300" spc="-1" strike="noStrike">
-              <a:solidFill>
-                <a:srgbClr val="050505"/>
-              </a:solidFill>
-              <a:latin typeface="Times New Roman"/>
-            </a:endParaRPr>
-          </a:p>
-        </p:txBody>
-      </p:sp>
-      <p:sp>
-        <p:nvSpPr>
-          <p:cNvPr id="45" name="TextShape 2"/>
-          <p:cNvSpPr txBox="1"/>
+              <a:latin typeface="Arial"/>
+            </a:endParaRPr>
+          </a:p>
+        </p:txBody>
+      </p:sp>
+      <p:sp>
+        <p:nvSpPr>
+          <p:cNvPr id="81" name="CustomShape 2"/>
+          <p:cNvSpPr/>
           <p:nvPr/>
         </p:nvSpPr>
         <p:spPr>
           <a:xfrm>
             <a:off x="1620000" y="1974960"/>
-            <a:ext cx="8100000" cy="3288240"/>
+            <a:ext cx="8099640" cy="3287880"/>
           </a:xfrm>
           <a:prstGeom prst="rect">
             <a:avLst/>
@@ -3584,12 +5488,21 @@
             <a:noFill/>
           </a:ln>
         </p:spPr>
+        <p:style>
+          <a:lnRef idx="0"/>
+          <a:fillRef idx="0"/>
+          <a:effectRef idx="0"/>
+          <a:fontRef idx="minor"/>
+        </p:style>
         <p:txBody>
           <a:bodyPr lIns="0" rIns="0" tIns="0" bIns="0">
             <a:normAutofit/>
           </a:bodyPr>
           <a:p>
-            <a:pPr marL="432000" indent="-324000" algn="ctr">
+            <a:pPr marL="432000" indent="-323640" algn="ctr">
+              <a:lnSpc>
+                <a:spcPct val="100000"/>
+              </a:lnSpc>
               <a:spcAft>
                 <a:spcPts val="1060"/>
               </a:spcAft>
@@ -3664,9 +5577,6 @@
               <a:t> from a collection of cells</a:t>
             </a:r>
             <a:endParaRPr b="0" lang="en-US" sz="2400" spc="-1" strike="noStrike">
-              <a:solidFill>
-                <a:srgbClr val="050505"/>
-              </a:solidFill>
               <a:latin typeface="Arial"/>
             </a:endParaRPr>
           </a:p>
@@ -3674,6 +5584,33 @@
       </p:sp>
     </p:spTree>
   </p:cSld>
+  <p:timing>
+    <p:tnLst>
+      <p:par>
+        <p:cTn id="3" dur="indefinite" restart="never" nodeType="tmRoot">
+          <p:childTnLst>
+            <p:seq>
+              <p:cTn id="4" dur="indefinite" nodeType="mainSeq"/>
+              <p:prevCondLst>
+                <p:cond delay="0" evt="onPrev">
+                  <p:tgtEl>
+                    <p:sldTgt/>
+                  </p:tgtEl>
+                </p:cond>
+              </p:prevCondLst>
+              <p:nextCondLst>
+                <p:cond delay="0" evt="onNext">
+                  <p:tgtEl>
+                    <p:sldTgt/>
+                  </p:tgtEl>
+                </p:cond>
+              </p:nextCondLst>
+            </p:seq>
+          </p:childTnLst>
+        </p:cTn>
+      </p:par>
+    </p:tnLst>
+  </p:timing>
 </p:sld>
 </file>
 
@@ -3696,14 +5633,14 @@
       </p:grpSpPr>
       <p:sp>
         <p:nvSpPr>
-          <p:cNvPr id="46" name="TextShape 1"/>
-          <p:cNvSpPr txBox="1"/>
+          <p:cNvPr id="82" name="CustomShape 1"/>
+          <p:cNvSpPr/>
           <p:nvPr/>
         </p:nvSpPr>
         <p:spPr>
           <a:xfrm>
             <a:off x="1620000" y="216000"/>
-            <a:ext cx="8100000" cy="936000"/>
+            <a:ext cx="8099640" cy="935640"/>
           </a:xfrm>
           <a:prstGeom prst="rect">
             <a:avLst/>
@@ -3713,12 +5650,22 @@
             <a:noFill/>
           </a:ln>
         </p:spPr>
+        <p:style>
+          <a:lnRef idx="0"/>
+          <a:fillRef idx="0"/>
+          <a:effectRef idx="0"/>
+          <a:fontRef idx="minor"/>
+        </p:style>
         <p:txBody>
           <a:bodyPr lIns="0" rIns="0" tIns="0" bIns="0" anchor="ctr">
             <a:normAutofit/>
           </a:bodyPr>
           <a:p>
-            <a:pPr algn="ctr"/>
+            <a:pPr algn="ctr">
+              <a:lnSpc>
+                <a:spcPct val="100000"/>
+              </a:lnSpc>
+            </a:pPr>
             <a:r>
               <a:rPr b="0" lang="en-US" sz="3300" spc="-1" strike="noStrike">
                 <a:solidFill>
@@ -3729,17 +5676,14 @@
               <a:t>What is RNA-Seq analysis?</a:t>
             </a:r>
             <a:endParaRPr b="0" lang="en-US" sz="3300" spc="-1" strike="noStrike">
-              <a:solidFill>
-                <a:srgbClr val="050505"/>
-              </a:solidFill>
-              <a:latin typeface="Times New Roman"/>
+              <a:latin typeface="Arial"/>
             </a:endParaRPr>
           </a:p>
         </p:txBody>
       </p:sp>
       <p:pic>
         <p:nvPicPr>
-          <p:cNvPr id="47" name="" descr=""/>
+          <p:cNvPr id="83" name="" descr=""/>
           <p:cNvPicPr/>
           <p:nvPr/>
         </p:nvPicPr>
@@ -3750,7 +5694,7 @@
         <p:spPr>
           <a:xfrm>
             <a:off x="2684880" y="943560"/>
-            <a:ext cx="5760720" cy="4537440"/>
+            <a:ext cx="5760360" cy="4537080"/>
           </a:xfrm>
           <a:prstGeom prst="rect">
             <a:avLst/>
@@ -3762,55 +5706,19 @@
       </p:pic>
       <p:sp>
         <p:nvSpPr>
-          <p:cNvPr id="48" name="TextShape 2"/>
-          <p:cNvSpPr txBox="1"/>
-          <p:nvPr/>
-        </p:nvSpPr>
-        <p:spPr>
-          <a:xfrm>
-            <a:off x="2690640" y="5432760"/>
-            <a:ext cx="5394960" cy="327960"/>
-          </a:xfrm>
-          <a:prstGeom prst="rect">
-            <a:avLst/>
-          </a:prstGeom>
-          <a:noFill/>
-          <a:ln>
-            <a:noFill/>
-          </a:ln>
-        </p:spPr>
-        <p:txBody>
-          <a:bodyPr lIns="90000" rIns="90000" tIns="45000" bIns="45000"/>
-          <a:p>
-            <a:r>
-              <a:rPr b="0" lang="en-US" sz="1200" spc="-1" strike="noStrike">
-                <a:latin typeface="Arial"/>
-              </a:rPr>
-              <a:t>https://en.wikipedia.org/wiki/RNA-Seq</a:t>
-            </a:r>
-            <a:endParaRPr b="0" lang="en-US" sz="1200" spc="-1" strike="noStrike">
-              <a:latin typeface="Arial"/>
-            </a:endParaRPr>
-          </a:p>
-        </p:txBody>
-      </p:sp>
-      <p:sp>
-        <p:nvSpPr>
-          <p:cNvPr id="49" name="CustomShape 3"/>
+          <p:cNvPr id="84" name="CustomShape 2"/>
           <p:cNvSpPr/>
           <p:nvPr/>
         </p:nvSpPr>
         <p:spPr>
           <a:xfrm>
-            <a:off x="4572000" y="3657600"/>
-            <a:ext cx="1097280" cy="731520"/>
-          </a:xfrm>
-          <a:prstGeom prst="ellipse">
-            <a:avLst/>
-          </a:prstGeom>
-          <a:solidFill>
-            <a:srgbClr val="ffffff"/>
-          </a:solidFill>
+            <a:off x="2690640" y="5432760"/>
+            <a:ext cx="5394600" cy="327600"/>
+          </a:xfrm>
+          <a:prstGeom prst="rect">
+            <a:avLst/>
+          </a:prstGeom>
+          <a:noFill/>
           <a:ln>
             <a:noFill/>
           </a:ln>
@@ -3821,16 +5729,112 @@
           <a:effectRef idx="0"/>
           <a:fontRef idx="minor"/>
         </p:style>
+        <p:txBody>
+          <a:bodyPr lIns="90000" rIns="90000" tIns="45000" bIns="45000"/>
+          <a:p>
+            <a:pPr>
+              <a:lnSpc>
+                <a:spcPct val="100000"/>
+              </a:lnSpc>
+            </a:pPr>
+            <a:r>
+              <a:rPr b="0" lang="en-US" sz="1200" spc="-1" strike="noStrike">
+                <a:latin typeface="Arial"/>
+              </a:rPr>
+              <a:t>https://en.wikipedia.org/wiki/RNA-Seq</a:t>
+            </a:r>
+            <a:endParaRPr b="0" lang="en-US" sz="1200" spc="-1" strike="noStrike">
+              <a:latin typeface="Arial"/>
+            </a:endParaRPr>
+          </a:p>
+        </p:txBody>
+      </p:sp>
+      <p:sp>
+        <p:nvSpPr>
+          <p:cNvPr id="85" name="CustomShape 3"/>
+          <p:cNvSpPr/>
+          <p:nvPr/>
+        </p:nvSpPr>
+        <p:spPr>
+          <a:xfrm>
+            <a:off x="4464000" y="3657600"/>
+            <a:ext cx="3455280" cy="731160"/>
+          </a:xfrm>
+          <a:prstGeom prst="ellipse">
+            <a:avLst/>
+          </a:prstGeom>
+          <a:noFill/>
+          <a:ln w="36720">
+            <a:solidFill>
+              <a:srgbClr val="ed1c24"/>
+            </a:solidFill>
+            <a:round/>
+          </a:ln>
+        </p:spPr>
+        <p:style>
+          <a:lnRef idx="0"/>
+          <a:fillRef idx="0"/>
+          <a:effectRef idx="0"/>
+          <a:fontRef idx="minor"/>
+        </p:style>
+      </p:sp>
+      <p:sp>
+        <p:nvSpPr>
+          <p:cNvPr id="86" name="CustomShape 4"/>
+          <p:cNvSpPr/>
+          <p:nvPr/>
+        </p:nvSpPr>
+        <p:spPr>
+          <a:xfrm>
+            <a:off x="8412480" y="3592080"/>
+            <a:ext cx="1668240" cy="431280"/>
+          </a:xfrm>
+          <a:prstGeom prst="rect">
+            <a:avLst/>
+          </a:prstGeom>
+          <a:noFill/>
+          <a:ln>
+            <a:noFill/>
+          </a:ln>
+        </p:spPr>
+        <p:style>
+          <a:lnRef idx="0"/>
+          <a:fillRef idx="0"/>
+          <a:effectRef idx="0"/>
+          <a:fontRef idx="minor"/>
+        </p:style>
+        <p:txBody>
+          <a:bodyPr lIns="90000" rIns="90000" tIns="45000" bIns="45000"/>
+          <a:p>
+            <a:pPr algn="ctr">
+              <a:lnSpc>
+                <a:spcPct val="100000"/>
+              </a:lnSpc>
+            </a:pPr>
+            <a:r>
+              <a:rPr b="1" lang="en-US" sz="1200" spc="-1" strike="noStrike">
+                <a:solidFill>
+                  <a:srgbClr val="ce181e"/>
+                </a:solidFill>
+                <a:latin typeface="Arial"/>
+              </a:rPr>
+              <a:t>These short strands that result from sequencing are called ‘reads’</a:t>
+            </a:r>
+            <a:endParaRPr b="0" lang="en-US" sz="1200" spc="-1" strike="noStrike">
+              <a:latin typeface="Arial"/>
+            </a:endParaRPr>
+          </a:p>
+        </p:txBody>
       </p:sp>
     </p:spTree>
   </p:cSld>
   <p:timing>
     <p:tnLst>
       <p:par>
-        <p:cTn id="1" dur="indefinite" restart="never" nodeType="tmRoot">
+        <p:cTn id="5" dur="indefinite" restart="never" nodeType="tmRoot">
           <p:childTnLst>
             <p:seq>
-              <p:cTn id="2" dur="indefinite" nodeType="mainSeq"/>
+              <p:cTn id="6" dur="indefinite" nodeType="mainSeq"/>
               <p:prevCondLst>
                 <p:cond delay="0" evt="onPrev">
                   <p:tgtEl>
@@ -3873,14 +5877,14 @@
       </p:grpSpPr>
       <p:sp>
         <p:nvSpPr>
-          <p:cNvPr id="50" name="TextShape 1"/>
-          <p:cNvSpPr txBox="1"/>
+          <p:cNvPr id="87" name="CustomShape 1"/>
+          <p:cNvSpPr/>
           <p:nvPr/>
         </p:nvSpPr>
         <p:spPr>
           <a:xfrm>
             <a:off x="1620000" y="216000"/>
-            <a:ext cx="8100000" cy="936000"/>
+            <a:ext cx="8099640" cy="935640"/>
           </a:xfrm>
           <a:prstGeom prst="rect">
             <a:avLst/>
@@ -3890,12 +5894,22 @@
             <a:noFill/>
           </a:ln>
         </p:spPr>
+        <p:style>
+          <a:lnRef idx="0"/>
+          <a:fillRef idx="0"/>
+          <a:effectRef idx="0"/>
+          <a:fontRef idx="minor"/>
+        </p:style>
         <p:txBody>
           <a:bodyPr lIns="0" rIns="0" tIns="0" bIns="0" anchor="ctr">
             <a:normAutofit/>
           </a:bodyPr>
           <a:p>
-            <a:pPr algn="ctr"/>
+            <a:pPr algn="ctr">
+              <a:lnSpc>
+                <a:spcPct val="100000"/>
+              </a:lnSpc>
+            </a:pPr>
             <a:r>
               <a:rPr b="0" lang="en-US" sz="3300" spc="-1" strike="noStrike">
                 <a:solidFill>
@@ -3903,29 +5917,17 @@
                 </a:solidFill>
                 <a:latin typeface="Times New Roman"/>
               </a:rPr>
-              <a:t>What are the different stages of RNA-Seq </a:t>
-            </a:r>
-            <a:r>
-              <a:rPr b="0" lang="en-US" sz="3300" spc="-1" strike="noStrike">
-                <a:solidFill>
-                  <a:srgbClr val="050505"/>
-                </a:solidFill>
-                <a:latin typeface="Times New Roman"/>
-              </a:rPr>
-              <a:t>analysis?</a:t>
+              <a:t>What are the different stages of RNA-Seq analysis?</a:t>
             </a:r>
             <a:endParaRPr b="0" lang="en-US" sz="3300" spc="-1" strike="noStrike">
-              <a:solidFill>
-                <a:srgbClr val="050505"/>
-              </a:solidFill>
-              <a:latin typeface="Times New Roman"/>
+              <a:latin typeface="Arial"/>
             </a:endParaRPr>
           </a:p>
         </p:txBody>
       </p:sp>
       <p:pic>
         <p:nvPicPr>
-          <p:cNvPr id="51" name="" descr=""/>
+          <p:cNvPr id="88" name="" descr=""/>
           <p:cNvPicPr/>
           <p:nvPr/>
         </p:nvPicPr>
@@ -3936,7 +5938,7 @@
         <p:spPr>
           <a:xfrm>
             <a:off x="2283840" y="1275480"/>
-            <a:ext cx="5480280" cy="4119480"/>
+            <a:ext cx="5479920" cy="4119120"/>
           </a:xfrm>
           <a:prstGeom prst="rect">
             <a:avLst/>
@@ -3948,14 +5950,14 @@
       </p:pic>
       <p:sp>
         <p:nvSpPr>
-          <p:cNvPr id="52" name="CustomShape 2"/>
+          <p:cNvPr id="89" name="CustomShape 2"/>
           <p:cNvSpPr/>
           <p:nvPr/>
         </p:nvSpPr>
         <p:spPr>
           <a:xfrm>
             <a:off x="2377440" y="2001600"/>
-            <a:ext cx="1067040" cy="2387520"/>
+            <a:ext cx="1066680" cy="2387160"/>
           </a:xfrm>
           <a:prstGeom prst="rect">
             <a:avLst/>
@@ -3976,14 +5978,14 @@
       </p:sp>
       <p:sp>
         <p:nvSpPr>
-          <p:cNvPr id="53" name="CustomShape 3"/>
+          <p:cNvPr id="90" name="CustomShape 3"/>
           <p:cNvSpPr/>
           <p:nvPr/>
         </p:nvSpPr>
         <p:spPr>
           <a:xfrm>
             <a:off x="2560320" y="4923360"/>
-            <a:ext cx="920160" cy="365760"/>
+            <a:ext cx="919800" cy="365400"/>
           </a:xfrm>
           <a:prstGeom prst="rect">
             <a:avLst/>
@@ -4004,14 +6006,14 @@
       </p:sp>
       <p:sp>
         <p:nvSpPr>
-          <p:cNvPr id="54" name="TextShape 4"/>
-          <p:cNvSpPr txBox="1"/>
+          <p:cNvPr id="91" name="CustomShape 4"/>
+          <p:cNvSpPr/>
           <p:nvPr/>
         </p:nvSpPr>
         <p:spPr>
           <a:xfrm>
             <a:off x="3482640" y="5397120"/>
-            <a:ext cx="5394960" cy="327960"/>
+            <a:ext cx="5394600" cy="327600"/>
           </a:xfrm>
           <a:prstGeom prst="rect">
             <a:avLst/>
@@ -4021,9 +6023,20 @@
             <a:noFill/>
           </a:ln>
         </p:spPr>
+        <p:style>
+          <a:lnRef idx="0"/>
+          <a:fillRef idx="0"/>
+          <a:effectRef idx="0"/>
+          <a:fontRef idx="minor"/>
+        </p:style>
         <p:txBody>
           <a:bodyPr lIns="90000" rIns="90000" tIns="45000" bIns="45000"/>
           <a:p>
+            <a:pPr>
+              <a:lnSpc>
+                <a:spcPct val="100000"/>
+              </a:lnSpc>
+            </a:pPr>
             <a:r>
               <a:rPr b="0" lang="en-US" sz="1200" spc="-1" strike="noStrike">
                 <a:latin typeface="Arial"/>
@@ -4038,14 +6051,14 @@
       </p:sp>
       <p:sp>
         <p:nvSpPr>
-          <p:cNvPr id="55" name="TextShape 5"/>
-          <p:cNvSpPr txBox="1"/>
+          <p:cNvPr id="92" name="CustomShape 5"/>
+          <p:cNvSpPr/>
           <p:nvPr/>
         </p:nvSpPr>
         <p:spPr>
           <a:xfrm>
             <a:off x="1737360" y="2175120"/>
-            <a:ext cx="1828800" cy="431640"/>
+            <a:ext cx="1828440" cy="431280"/>
           </a:xfrm>
           <a:prstGeom prst="rect">
             <a:avLst/>
@@ -4055,10 +6068,20 @@
             <a:noFill/>
           </a:ln>
         </p:spPr>
+        <p:style>
+          <a:lnRef idx="0"/>
+          <a:fillRef idx="0"/>
+          <a:effectRef idx="0"/>
+          <a:fontRef idx="minor"/>
+        </p:style>
         <p:txBody>
           <a:bodyPr lIns="90000" rIns="90000" tIns="45000" bIns="45000"/>
           <a:p>
-            <a:pPr algn="ctr"/>
+            <a:pPr algn="ctr">
+              <a:lnSpc>
+                <a:spcPct val="100000"/>
+              </a:lnSpc>
+            </a:pPr>
             <a:r>
               <a:rPr b="1" lang="en-US" sz="1200" spc="-1" strike="noStrike">
                 <a:solidFill>
@@ -4076,14 +6099,14 @@
       </p:sp>
       <p:sp>
         <p:nvSpPr>
-          <p:cNvPr id="56" name="TextShape 6"/>
-          <p:cNvSpPr txBox="1"/>
+          <p:cNvPr id="93" name="CustomShape 6"/>
+          <p:cNvSpPr/>
           <p:nvPr/>
         </p:nvSpPr>
         <p:spPr>
           <a:xfrm>
             <a:off x="1737360" y="3039480"/>
-            <a:ext cx="1828800" cy="431640"/>
+            <a:ext cx="1828440" cy="431280"/>
           </a:xfrm>
           <a:prstGeom prst="rect">
             <a:avLst/>
@@ -4093,10 +6116,20 @@
             <a:noFill/>
           </a:ln>
         </p:spPr>
+        <p:style>
+          <a:lnRef idx="0"/>
+          <a:fillRef idx="0"/>
+          <a:effectRef idx="0"/>
+          <a:fontRef idx="minor"/>
+        </p:style>
         <p:txBody>
           <a:bodyPr lIns="90000" rIns="90000" tIns="45000" bIns="45000"/>
           <a:p>
-            <a:pPr algn="ctr"/>
+            <a:pPr algn="ctr">
+              <a:lnSpc>
+                <a:spcPct val="100000"/>
+              </a:lnSpc>
+            </a:pPr>
             <a:r>
               <a:rPr b="1" lang="en-US" sz="1200" spc="-1" strike="noStrike">
                 <a:solidFill>
@@ -4114,14 +6147,14 @@
       </p:sp>
       <p:sp>
         <p:nvSpPr>
-          <p:cNvPr id="57" name="TextShape 7"/>
-          <p:cNvSpPr txBox="1"/>
+          <p:cNvPr id="94" name="CustomShape 7"/>
+          <p:cNvSpPr/>
           <p:nvPr/>
         </p:nvSpPr>
         <p:spPr>
           <a:xfrm>
             <a:off x="1737360" y="3867840"/>
-            <a:ext cx="1828800" cy="602280"/>
+            <a:ext cx="1828440" cy="601920"/>
           </a:xfrm>
           <a:prstGeom prst="rect">
             <a:avLst/>
@@ -4131,10 +6164,20 @@
             <a:noFill/>
           </a:ln>
         </p:spPr>
+        <p:style>
+          <a:lnRef idx="0"/>
+          <a:fillRef idx="0"/>
+          <a:effectRef idx="0"/>
+          <a:fontRef idx="minor"/>
+        </p:style>
         <p:txBody>
           <a:bodyPr lIns="90000" rIns="90000" tIns="45000" bIns="45000"/>
           <a:p>
-            <a:pPr algn="ctr"/>
+            <a:pPr algn="ctr">
+              <a:lnSpc>
+                <a:spcPct val="100000"/>
+              </a:lnSpc>
+            </a:pPr>
             <a:r>
               <a:rPr b="1" lang="en-US" sz="1200" spc="-1" strike="noStrike">
                 <a:solidFill>
@@ -4152,14 +6195,14 @@
       </p:sp>
       <p:sp>
         <p:nvSpPr>
-          <p:cNvPr id="58" name="TextShape 8"/>
-          <p:cNvSpPr txBox="1"/>
+          <p:cNvPr id="95" name="CustomShape 8"/>
+          <p:cNvSpPr/>
           <p:nvPr/>
         </p:nvSpPr>
         <p:spPr>
           <a:xfrm>
             <a:off x="1737360" y="4804200"/>
-            <a:ext cx="1828800" cy="602280"/>
+            <a:ext cx="1828440" cy="601920"/>
           </a:xfrm>
           <a:prstGeom prst="rect">
             <a:avLst/>
@@ -4169,10 +6212,20 @@
             <a:noFill/>
           </a:ln>
         </p:spPr>
+        <p:style>
+          <a:lnRef idx="0"/>
+          <a:fillRef idx="0"/>
+          <a:effectRef idx="0"/>
+          <a:fontRef idx="minor"/>
+        </p:style>
         <p:txBody>
           <a:bodyPr lIns="90000" rIns="90000" tIns="45000" bIns="45000"/>
           <a:p>
-            <a:pPr algn="ctr"/>
+            <a:pPr algn="ctr">
+              <a:lnSpc>
+                <a:spcPct val="100000"/>
+              </a:lnSpc>
+            </a:pPr>
             <a:r>
               <a:rPr b="1" lang="en-US" sz="1200" spc="-1" strike="noStrike">
                 <a:solidFill>
@@ -4193,60 +6246,11 @@
   <p:timing>
     <p:tnLst>
       <p:par>
-        <p:cTn id="3" dur="indefinite" restart="never" nodeType="tmRoot">
+        <p:cTn id="7" dur="indefinite" restart="never" nodeType="tmRoot">
           <p:childTnLst>
             <p:seq>
-              <p:cTn id="4" dur="indefinite" nodeType="mainSeq">
+              <p:cTn id="8" dur="indefinite" nodeType="mainSeq">
                 <p:childTnLst>
-                  <p:par>
-                    <p:cTn id="5" fill="hold">
-                      <p:stCondLst>
-                        <p:cond delay="indefinite"/>
-                      </p:stCondLst>
-                      <p:childTnLst>
-                        <p:par>
-                          <p:cTn id="6" fill="hold">
-                            <p:stCondLst>
-                              <p:cond delay="0"/>
-                            </p:stCondLst>
-                            <p:childTnLst>
-                              <p:par>
-                                <p:cTn id="7" nodeType="clickEffect" fill="hold" presetClass="entr" presetID="1">
-                                  <p:stCondLst>
-                                    <p:cond delay="0"/>
-                                  </p:stCondLst>
-                                  <p:childTnLst>
-                                    <p:set>
-                                      <p:cBhvr>
-                                        <p:cTn id="8" dur="1" fill="hold">
-                                          <p:stCondLst>
-                                            <p:cond delay="0"/>
-                                          </p:stCondLst>
-                                        </p:cTn>
-                                        <p:tgtEl>
-                                          <p:spTgt spid="55">
-                                            <p:txEl>
-                                              <p:pRg st="0" end="0"/>
-                                            </p:txEl>
-                                          </p:spTgt>
-                                        </p:tgtEl>
-                                        <p:attrNameLst>
-                                          <p:attrName>style.visibility</p:attrName>
-                                        </p:attrNameLst>
-                                      </p:cBhvr>
-                                      <p:to>
-                                        <p:strVal val="visible"/>
-                                      </p:to>
-                                    </p:set>
-                                  </p:childTnLst>
-                                </p:cTn>
-                              </p:par>
-                            </p:childTnLst>
-                          </p:cTn>
-                        </p:par>
-                      </p:childTnLst>
-                    </p:cTn>
-                  </p:par>
                   <p:par>
                     <p:cTn id="9" fill="hold">
                       <p:stCondLst>
@@ -4273,7 +6277,7 @@
                                           </p:stCondLst>
                                         </p:cTn>
                                         <p:tgtEl>
-                                          <p:spTgt spid="56">
+                                          <p:spTgt spid="92">
                                             <p:txEl>
                                               <p:pRg st="0" end="0"/>
                                             </p:txEl>
@@ -4322,7 +6326,7 @@
                                           </p:stCondLst>
                                         </p:cTn>
                                         <p:tgtEl>
-                                          <p:spTgt spid="57">
+                                          <p:spTgt spid="93">
                                             <p:txEl>
                                               <p:pRg st="0" end="0"/>
                                             </p:txEl>
@@ -4371,7 +6375,56 @@
                                           </p:stCondLst>
                                         </p:cTn>
                                         <p:tgtEl>
-                                          <p:spTgt spid="58">
+                                          <p:spTgt spid="94">
+                                            <p:txEl>
+                                              <p:pRg st="0" end="0"/>
+                                            </p:txEl>
+                                          </p:spTgt>
+                                        </p:tgtEl>
+                                        <p:attrNameLst>
+                                          <p:attrName>style.visibility</p:attrName>
+                                        </p:attrNameLst>
+                                      </p:cBhvr>
+                                      <p:to>
+                                        <p:strVal val="visible"/>
+                                      </p:to>
+                                    </p:set>
+                                  </p:childTnLst>
+                                </p:cTn>
+                              </p:par>
+                            </p:childTnLst>
+                          </p:cTn>
+                        </p:par>
+                      </p:childTnLst>
+                    </p:cTn>
+                  </p:par>
+                  <p:par>
+                    <p:cTn id="21" fill="hold">
+                      <p:stCondLst>
+                        <p:cond delay="indefinite"/>
+                      </p:stCondLst>
+                      <p:childTnLst>
+                        <p:par>
+                          <p:cTn id="22" fill="hold">
+                            <p:stCondLst>
+                              <p:cond delay="0"/>
+                            </p:stCondLst>
+                            <p:childTnLst>
+                              <p:par>
+                                <p:cTn id="23" nodeType="clickEffect" fill="hold" presetClass="entr" presetID="1">
+                                  <p:stCondLst>
+                                    <p:cond delay="0"/>
+                                  </p:stCondLst>
+                                  <p:childTnLst>
+                                    <p:set>
+                                      <p:cBhvr>
+                                        <p:cTn id="24" dur="1" fill="hold">
+                                          <p:stCondLst>
+                                            <p:cond delay="0"/>
+                                          </p:stCondLst>
+                                        </p:cTn>
+                                        <p:tgtEl>
+                                          <p:spTgt spid="95">
                                             <p:txEl>
                                               <p:pRg st="0" end="0"/>
                                             </p:txEl>
@@ -4438,14 +6491,14 @@
       </p:grpSpPr>
       <p:sp>
         <p:nvSpPr>
-          <p:cNvPr id="59" name="TextShape 1"/>
-          <p:cNvSpPr txBox="1"/>
+          <p:cNvPr id="96" name="CustomShape 1"/>
+          <p:cNvSpPr/>
           <p:nvPr/>
         </p:nvSpPr>
         <p:spPr>
           <a:xfrm>
             <a:off x="1620000" y="216000"/>
-            <a:ext cx="8100000" cy="936000"/>
+            <a:ext cx="8099640" cy="935640"/>
           </a:xfrm>
           <a:prstGeom prst="rect">
             <a:avLst/>
@@ -4455,12 +6508,22 @@
             <a:noFill/>
           </a:ln>
         </p:spPr>
+        <p:style>
+          <a:lnRef idx="0"/>
+          <a:fillRef idx="0"/>
+          <a:effectRef idx="0"/>
+          <a:fontRef idx="minor"/>
+        </p:style>
         <p:txBody>
           <a:bodyPr lIns="0" rIns="0" tIns="0" bIns="0" anchor="ctr">
             <a:normAutofit/>
           </a:bodyPr>
           <a:p>
-            <a:pPr algn="ctr"/>
+            <a:pPr algn="ctr">
+              <a:lnSpc>
+                <a:spcPct val="100000"/>
+              </a:lnSpc>
+            </a:pPr>
             <a:r>
               <a:rPr b="0" lang="en-US" sz="3300" spc="-1" strike="noStrike">
                 <a:solidFill>
@@ -4471,17 +6534,14 @@
               <a:t>What are the different stages of RNA-Seq analysis?</a:t>
             </a:r>
             <a:endParaRPr b="0" lang="en-US" sz="3300" spc="-1" strike="noStrike">
-              <a:solidFill>
-                <a:srgbClr val="050505"/>
-              </a:solidFill>
-              <a:latin typeface="Times New Roman"/>
+              <a:latin typeface="Arial"/>
             </a:endParaRPr>
           </a:p>
         </p:txBody>
       </p:sp>
       <p:pic>
         <p:nvPicPr>
-          <p:cNvPr id="60" name="" descr=""/>
+          <p:cNvPr id="97" name="" descr=""/>
           <p:cNvPicPr/>
           <p:nvPr/>
         </p:nvPicPr>
@@ -4492,7 +6552,7 @@
         <p:spPr>
           <a:xfrm>
             <a:off x="3434760" y="1164960"/>
-            <a:ext cx="4229640" cy="4505040"/>
+            <a:ext cx="4229280" cy="4504680"/>
           </a:xfrm>
           <a:prstGeom prst="rect">
             <a:avLst/>
@@ -4502,15 +6562,494 @@
           </a:ln>
         </p:spPr>
       </p:pic>
+      <p:sp>
+        <p:nvSpPr>
+          <p:cNvPr id="98" name="CustomShape 2"/>
+          <p:cNvSpPr/>
+          <p:nvPr/>
+        </p:nvSpPr>
+        <p:spPr>
+          <a:xfrm>
+            <a:off x="6802560" y="1920240"/>
+            <a:ext cx="861480" cy="1280160"/>
+          </a:xfrm>
+          <a:prstGeom prst="rect">
+            <a:avLst/>
+          </a:prstGeom>
+          <a:noFill/>
+          <a:ln w="36720">
+            <a:solidFill>
+              <a:srgbClr val="000000"/>
+            </a:solidFill>
+            <a:round/>
+          </a:ln>
+        </p:spPr>
+        <p:style>
+          <a:lnRef idx="0"/>
+          <a:fillRef idx="0"/>
+          <a:effectRef idx="0"/>
+          <a:fontRef idx="minor"/>
+        </p:style>
+      </p:sp>
+      <p:sp>
+        <p:nvSpPr>
+          <p:cNvPr id="99" name="TextShape 3"/>
+          <p:cNvSpPr txBox="1"/>
+          <p:nvPr/>
+        </p:nvSpPr>
+        <p:spPr>
+          <a:xfrm>
+            <a:off x="6949440" y="1554480"/>
+            <a:ext cx="1737360" cy="602280"/>
+          </a:xfrm>
+          <a:prstGeom prst="rect">
+            <a:avLst/>
+          </a:prstGeom>
+          <a:noFill/>
+          <a:ln>
+            <a:noFill/>
+          </a:ln>
+        </p:spPr>
+        <p:txBody>
+          <a:bodyPr lIns="90000" rIns="90000" tIns="45000" bIns="45000"/>
+          <a:p>
+            <a:r>
+              <a:rPr b="0" lang="en-US" sz="1800" spc="-1" strike="noStrike">
+                <a:latin typeface="Arial"/>
+              </a:rPr>
+              <a:t>Quality control</a:t>
+            </a:r>
+            <a:endParaRPr b="0" lang="en-US" sz="1800" spc="-1" strike="noStrike">
+              <a:latin typeface="Arial"/>
+            </a:endParaRPr>
+          </a:p>
+        </p:txBody>
+      </p:sp>
+      <p:sp>
+        <p:nvSpPr>
+          <p:cNvPr id="100" name="CustomShape 4"/>
+          <p:cNvSpPr/>
+          <p:nvPr/>
+        </p:nvSpPr>
+        <p:spPr>
+          <a:xfrm>
+            <a:off x="6226560" y="2532240"/>
+            <a:ext cx="576000" cy="1033920"/>
+          </a:xfrm>
+          <a:prstGeom prst="rect">
+            <a:avLst/>
+          </a:prstGeom>
+          <a:noFill/>
+          <a:ln w="36720">
+            <a:solidFill>
+              <a:srgbClr val="0066b3"/>
+            </a:solidFill>
+            <a:round/>
+          </a:ln>
+        </p:spPr>
+        <p:style>
+          <a:lnRef idx="0"/>
+          <a:fillRef idx="0"/>
+          <a:effectRef idx="0"/>
+          <a:fontRef idx="minor"/>
+        </p:style>
+      </p:sp>
+      <p:sp>
+        <p:nvSpPr>
+          <p:cNvPr id="101" name="TextShape 5"/>
+          <p:cNvSpPr txBox="1"/>
+          <p:nvPr/>
+        </p:nvSpPr>
+        <p:spPr>
+          <a:xfrm>
+            <a:off x="6949440" y="3246840"/>
+            <a:ext cx="1920240" cy="602280"/>
+          </a:xfrm>
+          <a:prstGeom prst="rect">
+            <a:avLst/>
+          </a:prstGeom>
+          <a:noFill/>
+          <a:ln>
+            <a:noFill/>
+          </a:ln>
+        </p:spPr>
+        <p:txBody>
+          <a:bodyPr lIns="90000" rIns="90000" tIns="45000" bIns="45000"/>
+          <a:p>
+            <a:r>
+              <a:rPr b="0" lang="en-US" sz="1800" spc="-1" strike="noStrike">
+                <a:solidFill>
+                  <a:srgbClr val="0066b3"/>
+                </a:solidFill>
+                <a:latin typeface="Arial"/>
+              </a:rPr>
+              <a:t>Reads mapping</a:t>
+            </a:r>
+            <a:endParaRPr b="0" lang="en-US" sz="1800" spc="-1" strike="noStrike">
+              <a:solidFill>
+                <a:srgbClr val="0066b3"/>
+              </a:solidFill>
+              <a:latin typeface="Arial"/>
+            </a:endParaRPr>
+          </a:p>
+        </p:txBody>
+      </p:sp>
+      <p:sp>
+        <p:nvSpPr>
+          <p:cNvPr id="102" name="CustomShape 6"/>
+          <p:cNvSpPr/>
+          <p:nvPr/>
+        </p:nvSpPr>
+        <p:spPr>
+          <a:xfrm>
+            <a:off x="4585680" y="2532240"/>
+            <a:ext cx="992160" cy="493200"/>
+          </a:xfrm>
+          <a:prstGeom prst="rect">
+            <a:avLst/>
+          </a:prstGeom>
+          <a:noFill/>
+          <a:ln w="36720">
+            <a:solidFill>
+              <a:srgbClr val="f58220"/>
+            </a:solidFill>
+            <a:round/>
+          </a:ln>
+        </p:spPr>
+        <p:style>
+          <a:lnRef idx="0"/>
+          <a:fillRef idx="0"/>
+          <a:effectRef idx="0"/>
+          <a:fontRef idx="minor"/>
+        </p:style>
+      </p:sp>
+      <p:sp>
+        <p:nvSpPr>
+          <p:cNvPr id="103" name="TextShape 7"/>
+          <p:cNvSpPr txBox="1"/>
+          <p:nvPr/>
+        </p:nvSpPr>
+        <p:spPr>
+          <a:xfrm>
+            <a:off x="1917360" y="2167200"/>
+            <a:ext cx="2848320" cy="858240"/>
+          </a:xfrm>
+          <a:prstGeom prst="rect">
+            <a:avLst/>
+          </a:prstGeom>
+          <a:noFill/>
+          <a:ln>
+            <a:noFill/>
+          </a:ln>
+        </p:spPr>
+        <p:txBody>
+          <a:bodyPr lIns="90000" rIns="90000" tIns="45000" bIns="45000"/>
+          <a:p>
+            <a:r>
+              <a:rPr b="0" lang="en-US" sz="1800" spc="-1" strike="noStrike">
+                <a:solidFill>
+                  <a:srgbClr val="f58220"/>
+                </a:solidFill>
+                <a:latin typeface="Arial"/>
+              </a:rPr>
+              <a:t>Expression </a:t>
+            </a:r>
+            <a:endParaRPr b="0" lang="en-US" sz="1800" spc="-1" strike="noStrike">
+              <a:solidFill>
+                <a:srgbClr val="f58220"/>
+              </a:solidFill>
+              <a:latin typeface="Arial"/>
+            </a:endParaRPr>
+          </a:p>
+          <a:p>
+            <a:r>
+              <a:rPr b="0" lang="en-US" sz="1800" spc="-1" strike="noStrike">
+                <a:solidFill>
+                  <a:srgbClr val="f58220"/>
+                </a:solidFill>
+                <a:latin typeface="Arial"/>
+              </a:rPr>
+              <a:t>quantification/</a:t>
+            </a:r>
+            <a:r>
+              <a:rPr b="0" lang="en-US" sz="1800" spc="-1" strike="noStrike">
+                <a:solidFill>
+                  <a:srgbClr val="ce181e"/>
+                </a:solidFill>
+                <a:latin typeface="Arial"/>
+              </a:rPr>
+              <a:t>normalization</a:t>
+            </a:r>
+            <a:endParaRPr b="0" lang="en-US" sz="1800" spc="-1" strike="noStrike">
+              <a:solidFill>
+                <a:srgbClr val="f58220"/>
+              </a:solidFill>
+              <a:latin typeface="Arial"/>
+            </a:endParaRPr>
+          </a:p>
+        </p:txBody>
+      </p:sp>
+      <p:sp>
+        <p:nvSpPr>
+          <p:cNvPr id="104" name="CustomShape 8"/>
+          <p:cNvSpPr/>
+          <p:nvPr/>
+        </p:nvSpPr>
+        <p:spPr>
+          <a:xfrm>
+            <a:off x="3566160" y="3036240"/>
+            <a:ext cx="914400" cy="493200"/>
+          </a:xfrm>
+          <a:prstGeom prst="rect">
+            <a:avLst/>
+          </a:prstGeom>
+          <a:noFill/>
+          <a:ln w="36720">
+            <a:solidFill>
+              <a:srgbClr val="ed1c24"/>
+            </a:solidFill>
+            <a:round/>
+          </a:ln>
+        </p:spPr>
+        <p:style>
+          <a:lnRef idx="0"/>
+          <a:fillRef idx="0"/>
+          <a:effectRef idx="0"/>
+          <a:fontRef idx="minor"/>
+        </p:style>
+      </p:sp>
+      <p:sp>
+        <p:nvSpPr>
+          <p:cNvPr id="105" name="CustomShape 9"/>
+          <p:cNvSpPr/>
+          <p:nvPr/>
+        </p:nvSpPr>
+        <p:spPr>
+          <a:xfrm>
+            <a:off x="3566160" y="3900240"/>
+            <a:ext cx="914400" cy="397440"/>
+          </a:xfrm>
+          <a:prstGeom prst="rect">
+            <a:avLst/>
+          </a:prstGeom>
+          <a:noFill/>
+          <a:ln w="36720">
+            <a:solidFill>
+              <a:srgbClr val="72bf44"/>
+            </a:solidFill>
+            <a:round/>
+          </a:ln>
+        </p:spPr>
+        <p:style>
+          <a:lnRef idx="0"/>
+          <a:fillRef idx="0"/>
+          <a:effectRef idx="0"/>
+          <a:fontRef idx="minor"/>
+        </p:style>
+      </p:sp>
+      <p:sp>
+        <p:nvSpPr>
+          <p:cNvPr id="106" name="TextShape 10"/>
+          <p:cNvSpPr txBox="1"/>
+          <p:nvPr/>
+        </p:nvSpPr>
+        <p:spPr>
+          <a:xfrm>
+            <a:off x="2133360" y="3643200"/>
+            <a:ext cx="2848320" cy="858240"/>
+          </a:xfrm>
+          <a:prstGeom prst="rect">
+            <a:avLst/>
+          </a:prstGeom>
+          <a:noFill/>
+          <a:ln>
+            <a:noFill/>
+          </a:ln>
+        </p:spPr>
+        <p:txBody>
+          <a:bodyPr lIns="90000" rIns="90000" tIns="45000" bIns="45000"/>
+          <a:p>
+            <a:r>
+              <a:rPr b="0" lang="en-US" sz="1800" spc="-1" strike="noStrike">
+                <a:solidFill>
+                  <a:srgbClr val="72bf44"/>
+                </a:solidFill>
+                <a:latin typeface="Arial"/>
+              </a:rPr>
+              <a:t>Differential</a:t>
+            </a:r>
+            <a:endParaRPr b="0" lang="en-US" sz="1800" spc="-1" strike="noStrike">
+              <a:solidFill>
+                <a:srgbClr val="72bf44"/>
+              </a:solidFill>
+              <a:latin typeface="Arial"/>
+            </a:endParaRPr>
+          </a:p>
+          <a:p>
+            <a:r>
+              <a:rPr b="0" lang="en-US" sz="1800" spc="-1" strike="noStrike">
+                <a:solidFill>
+                  <a:srgbClr val="72bf44"/>
+                </a:solidFill>
+                <a:latin typeface="Arial"/>
+              </a:rPr>
+              <a:t>expression</a:t>
+            </a:r>
+            <a:endParaRPr b="0" lang="en-US" sz="1800" spc="-1" strike="noStrike">
+              <a:solidFill>
+                <a:srgbClr val="72bf44"/>
+              </a:solidFill>
+              <a:latin typeface="Arial"/>
+            </a:endParaRPr>
+          </a:p>
+          <a:p>
+            <a:r>
+              <a:rPr b="0" lang="en-US" sz="1800" spc="-1" strike="noStrike">
+                <a:solidFill>
+                  <a:srgbClr val="72bf44"/>
+                </a:solidFill>
+                <a:latin typeface="Arial"/>
+              </a:rPr>
+              <a:t>analysis</a:t>
+            </a:r>
+            <a:endParaRPr b="0" lang="en-US" sz="1800" spc="-1" strike="noStrike">
+              <a:solidFill>
+                <a:srgbClr val="72bf44"/>
+              </a:solidFill>
+              <a:latin typeface="Arial"/>
+            </a:endParaRPr>
+          </a:p>
+        </p:txBody>
+      </p:sp>
+      <p:sp>
+        <p:nvSpPr>
+          <p:cNvPr id="107" name="CustomShape 11"/>
+          <p:cNvSpPr/>
+          <p:nvPr/>
+        </p:nvSpPr>
+        <p:spPr>
+          <a:xfrm>
+            <a:off x="3494160" y="4836240"/>
+            <a:ext cx="2266560" cy="397440"/>
+          </a:xfrm>
+          <a:prstGeom prst="rect">
+            <a:avLst/>
+          </a:prstGeom>
+          <a:noFill/>
+          <a:ln w="36720">
+            <a:solidFill>
+              <a:srgbClr val="a3238e"/>
+            </a:solidFill>
+            <a:round/>
+          </a:ln>
+        </p:spPr>
+        <p:style>
+          <a:lnRef idx="0"/>
+          <a:fillRef idx="0"/>
+          <a:effectRef idx="0"/>
+          <a:fontRef idx="minor"/>
+        </p:style>
+      </p:sp>
+      <p:sp>
+        <p:nvSpPr>
+          <p:cNvPr id="108" name="TextShape 12"/>
+          <p:cNvSpPr txBox="1"/>
+          <p:nvPr/>
+        </p:nvSpPr>
+        <p:spPr>
+          <a:xfrm>
+            <a:off x="2133360" y="4723200"/>
+            <a:ext cx="2848320" cy="858240"/>
+          </a:xfrm>
+          <a:prstGeom prst="rect">
+            <a:avLst/>
+          </a:prstGeom>
+          <a:noFill/>
+          <a:ln>
+            <a:noFill/>
+          </a:ln>
+        </p:spPr>
+        <p:txBody>
+          <a:bodyPr lIns="90000" rIns="90000" tIns="45000" bIns="45000"/>
+          <a:p>
+            <a:r>
+              <a:rPr b="0" lang="en-US" sz="1800" spc="-1" strike="noStrike">
+                <a:solidFill>
+                  <a:srgbClr val="a3238e"/>
+                </a:solidFill>
+                <a:latin typeface="Arial"/>
+              </a:rPr>
+              <a:t>Functional</a:t>
+            </a:r>
+            <a:endParaRPr b="0" lang="en-US" sz="1800" spc="-1" strike="noStrike">
+              <a:solidFill>
+                <a:srgbClr val="a3238e"/>
+              </a:solidFill>
+              <a:latin typeface="Arial"/>
+            </a:endParaRPr>
+          </a:p>
+          <a:p>
+            <a:r>
+              <a:rPr b="0" lang="en-US" sz="1800" spc="-1" strike="noStrike">
+                <a:solidFill>
+                  <a:srgbClr val="a3238e"/>
+                </a:solidFill>
+                <a:latin typeface="Arial"/>
+              </a:rPr>
+              <a:t>enrichment</a:t>
+            </a:r>
+            <a:endParaRPr b="0" lang="en-US" sz="1800" spc="-1" strike="noStrike">
+              <a:solidFill>
+                <a:srgbClr val="a3238e"/>
+              </a:solidFill>
+              <a:latin typeface="Arial"/>
+            </a:endParaRPr>
+          </a:p>
+        </p:txBody>
+      </p:sp>
+      <p:sp>
+        <p:nvSpPr>
+          <p:cNvPr id="109" name="TextShape 13"/>
+          <p:cNvSpPr txBox="1"/>
+          <p:nvPr/>
+        </p:nvSpPr>
+        <p:spPr>
+          <a:xfrm>
+            <a:off x="7589520" y="5248080"/>
+            <a:ext cx="2560320" cy="602280"/>
+          </a:xfrm>
+          <a:prstGeom prst="rect">
+            <a:avLst/>
+          </a:prstGeom>
+          <a:noFill/>
+          <a:ln>
+            <a:noFill/>
+          </a:ln>
+        </p:spPr>
+        <p:txBody>
+          <a:bodyPr lIns="90000" rIns="90000" tIns="45000" bIns="45000"/>
+          <a:p>
+            <a:r>
+              <a:rPr b="0" lang="en-US" sz="1800" spc="-1" strike="noStrike">
+                <a:latin typeface="Arial"/>
+              </a:rPr>
+              <a:t>Wang &amp; Ma’ayan, 2016</a:t>
+            </a:r>
+            <a:endParaRPr b="0" lang="en-US" sz="1800" spc="-1" strike="noStrike">
+              <a:latin typeface="Arial"/>
+            </a:endParaRPr>
+          </a:p>
+        </p:txBody>
+      </p:sp>
     </p:spTree>
   </p:cSld>
   <p:timing>
     <p:tnLst>
       <p:par>
-        <p:cTn id="21" dur="indefinite" restart="never" nodeType="tmRoot">
+        <p:cTn id="25" dur="indefinite" restart="never" nodeType="tmRoot">
           <p:childTnLst>
             <p:seq>
-              <p:cTn id="22" dur="indefinite" nodeType="mainSeq"/>
+              <p:cTn id="26" dur="indefinite" nodeType="mainSeq"/>
               <p:prevCondLst>
                 <p:cond delay="0" evt="onPrev">
                   <p:tgtEl>
@@ -4553,14 +7092,14 @@
       </p:grpSpPr>
       <p:sp>
         <p:nvSpPr>
-          <p:cNvPr id="61" name="TextShape 1"/>
-          <p:cNvSpPr txBox="1"/>
+          <p:cNvPr id="110" name="CustomShape 1"/>
+          <p:cNvSpPr/>
           <p:nvPr/>
         </p:nvSpPr>
         <p:spPr>
           <a:xfrm>
             <a:off x="1620000" y="216000"/>
-            <a:ext cx="8100000" cy="936000"/>
+            <a:ext cx="8099640" cy="935640"/>
           </a:xfrm>
           <a:prstGeom prst="rect">
             <a:avLst/>
@@ -4570,12 +7109,22 @@
             <a:noFill/>
           </a:ln>
         </p:spPr>
+        <p:style>
+          <a:lnRef idx="0"/>
+          <a:fillRef idx="0"/>
+          <a:effectRef idx="0"/>
+          <a:fontRef idx="minor"/>
+        </p:style>
         <p:txBody>
           <a:bodyPr lIns="0" rIns="0" tIns="0" bIns="0" anchor="ctr">
             <a:normAutofit/>
           </a:bodyPr>
           <a:p>
-            <a:pPr algn="ctr"/>
+            <a:pPr algn="ctr">
+              <a:lnSpc>
+                <a:spcPct val="100000"/>
+              </a:lnSpc>
+            </a:pPr>
             <a:r>
               <a:rPr b="0" lang="en-US" sz="3300" spc="-1" strike="noStrike">
                 <a:solidFill>
@@ -4586,10 +7135,822 @@
               <a:t>Stage 1: Processing and quality control of raw sequencing reads </a:t>
             </a:r>
             <a:endParaRPr b="0" lang="en-US" sz="3300" spc="-1" strike="noStrike">
-              <a:solidFill>
-                <a:srgbClr val="050505"/>
-              </a:solidFill>
-              <a:latin typeface="Times New Roman"/>
+              <a:latin typeface="Arial"/>
+            </a:endParaRPr>
+          </a:p>
+        </p:txBody>
+      </p:sp>
+      <p:sp>
+        <p:nvSpPr>
+          <p:cNvPr id="111" name="CustomShape 2"/>
+          <p:cNvSpPr/>
+          <p:nvPr/>
+        </p:nvSpPr>
+        <p:spPr>
+          <a:xfrm>
+            <a:off x="1620000" y="1368000"/>
+            <a:ext cx="8099640" cy="3287880"/>
+          </a:xfrm>
+          <a:prstGeom prst="rect">
+            <a:avLst/>
+          </a:prstGeom>
+          <a:noFill/>
+          <a:ln>
+            <a:noFill/>
+          </a:ln>
+        </p:spPr>
+        <p:style>
+          <a:lnRef idx="0"/>
+          <a:fillRef idx="0"/>
+          <a:effectRef idx="0"/>
+          <a:fontRef idx="minor"/>
+        </p:style>
+        <p:txBody>
+          <a:bodyPr lIns="0" rIns="0" tIns="0" bIns="0">
+            <a:normAutofit/>
+          </a:bodyPr>
+          <a:p>
+            <a:pPr marL="432000" indent="-323640">
+              <a:lnSpc>
+                <a:spcPct val="100000"/>
+              </a:lnSpc>
+              <a:spcAft>
+                <a:spcPts val="1060"/>
+              </a:spcAft>
+              <a:buClr>
+                <a:srgbClr val="0066ff"/>
+              </a:buClr>
+              <a:buSzPct val="40000"/>
+              <a:buFont typeface="Wingdings" charset="2"/>
+              <a:buChar char=""/>
+            </a:pPr>
+            <a:r>
+              <a:rPr b="0" lang="en-US" sz="2800" spc="-1" strike="noStrike">
+                <a:solidFill>
+                  <a:srgbClr val="050505"/>
+                </a:solidFill>
+                <a:latin typeface="Arial"/>
+              </a:rPr>
+              <a:t>Reads </a:t>
+            </a:r>
+            <a:r>
+              <a:rPr b="0" lang="en-US" sz="2800" spc="-1" strike="noStrike">
+                <a:solidFill>
+                  <a:srgbClr val="050505"/>
+                </a:solidFill>
+                <a:latin typeface="Arial"/>
+              </a:rPr>
+              <a:t>are often </a:t>
+            </a:r>
+            <a:r>
+              <a:rPr b="0" lang="en-US" sz="2800" spc="-1" strike="noStrike">
+                <a:solidFill>
+                  <a:srgbClr val="050505"/>
+                </a:solidFill>
+                <a:latin typeface="Arial"/>
+              </a:rPr>
+              <a:t>assessed </a:t>
+            </a:r>
+            <a:r>
+              <a:rPr b="0" lang="en-US" sz="2800" spc="-1" strike="noStrike">
+                <a:solidFill>
+                  <a:srgbClr val="050505"/>
+                </a:solidFill>
+                <a:latin typeface="Arial"/>
+              </a:rPr>
+              <a:t>for:</a:t>
+            </a:r>
+            <a:endParaRPr b="0" lang="en-US" sz="2800" spc="-1" strike="noStrike">
+              <a:latin typeface="Arial"/>
+            </a:endParaRPr>
+          </a:p>
+          <a:p>
+            <a:pPr lvl="3" marL="864000" indent="-216000">
+              <a:lnSpc>
+                <a:spcPct val="100000"/>
+              </a:lnSpc>
+              <a:spcAft>
+                <a:spcPts val="1060"/>
+              </a:spcAft>
+              <a:buClr>
+                <a:srgbClr val="000000"/>
+              </a:buClr>
+              <a:buSzPct val="45000"/>
+              <a:buFont typeface="Wingdings" charset="2"/>
+              <a:buChar char=""/>
+            </a:pPr>
+            <a:r>
+              <a:rPr b="0" lang="en-US" sz="2400" spc="-1" strike="noStrike">
+                <a:solidFill>
+                  <a:srgbClr val="050505"/>
+                </a:solidFill>
+                <a:latin typeface="Arial"/>
+              </a:rPr>
+              <a:t>Sequen</a:t>
+            </a:r>
+            <a:r>
+              <a:rPr b="0" lang="en-US" sz="2400" spc="-1" strike="noStrike">
+                <a:solidFill>
+                  <a:srgbClr val="050505"/>
+                </a:solidFill>
+                <a:latin typeface="Arial"/>
+              </a:rPr>
+              <a:t>cing </a:t>
+            </a:r>
+            <a:r>
+              <a:rPr b="0" lang="en-US" sz="2400" spc="-1" strike="noStrike">
+                <a:solidFill>
+                  <a:srgbClr val="050505"/>
+                </a:solidFill>
+                <a:latin typeface="Arial"/>
+              </a:rPr>
+              <a:t>quality </a:t>
+            </a:r>
+            <a:r>
+              <a:rPr b="0" lang="en-US" sz="2400" spc="-1" strike="noStrike">
+                <a:solidFill>
+                  <a:srgbClr val="050505"/>
+                </a:solidFill>
+                <a:latin typeface="Arial"/>
+              </a:rPr>
+              <a:t>per </a:t>
+            </a:r>
+            <a:r>
+              <a:rPr b="0" lang="en-US" sz="2400" spc="-1" strike="noStrike">
+                <a:solidFill>
+                  <a:srgbClr val="050505"/>
+                </a:solidFill>
+                <a:latin typeface="Arial"/>
+              </a:rPr>
+              <a:t>base</a:t>
+            </a:r>
+            <a:endParaRPr b="0" lang="en-US" sz="2400" spc="-1" strike="noStrike">
+              <a:latin typeface="Arial"/>
+            </a:endParaRPr>
+          </a:p>
+          <a:p>
+            <a:pPr lvl="4" marL="1080000" indent="-216000">
+              <a:lnSpc>
+                <a:spcPct val="100000"/>
+              </a:lnSpc>
+              <a:spcAft>
+                <a:spcPts val="1060"/>
+              </a:spcAft>
+              <a:buClr>
+                <a:srgbClr val="000000"/>
+              </a:buClr>
+              <a:buSzPct val="45000"/>
+              <a:buFont typeface="Wingdings" charset="2"/>
+              <a:buChar char=""/>
+            </a:pPr>
+            <a:r>
+              <a:rPr b="0" lang="en-US" sz="1800" spc="-1" strike="noStrike">
+                <a:solidFill>
+                  <a:srgbClr val="050505"/>
+                </a:solidFill>
+                <a:latin typeface="Arial"/>
+              </a:rPr>
+              <a:t>We </a:t>
+            </a:r>
+            <a:r>
+              <a:rPr b="0" lang="en-US" sz="1800" spc="-1" strike="noStrike">
+                <a:solidFill>
+                  <a:srgbClr val="050505"/>
+                </a:solidFill>
+                <a:latin typeface="Arial"/>
+              </a:rPr>
+              <a:t>expect </a:t>
+            </a:r>
+            <a:r>
+              <a:rPr b="0" lang="en-US" sz="1800" spc="-1" strike="noStrike">
+                <a:solidFill>
+                  <a:srgbClr val="050505"/>
+                </a:solidFill>
+                <a:latin typeface="Arial"/>
+              </a:rPr>
+              <a:t>generally </a:t>
+            </a:r>
+            <a:r>
+              <a:rPr b="0" lang="en-US" sz="1800" spc="-1" strike="noStrike">
+                <a:solidFill>
+                  <a:srgbClr val="050505"/>
+                </a:solidFill>
+                <a:latin typeface="Arial"/>
+              </a:rPr>
+              <a:t>high </a:t>
+            </a:r>
+            <a:r>
+              <a:rPr b="0" lang="en-US" sz="1800" spc="-1" strike="noStrike">
+                <a:solidFill>
+                  <a:srgbClr val="050505"/>
+                </a:solidFill>
+                <a:latin typeface="Arial"/>
+              </a:rPr>
+              <a:t>quality at </a:t>
+            </a:r>
+            <a:r>
+              <a:rPr b="0" lang="en-US" sz="1800" spc="-1" strike="noStrike">
+                <a:solidFill>
+                  <a:srgbClr val="050505"/>
+                </a:solidFill>
+                <a:latin typeface="Arial"/>
+              </a:rPr>
+              <a:t>all bases</a:t>
+            </a:r>
+            <a:endParaRPr b="0" lang="en-US" sz="1800" spc="-1" strike="noStrike">
+              <a:latin typeface="Arial"/>
+            </a:endParaRPr>
+          </a:p>
+          <a:p>
+            <a:pPr lvl="3" marL="864000" indent="-216000">
+              <a:lnSpc>
+                <a:spcPct val="100000"/>
+              </a:lnSpc>
+              <a:spcAft>
+                <a:spcPts val="1060"/>
+              </a:spcAft>
+              <a:buClr>
+                <a:srgbClr val="000000"/>
+              </a:buClr>
+              <a:buSzPct val="45000"/>
+              <a:buFont typeface="Wingdings" charset="2"/>
+              <a:buChar char=""/>
+            </a:pPr>
+            <a:r>
+              <a:rPr b="0" lang="en-US" sz="2400" spc="-1" strike="noStrike">
+                <a:solidFill>
+                  <a:srgbClr val="050505"/>
+                </a:solidFill>
+                <a:latin typeface="Arial"/>
+              </a:rPr>
+              <a:t>Sequen</a:t>
+            </a:r>
+            <a:r>
+              <a:rPr b="0" lang="en-US" sz="2400" spc="-1" strike="noStrike">
+                <a:solidFill>
+                  <a:srgbClr val="050505"/>
+                </a:solidFill>
+                <a:latin typeface="Arial"/>
+              </a:rPr>
+              <a:t>cing </a:t>
+            </a:r>
+            <a:r>
+              <a:rPr b="0" lang="en-US" sz="2400" spc="-1" strike="noStrike">
+                <a:solidFill>
+                  <a:srgbClr val="050505"/>
+                </a:solidFill>
+                <a:latin typeface="Arial"/>
+              </a:rPr>
+              <a:t>quality </a:t>
+            </a:r>
+            <a:r>
+              <a:rPr b="0" lang="en-US" sz="2400" spc="-1" strike="noStrike">
+                <a:solidFill>
+                  <a:srgbClr val="050505"/>
+                </a:solidFill>
+                <a:latin typeface="Arial"/>
+              </a:rPr>
+              <a:t>per </a:t>
+            </a:r>
+            <a:r>
+              <a:rPr b="0" lang="en-US" sz="2400" spc="-1" strike="noStrike">
+                <a:solidFill>
+                  <a:srgbClr val="050505"/>
+                </a:solidFill>
+                <a:latin typeface="Arial"/>
+              </a:rPr>
+              <a:t>read</a:t>
+            </a:r>
+            <a:endParaRPr b="0" lang="en-US" sz="2400" spc="-1" strike="noStrike">
+              <a:latin typeface="Arial"/>
+            </a:endParaRPr>
+          </a:p>
+          <a:p>
+            <a:pPr lvl="4" marL="1080000" indent="-216000">
+              <a:lnSpc>
+                <a:spcPct val="100000"/>
+              </a:lnSpc>
+              <a:spcAft>
+                <a:spcPts val="1060"/>
+              </a:spcAft>
+              <a:buClr>
+                <a:srgbClr val="000000"/>
+              </a:buClr>
+              <a:buSzPct val="45000"/>
+              <a:buFont typeface="Wingdings" charset="2"/>
+              <a:buChar char=""/>
+            </a:pPr>
+            <a:r>
+              <a:rPr b="0" lang="en-US" sz="1800" spc="-1" strike="noStrike">
+                <a:solidFill>
+                  <a:srgbClr val="050505"/>
+                </a:solidFill>
+                <a:latin typeface="Arial"/>
+              </a:rPr>
+              <a:t>We </a:t>
+            </a:r>
+            <a:r>
+              <a:rPr b="0" lang="en-US" sz="1800" spc="-1" strike="noStrike">
+                <a:solidFill>
+                  <a:srgbClr val="050505"/>
+                </a:solidFill>
+                <a:latin typeface="Arial"/>
+              </a:rPr>
+              <a:t>expect </a:t>
+            </a:r>
+            <a:r>
+              <a:rPr b="0" lang="en-US" sz="1800" spc="-1" strike="noStrike">
+                <a:solidFill>
+                  <a:srgbClr val="050505"/>
+                </a:solidFill>
+                <a:latin typeface="Arial"/>
+              </a:rPr>
+              <a:t>high </a:t>
+            </a:r>
+            <a:r>
+              <a:rPr b="0" lang="en-US" sz="1800" spc="-1" strike="noStrike">
+                <a:solidFill>
+                  <a:srgbClr val="050505"/>
+                </a:solidFill>
+                <a:latin typeface="Arial"/>
+              </a:rPr>
+              <a:t>quality </a:t>
+            </a:r>
+            <a:r>
+              <a:rPr b="0" lang="en-US" sz="1800" spc="-1" strike="noStrike">
+                <a:solidFill>
+                  <a:srgbClr val="050505"/>
+                </a:solidFill>
+                <a:latin typeface="Arial"/>
+              </a:rPr>
+              <a:t>for </a:t>
+            </a:r>
+            <a:r>
+              <a:rPr b="0" lang="en-US" sz="1800" spc="-1" strike="noStrike">
+                <a:solidFill>
+                  <a:srgbClr val="050505"/>
+                </a:solidFill>
+                <a:latin typeface="Arial"/>
+              </a:rPr>
+              <a:t>longer </a:t>
+            </a:r>
+            <a:r>
+              <a:rPr b="0" lang="en-US" sz="1800" spc="-1" strike="noStrike">
+                <a:solidFill>
+                  <a:srgbClr val="050505"/>
+                </a:solidFill>
+                <a:latin typeface="Arial"/>
+              </a:rPr>
+              <a:t>reads</a:t>
+            </a:r>
+            <a:endParaRPr b="0" lang="en-US" sz="1800" spc="-1" strike="noStrike">
+              <a:latin typeface="Arial"/>
+            </a:endParaRPr>
+          </a:p>
+          <a:p>
+            <a:pPr lvl="3" marL="864000" indent="-216000">
+              <a:lnSpc>
+                <a:spcPct val="100000"/>
+              </a:lnSpc>
+              <a:spcAft>
+                <a:spcPts val="1060"/>
+              </a:spcAft>
+              <a:buClr>
+                <a:srgbClr val="000000"/>
+              </a:buClr>
+              <a:buSzPct val="45000"/>
+              <a:buFont typeface="Wingdings" charset="2"/>
+              <a:buChar char=""/>
+            </a:pPr>
+            <a:r>
+              <a:rPr b="0" lang="en-US" sz="2400" spc="-1" strike="noStrike">
+                <a:solidFill>
+                  <a:srgbClr val="050505"/>
+                </a:solidFill>
+                <a:latin typeface="Arial"/>
+              </a:rPr>
+              <a:t>Sequen</a:t>
+            </a:r>
+            <a:r>
+              <a:rPr b="0" lang="en-US" sz="2400" spc="-1" strike="noStrike">
+                <a:solidFill>
+                  <a:srgbClr val="050505"/>
+                </a:solidFill>
+                <a:latin typeface="Arial"/>
+              </a:rPr>
+              <a:t>ce </a:t>
+            </a:r>
+            <a:r>
+              <a:rPr b="0" lang="en-US" sz="2400" spc="-1" strike="noStrike">
+                <a:solidFill>
+                  <a:srgbClr val="050505"/>
+                </a:solidFill>
+                <a:latin typeface="Arial"/>
+              </a:rPr>
+              <a:t>content </a:t>
+            </a:r>
+            <a:r>
+              <a:rPr b="0" lang="en-US" sz="2400" spc="-1" strike="noStrike">
+                <a:solidFill>
+                  <a:srgbClr val="050505"/>
+                </a:solidFill>
+                <a:latin typeface="Arial"/>
+              </a:rPr>
+              <a:t>(nucleot</a:t>
+            </a:r>
+            <a:r>
+              <a:rPr b="0" lang="en-US" sz="2400" spc="-1" strike="noStrike">
+                <a:solidFill>
+                  <a:srgbClr val="050505"/>
+                </a:solidFill>
+                <a:latin typeface="Arial"/>
+              </a:rPr>
+              <a:t>ide </a:t>
+            </a:r>
+            <a:r>
+              <a:rPr b="0" lang="en-US" sz="2400" spc="-1" strike="noStrike">
+                <a:solidFill>
+                  <a:srgbClr val="050505"/>
+                </a:solidFill>
+                <a:latin typeface="Arial"/>
+              </a:rPr>
+              <a:t>base </a:t>
+            </a:r>
+            <a:r>
+              <a:rPr b="0" lang="en-US" sz="2400" spc="-1" strike="noStrike">
+                <a:solidFill>
+                  <a:srgbClr val="050505"/>
+                </a:solidFill>
+                <a:latin typeface="Arial"/>
+              </a:rPr>
+              <a:t>composi</a:t>
+            </a:r>
+            <a:r>
+              <a:rPr b="0" lang="en-US" sz="2400" spc="-1" strike="noStrike">
+                <a:solidFill>
+                  <a:srgbClr val="050505"/>
+                </a:solidFill>
+                <a:latin typeface="Arial"/>
+              </a:rPr>
+              <a:t>tion)</a:t>
+            </a:r>
+            <a:endParaRPr b="0" lang="en-US" sz="2400" spc="-1" strike="noStrike">
+              <a:latin typeface="Arial"/>
+            </a:endParaRPr>
+          </a:p>
+          <a:p>
+            <a:pPr lvl="4" marL="1080000" indent="-216000">
+              <a:lnSpc>
+                <a:spcPct val="100000"/>
+              </a:lnSpc>
+              <a:spcAft>
+                <a:spcPts val="1060"/>
+              </a:spcAft>
+              <a:buClr>
+                <a:srgbClr val="000000"/>
+              </a:buClr>
+              <a:buSzPct val="45000"/>
+              <a:buFont typeface="Wingdings" charset="2"/>
+              <a:buChar char=""/>
+            </a:pPr>
+            <a:r>
+              <a:rPr b="0" lang="en-US" sz="1800" spc="-1" strike="noStrike">
+                <a:solidFill>
+                  <a:srgbClr val="050505"/>
+                </a:solidFill>
+                <a:latin typeface="Arial"/>
+              </a:rPr>
+              <a:t>We </a:t>
+            </a:r>
+            <a:r>
+              <a:rPr b="0" lang="en-US" sz="1800" spc="-1" strike="noStrike">
+                <a:solidFill>
+                  <a:srgbClr val="050505"/>
+                </a:solidFill>
+                <a:latin typeface="Arial"/>
+              </a:rPr>
+              <a:t>expect a </a:t>
+            </a:r>
+            <a:r>
+              <a:rPr b="0" lang="en-US" sz="1800" spc="-1" strike="noStrike">
+                <a:solidFill>
+                  <a:srgbClr val="050505"/>
+                </a:solidFill>
+                <a:latin typeface="Arial"/>
+              </a:rPr>
+              <a:t>roughly </a:t>
+            </a:r>
+            <a:r>
+              <a:rPr b="0" lang="en-US" sz="1800" spc="-1" strike="noStrike">
+                <a:solidFill>
+                  <a:srgbClr val="050505"/>
+                </a:solidFill>
+                <a:latin typeface="Arial"/>
+              </a:rPr>
+              <a:t>uniform </a:t>
+            </a:r>
+            <a:r>
+              <a:rPr b="0" lang="en-US" sz="1800" spc="-1" strike="noStrike">
+                <a:solidFill>
+                  <a:srgbClr val="050505"/>
+                </a:solidFill>
+                <a:latin typeface="Arial"/>
+              </a:rPr>
+              <a:t>base </a:t>
+            </a:r>
+            <a:r>
+              <a:rPr b="0" lang="en-US" sz="1800" spc="-1" strike="noStrike">
+                <a:solidFill>
+                  <a:srgbClr val="050505"/>
+                </a:solidFill>
+                <a:latin typeface="Arial"/>
+              </a:rPr>
+              <a:t>composit</a:t>
+            </a:r>
+            <a:r>
+              <a:rPr b="0" lang="en-US" sz="1800" spc="-1" strike="noStrike">
+                <a:solidFill>
+                  <a:srgbClr val="050505"/>
+                </a:solidFill>
+                <a:latin typeface="Arial"/>
+              </a:rPr>
+              <a:t>ion </a:t>
+            </a:r>
+            <a:r>
+              <a:rPr b="0" lang="en-US" sz="1800" spc="-1" strike="noStrike">
+                <a:solidFill>
+                  <a:srgbClr val="050505"/>
+                </a:solidFill>
+                <a:latin typeface="Arial"/>
+              </a:rPr>
+              <a:t>across </a:t>
+            </a:r>
+            <a:r>
+              <a:rPr b="0" lang="en-US" sz="1800" spc="-1" strike="noStrike">
+                <a:solidFill>
+                  <a:srgbClr val="050505"/>
+                </a:solidFill>
+                <a:latin typeface="Arial"/>
+              </a:rPr>
+              <a:t>the read </a:t>
+            </a:r>
+            <a:r>
+              <a:rPr b="0" lang="en-US" sz="1800" spc="-1" strike="noStrike">
+                <a:solidFill>
+                  <a:srgbClr val="050505"/>
+                </a:solidFill>
+                <a:latin typeface="Arial"/>
+              </a:rPr>
+              <a:t>(except </a:t>
+            </a:r>
+            <a:r>
+              <a:rPr b="0" lang="en-US" sz="1800" spc="-1" strike="noStrike">
+                <a:solidFill>
+                  <a:srgbClr val="050505"/>
+                </a:solidFill>
+                <a:latin typeface="Arial"/>
+              </a:rPr>
+              <a:t>maybe </a:t>
+            </a:r>
+            <a:r>
+              <a:rPr b="0" lang="en-US" sz="1800" spc="-1" strike="noStrike">
+                <a:solidFill>
+                  <a:srgbClr val="050505"/>
+                </a:solidFill>
+                <a:latin typeface="Arial"/>
+              </a:rPr>
+              <a:t>for the </a:t>
+            </a:r>
+            <a:r>
+              <a:rPr b="0" lang="en-US" sz="1800" spc="-1" strike="noStrike">
+                <a:solidFill>
+                  <a:srgbClr val="050505"/>
+                </a:solidFill>
+                <a:latin typeface="Arial"/>
+              </a:rPr>
+              <a:t>initial </a:t>
+            </a:r>
+            <a:r>
+              <a:rPr b="0" lang="en-US" sz="1800" spc="-1" strike="noStrike">
+                <a:solidFill>
+                  <a:srgbClr val="050505"/>
+                </a:solidFill>
+                <a:latin typeface="Arial"/>
+              </a:rPr>
+              <a:t>bases; </a:t>
+            </a:r>
+            <a:r>
+              <a:rPr b="0" lang="en-US" sz="1800" spc="-1" strike="noStrike">
+                <a:solidFill>
+                  <a:srgbClr val="050505"/>
+                </a:solidFill>
+                <a:latin typeface="Arial"/>
+              </a:rPr>
+              <a:t>depends </a:t>
+            </a:r>
+            <a:r>
+              <a:rPr b="0" lang="en-US" sz="1800" spc="-1" strike="noStrike">
+                <a:solidFill>
+                  <a:srgbClr val="050505"/>
+                </a:solidFill>
+                <a:latin typeface="Arial"/>
+              </a:rPr>
+              <a:t>on how </a:t>
+            </a:r>
+            <a:r>
+              <a:rPr b="0" lang="en-US" sz="1800" spc="-1" strike="noStrike">
+                <a:solidFill>
+                  <a:srgbClr val="050505"/>
+                </a:solidFill>
+                <a:latin typeface="Arial"/>
+              </a:rPr>
+              <a:t>RNA </a:t>
+            </a:r>
+            <a:r>
+              <a:rPr b="0" lang="en-US" sz="1800" spc="-1" strike="noStrike">
+                <a:solidFill>
+                  <a:srgbClr val="050505"/>
+                </a:solidFill>
+                <a:latin typeface="Arial"/>
+              </a:rPr>
+              <a:t>prepared</a:t>
+            </a:r>
+            <a:r>
+              <a:rPr b="0" lang="en-US" sz="1800" spc="-1" strike="noStrike">
+                <a:solidFill>
+                  <a:srgbClr val="050505"/>
+                </a:solidFill>
+                <a:latin typeface="Arial"/>
+              </a:rPr>
+              <a:t>)</a:t>
+            </a:r>
+            <a:endParaRPr b="0" lang="en-US" sz="1800" spc="-1" strike="noStrike">
+              <a:latin typeface="Arial"/>
+            </a:endParaRPr>
+          </a:p>
+          <a:p>
+            <a:pPr lvl="3" marL="864000" indent="-216000">
+              <a:lnSpc>
+                <a:spcPct val="100000"/>
+              </a:lnSpc>
+              <a:spcAft>
+                <a:spcPts val="1060"/>
+              </a:spcAft>
+              <a:buClr>
+                <a:srgbClr val="000000"/>
+              </a:buClr>
+              <a:buSzPct val="45000"/>
+              <a:buFont typeface="Wingdings" charset="2"/>
+              <a:buChar char=""/>
+            </a:pPr>
+            <a:r>
+              <a:rPr b="0" lang="en-US" sz="2400" spc="-1" strike="noStrike">
+                <a:solidFill>
+                  <a:srgbClr val="050505"/>
+                </a:solidFill>
+                <a:latin typeface="Arial"/>
+              </a:rPr>
+              <a:t>Per </a:t>
+            </a:r>
+            <a:r>
+              <a:rPr b="0" lang="en-US" sz="2400" spc="-1" strike="noStrike">
+                <a:solidFill>
+                  <a:srgbClr val="050505"/>
+                </a:solidFill>
+                <a:latin typeface="Arial"/>
+              </a:rPr>
+              <a:t>base ‘N’ </a:t>
+            </a:r>
+            <a:r>
+              <a:rPr b="0" lang="en-US" sz="2400" spc="-1" strike="noStrike">
+                <a:solidFill>
+                  <a:srgbClr val="050505"/>
+                </a:solidFill>
+                <a:latin typeface="Arial"/>
+              </a:rPr>
+              <a:t>content </a:t>
+            </a:r>
+            <a:r>
+              <a:rPr b="0" lang="en-US" sz="2400" spc="-1" strike="noStrike">
+                <a:solidFill>
+                  <a:srgbClr val="050505"/>
+                </a:solidFill>
+                <a:latin typeface="Arial"/>
+              </a:rPr>
+              <a:t>(or non-</a:t>
+            </a:r>
+            <a:r>
+              <a:rPr b="0" lang="en-US" sz="2400" spc="-1" strike="noStrike">
+                <a:solidFill>
+                  <a:srgbClr val="050505"/>
+                </a:solidFill>
+                <a:latin typeface="Arial"/>
+              </a:rPr>
+              <a:t>call)</a:t>
+            </a:r>
+            <a:endParaRPr b="0" lang="en-US" sz="2400" spc="-1" strike="noStrike">
+              <a:latin typeface="Arial"/>
+            </a:endParaRPr>
+          </a:p>
+          <a:p>
+            <a:pPr lvl="4" marL="1080000" indent="-216000">
+              <a:lnSpc>
+                <a:spcPct val="100000"/>
+              </a:lnSpc>
+              <a:spcAft>
+                <a:spcPts val="1060"/>
+              </a:spcAft>
+              <a:buClr>
+                <a:srgbClr val="000000"/>
+              </a:buClr>
+              <a:buSzPct val="45000"/>
+              <a:buFont typeface="Wingdings" charset="2"/>
+              <a:buChar char=""/>
+            </a:pPr>
+            <a:r>
+              <a:rPr b="0" lang="en-US" sz="1800" spc="-1" strike="noStrike">
+                <a:solidFill>
+                  <a:srgbClr val="050505"/>
+                </a:solidFill>
+                <a:latin typeface="Arial"/>
+              </a:rPr>
+              <a:t>Indicates </a:t>
+            </a:r>
+            <a:r>
+              <a:rPr b="0" lang="en-US" sz="1800" spc="-1" strike="noStrike">
+                <a:solidFill>
+                  <a:srgbClr val="050505"/>
+                </a:solidFill>
+                <a:latin typeface="Arial"/>
+              </a:rPr>
+              <a:t>potential </a:t>
+            </a:r>
+            <a:r>
+              <a:rPr b="0" lang="en-US" sz="1800" spc="-1" strike="noStrike">
+                <a:solidFill>
+                  <a:srgbClr val="050505"/>
+                </a:solidFill>
+                <a:latin typeface="Arial"/>
+              </a:rPr>
+              <a:t>instrume</a:t>
+            </a:r>
+            <a:r>
+              <a:rPr b="0" lang="en-US" sz="1800" spc="-1" strike="noStrike">
+                <a:solidFill>
+                  <a:srgbClr val="050505"/>
+                </a:solidFill>
+                <a:latin typeface="Arial"/>
+              </a:rPr>
+              <a:t>nt failure</a:t>
+            </a:r>
+            <a:endParaRPr b="0" lang="en-US" sz="1800" spc="-1" strike="noStrike">
+              <a:latin typeface="Arial"/>
+            </a:endParaRPr>
+          </a:p>
+          <a:p>
+            <a:pPr lvl="3" marL="864000" indent="-216000">
+              <a:lnSpc>
+                <a:spcPct val="100000"/>
+              </a:lnSpc>
+              <a:spcAft>
+                <a:spcPts val="1060"/>
+              </a:spcAft>
+              <a:buClr>
+                <a:srgbClr val="000000"/>
+              </a:buClr>
+              <a:buSzPct val="45000"/>
+              <a:buFont typeface="Wingdings" charset="2"/>
+              <a:buChar char=""/>
+            </a:pPr>
+            <a:r>
+              <a:rPr b="0" lang="en-US" sz="2400" spc="-1" strike="noStrike">
+                <a:solidFill>
+                  <a:srgbClr val="050505"/>
+                </a:solidFill>
+                <a:latin typeface="Arial"/>
+              </a:rPr>
+              <a:t>Other </a:t>
+            </a:r>
+            <a:r>
+              <a:rPr b="0" lang="en-US" sz="2400" spc="-1" strike="noStrike">
+                <a:solidFill>
+                  <a:srgbClr val="050505"/>
+                </a:solidFill>
+                <a:latin typeface="Arial"/>
+              </a:rPr>
+              <a:t>measur</a:t>
+            </a:r>
+            <a:r>
+              <a:rPr b="0" lang="en-US" sz="2400" spc="-1" strike="noStrike">
+                <a:solidFill>
+                  <a:srgbClr val="050505"/>
+                </a:solidFill>
+                <a:latin typeface="Arial"/>
+              </a:rPr>
+              <a:t>es</a:t>
+            </a:r>
+            <a:endParaRPr b="0" lang="en-US" sz="2400" spc="-1" strike="noStrike">
+              <a:latin typeface="Arial"/>
             </a:endParaRPr>
           </a:p>
         </p:txBody>
@@ -4599,10 +7960,10 @@
   <p:timing>
     <p:tnLst>
       <p:par>
-        <p:cTn id="23" dur="indefinite" restart="never" nodeType="tmRoot">
+        <p:cTn id="27" dur="indefinite" restart="never" nodeType="tmRoot">
           <p:childTnLst>
             <p:seq>
-              <p:cTn id="24" dur="indefinite" nodeType="mainSeq"/>
+              <p:cTn id="28" dur="indefinite" nodeType="mainSeq"/>
               <p:prevCondLst>
                 <p:cond delay="0" evt="onPrev">
                   <p:tgtEl>
@@ -4645,14 +8006,14 @@
       </p:grpSpPr>
       <p:sp>
         <p:nvSpPr>
-          <p:cNvPr id="62" name="TextShape 1"/>
-          <p:cNvSpPr txBox="1"/>
+          <p:cNvPr id="112" name="CustomShape 1"/>
+          <p:cNvSpPr/>
           <p:nvPr/>
         </p:nvSpPr>
         <p:spPr>
           <a:xfrm>
             <a:off x="1620000" y="216000"/>
-            <a:ext cx="8100000" cy="936000"/>
+            <a:ext cx="8099640" cy="935640"/>
           </a:xfrm>
           <a:prstGeom prst="rect">
             <a:avLst/>
@@ -4662,12 +8023,22 @@
             <a:noFill/>
           </a:ln>
         </p:spPr>
+        <p:style>
+          <a:lnRef idx="0"/>
+          <a:fillRef idx="0"/>
+          <a:effectRef idx="0"/>
+          <a:fontRef idx="minor"/>
+        </p:style>
         <p:txBody>
           <a:bodyPr lIns="0" rIns="0" tIns="0" bIns="0" anchor="ctr">
             <a:normAutofit/>
           </a:bodyPr>
           <a:p>
-            <a:pPr algn="ctr"/>
+            <a:pPr algn="ctr">
+              <a:lnSpc>
+                <a:spcPct val="100000"/>
+              </a:lnSpc>
+            </a:pPr>
             <a:r>
               <a:rPr b="0" lang="en-US" sz="3300" spc="-1" strike="noStrike">
                 <a:solidFill>
@@ -4678,24 +8049,44 @@
               <a:t>Stage 1: Processing and quality control of raw sequencing reads (cont’d) </a:t>
             </a:r>
             <a:endParaRPr b="0" lang="en-US" sz="3300" spc="-1" strike="noStrike">
-              <a:solidFill>
-                <a:srgbClr val="050505"/>
-              </a:solidFill>
-              <a:latin typeface="Times New Roman"/>
-            </a:endParaRPr>
-          </a:p>
-        </p:txBody>
-      </p:sp>
-      <p:sp>
-        <p:nvSpPr>
-          <p:cNvPr id="63" name="TextShape 2"/>
+              <a:latin typeface="Arial"/>
+            </a:endParaRPr>
+          </a:p>
+        </p:txBody>
+      </p:sp>
+      <p:pic>
+        <p:nvPicPr>
+          <p:cNvPr id="113" name="" descr=""/>
+          <p:cNvPicPr/>
+          <p:nvPr/>
+        </p:nvPicPr>
+        <p:blipFill>
+          <a:blip r:embed="rId1"/>
+          <a:stretch/>
+        </p:blipFill>
+        <p:spPr>
+          <a:xfrm>
+            <a:off x="2011680" y="1280160"/>
+            <a:ext cx="7135200" cy="4354560"/>
+          </a:xfrm>
+          <a:prstGeom prst="rect">
+            <a:avLst/>
+          </a:prstGeom>
+          <a:ln>
+            <a:noFill/>
+          </a:ln>
+        </p:spPr>
+      </p:pic>
+      <p:sp>
+        <p:nvSpPr>
+          <p:cNvPr id="114" name="TextShape 2"/>
           <p:cNvSpPr txBox="1"/>
           <p:nvPr/>
         </p:nvSpPr>
         <p:spPr>
           <a:xfrm>
-            <a:off x="1620000" y="1368000"/>
-            <a:ext cx="8100000" cy="3288240"/>
+            <a:off x="8138160" y="1737360"/>
+            <a:ext cx="2011680" cy="3929760"/>
           </a:xfrm>
           <a:prstGeom prst="rect">
             <a:avLst/>
@@ -4706,33 +8097,29 @@
           </a:ln>
         </p:spPr>
         <p:txBody>
-          <a:bodyPr lIns="0" rIns="0" tIns="0" bIns="0">
-            <a:normAutofit/>
-          </a:bodyPr>
-          <a:p>
-            <a:pPr marL="432000" indent="-324000">
-              <a:spcAft>
-                <a:spcPts val="1060"/>
-              </a:spcAft>
-              <a:buClr>
-                <a:srgbClr val="0066ff"/>
-              </a:buClr>
-              <a:buSzPct val="40000"/>
-              <a:buFont typeface="Wingdings" charset="2"/>
-              <a:buChar char=""/>
-            </a:pPr>
-            <a:r>
-              <a:rPr b="0" lang="en-US" sz="2400" spc="-1" strike="noStrike">
-                <a:solidFill>
-                  <a:srgbClr val="050505"/>
-                </a:solidFill>
-                <a:latin typeface="Arial"/>
-              </a:rPr>
-              <a:t>Insert snapshot here of FastQC report​</a:t>
-            </a:r>
-            <a:endParaRPr b="0" lang="en-US" sz="2400" spc="-1" strike="noStrike">
+          <a:bodyPr lIns="90000" rIns="90000" tIns="45000" bIns="45000"/>
+          <a:p>
+            <a:r>
+              <a:rPr b="1" lang="en-US" sz="1800" spc="-1" strike="noStrike">
+                <a:solidFill>
+                  <a:srgbClr val="ce181e"/>
+                </a:solidFill>
+                <a:latin typeface="Arial"/>
+              </a:rPr>
+              <a:t>NOTE:</a:t>
+            </a:r>
+            <a:r>
+              <a:rPr b="0" lang="en-US" sz="1800" spc="-1" strike="noStrike">
+                <a:solidFill>
+                  <a:srgbClr val="ce181e"/>
+                </a:solidFill>
+                <a:latin typeface="Arial"/>
+              </a:rPr>
+              <a:t> A ‘failure’ alert in the FastQC summary can be flagged simply because the data given (e.g. RNA sequencing data) isn’t of the same type as that for which FastQC was originally designed (e.g. DNA sequencing data)</a:t>
+            </a:r>
+            <a:endParaRPr b="0" lang="en-US" sz="1800" spc="-1" strike="noStrike">
               <a:solidFill>
-                <a:srgbClr val="050505"/>
+                <a:srgbClr val="ce181e"/>
               </a:solidFill>
               <a:latin typeface="Arial"/>
             </a:endParaRPr>
@@ -4744,10 +8131,10 @@
   <p:timing>
     <p:tnLst>
       <p:par>
-        <p:cTn id="25" dur="indefinite" restart="never" nodeType="tmRoot">
+        <p:cTn id="29" dur="indefinite" restart="never" nodeType="tmRoot">
           <p:childTnLst>
             <p:seq>
-              <p:cTn id="26" dur="indefinite" nodeType="mainSeq"/>
+              <p:cTn id="30" dur="indefinite" nodeType="mainSeq"/>
               <p:prevCondLst>
                 <p:cond delay="0" evt="onPrev">
                   <p:tgtEl>
@@ -4790,14 +8177,14 @@
       </p:grpSpPr>
       <p:sp>
         <p:nvSpPr>
-          <p:cNvPr id="64" name="TextShape 1"/>
-          <p:cNvSpPr txBox="1"/>
+          <p:cNvPr id="115" name="CustomShape 1"/>
+          <p:cNvSpPr/>
           <p:nvPr/>
         </p:nvSpPr>
         <p:spPr>
           <a:xfrm>
             <a:off x="1620000" y="216000"/>
-            <a:ext cx="8100000" cy="936000"/>
+            <a:ext cx="8099640" cy="935640"/>
           </a:xfrm>
           <a:prstGeom prst="rect">
             <a:avLst/>
@@ -4807,12 +8194,22 @@
             <a:noFill/>
           </a:ln>
         </p:spPr>
+        <p:style>
+          <a:lnRef idx="0"/>
+          <a:fillRef idx="0"/>
+          <a:effectRef idx="0"/>
+          <a:fontRef idx="minor"/>
+        </p:style>
         <p:txBody>
           <a:bodyPr lIns="0" rIns="0" tIns="0" bIns="0" anchor="ctr">
             <a:normAutofit/>
           </a:bodyPr>
           <a:p>
-            <a:pPr algn="ctr"/>
+            <a:pPr algn="ctr">
+              <a:lnSpc>
+                <a:spcPct val="100000"/>
+              </a:lnSpc>
+            </a:pPr>
             <a:r>
               <a:rPr b="0" lang="en-US" sz="3300" spc="-1" strike="noStrike">
                 <a:solidFill>
@@ -4823,17 +8220,14 @@
               <a:t>Stage 2: Mapping of sequencing reads to genome</a:t>
             </a:r>
             <a:endParaRPr b="0" lang="en-US" sz="3300" spc="-1" strike="noStrike">
-              <a:solidFill>
-                <a:srgbClr val="050505"/>
-              </a:solidFill>
-              <a:latin typeface="Times New Roman"/>
+              <a:latin typeface="Arial"/>
             </a:endParaRPr>
           </a:p>
         </p:txBody>
       </p:sp>
       <p:pic>
         <p:nvPicPr>
-          <p:cNvPr id="65" name="" descr=""/>
+          <p:cNvPr id="116" name="" descr=""/>
           <p:cNvPicPr/>
           <p:nvPr/>
         </p:nvPicPr>
@@ -4844,7 +8238,7 @@
         <p:spPr>
           <a:xfrm>
             <a:off x="3194640" y="1189440"/>
-            <a:ext cx="4846320" cy="4402080"/>
+            <a:ext cx="4845960" cy="4401720"/>
           </a:xfrm>
           <a:prstGeom prst="rect">
             <a:avLst/>
@@ -4854,15 +8248,55 @@
           </a:ln>
         </p:spPr>
       </p:pic>
+      <p:sp>
+        <p:nvSpPr>
+          <p:cNvPr id="117" name="TextShape 2"/>
+          <p:cNvSpPr txBox="1"/>
+          <p:nvPr/>
+        </p:nvSpPr>
+        <p:spPr>
+          <a:xfrm>
+            <a:off x="8229600" y="1737360"/>
+            <a:ext cx="1737360" cy="2649960"/>
+          </a:xfrm>
+          <a:prstGeom prst="rect">
+            <a:avLst/>
+          </a:prstGeom>
+          <a:noFill/>
+          <a:ln>
+            <a:noFill/>
+          </a:ln>
+        </p:spPr>
+        <p:txBody>
+          <a:bodyPr lIns="90000" rIns="90000" tIns="45000" bIns="45000"/>
+          <a:p>
+            <a:r>
+              <a:rPr b="0" lang="en-US" sz="1800" spc="-1" strike="noStrike">
+                <a:solidFill>
+                  <a:srgbClr val="ce181e"/>
+                </a:solidFill>
+                <a:latin typeface="Arial"/>
+              </a:rPr>
+              <a:t>The histogram-like plot to the left indicates the cumulative counts of sequencing reads at different positions in the genome.</a:t>
+            </a:r>
+            <a:endParaRPr b="0" lang="en-US" sz="1800" spc="-1" strike="noStrike">
+              <a:solidFill>
+                <a:srgbClr val="ce181e"/>
+              </a:solidFill>
+              <a:latin typeface="Arial"/>
+            </a:endParaRPr>
+          </a:p>
+        </p:txBody>
+      </p:sp>
     </p:spTree>
   </p:cSld>
   <p:timing>
     <p:tnLst>
       <p:par>
-        <p:cTn id="27" dur="indefinite" restart="never" nodeType="tmRoot">
+        <p:cTn id="31" dur="indefinite" restart="never" nodeType="tmRoot">
           <p:childTnLst>
             <p:seq>
-              <p:cTn id="28" dur="indefinite" nodeType="mainSeq"/>
+              <p:cTn id="32" dur="indefinite" nodeType="mainSeq"/>
               <p:prevCondLst>
                 <p:cond delay="0" evt="onPrev">
                   <p:tgtEl>
@@ -4905,14 +8339,14 @@
       </p:grpSpPr>
       <p:sp>
         <p:nvSpPr>
-          <p:cNvPr id="66" name="TextShape 1"/>
-          <p:cNvSpPr txBox="1"/>
+          <p:cNvPr id="118" name="CustomShape 1"/>
+          <p:cNvSpPr/>
           <p:nvPr/>
         </p:nvSpPr>
         <p:spPr>
           <a:xfrm>
             <a:off x="1620000" y="216000"/>
-            <a:ext cx="8100000" cy="936000"/>
+            <a:ext cx="8099640" cy="935640"/>
           </a:xfrm>
           <a:prstGeom prst="rect">
             <a:avLst/>
@@ -4922,12 +8356,22 @@
             <a:noFill/>
           </a:ln>
         </p:spPr>
+        <p:style>
+          <a:lnRef idx="0"/>
+          <a:fillRef idx="0"/>
+          <a:effectRef idx="0"/>
+          <a:fontRef idx="minor"/>
+        </p:style>
         <p:txBody>
           <a:bodyPr lIns="0" rIns="0" tIns="0" bIns="0" anchor="ctr">
             <a:normAutofit/>
           </a:bodyPr>
           <a:p>
-            <a:pPr algn="ctr"/>
+            <a:pPr algn="ctr">
+              <a:lnSpc>
+                <a:spcPct val="100000"/>
+              </a:lnSpc>
+            </a:pPr>
             <a:r>
               <a:rPr b="0" lang="en-US" sz="3300" spc="-1" strike="noStrike">
                 <a:solidFill>
@@ -4938,24 +8382,21 @@
               <a:t>Stage 3: Assignment of reads to individual genes to attain expression measurements</a:t>
             </a:r>
             <a:endParaRPr b="0" lang="en-US" sz="3300" spc="-1" strike="noStrike">
-              <a:solidFill>
-                <a:srgbClr val="050505"/>
-              </a:solidFill>
-              <a:latin typeface="Times New Roman"/>
-            </a:endParaRPr>
-          </a:p>
-        </p:txBody>
-      </p:sp>
-      <p:sp>
-        <p:nvSpPr>
-          <p:cNvPr id="67" name="TextShape 2"/>
-          <p:cNvSpPr txBox="1"/>
+              <a:latin typeface="Arial"/>
+            </a:endParaRPr>
+          </a:p>
+        </p:txBody>
+      </p:sp>
+      <p:sp>
+        <p:nvSpPr>
+          <p:cNvPr id="119" name="CustomShape 2"/>
+          <p:cNvSpPr/>
           <p:nvPr/>
         </p:nvSpPr>
         <p:spPr>
           <a:xfrm>
             <a:off x="1620000" y="1368000"/>
-            <a:ext cx="8100000" cy="3288240"/>
+            <a:ext cx="8099640" cy="3287880"/>
           </a:xfrm>
           <a:prstGeom prst="rect">
             <a:avLst/>
@@ -4965,12 +8406,21 @@
             <a:noFill/>
           </a:ln>
         </p:spPr>
+        <p:style>
+          <a:lnRef idx="0"/>
+          <a:fillRef idx="0"/>
+          <a:effectRef idx="0"/>
+          <a:fontRef idx="minor"/>
+        </p:style>
         <p:txBody>
           <a:bodyPr lIns="0" rIns="0" tIns="0" bIns="0">
             <a:normAutofit/>
           </a:bodyPr>
           <a:p>
-            <a:pPr marL="432000" indent="-324000">
+            <a:pPr marL="432000" indent="-323640">
+              <a:lnSpc>
+                <a:spcPct val="100000"/>
+              </a:lnSpc>
               <a:spcAft>
                 <a:spcPts val="1060"/>
               </a:spcAft>
@@ -4991,14 +8441,27 @@
               <a:t>Sequencing reads are aligned (‘mapped’) to a reference genome in which locations of genes are known</a:t>
             </a:r>
             <a:endParaRPr b="0" lang="en-US" sz="2400" spc="-1" strike="noStrike">
-              <a:solidFill>
-                <a:srgbClr val="050505"/>
-              </a:solidFill>
-              <a:latin typeface="Arial"/>
-            </a:endParaRPr>
-          </a:p>
-          <a:p>
-            <a:pPr marL="432000" indent="-324000">
+              <a:latin typeface="Arial"/>
+            </a:endParaRPr>
+          </a:p>
+          <a:p>
+            <a:pPr>
+              <a:lnSpc>
+                <a:spcPct val="100000"/>
+              </a:lnSpc>
+              <a:spcAft>
+                <a:spcPts val="1060"/>
+              </a:spcAft>
+            </a:pPr>
+            <a:endParaRPr b="0" lang="en-US" sz="2400" spc="-1" strike="noStrike">
+              <a:latin typeface="Arial"/>
+            </a:endParaRPr>
+          </a:p>
+          <a:p>
+            <a:pPr marL="432000" indent="-323640">
+              <a:lnSpc>
+                <a:spcPct val="100000"/>
+              </a:lnSpc>
               <a:spcAft>
                 <a:spcPts val="1060"/>
               </a:spcAft>
@@ -5009,15 +8472,65 @@
               <a:buFont typeface="Wingdings" charset="2"/>
               <a:buChar char=""/>
             </a:pPr>
+            <a:r>
+              <a:rPr b="0" lang="en-US" sz="2400" spc="-1" strike="noStrike">
+                <a:solidFill>
+                  <a:srgbClr val="050505"/>
+                </a:solidFill>
+                <a:latin typeface="Arial"/>
+              </a:rPr>
+              <a:t>Algorithms (like featureCounts) assign the aligned reads to each gene</a:t>
+            </a:r>
             <a:endParaRPr b="0" lang="en-US" sz="2400" spc="-1" strike="noStrike">
-              <a:solidFill>
-                <a:srgbClr val="050505"/>
-              </a:solidFill>
-              <a:latin typeface="Arial"/>
-            </a:endParaRPr>
-          </a:p>
-          <a:p>
-            <a:pPr marL="432000" indent="-324000">
+              <a:latin typeface="Arial"/>
+            </a:endParaRPr>
+          </a:p>
+          <a:p>
+            <a:pPr lvl="1" marL="864000" indent="-323640">
+              <a:lnSpc>
+                <a:spcPct val="100000"/>
+              </a:lnSpc>
+              <a:spcAft>
+                <a:spcPts val="848"/>
+              </a:spcAft>
+              <a:buClr>
+                <a:srgbClr val="0066ff"/>
+              </a:buClr>
+              <a:buSzPct val="40000"/>
+              <a:buFont typeface="Symbol"/>
+              <a:buChar char=""/>
+            </a:pPr>
+            <a:r>
+              <a:rPr b="0" lang="en-US" sz="2090" spc="-1" strike="noStrike">
+                <a:solidFill>
+                  <a:srgbClr val="050505"/>
+                </a:solidFill>
+                <a:latin typeface="Arial"/>
+              </a:rPr>
+              <a:t>Results in ‘digital’ measures of expression – one unit of expression per mapped read</a:t>
+            </a:r>
+            <a:endParaRPr b="0" lang="en-US" sz="2090" spc="-1" strike="noStrike">
+              <a:latin typeface="Arial"/>
+            </a:endParaRPr>
+          </a:p>
+          <a:p>
+            <a:pPr>
+              <a:lnSpc>
+                <a:spcPct val="100000"/>
+              </a:lnSpc>
+              <a:spcAft>
+                <a:spcPts val="1060"/>
+              </a:spcAft>
+            </a:pPr>
+            <a:endParaRPr b="0" lang="en-US" sz="2090" spc="-1" strike="noStrike">
+              <a:latin typeface="Arial"/>
+            </a:endParaRPr>
+          </a:p>
+          <a:p>
+            <a:pPr marL="432000" indent="-323640">
+              <a:lnSpc>
+                <a:spcPct val="100000"/>
+              </a:lnSpc>
               <a:spcAft>
                 <a:spcPts val="1060"/>
               </a:spcAft>
@@ -5035,17 +8548,17 @@
                 </a:solidFill>
                 <a:latin typeface="Arial"/>
               </a:rPr>
-              <a:t>Algorithms (like featureCounts) assign the aligned reads to each gene</a:t>
+              <a:t>Counts are then normalized according to sequencing depth and/or gene length</a:t>
             </a:r>
             <a:endParaRPr b="0" lang="en-US" sz="2400" spc="-1" strike="noStrike">
-              <a:solidFill>
-                <a:srgbClr val="050505"/>
-              </a:solidFill>
-              <a:latin typeface="Arial"/>
-            </a:endParaRPr>
-          </a:p>
-          <a:p>
-            <a:pPr lvl="1" marL="864000" indent="-324000">
+              <a:latin typeface="Arial"/>
+            </a:endParaRPr>
+          </a:p>
+          <a:p>
+            <a:pPr lvl="1" marL="864000" indent="-323640">
+              <a:lnSpc>
+                <a:spcPct val="100000"/>
+              </a:lnSpc>
               <a:spcAft>
                 <a:spcPts val="848"/>
               </a:spcAft>
@@ -5053,7 +8566,7 @@
                 <a:srgbClr val="0066ff"/>
               </a:buClr>
               <a:buSzPct val="40000"/>
-              <a:buFont typeface="Symbol" charset="2"/>
+              <a:buFont typeface="Symbol"/>
               <a:buChar char=""/>
             </a:pPr>
             <a:r>
@@ -5063,92 +8576,17 @@
                 </a:solidFill>
                 <a:latin typeface="Arial"/>
               </a:rPr>
-              <a:t>Results in ‘digital’ measures of expression – one unit of expression per mapped read</a:t>
+              <a:t>Two common normalized expression measures are:</a:t>
             </a:r>
             <a:endParaRPr b="0" lang="en-US" sz="2090" spc="-1" strike="noStrike">
-              <a:solidFill>
-                <a:srgbClr val="050505"/>
-              </a:solidFill>
-              <a:latin typeface="Arial"/>
-            </a:endParaRPr>
-          </a:p>
-          <a:p>
-            <a:pPr marL="432000" indent="-324000">
-              <a:spcAft>
-                <a:spcPts val="1060"/>
-              </a:spcAft>
-              <a:buClr>
-                <a:srgbClr val="0066ff"/>
-              </a:buClr>
-              <a:buSzPct val="40000"/>
-              <a:buFont typeface="Wingdings" charset="2"/>
-              <a:buChar char=""/>
-            </a:pPr>
-            <a:endParaRPr b="0" lang="en-US" sz="2090" spc="-1" strike="noStrike">
-              <a:solidFill>
-                <a:srgbClr val="050505"/>
-              </a:solidFill>
-              <a:latin typeface="Arial"/>
-            </a:endParaRPr>
-          </a:p>
-          <a:p>
-            <a:pPr marL="432000" indent="-324000">
-              <a:spcAft>
-                <a:spcPts val="1060"/>
-              </a:spcAft>
-              <a:buClr>
-                <a:srgbClr val="0066ff"/>
-              </a:buClr>
-              <a:buSzPct val="40000"/>
-              <a:buFont typeface="Wingdings" charset="2"/>
-              <a:buChar char=""/>
-            </a:pPr>
-            <a:r>
-              <a:rPr b="0" lang="en-US" sz="2400" spc="-1" strike="noStrike">
-                <a:solidFill>
-                  <a:srgbClr val="050505"/>
-                </a:solidFill>
-                <a:latin typeface="Arial"/>
-              </a:rPr>
-              <a:t>Counts are then normalized according to sequencing depth and/or gene length</a:t>
-            </a:r>
-            <a:endParaRPr b="0" lang="en-US" sz="2400" spc="-1" strike="noStrike">
-              <a:solidFill>
-                <a:srgbClr val="050505"/>
-              </a:solidFill>
-              <a:latin typeface="Arial"/>
-            </a:endParaRPr>
-          </a:p>
-          <a:p>
-            <a:pPr lvl="1" marL="864000" indent="-324000">
-              <a:spcAft>
-                <a:spcPts val="848"/>
-              </a:spcAft>
-              <a:buClr>
-                <a:srgbClr val="0066ff"/>
-              </a:buClr>
-              <a:buSzPct val="40000"/>
-              <a:buFont typeface="Symbol" charset="2"/>
-              <a:buChar char=""/>
-            </a:pPr>
-            <a:r>
-              <a:rPr b="0" lang="en-US" sz="2090" spc="-1" strike="noStrike">
-                <a:solidFill>
-                  <a:srgbClr val="050505"/>
-                </a:solidFill>
-                <a:latin typeface="Arial"/>
-              </a:rPr>
-              <a:t>Two common normalized expression measures are:</a:t>
-            </a:r>
-            <a:endParaRPr b="0" lang="en-US" sz="2090" spc="-1" strike="noStrike">
-              <a:solidFill>
-                <a:srgbClr val="050505"/>
-              </a:solidFill>
-              <a:latin typeface="Arial"/>
-            </a:endParaRPr>
-          </a:p>
-          <a:p>
-            <a:pPr lvl="2" marL="1296000" indent="-288000">
+              <a:latin typeface="Arial"/>
+            </a:endParaRPr>
+          </a:p>
+          <a:p>
+            <a:pPr lvl="2" marL="1296000" indent="-287640">
+              <a:lnSpc>
+                <a:spcPct val="100000"/>
+              </a:lnSpc>
               <a:spcAft>
                 <a:spcPts val="632"/>
               </a:spcAft>
@@ -5226,42 +8664,109 @@
               <a:t>illion</a:t>
             </a:r>
             <a:endParaRPr b="0" lang="en-US" sz="1800" spc="-1" strike="noStrike">
-              <a:solidFill>
-                <a:srgbClr val="050505"/>
-              </a:solidFill>
-              <a:latin typeface="Arial"/>
-            </a:endParaRPr>
-          </a:p>
-          <a:p>
-            <a:pPr lvl="3" marL="1728000" indent="-216000">
+              <a:latin typeface="Arial"/>
+            </a:endParaRPr>
+          </a:p>
+          <a:p>
+            <a:pPr lvl="6" marL="1512000" indent="-216000">
+              <a:lnSpc>
+                <a:spcPct val="100000"/>
+              </a:lnSpc>
               <a:spcAft>
-                <a:spcPts val="422"/>
+                <a:spcPts val="632"/>
               </a:spcAft>
               <a:buClr>
-                <a:srgbClr val="0066ff"/>
+                <a:srgbClr val="000000"/>
               </a:buClr>
-              <a:buSzPct val="40000"/>
-              <a:buFont typeface="Symbol" charset="2"/>
-              <a:buChar char=""/>
+              <a:buSzPct val="45000"/>
+              <a:buFont typeface="Wingdings" charset="2"/>
+              <a:buChar char=""/>
             </a:pPr>
-            <a:r>
-              <a:rPr b="0" lang="en-US" sz="1500" spc="-1" strike="noStrike">
-                <a:solidFill>
-                  <a:srgbClr val="050505"/>
-                </a:solidFill>
-                <a:latin typeface="Arial"/>
-              </a:rPr>
-              <a:t>[(Read count)/(Gene length in kb)] / (</a:t>
-            </a:r>
-            <a:endParaRPr b="0" lang="en-US" sz="1500" spc="-1" strike="noStrike">
-              <a:solidFill>
-                <a:srgbClr val="050505"/>
-              </a:solidFill>
-              <a:latin typeface="Arial"/>
-            </a:endParaRPr>
-          </a:p>
-          <a:p>
-            <a:pPr lvl="2" marL="1296000" indent="-288000">
+            <a:endParaRPr b="0" lang="en-US" sz="1800" spc="-1" strike="noStrike">
+              <a:latin typeface="Arial"/>
+            </a:endParaRPr>
+          </a:p>
+          <a:p>
+            <a:pPr lvl="6" marL="1512000" indent="-216000">
+              <a:lnSpc>
+                <a:spcPct val="100000"/>
+              </a:lnSpc>
+              <a:spcAft>
+                <a:spcPts val="632"/>
+              </a:spcAft>
+              <a:buClr>
+                <a:srgbClr val="000000"/>
+              </a:buClr>
+              <a:buSzPct val="45000"/>
+              <a:buFont typeface="Wingdings" charset="2"/>
+              <a:buChar char=""/>
+            </a:pPr>
+            <a:endParaRPr b="0" lang="en-US" sz="1800" spc="-1" strike="noStrike">
+              <a:latin typeface="Arial"/>
+            </a:endParaRPr>
+          </a:p>
+          <a:p>
+            <a:pPr lvl="6" marL="1512000" indent="-216000">
+              <a:lnSpc>
+                <a:spcPct val="100000"/>
+              </a:lnSpc>
+              <a:spcAft>
+                <a:spcPts val="632"/>
+              </a:spcAft>
+              <a:buClr>
+                <a:srgbClr val="000000"/>
+              </a:buClr>
+              <a:buSzPct val="45000"/>
+              <a:buFont typeface="Wingdings" charset="2"/>
+              <a:buChar char=""/>
+            </a:pPr>
+            <a:endParaRPr b="0" lang="en-US" sz="1800" spc="-1" strike="noStrike">
+              <a:latin typeface="Arial"/>
+            </a:endParaRPr>
+          </a:p>
+          <a:p>
+            <a:pPr lvl="6" marL="1512000" indent="-216000">
+              <a:lnSpc>
+                <a:spcPct val="100000"/>
+              </a:lnSpc>
+              <a:spcAft>
+                <a:spcPts val="632"/>
+              </a:spcAft>
+              <a:buClr>
+                <a:srgbClr val="000000"/>
+              </a:buClr>
+              <a:buSzPct val="45000"/>
+              <a:buFont typeface="Wingdings" charset="2"/>
+              <a:buChar char=""/>
+            </a:pPr>
+            <a:endParaRPr b="0" lang="en-US" sz="1800" spc="-1" strike="noStrike">
+              <a:latin typeface="Arial"/>
+            </a:endParaRPr>
+          </a:p>
+          <a:p>
+            <a:pPr lvl="6" marL="1512000" indent="-216000">
+              <a:lnSpc>
+                <a:spcPct val="100000"/>
+              </a:lnSpc>
+              <a:spcAft>
+                <a:spcPts val="632"/>
+              </a:spcAft>
+              <a:buClr>
+                <a:srgbClr val="000000"/>
+              </a:buClr>
+              <a:buSzPct val="45000"/>
+              <a:buFont typeface="Wingdings" charset="2"/>
+              <a:buChar char=""/>
+            </a:pPr>
+            <a:endParaRPr b="0" lang="en-US" sz="1800" spc="-1" strike="noStrike">
+              <a:latin typeface="Arial"/>
+            </a:endParaRPr>
+          </a:p>
+          <a:p>
+            <a:pPr lvl="2" marL="1296000" indent="-287640">
+              <a:lnSpc>
+                <a:spcPct val="100000"/>
+              </a:lnSpc>
               <a:spcAft>
                 <a:spcPts val="632"/>
               </a:spcAft>
@@ -5358,8 +8863,821 @@
               <a:t>illion</a:t>
             </a:r>
             <a:endParaRPr b="0" lang="en-US" sz="1800" spc="-1" strike="noStrike">
+              <a:latin typeface="Arial"/>
+            </a:endParaRPr>
+          </a:p>
+        </p:txBody>
+      </p:sp>
+      <mc:AlternateContent>
+        <mc:Choice xmlns:a14="http://schemas.microsoft.com/office/drawing/2010/main" Requires="a14">
+          <p:sp>
+            <p:nvSpPr>
+              <p:cNvPr id="120" name="Formula 3"/>
+              <p:cNvSpPr txBox="1"/>
+              <p:nvPr/>
+            </p:nvSpPr>
+            <p:spPr>
+              <a:xfrm>
+                <a:off x="4708080" y="2669040"/>
+                <a:ext cx="719640" cy="359640"/>
+              </a:xfrm>
+              <a:prstGeom prst="rect">
+                <a:avLst/>
+              </a:prstGeom>
+            </p:spPr>
+            <p:txBody>
+              <a:bodyPr/>
+              <a:p>
+                <a14:m>
+                  <m:oMath xmlns:m="http://schemas.openxmlformats.org/officeDocument/2006/math"/>
+                </a14:m>
+              </a:p>
+            </p:txBody>
+          </p:sp>
+        </mc:Choice>
+        <mc:Fallback/>
+      </mc:AlternateContent>
+      <mc:AlternateContent>
+        <mc:Choice xmlns:a14="http://schemas.microsoft.com/office/drawing/2010/main" Requires="a14">
+          <p:sp>
+            <p:nvSpPr>
+              <p:cNvPr id="121" name="Formula 4"/>
+              <p:cNvSpPr txBox="1"/>
+              <p:nvPr/>
+            </p:nvSpPr>
+            <p:spPr>
+              <a:xfrm>
+                <a:off x="2689920" y="3726000"/>
+                <a:ext cx="705960" cy="404280"/>
+              </a:xfrm>
+              <a:prstGeom prst="rect">
+                <a:avLst/>
+              </a:prstGeom>
+            </p:spPr>
+            <p:txBody>
+              <a:bodyPr/>
+              <a:p>
+                <a14:m>
+                  <m:oMath xmlns:m="http://schemas.openxmlformats.org/officeDocument/2006/math">
+                    <m:sSub>
+                      <m:e>
+                        <m:r>
+                          <m:t xml:space="preserve">RPK</m:t>
+                        </m:r>
+                      </m:e>
+                      <m:sub>
+                        <m:r>
+                          <m:t xml:space="preserve">i</m:t>
+                        </m:r>
+                      </m:sub>
+                    </m:sSub>
+                    <m:r>
+                      <m:t xml:space="preserve">=</m:t>
+                    </m:r>
+                    <m:f>
+                      <m:num>
+                        <m:sSub>
+                          <m:e>
+                            <m:r>
+                              <m:t xml:space="preserve">R</m:t>
+                            </m:r>
+                          </m:e>
+                          <m:sub>
+                            <m:r>
+                              <m:t xml:space="preserve">i</m:t>
+                            </m:r>
+                          </m:sub>
+                        </m:sSub>
+                      </m:num>
+                      <m:den>
+                        <m:sSub>
+                          <m:e>
+                            <m:r>
+                              <m:t xml:space="preserve">L</m:t>
+                            </m:r>
+                          </m:e>
+                          <m:sub>
+                            <m:r>
+                              <m:t xml:space="preserve">i</m:t>
+                            </m:r>
+                          </m:sub>
+                        </m:sSub>
+                      </m:den>
+                    </m:f>
+                  </m:oMath>
+                </a14:m>
+              </a:p>
+            </p:txBody>
+          </p:sp>
+        </mc:Choice>
+        <mc:Fallback/>
+      </mc:AlternateContent>
+      <mc:AlternateContent>
+        <mc:Choice xmlns:a14="http://schemas.microsoft.com/office/drawing/2010/main" Requires="a14">
+          <p:sp>
+            <p:nvSpPr>
+              <p:cNvPr id="122" name="Formula 5"/>
+              <p:cNvSpPr txBox="1"/>
+              <p:nvPr/>
+            </p:nvSpPr>
+            <p:spPr>
+              <a:xfrm>
+                <a:off x="4069800" y="3614400"/>
+                <a:ext cx="861480" cy="522720"/>
+              </a:xfrm>
+              <a:prstGeom prst="rect">
+                <a:avLst/>
+              </a:prstGeom>
+            </p:spPr>
+            <p:txBody>
+              <a:bodyPr/>
+              <a:p>
+                <a14:m>
+                  <m:oMath xmlns:m="http://schemas.openxmlformats.org/officeDocument/2006/math">
+                    <m:r>
+                      <m:t xml:space="preserve">S</m:t>
+                    </m:r>
+                    <m:r>
+                      <m:t xml:space="preserve">=</m:t>
+                    </m:r>
+                    <m:f>
+                      <m:num>
+                        <m:nary>
+                          <m:naryPr>
+                            <m:chr m:val="∑"/>
+                            <m:supHide m:val="1"/>
+                          </m:naryPr>
+                          <m:sub>
+                            <m:r>
+                              <m:t xml:space="preserve">i</m:t>
+                            </m:r>
+                          </m:sub>
+                          <m:sup/>
+                          <m:e>
+                            <m:sSub>
+                              <m:e>
+                                <m:r>
+                                  <m:t xml:space="preserve">RPK</m:t>
+                                </m:r>
+                              </m:e>
+                              <m:sub>
+                                <m:r>
+                                  <m:t xml:space="preserve">i</m:t>
+                                </m:r>
+                              </m:sub>
+                            </m:sSub>
+                          </m:e>
+                        </m:nary>
+                      </m:num>
+                      <m:den>
+                        <m:sSup>
+                          <m:e>
+                            <m:r>
+                              <m:t xml:space="preserve">10</m:t>
+                            </m:r>
+                          </m:e>
+                          <m:sup>
+                            <m:r>
+                              <m:t xml:space="preserve">6</m:t>
+                            </m:r>
+                          </m:sup>
+                        </m:sSup>
+                      </m:den>
+                    </m:f>
+                  </m:oMath>
+                </a14:m>
+              </a:p>
+            </p:txBody>
+          </p:sp>
+        </mc:Choice>
+        <mc:Fallback/>
+      </mc:AlternateContent>
+      <mc:AlternateContent>
+        <mc:Choice xmlns:a14="http://schemas.microsoft.com/office/drawing/2010/main" Requires="a14">
+          <p:sp>
+            <p:nvSpPr>
+              <p:cNvPr id="123" name="Formula 6"/>
+              <p:cNvSpPr txBox="1"/>
+              <p:nvPr/>
+            </p:nvSpPr>
+            <p:spPr>
+              <a:xfrm>
+                <a:off x="5541840" y="3748680"/>
+                <a:ext cx="934560" cy="382680"/>
+              </a:xfrm>
+              <a:prstGeom prst="rect">
+                <a:avLst/>
+              </a:prstGeom>
+            </p:spPr>
+            <p:txBody>
+              <a:bodyPr/>
+              <a:p>
+                <a14:m>
+                  <m:oMath xmlns:m="http://schemas.openxmlformats.org/officeDocument/2006/math">
+                    <m:sSub>
+                      <m:e>
+                        <m:r>
+                          <m:t xml:space="preserve">CPM</m:t>
+                        </m:r>
+                      </m:e>
+                      <m:sub>
+                        <m:r>
+                          <m:t xml:space="preserve">i</m:t>
+                        </m:r>
+                      </m:sub>
+                    </m:sSub>
+                    <m:r>
+                      <m:t xml:space="preserve">=</m:t>
+                    </m:r>
+                    <m:f>
+                      <m:num>
+                        <m:sSub>
+                          <m:e>
+                            <m:r>
+                              <m:t xml:space="preserve">RPK</m:t>
+                            </m:r>
+                          </m:e>
+                          <m:sub>
+                            <m:r>
+                              <m:t xml:space="preserve">i</m:t>
+                            </m:r>
+                          </m:sub>
+                        </m:sSub>
+                      </m:num>
+                      <m:den>
+                        <m:r>
+                          <m:t xml:space="preserve">S</m:t>
+                        </m:r>
+                      </m:den>
+                    </m:f>
+                  </m:oMath>
+                </a14:m>
+              </a:p>
+            </p:txBody>
+          </p:sp>
+        </mc:Choice>
+        <mc:Fallback/>
+      </mc:AlternateContent>
+      <mc:AlternateContent>
+        <mc:Choice xmlns:a14="http://schemas.microsoft.com/office/drawing/2010/main" Requires="a14">
+          <p:sp>
+            <p:nvSpPr>
+              <p:cNvPr id="124" name="Formula 7"/>
+              <p:cNvSpPr txBox="1"/>
+              <p:nvPr/>
+            </p:nvSpPr>
+            <p:spPr>
+              <a:xfrm>
+                <a:off x="2890080" y="4754880"/>
+                <a:ext cx="658800" cy="522720"/>
+              </a:xfrm>
+              <a:prstGeom prst="rect">
+                <a:avLst/>
+              </a:prstGeom>
+            </p:spPr>
+            <p:txBody>
+              <a:bodyPr/>
+              <a:p>
+                <a14:m>
+                  <m:oMath xmlns:m="http://schemas.openxmlformats.org/officeDocument/2006/math">
+                    <m:r>
+                      <m:t xml:space="preserve">S</m:t>
+                    </m:r>
+                    <m:r>
+                      <m:t xml:space="preserve">=</m:t>
+                    </m:r>
+                    <m:f>
+                      <m:num>
+                        <m:nary>
+                          <m:naryPr>
+                            <m:chr m:val="∑"/>
+                            <m:supHide m:val="1"/>
+                          </m:naryPr>
+                          <m:sub>
+                            <m:r>
+                              <m:t xml:space="preserve">i</m:t>
+                            </m:r>
+                          </m:sub>
+                          <m:sup/>
+                          <m:e>
+                            <m:sSub>
+                              <m:e>
+                                <m:r>
+                                  <m:t xml:space="preserve">R</m:t>
+                                </m:r>
+                              </m:e>
+                              <m:sub>
+                                <m:r>
+                                  <m:t xml:space="preserve">i</m:t>
+                                </m:r>
+                              </m:sub>
+                            </m:sSub>
+                          </m:e>
+                        </m:nary>
+                      </m:num>
+                      <m:den>
+                        <m:sSup>
+                          <m:e>
+                            <m:r>
+                              <m:t xml:space="preserve">10</m:t>
+                            </m:r>
+                          </m:e>
+                          <m:sup>
+                            <m:r>
+                              <m:t xml:space="preserve">6</m:t>
+                            </m:r>
+                          </m:sup>
+                        </m:sSup>
+                      </m:den>
+                    </m:f>
+                  </m:oMath>
+                </a14:m>
+              </a:p>
+            </p:txBody>
+          </p:sp>
+        </mc:Choice>
+        <mc:Fallback/>
+      </mc:AlternateContent>
+      <mc:AlternateContent>
+        <mc:Choice xmlns:a14="http://schemas.microsoft.com/office/drawing/2010/main" Requires="a14">
+          <p:sp>
+            <p:nvSpPr>
+              <p:cNvPr id="125" name="Formula 8"/>
+              <p:cNvSpPr txBox="1"/>
+              <p:nvPr/>
+            </p:nvSpPr>
+            <p:spPr>
+              <a:xfrm>
+                <a:off x="4114440" y="4882320"/>
+                <a:ext cx="731880" cy="382680"/>
+              </a:xfrm>
+              <a:prstGeom prst="rect">
+                <a:avLst/>
+              </a:prstGeom>
+            </p:spPr>
+            <p:txBody>
+              <a:bodyPr/>
+              <a:p>
+                <a14:m>
+                  <m:oMath xmlns:m="http://schemas.openxmlformats.org/officeDocument/2006/math">
+                    <m:sSub>
+                      <m:e>
+                        <m:r>
+                          <m:t xml:space="preserve">RPM</m:t>
+                        </m:r>
+                      </m:e>
+                      <m:sub>
+                        <m:r>
+                          <m:t xml:space="preserve">i</m:t>
+                        </m:r>
+                      </m:sub>
+                    </m:sSub>
+                    <m:r>
+                      <m:t xml:space="preserve">=</m:t>
+                    </m:r>
+                    <m:f>
+                      <m:num>
+                        <m:sSub>
+                          <m:e>
+                            <m:r>
+                              <m:t xml:space="preserve">R</m:t>
+                            </m:r>
+                          </m:e>
+                          <m:sub>
+                            <m:r>
+                              <m:t xml:space="preserve">i</m:t>
+                            </m:r>
+                          </m:sub>
+                        </m:sSub>
+                      </m:num>
+                      <m:den>
+                        <m:r>
+                          <m:t xml:space="preserve">S</m:t>
+                        </m:r>
+                      </m:den>
+                    </m:f>
+                  </m:oMath>
+                </a14:m>
+              </a:p>
+            </p:txBody>
+          </p:sp>
+        </mc:Choice>
+        <mc:Fallback/>
+      </mc:AlternateContent>
+      <mc:AlternateContent>
+        <mc:Choice xmlns:a14="http://schemas.microsoft.com/office/drawing/2010/main" Requires="a14">
+          <p:sp>
+            <p:nvSpPr>
+              <p:cNvPr id="126" name="Formula 9"/>
+              <p:cNvSpPr txBox="1"/>
+              <p:nvPr/>
+            </p:nvSpPr>
+            <p:spPr>
+              <a:xfrm>
+                <a:off x="5465520" y="4882320"/>
+                <a:ext cx="1062720" cy="404280"/>
+              </a:xfrm>
+              <a:prstGeom prst="rect">
+                <a:avLst/>
+              </a:prstGeom>
+            </p:spPr>
+            <p:txBody>
+              <a:bodyPr/>
+              <a:p>
+                <a14:m>
+                  <m:oMath xmlns:m="http://schemas.openxmlformats.org/officeDocument/2006/math">
+                    <m:sSub>
+                      <m:e>
+                        <m:r>
+                          <m:t xml:space="preserve">RPKM</m:t>
+                        </m:r>
+                      </m:e>
+                      <m:sub>
+                        <m:r>
+                          <m:t xml:space="preserve">i</m:t>
+                        </m:r>
+                      </m:sub>
+                    </m:sSub>
+                    <m:r>
+                      <m:t xml:space="preserve">=</m:t>
+                    </m:r>
+                    <m:f>
+                      <m:num>
+                        <m:sSub>
+                          <m:e>
+                            <m:r>
+                              <m:t xml:space="preserve">RPM</m:t>
+                            </m:r>
+                          </m:e>
+                          <m:sub>
+                            <m:r>
+                              <m:t xml:space="preserve">i</m:t>
+                            </m:r>
+                          </m:sub>
+                        </m:sSub>
+                      </m:num>
+                      <m:den>
+                        <m:sSub>
+                          <m:e>
+                            <m:r>
+                              <m:t xml:space="preserve">L</m:t>
+                            </m:r>
+                          </m:e>
+                          <m:sub>
+                            <m:r>
+                              <m:t xml:space="preserve">i</m:t>
+                            </m:r>
+                          </m:sub>
+                        </m:sSub>
+                      </m:den>
+                    </m:f>
+                  </m:oMath>
+                </a14:m>
+              </a:p>
+            </p:txBody>
+          </p:sp>
+        </mc:Choice>
+        <mc:Fallback/>
+      </mc:AlternateContent>
+      <p:sp>
+        <p:nvSpPr>
+          <p:cNvPr id="127" name="TextShape 10"/>
+          <p:cNvSpPr txBox="1"/>
+          <p:nvPr/>
+        </p:nvSpPr>
+        <p:spPr>
+          <a:xfrm>
+            <a:off x="2283120" y="3621600"/>
+            <a:ext cx="548640" cy="602280"/>
+          </a:xfrm>
+          <a:prstGeom prst="rect">
+            <a:avLst/>
+          </a:prstGeom>
+          <a:noFill/>
+          <a:ln>
+            <a:noFill/>
+          </a:ln>
+        </p:spPr>
+        <p:txBody>
+          <a:bodyPr lIns="90000" rIns="90000" tIns="45000" bIns="45000" anchor="ctr"/>
+          <a:p>
+            <a:pPr algn="ctr"/>
+            <a:r>
+              <a:rPr b="0" lang="en-US" sz="1800" spc="-1" strike="noStrike">
+                <a:latin typeface="Arial"/>
+              </a:rPr>
+              <a:t>1.</a:t>
+            </a:r>
+            <a:endParaRPr b="0" lang="en-US" sz="1800" spc="-1" strike="noStrike">
+              <a:latin typeface="Arial"/>
+            </a:endParaRPr>
+          </a:p>
+        </p:txBody>
+      </p:sp>
+      <p:sp>
+        <p:nvSpPr>
+          <p:cNvPr id="128" name="TextShape 11"/>
+          <p:cNvSpPr txBox="1"/>
+          <p:nvPr/>
+        </p:nvSpPr>
+        <p:spPr>
+          <a:xfrm>
+            <a:off x="3651120" y="3621960"/>
+            <a:ext cx="548640" cy="602280"/>
+          </a:xfrm>
+          <a:prstGeom prst="rect">
+            <a:avLst/>
+          </a:prstGeom>
+          <a:noFill/>
+          <a:ln>
+            <a:noFill/>
+          </a:ln>
+        </p:spPr>
+        <p:txBody>
+          <a:bodyPr lIns="90000" rIns="90000" tIns="45000" bIns="45000" anchor="ctr"/>
+          <a:p>
+            <a:pPr algn="ctr"/>
+            <a:r>
+              <a:rPr b="0" lang="en-US" sz="1800" spc="-1" strike="noStrike">
+                <a:latin typeface="Arial"/>
+              </a:rPr>
+              <a:t>2.</a:t>
+            </a:r>
+            <a:endParaRPr b="0" lang="en-US" sz="1800" spc="-1" strike="noStrike">
+              <a:latin typeface="Arial"/>
+            </a:endParaRPr>
+          </a:p>
+        </p:txBody>
+      </p:sp>
+      <p:sp>
+        <p:nvSpPr>
+          <p:cNvPr id="129" name="TextShape 12"/>
+          <p:cNvSpPr txBox="1"/>
+          <p:nvPr/>
+        </p:nvSpPr>
+        <p:spPr>
+          <a:xfrm>
+            <a:off x="5163120" y="3622320"/>
+            <a:ext cx="548640" cy="602280"/>
+          </a:xfrm>
+          <a:prstGeom prst="rect">
+            <a:avLst/>
+          </a:prstGeom>
+          <a:noFill/>
+          <a:ln>
+            <a:noFill/>
+          </a:ln>
+        </p:spPr>
+        <p:txBody>
+          <a:bodyPr lIns="90000" rIns="90000" tIns="45000" bIns="45000" anchor="ctr"/>
+          <a:p>
+            <a:pPr algn="ctr"/>
+            <a:r>
+              <a:rPr b="0" lang="en-US" sz="1800" spc="-1" strike="noStrike">
+                <a:latin typeface="Arial"/>
+              </a:rPr>
+              <a:t>3.</a:t>
+            </a:r>
+            <a:endParaRPr b="0" lang="en-US" sz="1800" spc="-1" strike="noStrike">
+              <a:latin typeface="Arial"/>
+            </a:endParaRPr>
+          </a:p>
+        </p:txBody>
+      </p:sp>
+      <p:sp>
+        <p:nvSpPr>
+          <p:cNvPr id="130" name="TextShape 13"/>
+          <p:cNvSpPr txBox="1"/>
+          <p:nvPr/>
+        </p:nvSpPr>
+        <p:spPr>
+          <a:xfrm>
+            <a:off x="2499120" y="4773960"/>
+            <a:ext cx="548640" cy="602280"/>
+          </a:xfrm>
+          <a:prstGeom prst="rect">
+            <a:avLst/>
+          </a:prstGeom>
+          <a:noFill/>
+          <a:ln>
+            <a:noFill/>
+          </a:ln>
+        </p:spPr>
+        <p:txBody>
+          <a:bodyPr lIns="90000" rIns="90000" tIns="45000" bIns="45000" anchor="ctr"/>
+          <a:p>
+            <a:pPr algn="ctr"/>
+            <a:r>
+              <a:rPr b="0" lang="en-US" sz="1800" spc="-1" strike="noStrike">
+                <a:latin typeface="Arial"/>
+              </a:rPr>
+              <a:t>1.</a:t>
+            </a:r>
+            <a:endParaRPr b="0" lang="en-US" sz="1800" spc="-1" strike="noStrike">
+              <a:latin typeface="Arial"/>
+            </a:endParaRPr>
+          </a:p>
+        </p:txBody>
+      </p:sp>
+      <p:sp>
+        <p:nvSpPr>
+          <p:cNvPr id="131" name="TextShape 14"/>
+          <p:cNvSpPr txBox="1"/>
+          <p:nvPr/>
+        </p:nvSpPr>
+        <p:spPr>
+          <a:xfrm>
+            <a:off x="3723120" y="4774320"/>
+            <a:ext cx="548640" cy="602280"/>
+          </a:xfrm>
+          <a:prstGeom prst="rect">
+            <a:avLst/>
+          </a:prstGeom>
+          <a:noFill/>
+          <a:ln>
+            <a:noFill/>
+          </a:ln>
+        </p:spPr>
+        <p:txBody>
+          <a:bodyPr lIns="90000" rIns="90000" tIns="45000" bIns="45000" anchor="ctr"/>
+          <a:p>
+            <a:pPr algn="ctr"/>
+            <a:r>
+              <a:rPr b="0" lang="en-US" sz="1800" spc="-1" strike="noStrike">
+                <a:latin typeface="Arial"/>
+              </a:rPr>
+              <a:t>2.</a:t>
+            </a:r>
+            <a:endParaRPr b="0" lang="en-US" sz="1800" spc="-1" strike="noStrike">
+              <a:latin typeface="Arial"/>
+            </a:endParaRPr>
+          </a:p>
+        </p:txBody>
+      </p:sp>
+      <p:sp>
+        <p:nvSpPr>
+          <p:cNvPr id="132" name="TextShape 15"/>
+          <p:cNvSpPr txBox="1"/>
+          <p:nvPr/>
+        </p:nvSpPr>
+        <p:spPr>
+          <a:xfrm>
+            <a:off x="5091120" y="4774680"/>
+            <a:ext cx="548640" cy="602280"/>
+          </a:xfrm>
+          <a:prstGeom prst="rect">
+            <a:avLst/>
+          </a:prstGeom>
+          <a:noFill/>
+          <a:ln>
+            <a:noFill/>
+          </a:ln>
+        </p:spPr>
+        <p:txBody>
+          <a:bodyPr lIns="90000" rIns="90000" tIns="45000" bIns="45000" anchor="ctr"/>
+          <a:p>
+            <a:pPr algn="ctr"/>
+            <a:r>
+              <a:rPr b="0" lang="en-US" sz="1800" spc="-1" strike="noStrike">
+                <a:latin typeface="Arial"/>
+              </a:rPr>
+              <a:t>3.</a:t>
+            </a:r>
+            <a:endParaRPr b="0" lang="en-US" sz="1800" spc="-1" strike="noStrike">
+              <a:latin typeface="Arial"/>
+            </a:endParaRPr>
+          </a:p>
+        </p:txBody>
+      </p:sp>
+      <p:sp>
+        <p:nvSpPr>
+          <p:cNvPr id="133" name="TextShape 16"/>
+          <p:cNvSpPr txBox="1"/>
+          <p:nvPr/>
+        </p:nvSpPr>
+        <p:spPr>
+          <a:xfrm>
+            <a:off x="6858000" y="3291840"/>
+            <a:ext cx="3222720" cy="2649960"/>
+          </a:xfrm>
+          <a:prstGeom prst="rect">
+            <a:avLst/>
+          </a:prstGeom>
+          <a:noFill/>
+          <a:ln>
+            <a:noFill/>
+          </a:ln>
+        </p:spPr>
+        <p:txBody>
+          <a:bodyPr lIns="90000" rIns="90000" tIns="45000" bIns="45000"/>
+          <a:p>
+            <a:r>
+              <a:rPr b="1" lang="en-US" sz="1800" spc="-1" strike="noStrike">
+                <a:solidFill>
+                  <a:srgbClr val="ce181e"/>
+                </a:solidFill>
+                <a:latin typeface="Arial"/>
+              </a:rPr>
+              <a:t>NOTE</a:t>
+            </a:r>
+            <a:r>
+              <a:rPr b="0" lang="en-US" sz="1800" spc="-1" strike="noStrike">
+                <a:solidFill>
+                  <a:srgbClr val="ce181e"/>
+                </a:solidFill>
+                <a:latin typeface="Arial"/>
+              </a:rPr>
+              <a:t>:</a:t>
+            </a:r>
+            <a:endParaRPr b="0" lang="en-US" sz="1800" spc="-1" strike="noStrike">
               <a:solidFill>
-                <a:srgbClr val="050505"/>
+                <a:srgbClr val="ce181e"/>
+              </a:solidFill>
+              <a:latin typeface="Arial"/>
+            </a:endParaRPr>
+          </a:p>
+          <a:p>
+            <a:endParaRPr b="0" lang="en-US" sz="1800" spc="-1" strike="noStrike">
+              <a:solidFill>
+                <a:srgbClr val="ce181e"/>
+              </a:solidFill>
+              <a:latin typeface="Arial"/>
+            </a:endParaRPr>
+          </a:p>
+          <a:p>
+            <a:r>
+              <a:rPr b="0" lang="en-US" sz="1800" spc="-1" strike="noStrike">
+                <a:solidFill>
+                  <a:srgbClr val="ce181e"/>
+                </a:solidFill>
+                <a:latin typeface="Arial"/>
+              </a:rPr>
+              <a:t>R</a:t>
+            </a:r>
+            <a:r>
+              <a:rPr b="0" lang="en-US" sz="1800" spc="-1" strike="noStrike" baseline="-33000">
+                <a:solidFill>
+                  <a:srgbClr val="ce181e"/>
+                </a:solidFill>
+                <a:latin typeface="Arial"/>
+              </a:rPr>
+              <a:t>i </a:t>
+            </a:r>
+            <a:r>
+              <a:rPr b="0" lang="en-US" sz="1800" spc="-1" strike="noStrike">
+                <a:solidFill>
+                  <a:srgbClr val="ce181e"/>
+                </a:solidFill>
+                <a:latin typeface="Arial"/>
+              </a:rPr>
+              <a:t>– read counts for gene i</a:t>
+            </a:r>
+            <a:endParaRPr b="0" lang="en-US" sz="1800" spc="-1" strike="noStrike">
+              <a:solidFill>
+                <a:srgbClr val="ce181e"/>
+              </a:solidFill>
+              <a:latin typeface="Arial"/>
+            </a:endParaRPr>
+          </a:p>
+          <a:p>
+            <a:r>
+              <a:rPr b="0" lang="en-US" sz="1800" spc="-1" strike="noStrike">
+                <a:solidFill>
+                  <a:srgbClr val="ce181e"/>
+                </a:solidFill>
+                <a:latin typeface="Arial"/>
+              </a:rPr>
+              <a:t>L</a:t>
+            </a:r>
+            <a:r>
+              <a:rPr b="0" lang="en-US" sz="1800" spc="-1" strike="noStrike" baseline="-33000">
+                <a:solidFill>
+                  <a:srgbClr val="ce181e"/>
+                </a:solidFill>
+                <a:latin typeface="Arial"/>
+              </a:rPr>
+              <a:t>i </a:t>
+            </a:r>
+            <a:r>
+              <a:rPr b="0" lang="en-US" sz="1800" spc="-1" strike="noStrike">
+                <a:solidFill>
+                  <a:srgbClr val="ce181e"/>
+                </a:solidFill>
+                <a:latin typeface="Arial"/>
+              </a:rPr>
+              <a:t>– length in kilobases of gene i</a:t>
+            </a:r>
+            <a:endParaRPr b="0" lang="en-US" sz="1800" spc="-1" strike="noStrike">
+              <a:solidFill>
+                <a:srgbClr val="ce181e"/>
+              </a:solidFill>
+              <a:latin typeface="Arial"/>
+            </a:endParaRPr>
+          </a:p>
+          <a:p>
+            <a:endParaRPr b="0" lang="en-US" sz="1800" spc="-1" strike="noStrike">
+              <a:solidFill>
+                <a:srgbClr val="ce181e"/>
               </a:solidFill>
               <a:latin typeface="Arial"/>
             </a:endParaRPr>
@@ -5371,10 +9689,10 @@
   <p:timing>
     <p:tnLst>
       <p:par>
-        <p:cTn id="29" dur="indefinite" restart="never" nodeType="tmRoot">
+        <p:cTn id="33" dur="indefinite" restart="never" nodeType="tmRoot">
           <p:childTnLst>
             <p:seq>
-              <p:cTn id="30" dur="indefinite" nodeType="mainSeq"/>
+              <p:cTn id="34" dur="indefinite" nodeType="mainSeq"/>
               <p:prevCondLst>
                 <p:cond delay="0" evt="onPrev">
                   <p:tgtEl>
@@ -5619,4 +9937,227 @@
     </a:fmtScheme>
   </a:themeElements>
 </a:theme>
+</file>
+
+<file path=ppt/theme/theme2.xml><?xml version="1.0" encoding="utf-8"?>
+<a:theme xmlns:a="http://schemas.openxmlformats.org/drawingml/2006/main" name="Office Theme">
+  <a:themeElements>
+    <a:clrScheme name="Office">
+      <a:dk1>
+        <a:sysClr val="windowText" lastClr="000000"/>
+      </a:dk1>
+      <a:lt1>
+        <a:sysClr val="window" lastClr="FFFFFF"/>
+      </a:lt1>
+      <a:dk2>
+        <a:srgbClr val="1f497d"/>
+      </a:dk2>
+      <a:lt2>
+        <a:srgbClr val="eeece1"/>
+      </a:lt2>
+      <a:accent1>
+        <a:srgbClr val="4f81bd"/>
+      </a:accent1>
+      <a:accent2>
+        <a:srgbClr val="c0504d"/>
+      </a:accent2>
+      <a:accent3>
+        <a:srgbClr val="9bbb59"/>
+      </a:accent3>
+      <a:accent4>
+        <a:srgbClr val="8064a2"/>
+      </a:accent4>
+      <a:accent5>
+        <a:srgbClr val="4bacc6"/>
+      </a:accent5>
+      <a:accent6>
+        <a:srgbClr val="f79646"/>
+      </a:accent6>
+      <a:hlink>
+        <a:srgbClr val="0000ff"/>
+      </a:hlink>
+      <a:folHlink>
+        <a:srgbClr val="800080"/>
+      </a:folHlink>
+    </a:clrScheme>
+    <a:fontScheme name="Office">
+      <a:majorFont>
+        <a:latin typeface="Arial"/>
+        <a:ea typeface="DejaVu Sans"/>
+        <a:cs typeface="DejaVu Sans"/>
+      </a:majorFont>
+      <a:minorFont>
+        <a:latin typeface="Arial"/>
+        <a:ea typeface="DejaVu Sans"/>
+        <a:cs typeface="DejaVu Sans"/>
+      </a:minorFont>
+    </a:fontScheme>
+    <a:fmtScheme name="Office">
+      <a:fillStyleLst>
+        <a:solidFill>
+          <a:schemeClr val="phClr"/>
+        </a:solidFill>
+        <a:gradFill rotWithShape="1">
+          <a:gsLst>
+            <a:gs pos="0">
+              <a:schemeClr val="phClr">
+                <a:tint val="50000"/>
+                <a:satMod val="300000"/>
+              </a:schemeClr>
+            </a:gs>
+            <a:gs pos="35000">
+              <a:schemeClr val="phClr">
+                <a:tint val="37000"/>
+                <a:satMod val="300000"/>
+              </a:schemeClr>
+            </a:gs>
+            <a:gs pos="100000">
+              <a:schemeClr val="phClr">
+                <a:tint val="15000"/>
+                <a:satMod val="350000"/>
+              </a:schemeClr>
+            </a:gs>
+          </a:gsLst>
+          <a:lin ang="16200000" scaled="1"/>
+        </a:gradFill>
+        <a:gradFill rotWithShape="1">
+          <a:gsLst>
+            <a:gs pos="0">
+              <a:schemeClr val="phClr">
+                <a:shade val="51000"/>
+                <a:satMod val="130000"/>
+              </a:schemeClr>
+            </a:gs>
+            <a:gs pos="80000">
+              <a:schemeClr val="phClr">
+                <a:shade val="93000"/>
+                <a:satMod val="130000"/>
+              </a:schemeClr>
+            </a:gs>
+            <a:gs pos="100000">
+              <a:schemeClr val="phClr">
+                <a:shade val="94000"/>
+                <a:satMod val="135000"/>
+              </a:schemeClr>
+            </a:gs>
+          </a:gsLst>
+          <a:lin ang="16200000" scaled="0"/>
+        </a:gradFill>
+      </a:fillStyleLst>
+      <a:lnStyleLst>
+        <a:ln w="9525" cap="flat" cmpd="sng" algn="ctr">
+          <a:solidFill>
+            <a:schemeClr val="phClr">
+              <a:shade val="95000"/>
+              <a:satMod val="105000"/>
+            </a:schemeClr>
+          </a:solidFill>
+          <a:prstDash val="solid"/>
+        </a:ln>
+        <a:ln w="25400" cap="flat" cmpd="sng" algn="ctr">
+          <a:solidFill>
+            <a:schemeClr val="phClr"/>
+          </a:solidFill>
+          <a:prstDash val="solid"/>
+        </a:ln>
+        <a:ln w="38100" cap="flat" cmpd="sng" algn="ctr">
+          <a:solidFill>
+            <a:schemeClr val="phClr"/>
+          </a:solidFill>
+          <a:prstDash val="solid"/>
+        </a:ln>
+      </a:lnStyleLst>
+      <a:effectStyleLst>
+        <a:effectStyle>
+          <a:effectLst>
+            <a:outerShdw blurRad="40000" dist="20000" dir="5400000" rotWithShape="0">
+              <a:srgbClr val="000000">
+                <a:alpha val="38000"/>
+              </a:srgbClr>
+            </a:outerShdw>
+          </a:effectLst>
+        </a:effectStyle>
+        <a:effectStyle>
+          <a:effectLst>
+            <a:outerShdw blurRad="40000" dist="23000" dir="5400000" rotWithShape="0">
+              <a:srgbClr val="000000">
+                <a:alpha val="35000"/>
+              </a:srgbClr>
+            </a:outerShdw>
+          </a:effectLst>
+        </a:effectStyle>
+        <a:effectStyle>
+          <a:effectLst>
+            <a:outerShdw blurRad="40000" dist="23000" dir="5400000" rotWithShape="0">
+              <a:srgbClr val="000000">
+                <a:alpha val="35000"/>
+              </a:srgbClr>
+            </a:outerShdw>
+          </a:effectLst>
+          <a:scene3d>
+            <a:camera prst="orthographicFront">
+              <a:rot lat="0" lon="0" rev="0"/>
+            </a:camera>
+            <a:lightRig rig="threePt" dir="t">
+              <a:rot lat="0" lon="0" rev="1200000"/>
+            </a:lightRig>
+          </a:scene3d>
+          <a:sp3d>
+            <a:bevelT w="63500" h="25400"/>
+          </a:sp3d>
+        </a:effectStyle>
+      </a:effectStyleLst>
+      <a:bgFillStyleLst>
+        <a:solidFill>
+          <a:schemeClr val="phClr"/>
+        </a:solidFill>
+        <a:gradFill rotWithShape="1">
+          <a:gsLst>
+            <a:gs pos="0">
+              <a:schemeClr val="phClr">
+                <a:tint val="40000"/>
+                <a:satMod val="350000"/>
+              </a:schemeClr>
+            </a:gs>
+            <a:gs pos="40000">
+              <a:schemeClr val="phClr">
+                <a:tint val="45000"/>
+                <a:shade val="99000"/>
+                <a:satMod val="350000"/>
+              </a:schemeClr>
+            </a:gs>
+            <a:gs pos="100000">
+              <a:schemeClr val="phClr">
+                <a:shade val="20000"/>
+                <a:satMod val="255000"/>
+              </a:schemeClr>
+            </a:gs>
+          </a:gsLst>
+          <a:path path="circle">
+            <a:fillToRect l="50000" t="-80000" r="50000" b="180000"/>
+          </a:path>
+        </a:gradFill>
+        <a:gradFill rotWithShape="1">
+          <a:gsLst>
+            <a:gs pos="0">
+              <a:schemeClr val="phClr">
+                <a:tint val="80000"/>
+                <a:satMod val="300000"/>
+              </a:schemeClr>
+            </a:gs>
+            <a:gs pos="100000">
+              <a:schemeClr val="phClr">
+                <a:shade val="30000"/>
+                <a:satMod val="200000"/>
+              </a:schemeClr>
+            </a:gs>
+          </a:gsLst>
+          <a:path path="circle">
+            <a:fillToRect l="50000" t="50000" r="50000" b="50000"/>
+          </a:path>
+        </a:gradFill>
+      </a:bgFillStyleLst>
+    </a:fmtScheme>
+  </a:themeElements>
+</a:theme>
 </file>